--- a/112_Bhavesh Lohana_abstract.pptx
+++ b/112_Bhavesh Lohana_abstract.pptx
@@ -1,38 +1,47 @@
 
 <file path=ppt/presentation.xml><?xml version="1.0" encoding="utf-8"?>
-<p:presentation xmlns:a="http://schemas.openxmlformats.org/drawingml/2006/main" xmlns:r="http://schemas.openxmlformats.org/officeDocument/2006/relationships" xmlns:mc="http://schemas.openxmlformats.org/markup-compatibility/2006" xmlns:mv="urn:schemas-microsoft-com:mac:vml" xmlns:p="http://schemas.openxmlformats.org/presentationml/2006/main" xmlns:c="http://schemas.openxmlformats.org/drawingml/2006/chart" xmlns:dgm="http://schemas.openxmlformats.org/drawingml/2006/diagram" xmlns:o="urn:schemas-microsoft-com:office:office" xmlns:v="urn:schemas-microsoft-com:vml" xmlns:pvml="urn:schemas-microsoft-com:office:powerpoint" xmlns:com="http://schemas.openxmlformats.org/drawingml/2006/compatibility" xmlns:p14="http://schemas.microsoft.com/office/powerpoint/2010/main" xmlns:p15="http://schemas.microsoft.com/office/powerpoint/2012/main" xmlns:ahyp="http://schemas.microsoft.com/office/drawing/2018/hyperlinkcolor" autoCompressPictures="0" embedTrueTypeFonts="1" strictFirstAndLastChars="0" saveSubsetFonts="1">
+<p:presentation xmlns:a="http://schemas.openxmlformats.org/drawingml/2006/main" xmlns:r="http://schemas.openxmlformats.org/officeDocument/2006/relationships" xmlns:p="http://schemas.openxmlformats.org/presentationml/2006/main" strictFirstAndLastChars="0" embedTrueTypeFonts="1" saveSubsetFonts="1" autoCompressPictures="0">
   <p:sldMasterIdLst>
-    <p:sldMasterId id="2147483659" r:id="rId4"/>
+    <p:sldMasterId id="2147483659" r:id="rId1"/>
   </p:sldMasterIdLst>
   <p:notesMasterIdLst>
-    <p:notesMasterId r:id="rId5"/>
+    <p:notesMasterId r:id="rId10"/>
   </p:notesMasterIdLst>
   <p:sldIdLst>
-    <p:sldId id="256" r:id="rId6"/>
-    <p:sldId id="257" r:id="rId7"/>
-    <p:sldId id="258" r:id="rId8"/>
-    <p:sldId id="259" r:id="rId9"/>
-    <p:sldId id="260" r:id="rId10"/>
-    <p:sldId id="261" r:id="rId11"/>
+    <p:sldId id="256" r:id="rId2"/>
+    <p:sldId id="257" r:id="rId3"/>
+    <p:sldId id="262" r:id="rId4"/>
+    <p:sldId id="258" r:id="rId5"/>
+    <p:sldId id="259" r:id="rId6"/>
+    <p:sldId id="263" r:id="rId7"/>
+    <p:sldId id="260" r:id="rId8"/>
+    <p:sldId id="261" r:id="rId9"/>
   </p:sldIdLst>
-  <p:sldSz cy="5143500" cx="9144000"/>
+  <p:sldSz cx="9144000" cy="5143500" type="screen16x9"/>
   <p:notesSz cx="6858000" cy="9144000"/>
   <p:embeddedFontLst>
     <p:embeddedFont>
-      <p:font typeface="Roboto Slab"/>
-      <p:regular r:id="rId12"/>
-      <p:bold r:id="rId13"/>
+      <p:font typeface="Georgia" panose="02040502050405020303" pitchFamily="18" charset="0"/>
+      <p:regular r:id="rId11"/>
+      <p:bold r:id="rId12"/>
+      <p:italic r:id="rId13"/>
+      <p:boldItalic r:id="rId14"/>
     </p:embeddedFont>
     <p:embeddedFont>
-      <p:font typeface="Roboto"/>
-      <p:regular r:id="rId14"/>
-      <p:bold r:id="rId15"/>
-      <p:italic r:id="rId16"/>
-      <p:boldItalic r:id="rId17"/>
+      <p:font typeface="Roboto" panose="020B0604020202020204" charset="0"/>
+      <p:regular r:id="rId15"/>
+      <p:bold r:id="rId16"/>
+      <p:italic r:id="rId17"/>
+      <p:boldItalic r:id="rId18"/>
+    </p:embeddedFont>
+    <p:embeddedFont>
+      <p:font typeface="Roboto Slab" panose="020B0604020202020204" charset="0"/>
+      <p:regular r:id="rId19"/>
+      <p:bold r:id="rId20"/>
     </p:embeddedFont>
   </p:embeddedFontLst>
   <p:defaultTextStyle>
-    <a:defPPr lvl="0" marR="0" rtl="0" algn="l">
+    <a:defPPr marR="0" lvl="0" algn="l" rtl="0">
       <a:lnSpc>
         <a:spcPct val="100000"/>
       </a:lnSpc>
@@ -43,7 +52,7 @@
         <a:spcPts val="0"/>
       </a:spcAft>
     </a:defPPr>
-    <a:lvl1pPr lvl="0" marR="0" rtl="0" algn="l">
+    <a:lvl1pPr marR="0" lvl="0" algn="l" rtl="0">
       <a:lnSpc>
         <a:spcPct val="100000"/>
       </a:lnSpc>
@@ -57,7 +66,7 @@
         <a:srgbClr val="000000"/>
       </a:buClr>
       <a:buFont typeface="Arial"/>
-      <a:defRPr b="0" i="0" sz="1400" u="none" cap="none" strike="noStrike">
+      <a:defRPr sz="1400" b="0" i="0" u="none" strike="noStrike" cap="none">
         <a:solidFill>
           <a:srgbClr val="000000"/>
         </a:solidFill>
@@ -67,7 +76,7 @@
         <a:sym typeface="Arial"/>
       </a:defRPr>
     </a:lvl1pPr>
-    <a:lvl2pPr lvl="1" marR="0" rtl="0" algn="l">
+    <a:lvl2pPr marR="0" lvl="1" algn="l" rtl="0">
       <a:lnSpc>
         <a:spcPct val="100000"/>
       </a:lnSpc>
@@ -81,7 +90,7 @@
         <a:srgbClr val="000000"/>
       </a:buClr>
       <a:buFont typeface="Arial"/>
-      <a:defRPr b="0" i="0" sz="1400" u="none" cap="none" strike="noStrike">
+      <a:defRPr sz="1400" b="0" i="0" u="none" strike="noStrike" cap="none">
         <a:solidFill>
           <a:srgbClr val="000000"/>
         </a:solidFill>
@@ -91,7 +100,7 @@
         <a:sym typeface="Arial"/>
       </a:defRPr>
     </a:lvl2pPr>
-    <a:lvl3pPr lvl="2" marR="0" rtl="0" algn="l">
+    <a:lvl3pPr marR="0" lvl="2" algn="l" rtl="0">
       <a:lnSpc>
         <a:spcPct val="100000"/>
       </a:lnSpc>
@@ -105,7 +114,7 @@
         <a:srgbClr val="000000"/>
       </a:buClr>
       <a:buFont typeface="Arial"/>
-      <a:defRPr b="0" i="0" sz="1400" u="none" cap="none" strike="noStrike">
+      <a:defRPr sz="1400" b="0" i="0" u="none" strike="noStrike" cap="none">
         <a:solidFill>
           <a:srgbClr val="000000"/>
         </a:solidFill>
@@ -115,7 +124,7 @@
         <a:sym typeface="Arial"/>
       </a:defRPr>
     </a:lvl3pPr>
-    <a:lvl4pPr lvl="3" marR="0" rtl="0" algn="l">
+    <a:lvl4pPr marR="0" lvl="3" algn="l" rtl="0">
       <a:lnSpc>
         <a:spcPct val="100000"/>
       </a:lnSpc>
@@ -129,7 +138,7 @@
         <a:srgbClr val="000000"/>
       </a:buClr>
       <a:buFont typeface="Arial"/>
-      <a:defRPr b="0" i="0" sz="1400" u="none" cap="none" strike="noStrike">
+      <a:defRPr sz="1400" b="0" i="0" u="none" strike="noStrike" cap="none">
         <a:solidFill>
           <a:srgbClr val="000000"/>
         </a:solidFill>
@@ -139,7 +148,7 @@
         <a:sym typeface="Arial"/>
       </a:defRPr>
     </a:lvl4pPr>
-    <a:lvl5pPr lvl="4" marR="0" rtl="0" algn="l">
+    <a:lvl5pPr marR="0" lvl="4" algn="l" rtl="0">
       <a:lnSpc>
         <a:spcPct val="100000"/>
       </a:lnSpc>
@@ -153,7 +162,7 @@
         <a:srgbClr val="000000"/>
       </a:buClr>
       <a:buFont typeface="Arial"/>
-      <a:defRPr b="0" i="0" sz="1400" u="none" cap="none" strike="noStrike">
+      <a:defRPr sz="1400" b="0" i="0" u="none" strike="noStrike" cap="none">
         <a:solidFill>
           <a:srgbClr val="000000"/>
         </a:solidFill>
@@ -163,7 +172,7 @@
         <a:sym typeface="Arial"/>
       </a:defRPr>
     </a:lvl5pPr>
-    <a:lvl6pPr lvl="5" marR="0" rtl="0" algn="l">
+    <a:lvl6pPr marR="0" lvl="5" algn="l" rtl="0">
       <a:lnSpc>
         <a:spcPct val="100000"/>
       </a:lnSpc>
@@ -177,7 +186,7 @@
         <a:srgbClr val="000000"/>
       </a:buClr>
       <a:buFont typeface="Arial"/>
-      <a:defRPr b="0" i="0" sz="1400" u="none" cap="none" strike="noStrike">
+      <a:defRPr sz="1400" b="0" i="0" u="none" strike="noStrike" cap="none">
         <a:solidFill>
           <a:srgbClr val="000000"/>
         </a:solidFill>
@@ -187,7 +196,7 @@
         <a:sym typeface="Arial"/>
       </a:defRPr>
     </a:lvl6pPr>
-    <a:lvl7pPr lvl="6" marR="0" rtl="0" algn="l">
+    <a:lvl7pPr marR="0" lvl="6" algn="l" rtl="0">
       <a:lnSpc>
         <a:spcPct val="100000"/>
       </a:lnSpc>
@@ -201,7 +210,7 @@
         <a:srgbClr val="000000"/>
       </a:buClr>
       <a:buFont typeface="Arial"/>
-      <a:defRPr b="0" i="0" sz="1400" u="none" cap="none" strike="noStrike">
+      <a:defRPr sz="1400" b="0" i="0" u="none" strike="noStrike" cap="none">
         <a:solidFill>
           <a:srgbClr val="000000"/>
         </a:solidFill>
@@ -211,7 +220,7 @@
         <a:sym typeface="Arial"/>
       </a:defRPr>
     </a:lvl7pPr>
-    <a:lvl8pPr lvl="7" marR="0" rtl="0" algn="l">
+    <a:lvl8pPr marR="0" lvl="7" algn="l" rtl="0">
       <a:lnSpc>
         <a:spcPct val="100000"/>
       </a:lnSpc>
@@ -225,7 +234,7 @@
         <a:srgbClr val="000000"/>
       </a:buClr>
       <a:buFont typeface="Arial"/>
-      <a:defRPr b="0" i="0" sz="1400" u="none" cap="none" strike="noStrike">
+      <a:defRPr sz="1400" b="0" i="0" u="none" strike="noStrike" cap="none">
         <a:solidFill>
           <a:srgbClr val="000000"/>
         </a:solidFill>
@@ -235,7 +244,7 @@
         <a:sym typeface="Arial"/>
       </a:defRPr>
     </a:lvl8pPr>
-    <a:lvl9pPr lvl="8" marR="0" rtl="0" algn="l">
+    <a:lvl9pPr marR="0" lvl="8" algn="l" rtl="0">
       <a:lnSpc>
         <a:spcPct val="100000"/>
       </a:lnSpc>
@@ -249,7 +258,7 @@
         <a:srgbClr val="000000"/>
       </a:buClr>
       <a:buFont typeface="Arial"/>
-      <a:defRPr b="0" i="0" sz="1400" u="none" cap="none" strike="noStrike">
+      <a:defRPr sz="1400" b="0" i="0" u="none" strike="noStrike" cap="none">
         <a:solidFill>
           <a:srgbClr val="000000"/>
         </a:solidFill>
@@ -262,7 +271,7 @@
   </p:defaultTextStyle>
   <p:extLst>
     <p:ext uri="{EFAFB233-063F-42B5-8137-9DF3F51BA10A}">
-      <p15:sldGuideLst>
+      <p15:sldGuideLst xmlns:p15="http://schemas.microsoft.com/office/powerpoint/2012/main">
         <p15:guide id="1" orient="horz" pos="1620">
           <p15:clr>
             <a:srgbClr val="A4A3A4"/>
@@ -280,11 +289,16 @@
 </file>
 
 <file path=ppt/notesMasters/notesMaster1.xml><?xml version="1.0" encoding="utf-8"?>
-<p:notesMaster xmlns:a="http://schemas.openxmlformats.org/drawingml/2006/main" xmlns:r="http://schemas.openxmlformats.org/officeDocument/2006/relationships" xmlns:mc="http://schemas.openxmlformats.org/markup-compatibility/2006" xmlns:mv="urn:schemas-microsoft-com:mac:vml" xmlns:p="http://schemas.openxmlformats.org/presentationml/2006/main" xmlns:c="http://schemas.openxmlformats.org/drawingml/2006/chart" xmlns:dgm="http://schemas.openxmlformats.org/drawingml/2006/diagram" xmlns:o="urn:schemas-microsoft-com:office:office" xmlns:v="urn:schemas-microsoft-com:vml" xmlns:pvml="urn:schemas-microsoft-com:office:powerpoint" xmlns:com="http://schemas.openxmlformats.org/drawingml/2006/compatibility" xmlns:p14="http://schemas.microsoft.com/office/powerpoint/2010/main" xmlns:p15="http://schemas.microsoft.com/office/powerpoint/2012/main" xmlns:ahyp="http://schemas.microsoft.com/office/drawing/2018/hyperlinkcolor">
+<p:notesMaster xmlns:a="http://schemas.openxmlformats.org/drawingml/2006/main" xmlns:r="http://schemas.openxmlformats.org/officeDocument/2006/relationships" xmlns:p="http://schemas.openxmlformats.org/presentationml/2006/main">
   <p:cSld>
+    <p:bg>
+      <p:bgRef idx="1001">
+        <a:schemeClr val="bg1"/>
+      </p:bgRef>
+    </p:bg>
     <p:spTree>
       <p:nvGrpSpPr>
-        <p:cNvPr id="2" name="Shape 2"/>
+        <p:cNvPr id="1" name="Shape 2"/>
         <p:cNvGrpSpPr/>
         <p:nvPr/>
       </p:nvGrpSpPr>
@@ -299,9 +313,11 @@
       <p:sp>
         <p:nvSpPr>
           <p:cNvPr id="3" name="Google Shape;3;n"/>
-          <p:cNvSpPr/>
+          <p:cNvSpPr>
+            <a:spLocks noGrp="1" noRot="1" noChangeAspect="1"/>
+          </p:cNvSpPr>
           <p:nvPr>
-            <p:ph idx="2" type="sldImg"/>
+            <p:ph type="sldImg" idx="2"/>
           </p:nvPr>
         </p:nvSpPr>
         <p:spPr>
@@ -310,9 +326,13 @@
             <a:ext cx="6096075" cy="3429000"/>
           </a:xfrm>
           <a:custGeom>
-            <a:rect b="b" l="l" r="r" t="t"/>
+            <a:avLst/>
+            <a:gdLst/>
+            <a:ahLst/>
+            <a:cxnLst/>
+            <a:rect l="l" t="t" r="r" b="b"/>
             <a:pathLst>
-              <a:path extrusionOk="0" h="120000" w="120000">
+              <a:path w="120000" h="120000" extrusionOk="0">
                 <a:moveTo>
                   <a:pt x="0" y="0"/>
                 </a:moveTo>
@@ -330,23 +350,25 @@
             </a:pathLst>
           </a:custGeom>
           <a:noFill/>
-          <a:ln cap="flat" cmpd="sng" w="9525">
+          <a:ln w="9525" cap="flat" cmpd="sng">
             <a:solidFill>
               <a:srgbClr val="000000"/>
             </a:solidFill>
             <a:prstDash val="solid"/>
             <a:round/>
-            <a:headEnd len="sm" w="sm" type="none"/>
-            <a:tailEnd len="sm" w="sm" type="none"/>
+            <a:headEnd type="none" w="sm" len="sm"/>
+            <a:tailEnd type="none" w="sm" len="sm"/>
           </a:ln>
         </p:spPr>
       </p:sp>
       <p:sp>
         <p:nvSpPr>
           <p:cNvPr id="4" name="Google Shape;4;n"/>
-          <p:cNvSpPr txBox="1"/>
+          <p:cNvSpPr txBox="1">
+            <a:spLocks noGrp="1"/>
+          </p:cNvSpPr>
           <p:nvPr>
-            <p:ph idx="1" type="body"/>
+            <p:ph type="body" idx="1"/>
           </p:nvPr>
         </p:nvSpPr>
         <p:spPr>
@@ -363,11 +385,11 @@
           </a:ln>
         </p:spPr>
         <p:txBody>
-          <a:bodyPr anchorCtr="0" anchor="t" bIns="91425" lIns="91425" spcFirstLastPara="1" rIns="91425" wrap="square" tIns="91425">
+          <a:bodyPr spcFirstLastPara="1" wrap="square" lIns="91425" tIns="91425" rIns="91425" bIns="91425" anchor="t" anchorCtr="0">
             <a:noAutofit/>
           </a:bodyPr>
           <a:lstStyle>
-            <a:lvl1pPr indent="-298450" lvl="0" marL="457200" marR="0" rtl="0" algn="l">
+            <a:lvl1pPr marL="457200" marR="0" lvl="0" indent="-298450" algn="l" rtl="0">
               <a:lnSpc>
                 <a:spcPct val="100000"/>
               </a:lnSpc>
@@ -383,7 +405,7 @@
               <a:buSzPts val="1100"/>
               <a:buFont typeface="Arial"/>
               <a:buChar char="●"/>
-              <a:defRPr b="0" i="0" sz="1100" u="none" cap="none" strike="noStrike">
+              <a:defRPr sz="1100" b="0" i="0" u="none" strike="noStrike" cap="none">
                 <a:solidFill>
                   <a:srgbClr val="000000"/>
                 </a:solidFill>
@@ -393,7 +415,7 @@
                 <a:sym typeface="Arial"/>
               </a:defRPr>
             </a:lvl1pPr>
-            <a:lvl2pPr indent="-298450" lvl="1" marL="914400" marR="0" rtl="0" algn="l">
+            <a:lvl2pPr marL="914400" marR="0" lvl="1" indent="-298450" algn="l" rtl="0">
               <a:lnSpc>
                 <a:spcPct val="100000"/>
               </a:lnSpc>
@@ -409,7 +431,7 @@
               <a:buSzPts val="1100"/>
               <a:buFont typeface="Arial"/>
               <a:buChar char="○"/>
-              <a:defRPr b="0" i="0" sz="1100" u="none" cap="none" strike="noStrike">
+              <a:defRPr sz="1100" b="0" i="0" u="none" strike="noStrike" cap="none">
                 <a:solidFill>
                   <a:srgbClr val="000000"/>
                 </a:solidFill>
@@ -419,7 +441,7 @@
                 <a:sym typeface="Arial"/>
               </a:defRPr>
             </a:lvl2pPr>
-            <a:lvl3pPr indent="-298450" lvl="2" marL="1371600" marR="0" rtl="0" algn="l">
+            <a:lvl3pPr marL="1371600" marR="0" lvl="2" indent="-298450" algn="l" rtl="0">
               <a:lnSpc>
                 <a:spcPct val="100000"/>
               </a:lnSpc>
@@ -435,7 +457,7 @@
               <a:buSzPts val="1100"/>
               <a:buFont typeface="Arial"/>
               <a:buChar char="■"/>
-              <a:defRPr b="0" i="0" sz="1100" u="none" cap="none" strike="noStrike">
+              <a:defRPr sz="1100" b="0" i="0" u="none" strike="noStrike" cap="none">
                 <a:solidFill>
                   <a:srgbClr val="000000"/>
                 </a:solidFill>
@@ -445,7 +467,7 @@
                 <a:sym typeface="Arial"/>
               </a:defRPr>
             </a:lvl3pPr>
-            <a:lvl4pPr indent="-298450" lvl="3" marL="1828800" marR="0" rtl="0" algn="l">
+            <a:lvl4pPr marL="1828800" marR="0" lvl="3" indent="-298450" algn="l" rtl="0">
               <a:lnSpc>
                 <a:spcPct val="100000"/>
               </a:lnSpc>
@@ -461,7 +483,7 @@
               <a:buSzPts val="1100"/>
               <a:buFont typeface="Arial"/>
               <a:buChar char="●"/>
-              <a:defRPr b="0" i="0" sz="1100" u="none" cap="none" strike="noStrike">
+              <a:defRPr sz="1100" b="0" i="0" u="none" strike="noStrike" cap="none">
                 <a:solidFill>
                   <a:srgbClr val="000000"/>
                 </a:solidFill>
@@ -471,7 +493,7 @@
                 <a:sym typeface="Arial"/>
               </a:defRPr>
             </a:lvl4pPr>
-            <a:lvl5pPr indent="-298450" lvl="4" marL="2286000" marR="0" rtl="0" algn="l">
+            <a:lvl5pPr marL="2286000" marR="0" lvl="4" indent="-298450" algn="l" rtl="0">
               <a:lnSpc>
                 <a:spcPct val="100000"/>
               </a:lnSpc>
@@ -487,7 +509,7 @@
               <a:buSzPts val="1100"/>
               <a:buFont typeface="Arial"/>
               <a:buChar char="○"/>
-              <a:defRPr b="0" i="0" sz="1100" u="none" cap="none" strike="noStrike">
+              <a:defRPr sz="1100" b="0" i="0" u="none" strike="noStrike" cap="none">
                 <a:solidFill>
                   <a:srgbClr val="000000"/>
                 </a:solidFill>
@@ -497,7 +519,7 @@
                 <a:sym typeface="Arial"/>
               </a:defRPr>
             </a:lvl5pPr>
-            <a:lvl6pPr indent="-298450" lvl="5" marL="2743200" marR="0" rtl="0" algn="l">
+            <a:lvl6pPr marL="2743200" marR="0" lvl="5" indent="-298450" algn="l" rtl="0">
               <a:lnSpc>
                 <a:spcPct val="100000"/>
               </a:lnSpc>
@@ -513,7 +535,7 @@
               <a:buSzPts val="1100"/>
               <a:buFont typeface="Arial"/>
               <a:buChar char="■"/>
-              <a:defRPr b="0" i="0" sz="1100" u="none" cap="none" strike="noStrike">
+              <a:defRPr sz="1100" b="0" i="0" u="none" strike="noStrike" cap="none">
                 <a:solidFill>
                   <a:srgbClr val="000000"/>
                 </a:solidFill>
@@ -523,7 +545,7 @@
                 <a:sym typeface="Arial"/>
               </a:defRPr>
             </a:lvl6pPr>
-            <a:lvl7pPr indent="-298450" lvl="6" marL="3200400" marR="0" rtl="0" algn="l">
+            <a:lvl7pPr marL="3200400" marR="0" lvl="6" indent="-298450" algn="l" rtl="0">
               <a:lnSpc>
                 <a:spcPct val="100000"/>
               </a:lnSpc>
@@ -539,7 +561,7 @@
               <a:buSzPts val="1100"/>
               <a:buFont typeface="Arial"/>
               <a:buChar char="●"/>
-              <a:defRPr b="0" i="0" sz="1100" u="none" cap="none" strike="noStrike">
+              <a:defRPr sz="1100" b="0" i="0" u="none" strike="noStrike" cap="none">
                 <a:solidFill>
                   <a:srgbClr val="000000"/>
                 </a:solidFill>
@@ -549,7 +571,7 @@
                 <a:sym typeface="Arial"/>
               </a:defRPr>
             </a:lvl7pPr>
-            <a:lvl8pPr indent="-298450" lvl="7" marL="3657600" marR="0" rtl="0" algn="l">
+            <a:lvl8pPr marL="3657600" marR="0" lvl="7" indent="-298450" algn="l" rtl="0">
               <a:lnSpc>
                 <a:spcPct val="100000"/>
               </a:lnSpc>
@@ -565,7 +587,7 @@
               <a:buSzPts val="1100"/>
               <a:buFont typeface="Arial"/>
               <a:buChar char="○"/>
-              <a:defRPr b="0" i="0" sz="1100" u="none" cap="none" strike="noStrike">
+              <a:defRPr sz="1100" b="0" i="0" u="none" strike="noStrike" cap="none">
                 <a:solidFill>
                   <a:srgbClr val="000000"/>
                 </a:solidFill>
@@ -575,7 +597,7 @@
                 <a:sym typeface="Arial"/>
               </a:defRPr>
             </a:lvl8pPr>
-            <a:lvl9pPr indent="-298450" lvl="8" marL="4114800" marR="0" rtl="0" algn="l">
+            <a:lvl9pPr marL="4114800" marR="0" lvl="8" indent="-298450" algn="l" rtl="0">
               <a:lnSpc>
                 <a:spcPct val="100000"/>
               </a:lnSpc>
@@ -591,7 +613,7 @@
               <a:buSzPts val="1100"/>
               <a:buFont typeface="Arial"/>
               <a:buChar char="■"/>
-              <a:defRPr b="0" i="0" sz="1100" u="none" cap="none" strike="noStrike">
+              <a:defRPr sz="1100" b="0" i="0" u="none" strike="noStrike" cap="none">
                 <a:solidFill>
                   <a:srgbClr val="000000"/>
                 </a:solidFill>
@@ -602,14 +624,16 @@
               </a:defRPr>
             </a:lvl9pPr>
           </a:lstStyle>
-          <a:p/>
+          <a:p>
+            <a:endParaRPr/>
+          </a:p>
         </p:txBody>
       </p:sp>
     </p:spTree>
   </p:cSld>
-  <p:clrMap accent1="accent1" accent2="accent2" accent3="accent3" accent4="accent4" accent5="accent5" accent6="accent6" bg1="lt1" bg2="dk2" tx1="dk1" tx2="lt2" folHlink="folHlink" hlink="hlink"/>
+  <p:clrMap bg1="lt1" tx1="dk1" bg2="dk2" tx2="lt2" accent1="accent1" accent2="accent2" accent3="accent3" accent4="accent4" accent5="accent5" accent6="accent6" hlink="hlink" folHlink="folHlink"/>
   <p:notesStyle>
-    <a:defPPr lvl="0" marR="0" rtl="0" algn="l">
+    <a:defPPr marR="0" lvl="0" algn="l" rtl="0">
       <a:lnSpc>
         <a:spcPct val="100000"/>
       </a:lnSpc>
@@ -620,7 +644,7 @@
         <a:spcPts val="0"/>
       </a:spcAft>
     </a:defPPr>
-    <a:lvl1pPr lvl="0" marR="0" rtl="0" algn="l">
+    <a:lvl1pPr marR="0" lvl="0" algn="l" rtl="0">
       <a:lnSpc>
         <a:spcPct val="100000"/>
       </a:lnSpc>
@@ -634,7 +658,7 @@
         <a:srgbClr val="000000"/>
       </a:buClr>
       <a:buFont typeface="Arial"/>
-      <a:defRPr b="0" i="0" sz="1400" u="none" cap="none" strike="noStrike">
+      <a:defRPr sz="1400" b="0" i="0" u="none" strike="noStrike" cap="none">
         <a:solidFill>
           <a:srgbClr val="000000"/>
         </a:solidFill>
@@ -644,7 +668,7 @@
         <a:sym typeface="Arial"/>
       </a:defRPr>
     </a:lvl1pPr>
-    <a:lvl2pPr lvl="1" marR="0" rtl="0" algn="l">
+    <a:lvl2pPr marR="0" lvl="1" algn="l" rtl="0">
       <a:lnSpc>
         <a:spcPct val="100000"/>
       </a:lnSpc>
@@ -658,7 +682,7 @@
         <a:srgbClr val="000000"/>
       </a:buClr>
       <a:buFont typeface="Arial"/>
-      <a:defRPr b="0" i="0" sz="1400" u="none" cap="none" strike="noStrike">
+      <a:defRPr sz="1400" b="0" i="0" u="none" strike="noStrike" cap="none">
         <a:solidFill>
           <a:srgbClr val="000000"/>
         </a:solidFill>
@@ -668,7 +692,7 @@
         <a:sym typeface="Arial"/>
       </a:defRPr>
     </a:lvl2pPr>
-    <a:lvl3pPr lvl="2" marR="0" rtl="0" algn="l">
+    <a:lvl3pPr marR="0" lvl="2" algn="l" rtl="0">
       <a:lnSpc>
         <a:spcPct val="100000"/>
       </a:lnSpc>
@@ -682,7 +706,7 @@
         <a:srgbClr val="000000"/>
       </a:buClr>
       <a:buFont typeface="Arial"/>
-      <a:defRPr b="0" i="0" sz="1400" u="none" cap="none" strike="noStrike">
+      <a:defRPr sz="1400" b="0" i="0" u="none" strike="noStrike" cap="none">
         <a:solidFill>
           <a:srgbClr val="000000"/>
         </a:solidFill>
@@ -692,7 +716,7 @@
         <a:sym typeface="Arial"/>
       </a:defRPr>
     </a:lvl3pPr>
-    <a:lvl4pPr lvl="3" marR="0" rtl="0" algn="l">
+    <a:lvl4pPr marR="0" lvl="3" algn="l" rtl="0">
       <a:lnSpc>
         <a:spcPct val="100000"/>
       </a:lnSpc>
@@ -706,7 +730,7 @@
         <a:srgbClr val="000000"/>
       </a:buClr>
       <a:buFont typeface="Arial"/>
-      <a:defRPr b="0" i="0" sz="1400" u="none" cap="none" strike="noStrike">
+      <a:defRPr sz="1400" b="0" i="0" u="none" strike="noStrike" cap="none">
         <a:solidFill>
           <a:srgbClr val="000000"/>
         </a:solidFill>
@@ -716,7 +740,7 @@
         <a:sym typeface="Arial"/>
       </a:defRPr>
     </a:lvl4pPr>
-    <a:lvl5pPr lvl="4" marR="0" rtl="0" algn="l">
+    <a:lvl5pPr marR="0" lvl="4" algn="l" rtl="0">
       <a:lnSpc>
         <a:spcPct val="100000"/>
       </a:lnSpc>
@@ -730,7 +754,7 @@
         <a:srgbClr val="000000"/>
       </a:buClr>
       <a:buFont typeface="Arial"/>
-      <a:defRPr b="0" i="0" sz="1400" u="none" cap="none" strike="noStrike">
+      <a:defRPr sz="1400" b="0" i="0" u="none" strike="noStrike" cap="none">
         <a:solidFill>
           <a:srgbClr val="000000"/>
         </a:solidFill>
@@ -740,7 +764,7 @@
         <a:sym typeface="Arial"/>
       </a:defRPr>
     </a:lvl5pPr>
-    <a:lvl6pPr lvl="5" marR="0" rtl="0" algn="l">
+    <a:lvl6pPr marR="0" lvl="5" algn="l" rtl="0">
       <a:lnSpc>
         <a:spcPct val="100000"/>
       </a:lnSpc>
@@ -754,7 +778,7 @@
         <a:srgbClr val="000000"/>
       </a:buClr>
       <a:buFont typeface="Arial"/>
-      <a:defRPr b="0" i="0" sz="1400" u="none" cap="none" strike="noStrike">
+      <a:defRPr sz="1400" b="0" i="0" u="none" strike="noStrike" cap="none">
         <a:solidFill>
           <a:srgbClr val="000000"/>
         </a:solidFill>
@@ -764,7 +788,7 @@
         <a:sym typeface="Arial"/>
       </a:defRPr>
     </a:lvl6pPr>
-    <a:lvl7pPr lvl="6" marR="0" rtl="0" algn="l">
+    <a:lvl7pPr marR="0" lvl="6" algn="l" rtl="0">
       <a:lnSpc>
         <a:spcPct val="100000"/>
       </a:lnSpc>
@@ -778,7 +802,7 @@
         <a:srgbClr val="000000"/>
       </a:buClr>
       <a:buFont typeface="Arial"/>
-      <a:defRPr b="0" i="0" sz="1400" u="none" cap="none" strike="noStrike">
+      <a:defRPr sz="1400" b="0" i="0" u="none" strike="noStrike" cap="none">
         <a:solidFill>
           <a:srgbClr val="000000"/>
         </a:solidFill>
@@ -788,7 +812,7 @@
         <a:sym typeface="Arial"/>
       </a:defRPr>
     </a:lvl7pPr>
-    <a:lvl8pPr lvl="7" marR="0" rtl="0" algn="l">
+    <a:lvl8pPr marR="0" lvl="7" algn="l" rtl="0">
       <a:lnSpc>
         <a:spcPct val="100000"/>
       </a:lnSpc>
@@ -802,7 +826,7 @@
         <a:srgbClr val="000000"/>
       </a:buClr>
       <a:buFont typeface="Arial"/>
-      <a:defRPr b="0" i="0" sz="1400" u="none" cap="none" strike="noStrike">
+      <a:defRPr sz="1400" b="0" i="0" u="none" strike="noStrike" cap="none">
         <a:solidFill>
           <a:srgbClr val="000000"/>
         </a:solidFill>
@@ -812,7 +836,7 @@
         <a:sym typeface="Arial"/>
       </a:defRPr>
     </a:lvl8pPr>
-    <a:lvl9pPr lvl="8" marR="0" rtl="0" algn="l">
+    <a:lvl9pPr marR="0" lvl="8" algn="l" rtl="0">
       <a:lnSpc>
         <a:spcPct val="100000"/>
       </a:lnSpc>
@@ -826,7 +850,7 @@
         <a:srgbClr val="000000"/>
       </a:buClr>
       <a:buFont typeface="Arial"/>
-      <a:defRPr b="0" i="0" sz="1400" u="none" cap="none" strike="noStrike">
+      <a:defRPr sz="1400" b="0" i="0" u="none" strike="noStrike" cap="none">
         <a:solidFill>
           <a:srgbClr val="000000"/>
         </a:solidFill>
@@ -841,11 +865,11 @@
 </file>
 
 <file path=ppt/notesSlides/notesSlide1.xml><?xml version="1.0" encoding="utf-8"?>
-<p:notes xmlns:a="http://schemas.openxmlformats.org/drawingml/2006/main" xmlns:r="http://schemas.openxmlformats.org/officeDocument/2006/relationships" xmlns:mc="http://schemas.openxmlformats.org/markup-compatibility/2006" xmlns:mv="urn:schemas-microsoft-com:mac:vml" xmlns:p="http://schemas.openxmlformats.org/presentationml/2006/main" xmlns:c="http://schemas.openxmlformats.org/drawingml/2006/chart" xmlns:dgm="http://schemas.openxmlformats.org/drawingml/2006/diagram" xmlns:o="urn:schemas-microsoft-com:office:office" xmlns:v="urn:schemas-microsoft-com:vml" xmlns:pvml="urn:schemas-microsoft-com:office:powerpoint" xmlns:com="http://schemas.openxmlformats.org/drawingml/2006/compatibility" xmlns:p14="http://schemas.microsoft.com/office/powerpoint/2010/main" xmlns:p15="http://schemas.microsoft.com/office/powerpoint/2012/main" xmlns:ahyp="http://schemas.microsoft.com/office/drawing/2018/hyperlinkcolor" showMasterPhAnim="0" showMasterSp="0">
+<p:notes xmlns:a="http://schemas.openxmlformats.org/drawingml/2006/main" xmlns:r="http://schemas.openxmlformats.org/officeDocument/2006/relationships" xmlns:p="http://schemas.openxmlformats.org/presentationml/2006/main" showMasterSp="0" showMasterPhAnim="0">
   <p:cSld>
     <p:spTree>
       <p:nvGrpSpPr>
-        <p:cNvPr id="59" name="Shape 59"/>
+        <p:cNvPr id="1" name="Shape 59"/>
         <p:cNvGrpSpPr/>
         <p:nvPr/>
       </p:nvGrpSpPr>
@@ -860,9 +884,11 @@
       <p:sp>
         <p:nvSpPr>
           <p:cNvPr id="60" name="Google Shape;60;p1:notes"/>
-          <p:cNvSpPr/>
+          <p:cNvSpPr>
+            <a:spLocks noGrp="1" noRot="1" noChangeAspect="1"/>
+          </p:cNvSpPr>
           <p:nvPr>
-            <p:ph idx="2" type="sldImg"/>
+            <p:ph type="sldImg" idx="2"/>
           </p:nvPr>
         </p:nvSpPr>
         <p:spPr>
@@ -871,9 +897,13 @@
             <a:ext cx="6096000" cy="3429000"/>
           </a:xfrm>
           <a:custGeom>
-            <a:rect b="b" l="l" r="r" t="t"/>
+            <a:avLst/>
+            <a:gdLst/>
+            <a:ahLst/>
+            <a:cxnLst/>
+            <a:rect l="l" t="t" r="r" b="b"/>
             <a:pathLst>
-              <a:path extrusionOk="0" h="120000" w="120000">
+              <a:path w="120000" h="120000" extrusionOk="0">
                 <a:moveTo>
                   <a:pt x="0" y="0"/>
                 </a:moveTo>
@@ -891,23 +921,25 @@
             </a:pathLst>
           </a:custGeom>
           <a:noFill/>
-          <a:ln cap="flat" cmpd="sng" w="9525">
+          <a:ln w="9525" cap="flat" cmpd="sng">
             <a:solidFill>
               <a:srgbClr val="000000"/>
             </a:solidFill>
             <a:prstDash val="solid"/>
             <a:round/>
-            <a:headEnd len="sm" w="sm" type="none"/>
-            <a:tailEnd len="sm" w="sm" type="none"/>
+            <a:headEnd type="none" w="sm" len="sm"/>
+            <a:tailEnd type="none" w="sm" len="sm"/>
           </a:ln>
         </p:spPr>
       </p:sp>
       <p:sp>
         <p:nvSpPr>
           <p:cNvPr id="61" name="Google Shape;61;p1:notes"/>
-          <p:cNvSpPr txBox="1"/>
+          <p:cNvSpPr txBox="1">
+            <a:spLocks noGrp="1"/>
+          </p:cNvSpPr>
           <p:nvPr>
-            <p:ph idx="1" type="body"/>
+            <p:ph type="body" idx="1"/>
           </p:nvPr>
         </p:nvSpPr>
         <p:spPr>
@@ -924,12 +956,12 @@
           </a:ln>
         </p:spPr>
         <p:txBody>
-          <a:bodyPr anchorCtr="0" anchor="t" bIns="91425" lIns="91425" spcFirstLastPara="1" rIns="91425" wrap="square" tIns="91425">
+          <a:bodyPr spcFirstLastPara="1" wrap="square" lIns="91425" tIns="91425" rIns="91425" bIns="91425" anchor="t" anchorCtr="0">
             <a:noAutofit/>
           </a:bodyPr>
           <a:lstStyle/>
           <a:p>
-            <a:pPr indent="0" lvl="0" marL="0" rtl="0" algn="l">
+            <a:pPr marL="0" lvl="0" indent="0" algn="l" rtl="0">
               <a:lnSpc>
                 <a:spcPct val="100000"/>
               </a:lnSpc>
@@ -942,9 +974,6 @@
               <a:buSzPts val="1100"/>
               <a:buNone/>
             </a:pPr>
-            <a:r>
-              <a:t/>
-            </a:r>
             <a:endParaRPr/>
           </a:p>
         </p:txBody>
@@ -958,11 +987,11 @@
 </file>
 
 <file path=ppt/notesSlides/notesSlide2.xml><?xml version="1.0" encoding="utf-8"?>
-<p:notes xmlns:a="http://schemas.openxmlformats.org/drawingml/2006/main" xmlns:r="http://schemas.openxmlformats.org/officeDocument/2006/relationships" xmlns:mc="http://schemas.openxmlformats.org/markup-compatibility/2006" xmlns:mv="urn:schemas-microsoft-com:mac:vml" xmlns:p="http://schemas.openxmlformats.org/presentationml/2006/main" xmlns:c="http://schemas.openxmlformats.org/drawingml/2006/chart" xmlns:dgm="http://schemas.openxmlformats.org/drawingml/2006/diagram" xmlns:o="urn:schemas-microsoft-com:office:office" xmlns:v="urn:schemas-microsoft-com:vml" xmlns:pvml="urn:schemas-microsoft-com:office:powerpoint" xmlns:com="http://schemas.openxmlformats.org/drawingml/2006/compatibility" xmlns:p14="http://schemas.microsoft.com/office/powerpoint/2010/main" xmlns:p15="http://schemas.microsoft.com/office/powerpoint/2012/main" xmlns:ahyp="http://schemas.microsoft.com/office/drawing/2018/hyperlinkcolor" showMasterPhAnim="0" showMasterSp="0">
+<p:notes xmlns:a="http://schemas.openxmlformats.org/drawingml/2006/main" xmlns:r="http://schemas.openxmlformats.org/officeDocument/2006/relationships" xmlns:p="http://schemas.openxmlformats.org/presentationml/2006/main" showMasterSp="0" showMasterPhAnim="0">
   <p:cSld>
     <p:spTree>
       <p:nvGrpSpPr>
-        <p:cNvPr id="69" name="Shape 69"/>
+        <p:cNvPr id="1" name="Shape 69"/>
         <p:cNvGrpSpPr/>
         <p:nvPr/>
       </p:nvGrpSpPr>
@@ -977,20 +1006,26 @@
       <p:sp>
         <p:nvSpPr>
           <p:cNvPr id="70" name="Google Shape;70;p2:notes"/>
-          <p:cNvSpPr/>
+          <p:cNvSpPr>
+            <a:spLocks noGrp="1" noRot="1" noChangeAspect="1"/>
+          </p:cNvSpPr>
           <p:nvPr>
-            <p:ph idx="2" type="sldImg"/>
+            <p:ph type="sldImg" idx="2"/>
           </p:nvPr>
         </p:nvSpPr>
         <p:spPr>
           <a:xfrm>
-            <a:off x="381300" y="685800"/>
+            <a:off x="381000" y="685800"/>
             <a:ext cx="6096000" cy="3429000"/>
           </a:xfrm>
           <a:custGeom>
-            <a:rect b="b" l="l" r="r" t="t"/>
+            <a:avLst/>
+            <a:gdLst/>
+            <a:ahLst/>
+            <a:cxnLst/>
+            <a:rect l="l" t="t" r="r" b="b"/>
             <a:pathLst>
-              <a:path extrusionOk="0" h="120000" w="120000">
+              <a:path w="120000" h="120000" extrusionOk="0">
                 <a:moveTo>
                   <a:pt x="0" y="0"/>
                 </a:moveTo>
@@ -1008,23 +1043,25 @@
             </a:pathLst>
           </a:custGeom>
           <a:noFill/>
-          <a:ln cap="flat" cmpd="sng" w="9525">
+          <a:ln w="9525" cap="flat" cmpd="sng">
             <a:solidFill>
               <a:srgbClr val="000000"/>
             </a:solidFill>
             <a:prstDash val="solid"/>
             <a:round/>
-            <a:headEnd len="sm" w="sm" type="none"/>
-            <a:tailEnd len="sm" w="sm" type="none"/>
+            <a:headEnd type="none" w="sm" len="sm"/>
+            <a:tailEnd type="none" w="sm" len="sm"/>
           </a:ln>
         </p:spPr>
       </p:sp>
       <p:sp>
         <p:nvSpPr>
           <p:cNvPr id="71" name="Google Shape;71;p2:notes"/>
-          <p:cNvSpPr txBox="1"/>
+          <p:cNvSpPr txBox="1">
+            <a:spLocks noGrp="1"/>
+          </p:cNvSpPr>
           <p:nvPr>
-            <p:ph idx="1" type="body"/>
+            <p:ph type="body" idx="1"/>
           </p:nvPr>
         </p:nvSpPr>
         <p:spPr>
@@ -1041,12 +1078,12 @@
           </a:ln>
         </p:spPr>
         <p:txBody>
-          <a:bodyPr anchorCtr="0" anchor="t" bIns="91425" lIns="91425" spcFirstLastPara="1" rIns="91425" wrap="square" tIns="91425">
+          <a:bodyPr spcFirstLastPara="1" wrap="square" lIns="91425" tIns="91425" rIns="91425" bIns="91425" anchor="t" anchorCtr="0">
             <a:noAutofit/>
           </a:bodyPr>
           <a:lstStyle/>
           <a:p>
-            <a:pPr indent="0" lvl="0" marL="0" rtl="0" algn="l">
+            <a:pPr marL="0" lvl="0" indent="0" algn="l" rtl="0">
               <a:lnSpc>
                 <a:spcPct val="100000"/>
               </a:lnSpc>
@@ -1059,9 +1096,6 @@
               <a:buSzPts val="1100"/>
               <a:buNone/>
             </a:pPr>
-            <a:r>
-              <a:t/>
-            </a:r>
             <a:endParaRPr/>
           </a:p>
         </p:txBody>
@@ -1075,11 +1109,11 @@
 </file>
 
 <file path=ppt/notesSlides/notesSlide3.xml><?xml version="1.0" encoding="utf-8"?>
-<p:notes xmlns:a="http://schemas.openxmlformats.org/drawingml/2006/main" xmlns:r="http://schemas.openxmlformats.org/officeDocument/2006/relationships" xmlns:mc="http://schemas.openxmlformats.org/markup-compatibility/2006" xmlns:mv="urn:schemas-microsoft-com:mac:vml" xmlns:p="http://schemas.openxmlformats.org/presentationml/2006/main" xmlns:c="http://schemas.openxmlformats.org/drawingml/2006/chart" xmlns:dgm="http://schemas.openxmlformats.org/drawingml/2006/diagram" xmlns:o="urn:schemas-microsoft-com:office:office" xmlns:v="urn:schemas-microsoft-com:vml" xmlns:pvml="urn:schemas-microsoft-com:office:powerpoint" xmlns:com="http://schemas.openxmlformats.org/drawingml/2006/compatibility" xmlns:p14="http://schemas.microsoft.com/office/powerpoint/2010/main" xmlns:p15="http://schemas.microsoft.com/office/powerpoint/2012/main" xmlns:ahyp="http://schemas.microsoft.com/office/drawing/2018/hyperlinkcolor" showMasterPhAnim="0" showMasterSp="0">
+<p:notes xmlns:a="http://schemas.openxmlformats.org/drawingml/2006/main" xmlns:r="http://schemas.openxmlformats.org/officeDocument/2006/relationships" xmlns:p="http://schemas.openxmlformats.org/presentationml/2006/main" showMasterSp="0" showMasterPhAnim="0">
   <p:cSld>
     <p:spTree>
       <p:nvGrpSpPr>
-        <p:cNvPr id="75" name="Shape 75"/>
+        <p:cNvPr id="1" name="Shape 69"/>
         <p:cNvGrpSpPr/>
         <p:nvPr/>
       </p:nvGrpSpPr>
@@ -1093,21 +1127,27 @@
       </p:grpSpPr>
       <p:sp>
         <p:nvSpPr>
-          <p:cNvPr id="76" name="Google Shape;76;p3:notes"/>
-          <p:cNvSpPr/>
+          <p:cNvPr id="70" name="Google Shape;70;p2:notes"/>
+          <p:cNvSpPr>
+            <a:spLocks noGrp="1" noRot="1" noChangeAspect="1"/>
+          </p:cNvSpPr>
           <p:nvPr>
-            <p:ph idx="2" type="sldImg"/>
+            <p:ph type="sldImg" idx="2"/>
           </p:nvPr>
         </p:nvSpPr>
         <p:spPr>
           <a:xfrm>
-            <a:off x="381300" y="685800"/>
+            <a:off x="381000" y="685800"/>
             <a:ext cx="6096000" cy="3429000"/>
           </a:xfrm>
           <a:custGeom>
-            <a:rect b="b" l="l" r="r" t="t"/>
+            <a:avLst/>
+            <a:gdLst/>
+            <a:ahLst/>
+            <a:cxnLst/>
+            <a:rect l="l" t="t" r="r" b="b"/>
             <a:pathLst>
-              <a:path extrusionOk="0" h="120000" w="120000">
+              <a:path w="120000" h="120000" extrusionOk="0">
                 <a:moveTo>
                   <a:pt x="0" y="0"/>
                 </a:moveTo>
@@ -1125,23 +1165,25 @@
             </a:pathLst>
           </a:custGeom>
           <a:noFill/>
-          <a:ln cap="flat" cmpd="sng" w="9525">
+          <a:ln w="9525" cap="flat" cmpd="sng">
             <a:solidFill>
               <a:srgbClr val="000000"/>
             </a:solidFill>
             <a:prstDash val="solid"/>
             <a:round/>
-            <a:headEnd len="sm" w="sm" type="none"/>
-            <a:tailEnd len="sm" w="sm" type="none"/>
+            <a:headEnd type="none" w="sm" len="sm"/>
+            <a:tailEnd type="none" w="sm" len="sm"/>
           </a:ln>
         </p:spPr>
       </p:sp>
       <p:sp>
         <p:nvSpPr>
-          <p:cNvPr id="77" name="Google Shape;77;p3:notes"/>
-          <p:cNvSpPr txBox="1"/>
+          <p:cNvPr id="71" name="Google Shape;71;p2:notes"/>
+          <p:cNvSpPr txBox="1">
+            <a:spLocks noGrp="1"/>
+          </p:cNvSpPr>
           <p:nvPr>
-            <p:ph idx="1" type="body"/>
+            <p:ph type="body" idx="1"/>
           </p:nvPr>
         </p:nvSpPr>
         <p:spPr>
@@ -1158,12 +1200,12 @@
           </a:ln>
         </p:spPr>
         <p:txBody>
-          <a:bodyPr anchorCtr="0" anchor="t" bIns="91425" lIns="91425" spcFirstLastPara="1" rIns="91425" wrap="square" tIns="91425">
+          <a:bodyPr spcFirstLastPara="1" wrap="square" lIns="91425" tIns="91425" rIns="91425" bIns="91425" anchor="t" anchorCtr="0">
             <a:noAutofit/>
           </a:bodyPr>
           <a:lstStyle/>
           <a:p>
-            <a:pPr indent="0" lvl="0" marL="0" rtl="0" algn="l">
+            <a:pPr marL="0" lvl="0" indent="0" algn="l" rtl="0">
               <a:lnSpc>
                 <a:spcPct val="100000"/>
               </a:lnSpc>
@@ -1176,14 +1218,16 @@
               <a:buSzPts val="1100"/>
               <a:buNone/>
             </a:pPr>
-            <a:r>
-              <a:t/>
-            </a:r>
             <a:endParaRPr/>
           </a:p>
         </p:txBody>
       </p:sp>
     </p:spTree>
+    <p:extLst>
+      <p:ext uri="{BB962C8B-B14F-4D97-AF65-F5344CB8AC3E}">
+        <p14:creationId xmlns:p14="http://schemas.microsoft.com/office/powerpoint/2010/main" val="3687094888"/>
+      </p:ext>
+    </p:extLst>
   </p:cSld>
   <p:clrMapOvr>
     <a:masterClrMapping/>
@@ -1192,11 +1236,11 @@
 </file>
 
 <file path=ppt/notesSlides/notesSlide4.xml><?xml version="1.0" encoding="utf-8"?>
-<p:notes xmlns:a="http://schemas.openxmlformats.org/drawingml/2006/main" xmlns:r="http://schemas.openxmlformats.org/officeDocument/2006/relationships" xmlns:mc="http://schemas.openxmlformats.org/markup-compatibility/2006" xmlns:mv="urn:schemas-microsoft-com:mac:vml" xmlns:p="http://schemas.openxmlformats.org/presentationml/2006/main" xmlns:c="http://schemas.openxmlformats.org/drawingml/2006/chart" xmlns:dgm="http://schemas.openxmlformats.org/drawingml/2006/diagram" xmlns:o="urn:schemas-microsoft-com:office:office" xmlns:v="urn:schemas-microsoft-com:vml" xmlns:pvml="urn:schemas-microsoft-com:office:powerpoint" xmlns:com="http://schemas.openxmlformats.org/drawingml/2006/compatibility" xmlns:p14="http://schemas.microsoft.com/office/powerpoint/2010/main" xmlns:p15="http://schemas.microsoft.com/office/powerpoint/2012/main" xmlns:ahyp="http://schemas.microsoft.com/office/drawing/2018/hyperlinkcolor" showMasterPhAnim="0" showMasterSp="0">
+<p:notes xmlns:a="http://schemas.openxmlformats.org/drawingml/2006/main" xmlns:r="http://schemas.openxmlformats.org/officeDocument/2006/relationships" xmlns:p="http://schemas.openxmlformats.org/presentationml/2006/main" showMasterSp="0" showMasterPhAnim="0">
   <p:cSld>
     <p:spTree>
       <p:nvGrpSpPr>
-        <p:cNvPr id="82" name="Shape 82"/>
+        <p:cNvPr id="1" name="Shape 75"/>
         <p:cNvGrpSpPr/>
         <p:nvPr/>
       </p:nvGrpSpPr>
@@ -1210,21 +1254,27 @@
       </p:grpSpPr>
       <p:sp>
         <p:nvSpPr>
-          <p:cNvPr id="83" name="Google Shape;83;p4:notes"/>
-          <p:cNvSpPr/>
+          <p:cNvPr id="76" name="Google Shape;76;p3:notes"/>
+          <p:cNvSpPr>
+            <a:spLocks noGrp="1" noRot="1" noChangeAspect="1"/>
+          </p:cNvSpPr>
           <p:nvPr>
-            <p:ph idx="2" type="sldImg"/>
+            <p:ph type="sldImg" idx="2"/>
           </p:nvPr>
         </p:nvSpPr>
         <p:spPr>
           <a:xfrm>
-            <a:off x="381300" y="685800"/>
+            <a:off x="381000" y="685800"/>
             <a:ext cx="6096000" cy="3429000"/>
           </a:xfrm>
           <a:custGeom>
-            <a:rect b="b" l="l" r="r" t="t"/>
+            <a:avLst/>
+            <a:gdLst/>
+            <a:ahLst/>
+            <a:cxnLst/>
+            <a:rect l="l" t="t" r="r" b="b"/>
             <a:pathLst>
-              <a:path extrusionOk="0" h="120000" w="120000">
+              <a:path w="120000" h="120000" extrusionOk="0">
                 <a:moveTo>
                   <a:pt x="0" y="0"/>
                 </a:moveTo>
@@ -1242,23 +1292,25 @@
             </a:pathLst>
           </a:custGeom>
           <a:noFill/>
-          <a:ln cap="flat" cmpd="sng" w="9525">
+          <a:ln w="9525" cap="flat" cmpd="sng">
             <a:solidFill>
               <a:srgbClr val="000000"/>
             </a:solidFill>
             <a:prstDash val="solid"/>
             <a:round/>
-            <a:headEnd len="sm" w="sm" type="none"/>
-            <a:tailEnd len="sm" w="sm" type="none"/>
+            <a:headEnd type="none" w="sm" len="sm"/>
+            <a:tailEnd type="none" w="sm" len="sm"/>
           </a:ln>
         </p:spPr>
       </p:sp>
       <p:sp>
         <p:nvSpPr>
-          <p:cNvPr id="84" name="Google Shape;84;p4:notes"/>
-          <p:cNvSpPr txBox="1"/>
+          <p:cNvPr id="77" name="Google Shape;77;p3:notes"/>
+          <p:cNvSpPr txBox="1">
+            <a:spLocks noGrp="1"/>
+          </p:cNvSpPr>
           <p:nvPr>
-            <p:ph idx="1" type="body"/>
+            <p:ph type="body" idx="1"/>
           </p:nvPr>
         </p:nvSpPr>
         <p:spPr>
@@ -1275,12 +1327,12 @@
           </a:ln>
         </p:spPr>
         <p:txBody>
-          <a:bodyPr anchorCtr="0" anchor="t" bIns="91425" lIns="91425" spcFirstLastPara="1" rIns="91425" wrap="square" tIns="91425">
+          <a:bodyPr spcFirstLastPara="1" wrap="square" lIns="91425" tIns="91425" rIns="91425" bIns="91425" anchor="t" anchorCtr="0">
             <a:noAutofit/>
           </a:bodyPr>
           <a:lstStyle/>
           <a:p>
-            <a:pPr indent="0" lvl="0" marL="0" rtl="0" algn="l">
+            <a:pPr marL="0" lvl="0" indent="0" algn="l" rtl="0">
               <a:lnSpc>
                 <a:spcPct val="100000"/>
               </a:lnSpc>
@@ -1293,9 +1345,6 @@
               <a:buSzPts val="1100"/>
               <a:buNone/>
             </a:pPr>
-            <a:r>
-              <a:t/>
-            </a:r>
             <a:endParaRPr/>
           </a:p>
         </p:txBody>
@@ -1309,11 +1358,11 @@
 </file>
 
 <file path=ppt/notesSlides/notesSlide5.xml><?xml version="1.0" encoding="utf-8"?>
-<p:notes xmlns:a="http://schemas.openxmlformats.org/drawingml/2006/main" xmlns:r="http://schemas.openxmlformats.org/officeDocument/2006/relationships" xmlns:mc="http://schemas.openxmlformats.org/markup-compatibility/2006" xmlns:mv="urn:schemas-microsoft-com:mac:vml" xmlns:p="http://schemas.openxmlformats.org/presentationml/2006/main" xmlns:c="http://schemas.openxmlformats.org/drawingml/2006/chart" xmlns:dgm="http://schemas.openxmlformats.org/drawingml/2006/diagram" xmlns:o="urn:schemas-microsoft-com:office:office" xmlns:v="urn:schemas-microsoft-com:vml" xmlns:pvml="urn:schemas-microsoft-com:office:powerpoint" xmlns:com="http://schemas.openxmlformats.org/drawingml/2006/compatibility" xmlns:p14="http://schemas.microsoft.com/office/powerpoint/2010/main" xmlns:p15="http://schemas.microsoft.com/office/powerpoint/2012/main" xmlns:ahyp="http://schemas.microsoft.com/office/drawing/2018/hyperlinkcolor" showMasterPhAnim="0" showMasterSp="0">
+<p:notes xmlns:a="http://schemas.openxmlformats.org/drawingml/2006/main" xmlns:r="http://schemas.openxmlformats.org/officeDocument/2006/relationships" xmlns:p="http://schemas.openxmlformats.org/presentationml/2006/main" showMasterSp="0" showMasterPhAnim="0">
   <p:cSld>
     <p:spTree>
       <p:nvGrpSpPr>
-        <p:cNvPr id="89" name="Shape 89"/>
+        <p:cNvPr id="1" name="Shape 82"/>
         <p:cNvGrpSpPr/>
         <p:nvPr/>
       </p:nvGrpSpPr>
@@ -1327,21 +1376,27 @@
       </p:grpSpPr>
       <p:sp>
         <p:nvSpPr>
-          <p:cNvPr id="90" name="Google Shape;90;p5:notes"/>
-          <p:cNvSpPr/>
+          <p:cNvPr id="83" name="Google Shape;83;p4:notes"/>
+          <p:cNvSpPr>
+            <a:spLocks noGrp="1" noRot="1" noChangeAspect="1"/>
+          </p:cNvSpPr>
           <p:nvPr>
-            <p:ph idx="2" type="sldImg"/>
+            <p:ph type="sldImg" idx="2"/>
           </p:nvPr>
         </p:nvSpPr>
         <p:spPr>
           <a:xfrm>
-            <a:off x="381300" y="685800"/>
+            <a:off x="381000" y="685800"/>
             <a:ext cx="6096000" cy="3429000"/>
           </a:xfrm>
           <a:custGeom>
-            <a:rect b="b" l="l" r="r" t="t"/>
+            <a:avLst/>
+            <a:gdLst/>
+            <a:ahLst/>
+            <a:cxnLst/>
+            <a:rect l="l" t="t" r="r" b="b"/>
             <a:pathLst>
-              <a:path extrusionOk="0" h="120000" w="120000">
+              <a:path w="120000" h="120000" extrusionOk="0">
                 <a:moveTo>
                   <a:pt x="0" y="0"/>
                 </a:moveTo>
@@ -1359,23 +1414,25 @@
             </a:pathLst>
           </a:custGeom>
           <a:noFill/>
-          <a:ln cap="flat" cmpd="sng" w="9525">
+          <a:ln w="9525" cap="flat" cmpd="sng">
             <a:solidFill>
               <a:srgbClr val="000000"/>
             </a:solidFill>
             <a:prstDash val="solid"/>
             <a:round/>
-            <a:headEnd len="sm" w="sm" type="none"/>
-            <a:tailEnd len="sm" w="sm" type="none"/>
+            <a:headEnd type="none" w="sm" len="sm"/>
+            <a:tailEnd type="none" w="sm" len="sm"/>
           </a:ln>
         </p:spPr>
       </p:sp>
       <p:sp>
         <p:nvSpPr>
-          <p:cNvPr id="91" name="Google Shape;91;p5:notes"/>
-          <p:cNvSpPr txBox="1"/>
+          <p:cNvPr id="84" name="Google Shape;84;p4:notes"/>
+          <p:cNvSpPr txBox="1">
+            <a:spLocks noGrp="1"/>
+          </p:cNvSpPr>
           <p:nvPr>
-            <p:ph idx="1" type="body"/>
+            <p:ph type="body" idx="1"/>
           </p:nvPr>
         </p:nvSpPr>
         <p:spPr>
@@ -1392,12 +1449,12 @@
           </a:ln>
         </p:spPr>
         <p:txBody>
-          <a:bodyPr anchorCtr="0" anchor="t" bIns="91425" lIns="91425" spcFirstLastPara="1" rIns="91425" wrap="square" tIns="91425">
+          <a:bodyPr spcFirstLastPara="1" wrap="square" lIns="91425" tIns="91425" rIns="91425" bIns="91425" anchor="t" anchorCtr="0">
             <a:noAutofit/>
           </a:bodyPr>
           <a:lstStyle/>
           <a:p>
-            <a:pPr indent="0" lvl="0" marL="0" rtl="0" algn="l">
+            <a:pPr marL="0" lvl="0" indent="0" algn="l" rtl="0">
               <a:lnSpc>
                 <a:spcPct val="100000"/>
               </a:lnSpc>
@@ -1410,9 +1467,6 @@
               <a:buSzPts val="1100"/>
               <a:buNone/>
             </a:pPr>
-            <a:r>
-              <a:t/>
-            </a:r>
             <a:endParaRPr/>
           </a:p>
         </p:txBody>
@@ -1426,11 +1480,11 @@
 </file>
 
 <file path=ppt/notesSlides/notesSlide6.xml><?xml version="1.0" encoding="utf-8"?>
-<p:notes xmlns:a="http://schemas.openxmlformats.org/drawingml/2006/main" xmlns:r="http://schemas.openxmlformats.org/officeDocument/2006/relationships" xmlns:mc="http://schemas.openxmlformats.org/markup-compatibility/2006" xmlns:mv="urn:schemas-microsoft-com:mac:vml" xmlns:p="http://schemas.openxmlformats.org/presentationml/2006/main" xmlns:c="http://schemas.openxmlformats.org/drawingml/2006/chart" xmlns:dgm="http://schemas.openxmlformats.org/drawingml/2006/diagram" xmlns:o="urn:schemas-microsoft-com:office:office" xmlns:v="urn:schemas-microsoft-com:vml" xmlns:pvml="urn:schemas-microsoft-com:office:powerpoint" xmlns:com="http://schemas.openxmlformats.org/drawingml/2006/compatibility" xmlns:p14="http://schemas.microsoft.com/office/powerpoint/2010/main" xmlns:p15="http://schemas.microsoft.com/office/powerpoint/2012/main" xmlns:ahyp="http://schemas.microsoft.com/office/drawing/2018/hyperlinkcolor" showMasterPhAnim="0" showMasterSp="0">
+<p:notes xmlns:a="http://schemas.openxmlformats.org/drawingml/2006/main" xmlns:r="http://schemas.openxmlformats.org/officeDocument/2006/relationships" xmlns:p="http://schemas.openxmlformats.org/presentationml/2006/main" showMasterSp="0" showMasterPhAnim="0">
   <p:cSld>
     <p:spTree>
       <p:nvGrpSpPr>
-        <p:cNvPr id="95" name="Shape 95"/>
+        <p:cNvPr id="1" name="Shape 95"/>
         <p:cNvGrpSpPr/>
         <p:nvPr/>
       </p:nvGrpSpPr>
@@ -1445,20 +1499,26 @@
       <p:sp>
         <p:nvSpPr>
           <p:cNvPr id="96" name="Google Shape;96;p6:notes"/>
-          <p:cNvSpPr/>
+          <p:cNvSpPr>
+            <a:spLocks noGrp="1" noRot="1" noChangeAspect="1"/>
+          </p:cNvSpPr>
           <p:nvPr>
-            <p:ph idx="2" type="sldImg"/>
+            <p:ph type="sldImg" idx="2"/>
           </p:nvPr>
         </p:nvSpPr>
         <p:spPr>
           <a:xfrm>
-            <a:off x="381300" y="685800"/>
+            <a:off x="381000" y="685800"/>
             <a:ext cx="6096000" cy="3429000"/>
           </a:xfrm>
           <a:custGeom>
-            <a:rect b="b" l="l" r="r" t="t"/>
+            <a:avLst/>
+            <a:gdLst/>
+            <a:ahLst/>
+            <a:cxnLst/>
+            <a:rect l="l" t="t" r="r" b="b"/>
             <a:pathLst>
-              <a:path extrusionOk="0" h="120000" w="120000">
+              <a:path w="120000" h="120000" extrusionOk="0">
                 <a:moveTo>
                   <a:pt x="0" y="0"/>
                 </a:moveTo>
@@ -1476,23 +1536,25 @@
             </a:pathLst>
           </a:custGeom>
           <a:noFill/>
-          <a:ln cap="flat" cmpd="sng" w="9525">
+          <a:ln w="9525" cap="flat" cmpd="sng">
             <a:solidFill>
               <a:srgbClr val="000000"/>
             </a:solidFill>
             <a:prstDash val="solid"/>
             <a:round/>
-            <a:headEnd len="sm" w="sm" type="none"/>
-            <a:tailEnd len="sm" w="sm" type="none"/>
+            <a:headEnd type="none" w="sm" len="sm"/>
+            <a:tailEnd type="none" w="sm" len="sm"/>
           </a:ln>
         </p:spPr>
       </p:sp>
       <p:sp>
         <p:nvSpPr>
           <p:cNvPr id="97" name="Google Shape;97;p6:notes"/>
-          <p:cNvSpPr txBox="1"/>
+          <p:cNvSpPr txBox="1">
+            <a:spLocks noGrp="1"/>
+          </p:cNvSpPr>
           <p:nvPr>
-            <p:ph idx="1" type="body"/>
+            <p:ph type="body" idx="1"/>
           </p:nvPr>
         </p:nvSpPr>
         <p:spPr>
@@ -1509,12 +1571,12 @@
           </a:ln>
         </p:spPr>
         <p:txBody>
-          <a:bodyPr anchorCtr="0" anchor="t" bIns="91425" lIns="91425" spcFirstLastPara="1" rIns="91425" wrap="square" tIns="91425">
+          <a:bodyPr spcFirstLastPara="1" wrap="square" lIns="91425" tIns="91425" rIns="91425" bIns="91425" anchor="t" anchorCtr="0">
             <a:noAutofit/>
           </a:bodyPr>
           <a:lstStyle/>
           <a:p>
-            <a:pPr indent="0" lvl="0" marL="0" rtl="0" algn="l">
+            <a:pPr marL="0" lvl="0" indent="0" algn="l" rtl="0">
               <a:lnSpc>
                 <a:spcPct val="100000"/>
               </a:lnSpc>
@@ -1527,9 +1589,255 @@
               <a:buSzPts val="1100"/>
               <a:buNone/>
             </a:pPr>
-            <a:r>
-              <a:t/>
-            </a:r>
+            <a:endParaRPr/>
+          </a:p>
+        </p:txBody>
+      </p:sp>
+    </p:spTree>
+    <p:extLst>
+      <p:ext uri="{BB962C8B-B14F-4D97-AF65-F5344CB8AC3E}">
+        <p14:creationId xmlns:p14="http://schemas.microsoft.com/office/powerpoint/2010/main" val="1346661005"/>
+      </p:ext>
+    </p:extLst>
+  </p:cSld>
+  <p:clrMapOvr>
+    <a:masterClrMapping/>
+  </p:clrMapOvr>
+</p:notes>
+</file>
+
+<file path=ppt/notesSlides/notesSlide7.xml><?xml version="1.0" encoding="utf-8"?>
+<p:notes xmlns:a="http://schemas.openxmlformats.org/drawingml/2006/main" xmlns:r="http://schemas.openxmlformats.org/officeDocument/2006/relationships" xmlns:p="http://schemas.openxmlformats.org/presentationml/2006/main" showMasterSp="0" showMasterPhAnim="0">
+  <p:cSld>
+    <p:spTree>
+      <p:nvGrpSpPr>
+        <p:cNvPr id="1" name="Shape 89"/>
+        <p:cNvGrpSpPr/>
+        <p:nvPr/>
+      </p:nvGrpSpPr>
+      <p:grpSpPr>
+        <a:xfrm>
+          <a:off x="0" y="0"/>
+          <a:ext cx="0" cy="0"/>
+          <a:chOff x="0" y="0"/>
+          <a:chExt cx="0" cy="0"/>
+        </a:xfrm>
+      </p:grpSpPr>
+      <p:sp>
+        <p:nvSpPr>
+          <p:cNvPr id="90" name="Google Shape;90;p5:notes"/>
+          <p:cNvSpPr>
+            <a:spLocks noGrp="1" noRot="1" noChangeAspect="1"/>
+          </p:cNvSpPr>
+          <p:nvPr>
+            <p:ph type="sldImg" idx="2"/>
+          </p:nvPr>
+        </p:nvSpPr>
+        <p:spPr>
+          <a:xfrm>
+            <a:off x="381300" y="685800"/>
+            <a:ext cx="6096000" cy="3429000"/>
+          </a:xfrm>
+          <a:custGeom>
+            <a:avLst/>
+            <a:gdLst/>
+            <a:ahLst/>
+            <a:cxnLst/>
+            <a:rect l="l" t="t" r="r" b="b"/>
+            <a:pathLst>
+              <a:path w="120000" h="120000" extrusionOk="0">
+                <a:moveTo>
+                  <a:pt x="0" y="0"/>
+                </a:moveTo>
+                <a:lnTo>
+                  <a:pt x="120000" y="0"/>
+                </a:lnTo>
+                <a:lnTo>
+                  <a:pt x="120000" y="120000"/>
+                </a:lnTo>
+                <a:lnTo>
+                  <a:pt x="0" y="120000"/>
+                </a:lnTo>
+                <a:close/>
+              </a:path>
+            </a:pathLst>
+          </a:custGeom>
+          <a:noFill/>
+          <a:ln w="9525" cap="flat" cmpd="sng">
+            <a:solidFill>
+              <a:srgbClr val="000000"/>
+            </a:solidFill>
+            <a:prstDash val="solid"/>
+            <a:round/>
+            <a:headEnd type="none" w="sm" len="sm"/>
+            <a:tailEnd type="none" w="sm" len="sm"/>
+          </a:ln>
+        </p:spPr>
+      </p:sp>
+      <p:sp>
+        <p:nvSpPr>
+          <p:cNvPr id="91" name="Google Shape;91;p5:notes"/>
+          <p:cNvSpPr txBox="1">
+            <a:spLocks noGrp="1"/>
+          </p:cNvSpPr>
+          <p:nvPr>
+            <p:ph type="body" idx="1"/>
+          </p:nvPr>
+        </p:nvSpPr>
+        <p:spPr>
+          <a:xfrm>
+            <a:off x="685800" y="4343400"/>
+            <a:ext cx="5486400" cy="4114800"/>
+          </a:xfrm>
+          <a:prstGeom prst="rect">
+            <a:avLst/>
+          </a:prstGeom>
+          <a:noFill/>
+          <a:ln>
+            <a:noFill/>
+          </a:ln>
+        </p:spPr>
+        <p:txBody>
+          <a:bodyPr spcFirstLastPara="1" wrap="square" lIns="91425" tIns="91425" rIns="91425" bIns="91425" anchor="t" anchorCtr="0">
+            <a:noAutofit/>
+          </a:bodyPr>
+          <a:lstStyle/>
+          <a:p>
+            <a:pPr marL="0" lvl="0" indent="0" algn="l" rtl="0">
+              <a:lnSpc>
+                <a:spcPct val="100000"/>
+              </a:lnSpc>
+              <a:spcBef>
+                <a:spcPts val="0"/>
+              </a:spcBef>
+              <a:spcAft>
+                <a:spcPts val="0"/>
+              </a:spcAft>
+              <a:buSzPts val="1100"/>
+              <a:buNone/>
+            </a:pPr>
+            <a:endParaRPr/>
+          </a:p>
+        </p:txBody>
+      </p:sp>
+    </p:spTree>
+  </p:cSld>
+  <p:clrMapOvr>
+    <a:masterClrMapping/>
+  </p:clrMapOvr>
+</p:notes>
+</file>
+
+<file path=ppt/notesSlides/notesSlide8.xml><?xml version="1.0" encoding="utf-8"?>
+<p:notes xmlns:a="http://schemas.openxmlformats.org/drawingml/2006/main" xmlns:r="http://schemas.openxmlformats.org/officeDocument/2006/relationships" xmlns:p="http://schemas.openxmlformats.org/presentationml/2006/main" showMasterSp="0" showMasterPhAnim="0">
+  <p:cSld>
+    <p:spTree>
+      <p:nvGrpSpPr>
+        <p:cNvPr id="1" name="Shape 95"/>
+        <p:cNvGrpSpPr/>
+        <p:nvPr/>
+      </p:nvGrpSpPr>
+      <p:grpSpPr>
+        <a:xfrm>
+          <a:off x="0" y="0"/>
+          <a:ext cx="0" cy="0"/>
+          <a:chOff x="0" y="0"/>
+          <a:chExt cx="0" cy="0"/>
+        </a:xfrm>
+      </p:grpSpPr>
+      <p:sp>
+        <p:nvSpPr>
+          <p:cNvPr id="96" name="Google Shape;96;p6:notes"/>
+          <p:cNvSpPr>
+            <a:spLocks noGrp="1" noRot="1" noChangeAspect="1"/>
+          </p:cNvSpPr>
+          <p:nvPr>
+            <p:ph type="sldImg" idx="2"/>
+          </p:nvPr>
+        </p:nvSpPr>
+        <p:spPr>
+          <a:xfrm>
+            <a:off x="381300" y="685800"/>
+            <a:ext cx="6096000" cy="3429000"/>
+          </a:xfrm>
+          <a:custGeom>
+            <a:avLst/>
+            <a:gdLst/>
+            <a:ahLst/>
+            <a:cxnLst/>
+            <a:rect l="l" t="t" r="r" b="b"/>
+            <a:pathLst>
+              <a:path w="120000" h="120000" extrusionOk="0">
+                <a:moveTo>
+                  <a:pt x="0" y="0"/>
+                </a:moveTo>
+                <a:lnTo>
+                  <a:pt x="120000" y="0"/>
+                </a:lnTo>
+                <a:lnTo>
+                  <a:pt x="120000" y="120000"/>
+                </a:lnTo>
+                <a:lnTo>
+                  <a:pt x="0" y="120000"/>
+                </a:lnTo>
+                <a:close/>
+              </a:path>
+            </a:pathLst>
+          </a:custGeom>
+          <a:noFill/>
+          <a:ln w="9525" cap="flat" cmpd="sng">
+            <a:solidFill>
+              <a:srgbClr val="000000"/>
+            </a:solidFill>
+            <a:prstDash val="solid"/>
+            <a:round/>
+            <a:headEnd type="none" w="sm" len="sm"/>
+            <a:tailEnd type="none" w="sm" len="sm"/>
+          </a:ln>
+        </p:spPr>
+      </p:sp>
+      <p:sp>
+        <p:nvSpPr>
+          <p:cNvPr id="97" name="Google Shape;97;p6:notes"/>
+          <p:cNvSpPr txBox="1">
+            <a:spLocks noGrp="1"/>
+          </p:cNvSpPr>
+          <p:nvPr>
+            <p:ph type="body" idx="1"/>
+          </p:nvPr>
+        </p:nvSpPr>
+        <p:spPr>
+          <a:xfrm>
+            <a:off x="685800" y="4343400"/>
+            <a:ext cx="5486400" cy="4114800"/>
+          </a:xfrm>
+          <a:prstGeom prst="rect">
+            <a:avLst/>
+          </a:prstGeom>
+          <a:noFill/>
+          <a:ln>
+            <a:noFill/>
+          </a:ln>
+        </p:spPr>
+        <p:txBody>
+          <a:bodyPr spcFirstLastPara="1" wrap="square" lIns="91425" tIns="91425" rIns="91425" bIns="91425" anchor="t" anchorCtr="0">
+            <a:noAutofit/>
+          </a:bodyPr>
+          <a:lstStyle/>
+          <a:p>
+            <a:pPr marL="0" lvl="0" indent="0" algn="l" rtl="0">
+              <a:lnSpc>
+                <a:spcPct val="100000"/>
+              </a:lnSpc>
+              <a:spcBef>
+                <a:spcPts val="0"/>
+              </a:spcBef>
+              <a:spcAft>
+                <a:spcPts val="0"/>
+              </a:spcAft>
+              <a:buSzPts val="1100"/>
+              <a:buNone/>
+            </a:pPr>
             <a:endParaRPr/>
           </a:p>
         </p:txBody>
@@ -1543,11 +1851,11 @@
 </file>
 
 <file path=ppt/slideLayouts/slideLayout1.xml><?xml version="1.0" encoding="utf-8"?>
-<p:sldLayout xmlns:a="http://schemas.openxmlformats.org/drawingml/2006/main" xmlns:r="http://schemas.openxmlformats.org/officeDocument/2006/relationships" xmlns:mc="http://schemas.openxmlformats.org/markup-compatibility/2006" xmlns:mv="urn:schemas-microsoft-com:mac:vml" xmlns:p="http://schemas.openxmlformats.org/presentationml/2006/main" xmlns:c="http://schemas.openxmlformats.org/drawingml/2006/chart" xmlns:dgm="http://schemas.openxmlformats.org/drawingml/2006/diagram" xmlns:o="urn:schemas-microsoft-com:office:office" xmlns:v="urn:schemas-microsoft-com:vml" xmlns:pvml="urn:schemas-microsoft-com:office:powerpoint" xmlns:com="http://schemas.openxmlformats.org/drawingml/2006/compatibility" xmlns:p14="http://schemas.microsoft.com/office/powerpoint/2010/main" xmlns:p15="http://schemas.microsoft.com/office/powerpoint/2012/main" xmlns:ahyp="http://schemas.microsoft.com/office/drawing/2018/hyperlinkcolor" matchingName="Title and body" type="tx">
+<p:sldLayout xmlns:a="http://schemas.openxmlformats.org/drawingml/2006/main" xmlns:r="http://schemas.openxmlformats.org/officeDocument/2006/relationships" xmlns:p="http://schemas.openxmlformats.org/presentationml/2006/main" matchingName="Title and body" type="tx">
   <p:cSld name="TITLE_AND_BODY">
     <p:spTree>
       <p:nvGrpSpPr>
-        <p:cNvPr id="9" name="Shape 9"/>
+        <p:cNvPr id="1" name="Shape 9"/>
         <p:cNvGrpSpPr/>
         <p:nvPr/>
       </p:nvGrpSpPr>
@@ -1574,21 +1882,23 @@
             <a:avLst/>
           </a:prstGeom>
           <a:noFill/>
-          <a:ln cap="flat" cmpd="sng" w="38100">
+          <a:ln w="38100" cap="flat" cmpd="sng">
             <a:solidFill>
               <a:schemeClr val="accent4"/>
             </a:solidFill>
             <a:prstDash val="solid"/>
             <a:round/>
-            <a:headEnd len="sm" w="sm" type="none"/>
-            <a:tailEnd len="sm" w="sm" type="none"/>
+            <a:headEnd type="none" w="sm" len="sm"/>
+            <a:tailEnd type="none" w="sm" len="sm"/>
           </a:ln>
         </p:spPr>
       </p:cxnSp>
       <p:sp>
         <p:nvSpPr>
           <p:cNvPr id="11" name="Google Shape;11;p2"/>
-          <p:cNvSpPr txBox="1"/>
+          <p:cNvSpPr txBox="1">
+            <a:spLocks noGrp="1"/>
+          </p:cNvSpPr>
           <p:nvPr>
             <p:ph type="title"/>
           </p:nvPr>
@@ -1607,7 +1917,7 @@
           </a:ln>
         </p:spPr>
         <p:txBody>
-          <a:bodyPr anchorCtr="0" anchor="b" bIns="91425" lIns="91425" spcFirstLastPara="1" rIns="91425" wrap="square" tIns="91425">
+          <a:bodyPr spcFirstLastPara="1" wrap="square" lIns="91425" tIns="91425" rIns="91425" bIns="91425" anchor="b" anchorCtr="0">
             <a:noAutofit/>
           </a:bodyPr>
           <a:lstStyle>
@@ -1738,15 +2048,19 @@
               <a:defRPr/>
             </a:lvl9pPr>
           </a:lstStyle>
-          <a:p/>
+          <a:p>
+            <a:endParaRPr/>
+          </a:p>
         </p:txBody>
       </p:sp>
       <p:sp>
         <p:nvSpPr>
           <p:cNvPr id="12" name="Google Shape;12;p2"/>
-          <p:cNvSpPr txBox="1"/>
+          <p:cNvSpPr txBox="1">
+            <a:spLocks noGrp="1"/>
+          </p:cNvSpPr>
           <p:nvPr>
-            <p:ph idx="1" type="body"/>
+            <p:ph type="body" idx="1"/>
           </p:nvPr>
         </p:nvSpPr>
         <p:spPr>
@@ -1763,11 +2077,11 @@
           </a:ln>
         </p:spPr>
         <p:txBody>
-          <a:bodyPr anchorCtr="0" anchor="t" bIns="91425" lIns="91425" spcFirstLastPara="1" rIns="91425" wrap="square" tIns="91425">
+          <a:bodyPr spcFirstLastPara="1" wrap="square" lIns="91425" tIns="91425" rIns="91425" bIns="91425" anchor="t" anchorCtr="0">
             <a:noAutofit/>
           </a:bodyPr>
           <a:lstStyle>
-            <a:lvl1pPr indent="-342900" lvl="0" marL="457200" algn="l">
+            <a:lvl1pPr marL="457200" lvl="0" indent="-342900" algn="l">
               <a:lnSpc>
                 <a:spcPct val="115000"/>
               </a:lnSpc>
@@ -1781,7 +2095,7 @@
               <a:buChar char="●"/>
               <a:defRPr/>
             </a:lvl1pPr>
-            <a:lvl2pPr indent="-317500" lvl="1" marL="914400" algn="l">
+            <a:lvl2pPr marL="914400" lvl="1" indent="-317500" algn="l">
               <a:lnSpc>
                 <a:spcPct val="115000"/>
               </a:lnSpc>
@@ -1795,7 +2109,7 @@
               <a:buChar char="○"/>
               <a:defRPr/>
             </a:lvl2pPr>
-            <a:lvl3pPr indent="-317500" lvl="2" marL="1371600" algn="l">
+            <a:lvl3pPr marL="1371600" lvl="2" indent="-317500" algn="l">
               <a:lnSpc>
                 <a:spcPct val="115000"/>
               </a:lnSpc>
@@ -1809,7 +2123,7 @@
               <a:buChar char="■"/>
               <a:defRPr/>
             </a:lvl3pPr>
-            <a:lvl4pPr indent="-317500" lvl="3" marL="1828800" algn="l">
+            <a:lvl4pPr marL="1828800" lvl="3" indent="-317500" algn="l">
               <a:lnSpc>
                 <a:spcPct val="115000"/>
               </a:lnSpc>
@@ -1823,7 +2137,7 @@
               <a:buChar char="●"/>
               <a:defRPr/>
             </a:lvl4pPr>
-            <a:lvl5pPr indent="-317500" lvl="4" marL="2286000" algn="l">
+            <a:lvl5pPr marL="2286000" lvl="4" indent="-317500" algn="l">
               <a:lnSpc>
                 <a:spcPct val="115000"/>
               </a:lnSpc>
@@ -1837,7 +2151,7 @@
               <a:buChar char="○"/>
               <a:defRPr/>
             </a:lvl5pPr>
-            <a:lvl6pPr indent="-317500" lvl="5" marL="2743200" algn="l">
+            <a:lvl6pPr marL="2743200" lvl="5" indent="-317500" algn="l">
               <a:lnSpc>
                 <a:spcPct val="115000"/>
               </a:lnSpc>
@@ -1851,7 +2165,7 @@
               <a:buChar char="■"/>
               <a:defRPr/>
             </a:lvl6pPr>
-            <a:lvl7pPr indent="-317500" lvl="6" marL="3200400" algn="l">
+            <a:lvl7pPr marL="3200400" lvl="6" indent="-317500" algn="l">
               <a:lnSpc>
                 <a:spcPct val="115000"/>
               </a:lnSpc>
@@ -1865,7 +2179,7 @@
               <a:buChar char="●"/>
               <a:defRPr/>
             </a:lvl7pPr>
-            <a:lvl8pPr indent="-317500" lvl="7" marL="3657600" algn="l">
+            <a:lvl8pPr marL="3657600" lvl="7" indent="-317500" algn="l">
               <a:lnSpc>
                 <a:spcPct val="115000"/>
               </a:lnSpc>
@@ -1879,7 +2193,7 @@
               <a:buChar char="○"/>
               <a:defRPr/>
             </a:lvl8pPr>
-            <a:lvl9pPr indent="-317500" lvl="8" marL="4114800" algn="l">
+            <a:lvl9pPr marL="4114800" lvl="8" indent="-317500" algn="l">
               <a:lnSpc>
                 <a:spcPct val="115000"/>
               </a:lnSpc>
@@ -1894,15 +2208,19 @@
               <a:defRPr/>
             </a:lvl9pPr>
           </a:lstStyle>
-          <a:p/>
+          <a:p>
+            <a:endParaRPr/>
+          </a:p>
         </p:txBody>
       </p:sp>
       <p:sp>
         <p:nvSpPr>
           <p:cNvPr id="13" name="Google Shape;13;p2"/>
-          <p:cNvSpPr txBox="1"/>
+          <p:cNvSpPr txBox="1">
+            <a:spLocks noGrp="1"/>
+          </p:cNvSpPr>
           <p:nvPr>
-            <p:ph idx="12" type="sldNum"/>
+            <p:ph type="sldNum" idx="12"/>
           </p:nvPr>
         </p:nvSpPr>
         <p:spPr>
@@ -1919,11 +2237,11 @@
           </a:ln>
         </p:spPr>
         <p:txBody>
-          <a:bodyPr anchorCtr="0" anchor="ctr" bIns="91425" lIns="91425" spcFirstLastPara="1" rIns="91425" wrap="square" tIns="91425">
+          <a:bodyPr spcFirstLastPara="1" wrap="square" lIns="91425" tIns="91425" rIns="91425" bIns="91425" anchor="ctr" anchorCtr="0">
             <a:noAutofit/>
           </a:bodyPr>
           <a:lstStyle>
-            <a:lvl1pPr indent="0" lvl="0" marL="0" marR="0" algn="r">
+            <a:lvl1pPr marL="0" marR="0" lvl="0" indent="0" algn="r">
               <a:lnSpc>
                 <a:spcPct val="100000"/>
               </a:lnSpc>
@@ -1939,7 +2257,7 @@
               <a:buSzPts val="1000"/>
               <a:buFont typeface="Arial"/>
               <a:buNone/>
-              <a:defRPr b="0" i="0" sz="1000" u="none" cap="none" strike="noStrike">
+              <a:defRPr sz="1000" b="0" i="0" u="none" strike="noStrike" cap="none">
                 <a:solidFill>
                   <a:schemeClr val="dk1"/>
                 </a:solidFill>
@@ -1949,7 +2267,7 @@
                 <a:sym typeface="Roboto"/>
               </a:defRPr>
             </a:lvl1pPr>
-            <a:lvl2pPr indent="0" lvl="1" marL="0" marR="0" algn="r">
+            <a:lvl2pPr marL="0" marR="0" lvl="1" indent="0" algn="r">
               <a:lnSpc>
                 <a:spcPct val="100000"/>
               </a:lnSpc>
@@ -1965,7 +2283,7 @@
               <a:buSzPts val="1000"/>
               <a:buFont typeface="Arial"/>
               <a:buNone/>
-              <a:defRPr b="0" i="0" sz="1000" u="none" cap="none" strike="noStrike">
+              <a:defRPr sz="1000" b="0" i="0" u="none" strike="noStrike" cap="none">
                 <a:solidFill>
                   <a:schemeClr val="dk1"/>
                 </a:solidFill>
@@ -1975,7 +2293,7 @@
                 <a:sym typeface="Roboto"/>
               </a:defRPr>
             </a:lvl2pPr>
-            <a:lvl3pPr indent="0" lvl="2" marL="0" marR="0" algn="r">
+            <a:lvl3pPr marL="0" marR="0" lvl="2" indent="0" algn="r">
               <a:lnSpc>
                 <a:spcPct val="100000"/>
               </a:lnSpc>
@@ -1991,7 +2309,7 @@
               <a:buSzPts val="1000"/>
               <a:buFont typeface="Arial"/>
               <a:buNone/>
-              <a:defRPr b="0" i="0" sz="1000" u="none" cap="none" strike="noStrike">
+              <a:defRPr sz="1000" b="0" i="0" u="none" strike="noStrike" cap="none">
                 <a:solidFill>
                   <a:schemeClr val="dk1"/>
                 </a:solidFill>
@@ -2001,7 +2319,7 @@
                 <a:sym typeface="Roboto"/>
               </a:defRPr>
             </a:lvl3pPr>
-            <a:lvl4pPr indent="0" lvl="3" marL="0" marR="0" algn="r">
+            <a:lvl4pPr marL="0" marR="0" lvl="3" indent="0" algn="r">
               <a:lnSpc>
                 <a:spcPct val="100000"/>
               </a:lnSpc>
@@ -2017,7 +2335,7 @@
               <a:buSzPts val="1000"/>
               <a:buFont typeface="Arial"/>
               <a:buNone/>
-              <a:defRPr b="0" i="0" sz="1000" u="none" cap="none" strike="noStrike">
+              <a:defRPr sz="1000" b="0" i="0" u="none" strike="noStrike" cap="none">
                 <a:solidFill>
                   <a:schemeClr val="dk1"/>
                 </a:solidFill>
@@ -2027,7 +2345,7 @@
                 <a:sym typeface="Roboto"/>
               </a:defRPr>
             </a:lvl4pPr>
-            <a:lvl5pPr indent="0" lvl="4" marL="0" marR="0" algn="r">
+            <a:lvl5pPr marL="0" marR="0" lvl="4" indent="0" algn="r">
               <a:lnSpc>
                 <a:spcPct val="100000"/>
               </a:lnSpc>
@@ -2043,7 +2361,7 @@
               <a:buSzPts val="1000"/>
               <a:buFont typeface="Arial"/>
               <a:buNone/>
-              <a:defRPr b="0" i="0" sz="1000" u="none" cap="none" strike="noStrike">
+              <a:defRPr sz="1000" b="0" i="0" u="none" strike="noStrike" cap="none">
                 <a:solidFill>
                   <a:schemeClr val="dk1"/>
                 </a:solidFill>
@@ -2053,7 +2371,7 @@
                 <a:sym typeface="Roboto"/>
               </a:defRPr>
             </a:lvl5pPr>
-            <a:lvl6pPr indent="0" lvl="5" marL="0" marR="0" algn="r">
+            <a:lvl6pPr marL="0" marR="0" lvl="5" indent="0" algn="r">
               <a:lnSpc>
                 <a:spcPct val="100000"/>
               </a:lnSpc>
@@ -2069,7 +2387,7 @@
               <a:buSzPts val="1000"/>
               <a:buFont typeface="Arial"/>
               <a:buNone/>
-              <a:defRPr b="0" i="0" sz="1000" u="none" cap="none" strike="noStrike">
+              <a:defRPr sz="1000" b="0" i="0" u="none" strike="noStrike" cap="none">
                 <a:solidFill>
                   <a:schemeClr val="dk1"/>
                 </a:solidFill>
@@ -2079,7 +2397,7 @@
                 <a:sym typeface="Roboto"/>
               </a:defRPr>
             </a:lvl6pPr>
-            <a:lvl7pPr indent="0" lvl="6" marL="0" marR="0" algn="r">
+            <a:lvl7pPr marL="0" marR="0" lvl="6" indent="0" algn="r">
               <a:lnSpc>
                 <a:spcPct val="100000"/>
               </a:lnSpc>
@@ -2095,7 +2413,7 @@
               <a:buSzPts val="1000"/>
               <a:buFont typeface="Arial"/>
               <a:buNone/>
-              <a:defRPr b="0" i="0" sz="1000" u="none" cap="none" strike="noStrike">
+              <a:defRPr sz="1000" b="0" i="0" u="none" strike="noStrike" cap="none">
                 <a:solidFill>
                   <a:schemeClr val="dk1"/>
                 </a:solidFill>
@@ -2105,7 +2423,7 @@
                 <a:sym typeface="Roboto"/>
               </a:defRPr>
             </a:lvl7pPr>
-            <a:lvl8pPr indent="0" lvl="7" marL="0" marR="0" algn="r">
+            <a:lvl8pPr marL="0" marR="0" lvl="7" indent="0" algn="r">
               <a:lnSpc>
                 <a:spcPct val="100000"/>
               </a:lnSpc>
@@ -2121,7 +2439,7 @@
               <a:buSzPts val="1000"/>
               <a:buFont typeface="Arial"/>
               <a:buNone/>
-              <a:defRPr b="0" i="0" sz="1000" u="none" cap="none" strike="noStrike">
+              <a:defRPr sz="1000" b="0" i="0" u="none" strike="noStrike" cap="none">
                 <a:solidFill>
                   <a:schemeClr val="dk1"/>
                 </a:solidFill>
@@ -2131,7 +2449,7 @@
                 <a:sym typeface="Roboto"/>
               </a:defRPr>
             </a:lvl8pPr>
-            <a:lvl9pPr indent="0" lvl="8" marL="0" marR="0" algn="r">
+            <a:lvl9pPr marL="0" marR="0" lvl="8" indent="0" algn="r">
               <a:lnSpc>
                 <a:spcPct val="100000"/>
               </a:lnSpc>
@@ -2147,7 +2465,7 @@
               <a:buSzPts val="1000"/>
               <a:buFont typeface="Arial"/>
               <a:buNone/>
-              <a:defRPr b="0" i="0" sz="1000" u="none" cap="none" strike="noStrike">
+              <a:defRPr sz="1000" b="0" i="0" u="none" strike="noStrike" cap="none">
                 <a:solidFill>
                   <a:schemeClr val="dk1"/>
                 </a:solidFill>
@@ -2159,7 +2477,7 @@
             </a:lvl9pPr>
           </a:lstStyle>
           <a:p>
-            <a:pPr indent="0" lvl="0" marL="0" rtl="0" algn="r">
+            <a:pPr marL="0" lvl="0" indent="0" algn="r" rtl="0">
               <a:spcBef>
                 <a:spcPts val="0"/>
               </a:spcBef>
@@ -2185,11 +2503,11 @@
 </file>
 
 <file path=ppt/slideLayouts/slideLayout10.xml><?xml version="1.0" encoding="utf-8"?>
-<p:sldLayout xmlns:a="http://schemas.openxmlformats.org/drawingml/2006/main" xmlns:r="http://schemas.openxmlformats.org/officeDocument/2006/relationships" xmlns:mc="http://schemas.openxmlformats.org/markup-compatibility/2006" xmlns:mv="urn:schemas-microsoft-com:mac:vml" xmlns:p="http://schemas.openxmlformats.org/presentationml/2006/main" xmlns:c="http://schemas.openxmlformats.org/drawingml/2006/chart" xmlns:dgm="http://schemas.openxmlformats.org/drawingml/2006/diagram" xmlns:o="urn:schemas-microsoft-com:office:office" xmlns:v="urn:schemas-microsoft-com:vml" xmlns:pvml="urn:schemas-microsoft-com:office:powerpoint" xmlns:com="http://schemas.openxmlformats.org/drawingml/2006/compatibility" xmlns:p14="http://schemas.microsoft.com/office/powerpoint/2010/main" xmlns:p15="http://schemas.microsoft.com/office/powerpoint/2012/main" xmlns:ahyp="http://schemas.microsoft.com/office/drawing/2018/hyperlinkcolor" matchingName="Big number">
+<p:sldLayout xmlns:a="http://schemas.openxmlformats.org/drawingml/2006/main" xmlns:r="http://schemas.openxmlformats.org/officeDocument/2006/relationships" xmlns:p="http://schemas.openxmlformats.org/presentationml/2006/main" matchingName="Big number">
   <p:cSld name="BIG_NUMBER">
     <p:spTree>
       <p:nvGrpSpPr>
-        <p:cNvPr id="52" name="Shape 52"/>
+        <p:cNvPr id="1" name="Shape 52"/>
         <p:cNvGrpSpPr/>
         <p:nvPr/>
       </p:nvGrpSpPr>
@@ -2223,12 +2541,12 @@
           </a:ln>
         </p:spPr>
         <p:txBody>
-          <a:bodyPr anchorCtr="0" anchor="ctr" bIns="91425" lIns="91425" spcFirstLastPara="1" rIns="91425" wrap="square" tIns="91425">
+          <a:bodyPr spcFirstLastPara="1" wrap="square" lIns="91425" tIns="91425" rIns="91425" bIns="91425" anchor="ctr" anchorCtr="0">
             <a:noAutofit/>
           </a:bodyPr>
           <a:lstStyle/>
           <a:p>
-            <a:pPr indent="0" lvl="0" marL="0" marR="0" rtl="0" algn="l">
+            <a:pPr marL="0" marR="0" lvl="0" indent="0" algn="l" rtl="0">
               <a:lnSpc>
                 <a:spcPct val="100000"/>
               </a:lnSpc>
@@ -2245,10 +2563,7 @@
               <a:buFont typeface="Arial"/>
               <a:buNone/>
             </a:pPr>
-            <a:r>
-              <a:t/>
-            </a:r>
-            <a:endParaRPr b="0" i="0" sz="1400" u="none" cap="none" strike="noStrike">
+            <a:endParaRPr sz="1400" b="0" i="0" u="none" strike="noStrike" cap="none">
               <a:solidFill>
                 <a:srgbClr val="000000"/>
               </a:solidFill>
@@ -2263,9 +2578,11 @@
       <p:sp>
         <p:nvSpPr>
           <p:cNvPr id="54" name="Google Shape;54;p11"/>
-          <p:cNvSpPr txBox="1"/>
+          <p:cNvSpPr txBox="1">
+            <a:spLocks noGrp="1"/>
+          </p:cNvSpPr>
           <p:nvPr>
-            <p:ph hasCustomPrompt="1" type="title"/>
+            <p:ph type="title" hasCustomPrompt="1"/>
           </p:nvPr>
         </p:nvSpPr>
         <p:spPr>
@@ -2282,7 +2599,7 @@
           </a:ln>
         </p:spPr>
         <p:txBody>
-          <a:bodyPr anchorCtr="0" anchor="ctr" bIns="91425" lIns="91425" spcFirstLastPara="1" rIns="91425" wrap="square" tIns="91425">
+          <a:bodyPr spcFirstLastPara="1" wrap="square" lIns="91425" tIns="91425" rIns="91425" bIns="91425" anchor="ctr" anchorCtr="0">
             <a:noAutofit/>
           </a:bodyPr>
           <a:lstStyle>
@@ -2486,9 +2803,11 @@
       <p:sp>
         <p:nvSpPr>
           <p:cNvPr id="55" name="Google Shape;55;p11"/>
-          <p:cNvSpPr txBox="1"/>
+          <p:cNvSpPr txBox="1">
+            <a:spLocks noGrp="1"/>
+          </p:cNvSpPr>
           <p:nvPr>
-            <p:ph idx="1" type="body"/>
+            <p:ph type="body" idx="1"/>
           </p:nvPr>
         </p:nvSpPr>
         <p:spPr>
@@ -2505,11 +2824,11 @@
           </a:ln>
         </p:spPr>
         <p:txBody>
-          <a:bodyPr anchorCtr="0" anchor="t" bIns="91425" lIns="91425" spcFirstLastPara="1" rIns="91425" wrap="square" tIns="91425">
+          <a:bodyPr spcFirstLastPara="1" wrap="square" lIns="91425" tIns="91425" rIns="91425" bIns="91425" anchor="t" anchorCtr="0">
             <a:noAutofit/>
           </a:bodyPr>
           <a:lstStyle>
-            <a:lvl1pPr indent="-342900" lvl="0" marL="457200" algn="ctr">
+            <a:lvl1pPr marL="457200" lvl="0" indent="-342900" algn="ctr">
               <a:lnSpc>
                 <a:spcPct val="115000"/>
               </a:lnSpc>
@@ -2523,7 +2842,7 @@
               <a:buChar char="●"/>
               <a:defRPr/>
             </a:lvl1pPr>
-            <a:lvl2pPr indent="-317500" lvl="1" marL="914400" algn="ctr">
+            <a:lvl2pPr marL="914400" lvl="1" indent="-317500" algn="ctr">
               <a:lnSpc>
                 <a:spcPct val="115000"/>
               </a:lnSpc>
@@ -2537,7 +2856,7 @@
               <a:buChar char="○"/>
               <a:defRPr/>
             </a:lvl2pPr>
-            <a:lvl3pPr indent="-317500" lvl="2" marL="1371600" algn="ctr">
+            <a:lvl3pPr marL="1371600" lvl="2" indent="-317500" algn="ctr">
               <a:lnSpc>
                 <a:spcPct val="115000"/>
               </a:lnSpc>
@@ -2551,7 +2870,7 @@
               <a:buChar char="■"/>
               <a:defRPr/>
             </a:lvl3pPr>
-            <a:lvl4pPr indent="-317500" lvl="3" marL="1828800" algn="ctr">
+            <a:lvl4pPr marL="1828800" lvl="3" indent="-317500" algn="ctr">
               <a:lnSpc>
                 <a:spcPct val="115000"/>
               </a:lnSpc>
@@ -2565,7 +2884,7 @@
               <a:buChar char="●"/>
               <a:defRPr/>
             </a:lvl4pPr>
-            <a:lvl5pPr indent="-317500" lvl="4" marL="2286000" algn="ctr">
+            <a:lvl5pPr marL="2286000" lvl="4" indent="-317500" algn="ctr">
               <a:lnSpc>
                 <a:spcPct val="115000"/>
               </a:lnSpc>
@@ -2579,7 +2898,7 @@
               <a:buChar char="○"/>
               <a:defRPr/>
             </a:lvl5pPr>
-            <a:lvl6pPr indent="-317500" lvl="5" marL="2743200" algn="ctr">
+            <a:lvl6pPr marL="2743200" lvl="5" indent="-317500" algn="ctr">
               <a:lnSpc>
                 <a:spcPct val="115000"/>
               </a:lnSpc>
@@ -2593,7 +2912,7 @@
               <a:buChar char="■"/>
               <a:defRPr/>
             </a:lvl6pPr>
-            <a:lvl7pPr indent="-317500" lvl="6" marL="3200400" algn="ctr">
+            <a:lvl7pPr marL="3200400" lvl="6" indent="-317500" algn="ctr">
               <a:lnSpc>
                 <a:spcPct val="115000"/>
               </a:lnSpc>
@@ -2607,7 +2926,7 @@
               <a:buChar char="●"/>
               <a:defRPr/>
             </a:lvl7pPr>
-            <a:lvl8pPr indent="-317500" lvl="7" marL="3657600" algn="ctr">
+            <a:lvl8pPr marL="3657600" lvl="7" indent="-317500" algn="ctr">
               <a:lnSpc>
                 <a:spcPct val="115000"/>
               </a:lnSpc>
@@ -2621,7 +2940,7 @@
               <a:buChar char="○"/>
               <a:defRPr/>
             </a:lvl8pPr>
-            <a:lvl9pPr indent="-317500" lvl="8" marL="4114800" algn="ctr">
+            <a:lvl9pPr marL="4114800" lvl="8" indent="-317500" algn="ctr">
               <a:lnSpc>
                 <a:spcPct val="115000"/>
               </a:lnSpc>
@@ -2636,15 +2955,19 @@
               <a:defRPr/>
             </a:lvl9pPr>
           </a:lstStyle>
-          <a:p/>
+          <a:p>
+            <a:endParaRPr/>
+          </a:p>
         </p:txBody>
       </p:sp>
       <p:sp>
         <p:nvSpPr>
           <p:cNvPr id="56" name="Google Shape;56;p11"/>
-          <p:cNvSpPr txBox="1"/>
+          <p:cNvSpPr txBox="1">
+            <a:spLocks noGrp="1"/>
+          </p:cNvSpPr>
           <p:nvPr>
-            <p:ph idx="12" type="sldNum"/>
+            <p:ph type="sldNum" idx="12"/>
           </p:nvPr>
         </p:nvSpPr>
         <p:spPr>
@@ -2661,11 +2984,11 @@
           </a:ln>
         </p:spPr>
         <p:txBody>
-          <a:bodyPr anchorCtr="0" anchor="ctr" bIns="91425" lIns="91425" spcFirstLastPara="1" rIns="91425" wrap="square" tIns="91425">
+          <a:bodyPr spcFirstLastPara="1" wrap="square" lIns="91425" tIns="91425" rIns="91425" bIns="91425" anchor="ctr" anchorCtr="0">
             <a:noAutofit/>
           </a:bodyPr>
           <a:lstStyle>
-            <a:lvl1pPr indent="0" lvl="0" marL="0" marR="0" algn="r">
+            <a:lvl1pPr marL="0" marR="0" lvl="0" indent="0" algn="r">
               <a:lnSpc>
                 <a:spcPct val="100000"/>
               </a:lnSpc>
@@ -2681,7 +3004,7 @@
               <a:buSzPts val="1000"/>
               <a:buFont typeface="Arial"/>
               <a:buNone/>
-              <a:defRPr b="0" i="0" sz="1000" u="none" cap="none" strike="noStrike">
+              <a:defRPr sz="1000" b="0" i="0" u="none" strike="noStrike" cap="none">
                 <a:solidFill>
                   <a:schemeClr val="dk1"/>
                 </a:solidFill>
@@ -2691,7 +3014,7 @@
                 <a:sym typeface="Roboto"/>
               </a:defRPr>
             </a:lvl1pPr>
-            <a:lvl2pPr indent="0" lvl="1" marL="0" marR="0" algn="r">
+            <a:lvl2pPr marL="0" marR="0" lvl="1" indent="0" algn="r">
               <a:lnSpc>
                 <a:spcPct val="100000"/>
               </a:lnSpc>
@@ -2707,7 +3030,7 @@
               <a:buSzPts val="1000"/>
               <a:buFont typeface="Arial"/>
               <a:buNone/>
-              <a:defRPr b="0" i="0" sz="1000" u="none" cap="none" strike="noStrike">
+              <a:defRPr sz="1000" b="0" i="0" u="none" strike="noStrike" cap="none">
                 <a:solidFill>
                   <a:schemeClr val="dk1"/>
                 </a:solidFill>
@@ -2717,7 +3040,7 @@
                 <a:sym typeface="Roboto"/>
               </a:defRPr>
             </a:lvl2pPr>
-            <a:lvl3pPr indent="0" lvl="2" marL="0" marR="0" algn="r">
+            <a:lvl3pPr marL="0" marR="0" lvl="2" indent="0" algn="r">
               <a:lnSpc>
                 <a:spcPct val="100000"/>
               </a:lnSpc>
@@ -2733,7 +3056,7 @@
               <a:buSzPts val="1000"/>
               <a:buFont typeface="Arial"/>
               <a:buNone/>
-              <a:defRPr b="0" i="0" sz="1000" u="none" cap="none" strike="noStrike">
+              <a:defRPr sz="1000" b="0" i="0" u="none" strike="noStrike" cap="none">
                 <a:solidFill>
                   <a:schemeClr val="dk1"/>
                 </a:solidFill>
@@ -2743,7 +3066,7 @@
                 <a:sym typeface="Roboto"/>
               </a:defRPr>
             </a:lvl3pPr>
-            <a:lvl4pPr indent="0" lvl="3" marL="0" marR="0" algn="r">
+            <a:lvl4pPr marL="0" marR="0" lvl="3" indent="0" algn="r">
               <a:lnSpc>
                 <a:spcPct val="100000"/>
               </a:lnSpc>
@@ -2759,7 +3082,7 @@
               <a:buSzPts val="1000"/>
               <a:buFont typeface="Arial"/>
               <a:buNone/>
-              <a:defRPr b="0" i="0" sz="1000" u="none" cap="none" strike="noStrike">
+              <a:defRPr sz="1000" b="0" i="0" u="none" strike="noStrike" cap="none">
                 <a:solidFill>
                   <a:schemeClr val="dk1"/>
                 </a:solidFill>
@@ -2769,7 +3092,7 @@
                 <a:sym typeface="Roboto"/>
               </a:defRPr>
             </a:lvl4pPr>
-            <a:lvl5pPr indent="0" lvl="4" marL="0" marR="0" algn="r">
+            <a:lvl5pPr marL="0" marR="0" lvl="4" indent="0" algn="r">
               <a:lnSpc>
                 <a:spcPct val="100000"/>
               </a:lnSpc>
@@ -2785,7 +3108,7 @@
               <a:buSzPts val="1000"/>
               <a:buFont typeface="Arial"/>
               <a:buNone/>
-              <a:defRPr b="0" i="0" sz="1000" u="none" cap="none" strike="noStrike">
+              <a:defRPr sz="1000" b="0" i="0" u="none" strike="noStrike" cap="none">
                 <a:solidFill>
                   <a:schemeClr val="dk1"/>
                 </a:solidFill>
@@ -2795,7 +3118,7 @@
                 <a:sym typeface="Roboto"/>
               </a:defRPr>
             </a:lvl5pPr>
-            <a:lvl6pPr indent="0" lvl="5" marL="0" marR="0" algn="r">
+            <a:lvl6pPr marL="0" marR="0" lvl="5" indent="0" algn="r">
               <a:lnSpc>
                 <a:spcPct val="100000"/>
               </a:lnSpc>
@@ -2811,7 +3134,7 @@
               <a:buSzPts val="1000"/>
               <a:buFont typeface="Arial"/>
               <a:buNone/>
-              <a:defRPr b="0" i="0" sz="1000" u="none" cap="none" strike="noStrike">
+              <a:defRPr sz="1000" b="0" i="0" u="none" strike="noStrike" cap="none">
                 <a:solidFill>
                   <a:schemeClr val="dk1"/>
                 </a:solidFill>
@@ -2821,7 +3144,7 @@
                 <a:sym typeface="Roboto"/>
               </a:defRPr>
             </a:lvl6pPr>
-            <a:lvl7pPr indent="0" lvl="6" marL="0" marR="0" algn="r">
+            <a:lvl7pPr marL="0" marR="0" lvl="6" indent="0" algn="r">
               <a:lnSpc>
                 <a:spcPct val="100000"/>
               </a:lnSpc>
@@ -2837,7 +3160,7 @@
               <a:buSzPts val="1000"/>
               <a:buFont typeface="Arial"/>
               <a:buNone/>
-              <a:defRPr b="0" i="0" sz="1000" u="none" cap="none" strike="noStrike">
+              <a:defRPr sz="1000" b="0" i="0" u="none" strike="noStrike" cap="none">
                 <a:solidFill>
                   <a:schemeClr val="dk1"/>
                 </a:solidFill>
@@ -2847,7 +3170,7 @@
                 <a:sym typeface="Roboto"/>
               </a:defRPr>
             </a:lvl7pPr>
-            <a:lvl8pPr indent="0" lvl="7" marL="0" marR="0" algn="r">
+            <a:lvl8pPr marL="0" marR="0" lvl="7" indent="0" algn="r">
               <a:lnSpc>
                 <a:spcPct val="100000"/>
               </a:lnSpc>
@@ -2863,7 +3186,7 @@
               <a:buSzPts val="1000"/>
               <a:buFont typeface="Arial"/>
               <a:buNone/>
-              <a:defRPr b="0" i="0" sz="1000" u="none" cap="none" strike="noStrike">
+              <a:defRPr sz="1000" b="0" i="0" u="none" strike="noStrike" cap="none">
                 <a:solidFill>
                   <a:schemeClr val="dk1"/>
                 </a:solidFill>
@@ -2873,7 +3196,7 @@
                 <a:sym typeface="Roboto"/>
               </a:defRPr>
             </a:lvl8pPr>
-            <a:lvl9pPr indent="0" lvl="8" marL="0" marR="0" algn="r">
+            <a:lvl9pPr marL="0" marR="0" lvl="8" indent="0" algn="r">
               <a:lnSpc>
                 <a:spcPct val="100000"/>
               </a:lnSpc>
@@ -2889,7 +3212,7 @@
               <a:buSzPts val="1000"/>
               <a:buFont typeface="Arial"/>
               <a:buNone/>
-              <a:defRPr b="0" i="0" sz="1000" u="none" cap="none" strike="noStrike">
+              <a:defRPr sz="1000" b="0" i="0" u="none" strike="noStrike" cap="none">
                 <a:solidFill>
                   <a:schemeClr val="dk1"/>
                 </a:solidFill>
@@ -2901,7 +3224,7 @@
             </a:lvl9pPr>
           </a:lstStyle>
           <a:p>
-            <a:pPr indent="0" lvl="0" marL="0" rtl="0" algn="r">
+            <a:pPr marL="0" lvl="0" indent="0" algn="r" rtl="0">
               <a:spcBef>
                 <a:spcPts val="0"/>
               </a:spcBef>
@@ -2927,11 +3250,11 @@
 </file>
 
 <file path=ppt/slideLayouts/slideLayout11.xml><?xml version="1.0" encoding="utf-8"?>
-<p:sldLayout xmlns:a="http://schemas.openxmlformats.org/drawingml/2006/main" xmlns:r="http://schemas.openxmlformats.org/officeDocument/2006/relationships" xmlns:mc="http://schemas.openxmlformats.org/markup-compatibility/2006" xmlns:mv="urn:schemas-microsoft-com:mac:vml" xmlns:p="http://schemas.openxmlformats.org/presentationml/2006/main" xmlns:c="http://schemas.openxmlformats.org/drawingml/2006/chart" xmlns:dgm="http://schemas.openxmlformats.org/drawingml/2006/diagram" xmlns:o="urn:schemas-microsoft-com:office:office" xmlns:v="urn:schemas-microsoft-com:vml" xmlns:pvml="urn:schemas-microsoft-com:office:powerpoint" xmlns:com="http://schemas.openxmlformats.org/drawingml/2006/compatibility" xmlns:p14="http://schemas.microsoft.com/office/powerpoint/2010/main" xmlns:p15="http://schemas.microsoft.com/office/powerpoint/2012/main" xmlns:ahyp="http://schemas.microsoft.com/office/drawing/2018/hyperlinkcolor" matchingName="Blank" type="blank">
+<p:sldLayout xmlns:a="http://schemas.openxmlformats.org/drawingml/2006/main" xmlns:r="http://schemas.openxmlformats.org/officeDocument/2006/relationships" xmlns:p="http://schemas.openxmlformats.org/presentationml/2006/main" matchingName="Blank" type="blank">
   <p:cSld name="BLANK">
     <p:spTree>
       <p:nvGrpSpPr>
-        <p:cNvPr id="57" name="Shape 57"/>
+        <p:cNvPr id="1" name="Shape 57"/>
         <p:cNvGrpSpPr/>
         <p:nvPr/>
       </p:nvGrpSpPr>
@@ -2946,9 +3269,11 @@
       <p:sp>
         <p:nvSpPr>
           <p:cNvPr id="58" name="Google Shape;58;p12"/>
-          <p:cNvSpPr txBox="1"/>
+          <p:cNvSpPr txBox="1">
+            <a:spLocks noGrp="1"/>
+          </p:cNvSpPr>
           <p:nvPr>
-            <p:ph idx="12" type="sldNum"/>
+            <p:ph type="sldNum" idx="12"/>
           </p:nvPr>
         </p:nvSpPr>
         <p:spPr>
@@ -2965,11 +3290,11 @@
           </a:ln>
         </p:spPr>
         <p:txBody>
-          <a:bodyPr anchorCtr="0" anchor="ctr" bIns="91425" lIns="91425" spcFirstLastPara="1" rIns="91425" wrap="square" tIns="91425">
+          <a:bodyPr spcFirstLastPara="1" wrap="square" lIns="91425" tIns="91425" rIns="91425" bIns="91425" anchor="ctr" anchorCtr="0">
             <a:noAutofit/>
           </a:bodyPr>
           <a:lstStyle>
-            <a:lvl1pPr indent="0" lvl="0" marL="0" marR="0" algn="r">
+            <a:lvl1pPr marL="0" marR="0" lvl="0" indent="0" algn="r">
               <a:lnSpc>
                 <a:spcPct val="100000"/>
               </a:lnSpc>
@@ -2985,7 +3310,7 @@
               <a:buSzPts val="1000"/>
               <a:buFont typeface="Arial"/>
               <a:buNone/>
-              <a:defRPr b="0" i="0" sz="1000" u="none" cap="none" strike="noStrike">
+              <a:defRPr sz="1000" b="0" i="0" u="none" strike="noStrike" cap="none">
                 <a:solidFill>
                   <a:schemeClr val="dk1"/>
                 </a:solidFill>
@@ -2995,7 +3320,7 @@
                 <a:sym typeface="Roboto"/>
               </a:defRPr>
             </a:lvl1pPr>
-            <a:lvl2pPr indent="0" lvl="1" marL="0" marR="0" algn="r">
+            <a:lvl2pPr marL="0" marR="0" lvl="1" indent="0" algn="r">
               <a:lnSpc>
                 <a:spcPct val="100000"/>
               </a:lnSpc>
@@ -3011,7 +3336,7 @@
               <a:buSzPts val="1000"/>
               <a:buFont typeface="Arial"/>
               <a:buNone/>
-              <a:defRPr b="0" i="0" sz="1000" u="none" cap="none" strike="noStrike">
+              <a:defRPr sz="1000" b="0" i="0" u="none" strike="noStrike" cap="none">
                 <a:solidFill>
                   <a:schemeClr val="dk1"/>
                 </a:solidFill>
@@ -3021,7 +3346,7 @@
                 <a:sym typeface="Roboto"/>
               </a:defRPr>
             </a:lvl2pPr>
-            <a:lvl3pPr indent="0" lvl="2" marL="0" marR="0" algn="r">
+            <a:lvl3pPr marL="0" marR="0" lvl="2" indent="0" algn="r">
               <a:lnSpc>
                 <a:spcPct val="100000"/>
               </a:lnSpc>
@@ -3037,7 +3362,7 @@
               <a:buSzPts val="1000"/>
               <a:buFont typeface="Arial"/>
               <a:buNone/>
-              <a:defRPr b="0" i="0" sz="1000" u="none" cap="none" strike="noStrike">
+              <a:defRPr sz="1000" b="0" i="0" u="none" strike="noStrike" cap="none">
                 <a:solidFill>
                   <a:schemeClr val="dk1"/>
                 </a:solidFill>
@@ -3047,7 +3372,7 @@
                 <a:sym typeface="Roboto"/>
               </a:defRPr>
             </a:lvl3pPr>
-            <a:lvl4pPr indent="0" lvl="3" marL="0" marR="0" algn="r">
+            <a:lvl4pPr marL="0" marR="0" lvl="3" indent="0" algn="r">
               <a:lnSpc>
                 <a:spcPct val="100000"/>
               </a:lnSpc>
@@ -3063,7 +3388,7 @@
               <a:buSzPts val="1000"/>
               <a:buFont typeface="Arial"/>
               <a:buNone/>
-              <a:defRPr b="0" i="0" sz="1000" u="none" cap="none" strike="noStrike">
+              <a:defRPr sz="1000" b="0" i="0" u="none" strike="noStrike" cap="none">
                 <a:solidFill>
                   <a:schemeClr val="dk1"/>
                 </a:solidFill>
@@ -3073,7 +3398,7 @@
                 <a:sym typeface="Roboto"/>
               </a:defRPr>
             </a:lvl4pPr>
-            <a:lvl5pPr indent="0" lvl="4" marL="0" marR="0" algn="r">
+            <a:lvl5pPr marL="0" marR="0" lvl="4" indent="0" algn="r">
               <a:lnSpc>
                 <a:spcPct val="100000"/>
               </a:lnSpc>
@@ -3089,7 +3414,7 @@
               <a:buSzPts val="1000"/>
               <a:buFont typeface="Arial"/>
               <a:buNone/>
-              <a:defRPr b="0" i="0" sz="1000" u="none" cap="none" strike="noStrike">
+              <a:defRPr sz="1000" b="0" i="0" u="none" strike="noStrike" cap="none">
                 <a:solidFill>
                   <a:schemeClr val="dk1"/>
                 </a:solidFill>
@@ -3099,7 +3424,7 @@
                 <a:sym typeface="Roboto"/>
               </a:defRPr>
             </a:lvl5pPr>
-            <a:lvl6pPr indent="0" lvl="5" marL="0" marR="0" algn="r">
+            <a:lvl6pPr marL="0" marR="0" lvl="5" indent="0" algn="r">
               <a:lnSpc>
                 <a:spcPct val="100000"/>
               </a:lnSpc>
@@ -3115,7 +3440,7 @@
               <a:buSzPts val="1000"/>
               <a:buFont typeface="Arial"/>
               <a:buNone/>
-              <a:defRPr b="0" i="0" sz="1000" u="none" cap="none" strike="noStrike">
+              <a:defRPr sz="1000" b="0" i="0" u="none" strike="noStrike" cap="none">
                 <a:solidFill>
                   <a:schemeClr val="dk1"/>
                 </a:solidFill>
@@ -3125,7 +3450,7 @@
                 <a:sym typeface="Roboto"/>
               </a:defRPr>
             </a:lvl6pPr>
-            <a:lvl7pPr indent="0" lvl="6" marL="0" marR="0" algn="r">
+            <a:lvl7pPr marL="0" marR="0" lvl="6" indent="0" algn="r">
               <a:lnSpc>
                 <a:spcPct val="100000"/>
               </a:lnSpc>
@@ -3141,7 +3466,7 @@
               <a:buSzPts val="1000"/>
               <a:buFont typeface="Arial"/>
               <a:buNone/>
-              <a:defRPr b="0" i="0" sz="1000" u="none" cap="none" strike="noStrike">
+              <a:defRPr sz="1000" b="0" i="0" u="none" strike="noStrike" cap="none">
                 <a:solidFill>
                   <a:schemeClr val="dk1"/>
                 </a:solidFill>
@@ -3151,7 +3476,7 @@
                 <a:sym typeface="Roboto"/>
               </a:defRPr>
             </a:lvl7pPr>
-            <a:lvl8pPr indent="0" lvl="7" marL="0" marR="0" algn="r">
+            <a:lvl8pPr marL="0" marR="0" lvl="7" indent="0" algn="r">
               <a:lnSpc>
                 <a:spcPct val="100000"/>
               </a:lnSpc>
@@ -3167,7 +3492,7 @@
               <a:buSzPts val="1000"/>
               <a:buFont typeface="Arial"/>
               <a:buNone/>
-              <a:defRPr b="0" i="0" sz="1000" u="none" cap="none" strike="noStrike">
+              <a:defRPr sz="1000" b="0" i="0" u="none" strike="noStrike" cap="none">
                 <a:solidFill>
                   <a:schemeClr val="dk1"/>
                 </a:solidFill>
@@ -3177,7 +3502,7 @@
                 <a:sym typeface="Roboto"/>
               </a:defRPr>
             </a:lvl8pPr>
-            <a:lvl9pPr indent="0" lvl="8" marL="0" marR="0" algn="r">
+            <a:lvl9pPr marL="0" marR="0" lvl="8" indent="0" algn="r">
               <a:lnSpc>
                 <a:spcPct val="100000"/>
               </a:lnSpc>
@@ -3193,7 +3518,7 @@
               <a:buSzPts val="1000"/>
               <a:buFont typeface="Arial"/>
               <a:buNone/>
-              <a:defRPr b="0" i="0" sz="1000" u="none" cap="none" strike="noStrike">
+              <a:defRPr sz="1000" b="0" i="0" u="none" strike="noStrike" cap="none">
                 <a:solidFill>
                   <a:schemeClr val="dk1"/>
                 </a:solidFill>
@@ -3205,7 +3530,7 @@
             </a:lvl9pPr>
           </a:lstStyle>
           <a:p>
-            <a:pPr indent="0" lvl="0" marL="0" rtl="0" algn="r">
+            <a:pPr marL="0" lvl="0" indent="0" algn="r" rtl="0">
               <a:spcBef>
                 <a:spcPts val="0"/>
               </a:spcBef>
@@ -3231,11 +3556,11 @@
 </file>
 
 <file path=ppt/slideLayouts/slideLayout2.xml><?xml version="1.0" encoding="utf-8"?>
-<p:sldLayout xmlns:a="http://schemas.openxmlformats.org/drawingml/2006/main" xmlns:r="http://schemas.openxmlformats.org/officeDocument/2006/relationships" xmlns:mc="http://schemas.openxmlformats.org/markup-compatibility/2006" xmlns:mv="urn:schemas-microsoft-com:mac:vml" xmlns:p="http://schemas.openxmlformats.org/presentationml/2006/main" xmlns:c="http://schemas.openxmlformats.org/drawingml/2006/chart" xmlns:dgm="http://schemas.openxmlformats.org/drawingml/2006/diagram" xmlns:o="urn:schemas-microsoft-com:office:office" xmlns:v="urn:schemas-microsoft-com:vml" xmlns:pvml="urn:schemas-microsoft-com:office:powerpoint" xmlns:com="http://schemas.openxmlformats.org/drawingml/2006/compatibility" xmlns:p14="http://schemas.microsoft.com/office/powerpoint/2010/main" xmlns:p15="http://schemas.microsoft.com/office/powerpoint/2012/main" xmlns:ahyp="http://schemas.microsoft.com/office/drawing/2018/hyperlinkcolor" matchingName="Title slide" type="title">
+<p:sldLayout xmlns:a="http://schemas.openxmlformats.org/drawingml/2006/main" xmlns:r="http://schemas.openxmlformats.org/officeDocument/2006/relationships" xmlns:p="http://schemas.openxmlformats.org/presentationml/2006/main" matchingName="Title slide" type="title">
   <p:cSld name="TITLE">
     <p:spTree>
       <p:nvGrpSpPr>
-        <p:cNvPr id="14" name="Shape 14"/>
+        <p:cNvPr id="1" name="Shape 14"/>
         <p:cNvGrpSpPr/>
         <p:nvPr/>
       </p:nvGrpSpPr>
@@ -3259,9 +3584,13 @@
             <a:ext cx="1081625" cy="1124950"/>
           </a:xfrm>
           <a:custGeom>
-            <a:rect b="b" l="l" r="r" t="t"/>
+            <a:avLst/>
+            <a:gdLst/>
+            <a:ahLst/>
+            <a:cxnLst/>
+            <a:rect l="l" t="t" r="r" b="b"/>
             <a:pathLst>
-              <a:path extrusionOk="0" h="44998" w="43265">
+              <a:path w="43265" h="44998" extrusionOk="0">
                 <a:moveTo>
                   <a:pt x="0" y="44998"/>
                 </a:moveTo>
@@ -3275,14 +3604,14 @@
             </a:pathLst>
           </a:custGeom>
           <a:noFill/>
-          <a:ln cap="flat" cmpd="sng" w="28575">
+          <a:ln w="28575" cap="flat" cmpd="sng">
             <a:solidFill>
               <a:schemeClr val="accent5"/>
             </a:solidFill>
             <a:prstDash val="solid"/>
             <a:miter lim="8000"/>
-            <a:headEnd len="sm" w="sm" type="none"/>
-            <a:tailEnd len="sm" w="sm" type="none"/>
+            <a:headEnd type="none" w="sm" len="sm"/>
+            <a:tailEnd type="none" w="sm" len="sm"/>
           </a:ln>
         </p:spPr>
       </p:sp>
@@ -3298,9 +3627,13 @@
             <a:ext cx="1081625" cy="1124950"/>
           </a:xfrm>
           <a:custGeom>
-            <a:rect b="b" l="l" r="r" t="t"/>
+            <a:avLst/>
+            <a:gdLst/>
+            <a:ahLst/>
+            <a:cxnLst/>
+            <a:rect l="l" t="t" r="r" b="b"/>
             <a:pathLst>
-              <a:path extrusionOk="0" h="44998" w="43265">
+              <a:path w="43265" h="44998" extrusionOk="0">
                 <a:moveTo>
                   <a:pt x="0" y="44998"/>
                 </a:moveTo>
@@ -3314,14 +3647,14 @@
             </a:pathLst>
           </a:custGeom>
           <a:noFill/>
-          <a:ln cap="flat" cmpd="sng" w="28575">
+          <a:ln w="28575" cap="flat" cmpd="sng">
             <a:solidFill>
               <a:schemeClr val="accent5"/>
             </a:solidFill>
             <a:prstDash val="solid"/>
             <a:miter lim="8000"/>
-            <a:headEnd len="sm" w="sm" type="none"/>
-            <a:tailEnd len="sm" w="sm" type="none"/>
+            <a:headEnd type="none" w="sm" len="sm"/>
+            <a:tailEnd type="none" w="sm" len="sm"/>
           </a:ln>
         </p:spPr>
       </p:sp>
@@ -3340,21 +3673,23 @@
             <a:avLst/>
           </a:prstGeom>
           <a:noFill/>
-          <a:ln cap="flat" cmpd="sng" w="38100">
+          <a:ln w="38100" cap="flat" cmpd="sng">
             <a:solidFill>
               <a:schemeClr val="accent4"/>
             </a:solidFill>
             <a:prstDash val="solid"/>
             <a:round/>
-            <a:headEnd len="sm" w="sm" type="none"/>
-            <a:tailEnd len="sm" w="sm" type="none"/>
+            <a:headEnd type="none" w="sm" len="sm"/>
+            <a:tailEnd type="none" w="sm" len="sm"/>
           </a:ln>
         </p:spPr>
       </p:cxnSp>
       <p:sp>
         <p:nvSpPr>
           <p:cNvPr id="18" name="Google Shape;18;p3"/>
-          <p:cNvSpPr txBox="1"/>
+          <p:cNvSpPr txBox="1">
+            <a:spLocks noGrp="1"/>
+          </p:cNvSpPr>
           <p:nvPr>
             <p:ph type="ctrTitle"/>
           </p:nvPr>
@@ -3373,7 +3708,7 @@
           </a:ln>
         </p:spPr>
         <p:txBody>
-          <a:bodyPr anchorCtr="0" anchor="b" bIns="91425" lIns="91425" spcFirstLastPara="1" rIns="91425" wrap="square" tIns="91425">
+          <a:bodyPr spcFirstLastPara="1" wrap="square" lIns="91425" tIns="91425" rIns="91425" bIns="91425" anchor="b" anchorCtr="0">
             <a:noAutofit/>
           </a:bodyPr>
           <a:lstStyle>
@@ -3504,15 +3839,19 @@
               <a:defRPr sz="4000"/>
             </a:lvl9pPr>
           </a:lstStyle>
-          <a:p/>
+          <a:p>
+            <a:endParaRPr/>
+          </a:p>
         </p:txBody>
       </p:sp>
       <p:sp>
         <p:nvSpPr>
           <p:cNvPr id="19" name="Google Shape;19;p3"/>
-          <p:cNvSpPr txBox="1"/>
+          <p:cNvSpPr txBox="1">
+            <a:spLocks noGrp="1"/>
+          </p:cNvSpPr>
           <p:nvPr>
-            <p:ph idx="1" type="subTitle"/>
+            <p:ph type="subTitle" idx="1"/>
           </p:nvPr>
         </p:nvSpPr>
         <p:spPr>
@@ -3529,7 +3868,7 @@
           </a:ln>
         </p:spPr>
         <p:txBody>
-          <a:bodyPr anchorCtr="0" anchor="t" bIns="91425" lIns="91425" spcFirstLastPara="1" rIns="91425" wrap="square" tIns="91425">
+          <a:bodyPr spcFirstLastPara="1" wrap="square" lIns="91425" tIns="91425" rIns="91425" bIns="91425" anchor="t" anchorCtr="0">
             <a:noAutofit/>
           </a:bodyPr>
           <a:lstStyle>
@@ -3768,15 +4107,19 @@
               </a:defRPr>
             </a:lvl9pPr>
           </a:lstStyle>
-          <a:p/>
+          <a:p>
+            <a:endParaRPr/>
+          </a:p>
         </p:txBody>
       </p:sp>
       <p:sp>
         <p:nvSpPr>
           <p:cNvPr id="20" name="Google Shape;20;p3"/>
-          <p:cNvSpPr txBox="1"/>
+          <p:cNvSpPr txBox="1">
+            <a:spLocks noGrp="1"/>
+          </p:cNvSpPr>
           <p:nvPr>
-            <p:ph idx="12" type="sldNum"/>
+            <p:ph type="sldNum" idx="12"/>
           </p:nvPr>
         </p:nvSpPr>
         <p:spPr>
@@ -3793,11 +4136,11 @@
           </a:ln>
         </p:spPr>
         <p:txBody>
-          <a:bodyPr anchorCtr="0" anchor="ctr" bIns="91425" lIns="91425" spcFirstLastPara="1" rIns="91425" wrap="square" tIns="91425">
+          <a:bodyPr spcFirstLastPara="1" wrap="square" lIns="91425" tIns="91425" rIns="91425" bIns="91425" anchor="ctr" anchorCtr="0">
             <a:noAutofit/>
           </a:bodyPr>
           <a:lstStyle>
-            <a:lvl1pPr indent="0" lvl="0" marL="0" marR="0" algn="r">
+            <a:lvl1pPr marL="0" marR="0" lvl="0" indent="0" algn="r">
               <a:lnSpc>
                 <a:spcPct val="100000"/>
               </a:lnSpc>
@@ -3813,7 +4156,7 @@
               <a:buSzPts val="1000"/>
               <a:buFont typeface="Arial"/>
               <a:buNone/>
-              <a:defRPr b="0" i="0" sz="1000" u="none" cap="none" strike="noStrike">
+              <a:defRPr sz="1000" b="0" i="0" u="none" strike="noStrike" cap="none">
                 <a:solidFill>
                   <a:schemeClr val="dk1"/>
                 </a:solidFill>
@@ -3823,7 +4166,7 @@
                 <a:sym typeface="Roboto"/>
               </a:defRPr>
             </a:lvl1pPr>
-            <a:lvl2pPr indent="0" lvl="1" marL="0" marR="0" algn="r">
+            <a:lvl2pPr marL="0" marR="0" lvl="1" indent="0" algn="r">
               <a:lnSpc>
                 <a:spcPct val="100000"/>
               </a:lnSpc>
@@ -3839,7 +4182,7 @@
               <a:buSzPts val="1000"/>
               <a:buFont typeface="Arial"/>
               <a:buNone/>
-              <a:defRPr b="0" i="0" sz="1000" u="none" cap="none" strike="noStrike">
+              <a:defRPr sz="1000" b="0" i="0" u="none" strike="noStrike" cap="none">
                 <a:solidFill>
                   <a:schemeClr val="dk1"/>
                 </a:solidFill>
@@ -3849,7 +4192,7 @@
                 <a:sym typeface="Roboto"/>
               </a:defRPr>
             </a:lvl2pPr>
-            <a:lvl3pPr indent="0" lvl="2" marL="0" marR="0" algn="r">
+            <a:lvl3pPr marL="0" marR="0" lvl="2" indent="0" algn="r">
               <a:lnSpc>
                 <a:spcPct val="100000"/>
               </a:lnSpc>
@@ -3865,7 +4208,7 @@
               <a:buSzPts val="1000"/>
               <a:buFont typeface="Arial"/>
               <a:buNone/>
-              <a:defRPr b="0" i="0" sz="1000" u="none" cap="none" strike="noStrike">
+              <a:defRPr sz="1000" b="0" i="0" u="none" strike="noStrike" cap="none">
                 <a:solidFill>
                   <a:schemeClr val="dk1"/>
                 </a:solidFill>
@@ -3875,7 +4218,7 @@
                 <a:sym typeface="Roboto"/>
               </a:defRPr>
             </a:lvl3pPr>
-            <a:lvl4pPr indent="0" lvl="3" marL="0" marR="0" algn="r">
+            <a:lvl4pPr marL="0" marR="0" lvl="3" indent="0" algn="r">
               <a:lnSpc>
                 <a:spcPct val="100000"/>
               </a:lnSpc>
@@ -3891,7 +4234,7 @@
               <a:buSzPts val="1000"/>
               <a:buFont typeface="Arial"/>
               <a:buNone/>
-              <a:defRPr b="0" i="0" sz="1000" u="none" cap="none" strike="noStrike">
+              <a:defRPr sz="1000" b="0" i="0" u="none" strike="noStrike" cap="none">
                 <a:solidFill>
                   <a:schemeClr val="dk1"/>
                 </a:solidFill>
@@ -3901,7 +4244,7 @@
                 <a:sym typeface="Roboto"/>
               </a:defRPr>
             </a:lvl4pPr>
-            <a:lvl5pPr indent="0" lvl="4" marL="0" marR="0" algn="r">
+            <a:lvl5pPr marL="0" marR="0" lvl="4" indent="0" algn="r">
               <a:lnSpc>
                 <a:spcPct val="100000"/>
               </a:lnSpc>
@@ -3917,7 +4260,7 @@
               <a:buSzPts val="1000"/>
               <a:buFont typeface="Arial"/>
               <a:buNone/>
-              <a:defRPr b="0" i="0" sz="1000" u="none" cap="none" strike="noStrike">
+              <a:defRPr sz="1000" b="0" i="0" u="none" strike="noStrike" cap="none">
                 <a:solidFill>
                   <a:schemeClr val="dk1"/>
                 </a:solidFill>
@@ -3927,7 +4270,7 @@
                 <a:sym typeface="Roboto"/>
               </a:defRPr>
             </a:lvl5pPr>
-            <a:lvl6pPr indent="0" lvl="5" marL="0" marR="0" algn="r">
+            <a:lvl6pPr marL="0" marR="0" lvl="5" indent="0" algn="r">
               <a:lnSpc>
                 <a:spcPct val="100000"/>
               </a:lnSpc>
@@ -3943,7 +4286,7 @@
               <a:buSzPts val="1000"/>
               <a:buFont typeface="Arial"/>
               <a:buNone/>
-              <a:defRPr b="0" i="0" sz="1000" u="none" cap="none" strike="noStrike">
+              <a:defRPr sz="1000" b="0" i="0" u="none" strike="noStrike" cap="none">
                 <a:solidFill>
                   <a:schemeClr val="dk1"/>
                 </a:solidFill>
@@ -3953,7 +4296,7 @@
                 <a:sym typeface="Roboto"/>
               </a:defRPr>
             </a:lvl6pPr>
-            <a:lvl7pPr indent="0" lvl="6" marL="0" marR="0" algn="r">
+            <a:lvl7pPr marL="0" marR="0" lvl="6" indent="0" algn="r">
               <a:lnSpc>
                 <a:spcPct val="100000"/>
               </a:lnSpc>
@@ -3969,7 +4312,7 @@
               <a:buSzPts val="1000"/>
               <a:buFont typeface="Arial"/>
               <a:buNone/>
-              <a:defRPr b="0" i="0" sz="1000" u="none" cap="none" strike="noStrike">
+              <a:defRPr sz="1000" b="0" i="0" u="none" strike="noStrike" cap="none">
                 <a:solidFill>
                   <a:schemeClr val="dk1"/>
                 </a:solidFill>
@@ -3979,7 +4322,7 @@
                 <a:sym typeface="Roboto"/>
               </a:defRPr>
             </a:lvl7pPr>
-            <a:lvl8pPr indent="0" lvl="7" marL="0" marR="0" algn="r">
+            <a:lvl8pPr marL="0" marR="0" lvl="7" indent="0" algn="r">
               <a:lnSpc>
                 <a:spcPct val="100000"/>
               </a:lnSpc>
@@ -3995,7 +4338,7 @@
               <a:buSzPts val="1000"/>
               <a:buFont typeface="Arial"/>
               <a:buNone/>
-              <a:defRPr b="0" i="0" sz="1000" u="none" cap="none" strike="noStrike">
+              <a:defRPr sz="1000" b="0" i="0" u="none" strike="noStrike" cap="none">
                 <a:solidFill>
                   <a:schemeClr val="dk1"/>
                 </a:solidFill>
@@ -4005,7 +4348,7 @@
                 <a:sym typeface="Roboto"/>
               </a:defRPr>
             </a:lvl8pPr>
-            <a:lvl9pPr indent="0" lvl="8" marL="0" marR="0" algn="r">
+            <a:lvl9pPr marL="0" marR="0" lvl="8" indent="0" algn="r">
               <a:lnSpc>
                 <a:spcPct val="100000"/>
               </a:lnSpc>
@@ -4021,7 +4364,7 @@
               <a:buSzPts val="1000"/>
               <a:buFont typeface="Arial"/>
               <a:buNone/>
-              <a:defRPr b="0" i="0" sz="1000" u="none" cap="none" strike="noStrike">
+              <a:defRPr sz="1000" b="0" i="0" u="none" strike="noStrike" cap="none">
                 <a:solidFill>
                   <a:schemeClr val="dk1"/>
                 </a:solidFill>
@@ -4033,7 +4376,7 @@
             </a:lvl9pPr>
           </a:lstStyle>
           <a:p>
-            <a:pPr indent="0" lvl="0" marL="0" rtl="0" algn="r">
+            <a:pPr marL="0" lvl="0" indent="0" algn="r" rtl="0">
               <a:spcBef>
                 <a:spcPts val="0"/>
               </a:spcBef>
@@ -4059,11 +4402,11 @@
 </file>
 
 <file path=ppt/slideLayouts/slideLayout3.xml><?xml version="1.0" encoding="utf-8"?>
-<p:sldLayout xmlns:a="http://schemas.openxmlformats.org/drawingml/2006/main" xmlns:r="http://schemas.openxmlformats.org/officeDocument/2006/relationships" xmlns:mc="http://schemas.openxmlformats.org/markup-compatibility/2006" xmlns:mv="urn:schemas-microsoft-com:mac:vml" xmlns:p="http://schemas.openxmlformats.org/presentationml/2006/main" xmlns:c="http://schemas.openxmlformats.org/drawingml/2006/chart" xmlns:dgm="http://schemas.openxmlformats.org/drawingml/2006/diagram" xmlns:o="urn:schemas-microsoft-com:office:office" xmlns:v="urn:schemas-microsoft-com:vml" xmlns:pvml="urn:schemas-microsoft-com:office:powerpoint" xmlns:com="http://schemas.openxmlformats.org/drawingml/2006/compatibility" xmlns:p14="http://schemas.microsoft.com/office/powerpoint/2010/main" xmlns:p15="http://schemas.microsoft.com/office/powerpoint/2012/main" xmlns:ahyp="http://schemas.microsoft.com/office/drawing/2018/hyperlinkcolor" matchingName="Section header" type="secHead">
+<p:sldLayout xmlns:a="http://schemas.openxmlformats.org/drawingml/2006/main" xmlns:r="http://schemas.openxmlformats.org/officeDocument/2006/relationships" xmlns:p="http://schemas.openxmlformats.org/presentationml/2006/main" matchingName="Section header" type="secHead">
   <p:cSld name="SECTION_HEADER">
     <p:spTree>
       <p:nvGrpSpPr>
-        <p:cNvPr id="21" name="Shape 21"/>
+        <p:cNvPr id="1" name="Shape 21"/>
         <p:cNvGrpSpPr/>
         <p:nvPr/>
       </p:nvGrpSpPr>
@@ -4090,21 +4433,23 @@
             <a:avLst/>
           </a:prstGeom>
           <a:noFill/>
-          <a:ln cap="flat" cmpd="sng" w="38100">
+          <a:ln w="38100" cap="flat" cmpd="sng">
             <a:solidFill>
               <a:schemeClr val="accent4"/>
             </a:solidFill>
             <a:prstDash val="solid"/>
             <a:round/>
-            <a:headEnd len="sm" w="sm" type="none"/>
-            <a:tailEnd len="sm" w="sm" type="none"/>
+            <a:headEnd type="none" w="sm" len="sm"/>
+            <a:tailEnd type="none" w="sm" len="sm"/>
           </a:ln>
         </p:spPr>
       </p:cxnSp>
       <p:sp>
         <p:nvSpPr>
           <p:cNvPr id="23" name="Google Shape;23;p4"/>
-          <p:cNvSpPr txBox="1"/>
+          <p:cNvSpPr txBox="1">
+            <a:spLocks noGrp="1"/>
+          </p:cNvSpPr>
           <p:nvPr>
             <p:ph type="title"/>
           </p:nvPr>
@@ -4123,7 +4468,7 @@
           </a:ln>
         </p:spPr>
         <p:txBody>
-          <a:bodyPr anchorCtr="0" anchor="b" bIns="91425" lIns="91425" spcFirstLastPara="1" rIns="91425" wrap="square" tIns="91425">
+          <a:bodyPr spcFirstLastPara="1" wrap="square" lIns="91425" tIns="91425" rIns="91425" bIns="91425" anchor="b" anchorCtr="0">
             <a:noAutofit/>
           </a:bodyPr>
           <a:lstStyle>
@@ -4254,15 +4599,19 @@
               <a:defRPr sz="4800"/>
             </a:lvl9pPr>
           </a:lstStyle>
-          <a:p/>
+          <a:p>
+            <a:endParaRPr/>
+          </a:p>
         </p:txBody>
       </p:sp>
       <p:sp>
         <p:nvSpPr>
           <p:cNvPr id="24" name="Google Shape;24;p4"/>
-          <p:cNvSpPr txBox="1"/>
+          <p:cNvSpPr txBox="1">
+            <a:spLocks noGrp="1"/>
+          </p:cNvSpPr>
           <p:nvPr>
-            <p:ph idx="12" type="sldNum"/>
+            <p:ph type="sldNum" idx="12"/>
           </p:nvPr>
         </p:nvSpPr>
         <p:spPr>
@@ -4279,11 +4628,11 @@
           </a:ln>
         </p:spPr>
         <p:txBody>
-          <a:bodyPr anchorCtr="0" anchor="ctr" bIns="91425" lIns="91425" spcFirstLastPara="1" rIns="91425" wrap="square" tIns="91425">
+          <a:bodyPr spcFirstLastPara="1" wrap="square" lIns="91425" tIns="91425" rIns="91425" bIns="91425" anchor="ctr" anchorCtr="0">
             <a:noAutofit/>
           </a:bodyPr>
           <a:lstStyle>
-            <a:lvl1pPr indent="0" lvl="0" marL="0" marR="0" algn="r">
+            <a:lvl1pPr marL="0" marR="0" lvl="0" indent="0" algn="r">
               <a:lnSpc>
                 <a:spcPct val="100000"/>
               </a:lnSpc>
@@ -4299,7 +4648,7 @@
               <a:buSzPts val="1000"/>
               <a:buFont typeface="Arial"/>
               <a:buNone/>
-              <a:defRPr b="0" i="0" sz="1000" u="none" cap="none" strike="noStrike">
+              <a:defRPr sz="1000" b="0" i="0" u="none" strike="noStrike" cap="none">
                 <a:solidFill>
                   <a:schemeClr val="dk1"/>
                 </a:solidFill>
@@ -4309,7 +4658,7 @@
                 <a:sym typeface="Roboto"/>
               </a:defRPr>
             </a:lvl1pPr>
-            <a:lvl2pPr indent="0" lvl="1" marL="0" marR="0" algn="r">
+            <a:lvl2pPr marL="0" marR="0" lvl="1" indent="0" algn="r">
               <a:lnSpc>
                 <a:spcPct val="100000"/>
               </a:lnSpc>
@@ -4325,7 +4674,7 @@
               <a:buSzPts val="1000"/>
               <a:buFont typeface="Arial"/>
               <a:buNone/>
-              <a:defRPr b="0" i="0" sz="1000" u="none" cap="none" strike="noStrike">
+              <a:defRPr sz="1000" b="0" i="0" u="none" strike="noStrike" cap="none">
                 <a:solidFill>
                   <a:schemeClr val="dk1"/>
                 </a:solidFill>
@@ -4335,7 +4684,7 @@
                 <a:sym typeface="Roboto"/>
               </a:defRPr>
             </a:lvl2pPr>
-            <a:lvl3pPr indent="0" lvl="2" marL="0" marR="0" algn="r">
+            <a:lvl3pPr marL="0" marR="0" lvl="2" indent="0" algn="r">
               <a:lnSpc>
                 <a:spcPct val="100000"/>
               </a:lnSpc>
@@ -4351,7 +4700,7 @@
               <a:buSzPts val="1000"/>
               <a:buFont typeface="Arial"/>
               <a:buNone/>
-              <a:defRPr b="0" i="0" sz="1000" u="none" cap="none" strike="noStrike">
+              <a:defRPr sz="1000" b="0" i="0" u="none" strike="noStrike" cap="none">
                 <a:solidFill>
                   <a:schemeClr val="dk1"/>
                 </a:solidFill>
@@ -4361,7 +4710,7 @@
                 <a:sym typeface="Roboto"/>
               </a:defRPr>
             </a:lvl3pPr>
-            <a:lvl4pPr indent="0" lvl="3" marL="0" marR="0" algn="r">
+            <a:lvl4pPr marL="0" marR="0" lvl="3" indent="0" algn="r">
               <a:lnSpc>
                 <a:spcPct val="100000"/>
               </a:lnSpc>
@@ -4377,7 +4726,7 @@
               <a:buSzPts val="1000"/>
               <a:buFont typeface="Arial"/>
               <a:buNone/>
-              <a:defRPr b="0" i="0" sz="1000" u="none" cap="none" strike="noStrike">
+              <a:defRPr sz="1000" b="0" i="0" u="none" strike="noStrike" cap="none">
                 <a:solidFill>
                   <a:schemeClr val="dk1"/>
                 </a:solidFill>
@@ -4387,7 +4736,7 @@
                 <a:sym typeface="Roboto"/>
               </a:defRPr>
             </a:lvl4pPr>
-            <a:lvl5pPr indent="0" lvl="4" marL="0" marR="0" algn="r">
+            <a:lvl5pPr marL="0" marR="0" lvl="4" indent="0" algn="r">
               <a:lnSpc>
                 <a:spcPct val="100000"/>
               </a:lnSpc>
@@ -4403,7 +4752,7 @@
               <a:buSzPts val="1000"/>
               <a:buFont typeface="Arial"/>
               <a:buNone/>
-              <a:defRPr b="0" i="0" sz="1000" u="none" cap="none" strike="noStrike">
+              <a:defRPr sz="1000" b="0" i="0" u="none" strike="noStrike" cap="none">
                 <a:solidFill>
                   <a:schemeClr val="dk1"/>
                 </a:solidFill>
@@ -4413,7 +4762,7 @@
                 <a:sym typeface="Roboto"/>
               </a:defRPr>
             </a:lvl5pPr>
-            <a:lvl6pPr indent="0" lvl="5" marL="0" marR="0" algn="r">
+            <a:lvl6pPr marL="0" marR="0" lvl="5" indent="0" algn="r">
               <a:lnSpc>
                 <a:spcPct val="100000"/>
               </a:lnSpc>
@@ -4429,7 +4778,7 @@
               <a:buSzPts val="1000"/>
               <a:buFont typeface="Arial"/>
               <a:buNone/>
-              <a:defRPr b="0" i="0" sz="1000" u="none" cap="none" strike="noStrike">
+              <a:defRPr sz="1000" b="0" i="0" u="none" strike="noStrike" cap="none">
                 <a:solidFill>
                   <a:schemeClr val="dk1"/>
                 </a:solidFill>
@@ -4439,7 +4788,7 @@
                 <a:sym typeface="Roboto"/>
               </a:defRPr>
             </a:lvl6pPr>
-            <a:lvl7pPr indent="0" lvl="6" marL="0" marR="0" algn="r">
+            <a:lvl7pPr marL="0" marR="0" lvl="6" indent="0" algn="r">
               <a:lnSpc>
                 <a:spcPct val="100000"/>
               </a:lnSpc>
@@ -4455,7 +4804,7 @@
               <a:buSzPts val="1000"/>
               <a:buFont typeface="Arial"/>
               <a:buNone/>
-              <a:defRPr b="0" i="0" sz="1000" u="none" cap="none" strike="noStrike">
+              <a:defRPr sz="1000" b="0" i="0" u="none" strike="noStrike" cap="none">
                 <a:solidFill>
                   <a:schemeClr val="dk1"/>
                 </a:solidFill>
@@ -4465,7 +4814,7 @@
                 <a:sym typeface="Roboto"/>
               </a:defRPr>
             </a:lvl7pPr>
-            <a:lvl8pPr indent="0" lvl="7" marL="0" marR="0" algn="r">
+            <a:lvl8pPr marL="0" marR="0" lvl="7" indent="0" algn="r">
               <a:lnSpc>
                 <a:spcPct val="100000"/>
               </a:lnSpc>
@@ -4481,7 +4830,7 @@
               <a:buSzPts val="1000"/>
               <a:buFont typeface="Arial"/>
               <a:buNone/>
-              <a:defRPr b="0" i="0" sz="1000" u="none" cap="none" strike="noStrike">
+              <a:defRPr sz="1000" b="0" i="0" u="none" strike="noStrike" cap="none">
                 <a:solidFill>
                   <a:schemeClr val="dk1"/>
                 </a:solidFill>
@@ -4491,7 +4840,7 @@
                 <a:sym typeface="Roboto"/>
               </a:defRPr>
             </a:lvl8pPr>
-            <a:lvl9pPr indent="0" lvl="8" marL="0" marR="0" algn="r">
+            <a:lvl9pPr marL="0" marR="0" lvl="8" indent="0" algn="r">
               <a:lnSpc>
                 <a:spcPct val="100000"/>
               </a:lnSpc>
@@ -4507,7 +4856,7 @@
               <a:buSzPts val="1000"/>
               <a:buFont typeface="Arial"/>
               <a:buNone/>
-              <a:defRPr b="0" i="0" sz="1000" u="none" cap="none" strike="noStrike">
+              <a:defRPr sz="1000" b="0" i="0" u="none" strike="noStrike" cap="none">
                 <a:solidFill>
                   <a:schemeClr val="dk1"/>
                 </a:solidFill>
@@ -4519,7 +4868,7 @@
             </a:lvl9pPr>
           </a:lstStyle>
           <a:p>
-            <a:pPr indent="0" lvl="0" marL="0" rtl="0" algn="r">
+            <a:pPr marL="0" lvl="0" indent="0" algn="r" rtl="0">
               <a:spcBef>
                 <a:spcPts val="0"/>
               </a:spcBef>
@@ -4545,11 +4894,11 @@
 </file>
 
 <file path=ppt/slideLayouts/slideLayout4.xml><?xml version="1.0" encoding="utf-8"?>
-<p:sldLayout xmlns:a="http://schemas.openxmlformats.org/drawingml/2006/main" xmlns:r="http://schemas.openxmlformats.org/officeDocument/2006/relationships" xmlns:mc="http://schemas.openxmlformats.org/markup-compatibility/2006" xmlns:mv="urn:schemas-microsoft-com:mac:vml" xmlns:p="http://schemas.openxmlformats.org/presentationml/2006/main" xmlns:c="http://schemas.openxmlformats.org/drawingml/2006/chart" xmlns:dgm="http://schemas.openxmlformats.org/drawingml/2006/diagram" xmlns:o="urn:schemas-microsoft-com:office:office" xmlns:v="urn:schemas-microsoft-com:vml" xmlns:pvml="urn:schemas-microsoft-com:office:powerpoint" xmlns:com="http://schemas.openxmlformats.org/drawingml/2006/compatibility" xmlns:p14="http://schemas.microsoft.com/office/powerpoint/2010/main" xmlns:p15="http://schemas.microsoft.com/office/powerpoint/2012/main" xmlns:ahyp="http://schemas.microsoft.com/office/drawing/2018/hyperlinkcolor" matchingName="Title and two columns" type="twoColTx">
+<p:sldLayout xmlns:a="http://schemas.openxmlformats.org/drawingml/2006/main" xmlns:r="http://schemas.openxmlformats.org/officeDocument/2006/relationships" xmlns:p="http://schemas.openxmlformats.org/presentationml/2006/main" matchingName="Title and two columns" type="twoColTx">
   <p:cSld name="TITLE_AND_TWO_COLUMNS">
     <p:spTree>
       <p:nvGrpSpPr>
-        <p:cNvPr id="25" name="Shape 25"/>
+        <p:cNvPr id="1" name="Shape 25"/>
         <p:cNvGrpSpPr/>
         <p:nvPr/>
       </p:nvGrpSpPr>
@@ -4576,21 +4925,23 @@
             <a:avLst/>
           </a:prstGeom>
           <a:noFill/>
-          <a:ln cap="flat" cmpd="sng" w="38100">
+          <a:ln w="38100" cap="flat" cmpd="sng">
             <a:solidFill>
               <a:schemeClr val="accent4"/>
             </a:solidFill>
             <a:prstDash val="solid"/>
             <a:round/>
-            <a:headEnd len="sm" w="sm" type="none"/>
-            <a:tailEnd len="sm" w="sm" type="none"/>
+            <a:headEnd type="none" w="sm" len="sm"/>
+            <a:tailEnd type="none" w="sm" len="sm"/>
           </a:ln>
         </p:spPr>
       </p:cxnSp>
       <p:sp>
         <p:nvSpPr>
           <p:cNvPr id="27" name="Google Shape;27;p5"/>
-          <p:cNvSpPr txBox="1"/>
+          <p:cNvSpPr txBox="1">
+            <a:spLocks noGrp="1"/>
+          </p:cNvSpPr>
           <p:nvPr>
             <p:ph type="title"/>
           </p:nvPr>
@@ -4609,7 +4960,7 @@
           </a:ln>
         </p:spPr>
         <p:txBody>
-          <a:bodyPr anchorCtr="0" anchor="b" bIns="91425" lIns="91425" spcFirstLastPara="1" rIns="91425" wrap="square" tIns="91425">
+          <a:bodyPr spcFirstLastPara="1" wrap="square" lIns="91425" tIns="91425" rIns="91425" bIns="91425" anchor="b" anchorCtr="0">
             <a:noAutofit/>
           </a:bodyPr>
           <a:lstStyle>
@@ -4740,15 +5091,19 @@
               <a:defRPr/>
             </a:lvl9pPr>
           </a:lstStyle>
-          <a:p/>
+          <a:p>
+            <a:endParaRPr/>
+          </a:p>
         </p:txBody>
       </p:sp>
       <p:sp>
         <p:nvSpPr>
           <p:cNvPr id="28" name="Google Shape;28;p5"/>
-          <p:cNvSpPr txBox="1"/>
+          <p:cNvSpPr txBox="1">
+            <a:spLocks noGrp="1"/>
+          </p:cNvSpPr>
           <p:nvPr>
-            <p:ph idx="1" type="body"/>
+            <p:ph type="body" idx="1"/>
           </p:nvPr>
         </p:nvSpPr>
         <p:spPr>
@@ -4765,11 +5120,11 @@
           </a:ln>
         </p:spPr>
         <p:txBody>
-          <a:bodyPr anchorCtr="0" anchor="t" bIns="91425" lIns="91425" spcFirstLastPara="1" rIns="91425" wrap="square" tIns="91425">
+          <a:bodyPr spcFirstLastPara="1" wrap="square" lIns="91425" tIns="91425" rIns="91425" bIns="91425" anchor="t" anchorCtr="0">
             <a:noAutofit/>
           </a:bodyPr>
           <a:lstStyle>
-            <a:lvl1pPr indent="-317500" lvl="0" marL="457200" algn="l">
+            <a:lvl1pPr marL="457200" lvl="0" indent="-317500" algn="l">
               <a:lnSpc>
                 <a:spcPct val="115000"/>
               </a:lnSpc>
@@ -4783,7 +5138,7 @@
               <a:buChar char="●"/>
               <a:defRPr sz="1400"/>
             </a:lvl1pPr>
-            <a:lvl2pPr indent="-304800" lvl="1" marL="914400" algn="l">
+            <a:lvl2pPr marL="914400" lvl="1" indent="-304800" algn="l">
               <a:lnSpc>
                 <a:spcPct val="115000"/>
               </a:lnSpc>
@@ -4797,7 +5152,7 @@
               <a:buChar char="○"/>
               <a:defRPr sz="1200"/>
             </a:lvl2pPr>
-            <a:lvl3pPr indent="-304800" lvl="2" marL="1371600" algn="l">
+            <a:lvl3pPr marL="1371600" lvl="2" indent="-304800" algn="l">
               <a:lnSpc>
                 <a:spcPct val="115000"/>
               </a:lnSpc>
@@ -4811,7 +5166,7 @@
               <a:buChar char="■"/>
               <a:defRPr sz="1200"/>
             </a:lvl3pPr>
-            <a:lvl4pPr indent="-304800" lvl="3" marL="1828800" algn="l">
+            <a:lvl4pPr marL="1828800" lvl="3" indent="-304800" algn="l">
               <a:lnSpc>
                 <a:spcPct val="115000"/>
               </a:lnSpc>
@@ -4825,7 +5180,7 @@
               <a:buChar char="●"/>
               <a:defRPr sz="1200"/>
             </a:lvl4pPr>
-            <a:lvl5pPr indent="-304800" lvl="4" marL="2286000" algn="l">
+            <a:lvl5pPr marL="2286000" lvl="4" indent="-304800" algn="l">
               <a:lnSpc>
                 <a:spcPct val="115000"/>
               </a:lnSpc>
@@ -4839,7 +5194,7 @@
               <a:buChar char="○"/>
               <a:defRPr sz="1200"/>
             </a:lvl5pPr>
-            <a:lvl6pPr indent="-304800" lvl="5" marL="2743200" algn="l">
+            <a:lvl6pPr marL="2743200" lvl="5" indent="-304800" algn="l">
               <a:lnSpc>
                 <a:spcPct val="115000"/>
               </a:lnSpc>
@@ -4853,7 +5208,7 @@
               <a:buChar char="■"/>
               <a:defRPr sz="1200"/>
             </a:lvl6pPr>
-            <a:lvl7pPr indent="-304800" lvl="6" marL="3200400" algn="l">
+            <a:lvl7pPr marL="3200400" lvl="6" indent="-304800" algn="l">
               <a:lnSpc>
                 <a:spcPct val="115000"/>
               </a:lnSpc>
@@ -4867,7 +5222,7 @@
               <a:buChar char="●"/>
               <a:defRPr sz="1200"/>
             </a:lvl7pPr>
-            <a:lvl8pPr indent="-304800" lvl="7" marL="3657600" algn="l">
+            <a:lvl8pPr marL="3657600" lvl="7" indent="-304800" algn="l">
               <a:lnSpc>
                 <a:spcPct val="115000"/>
               </a:lnSpc>
@@ -4881,7 +5236,7 @@
               <a:buChar char="○"/>
               <a:defRPr sz="1200"/>
             </a:lvl8pPr>
-            <a:lvl9pPr indent="-304800" lvl="8" marL="4114800" algn="l">
+            <a:lvl9pPr marL="4114800" lvl="8" indent="-304800" algn="l">
               <a:lnSpc>
                 <a:spcPct val="115000"/>
               </a:lnSpc>
@@ -4896,15 +5251,19 @@
               <a:defRPr sz="1200"/>
             </a:lvl9pPr>
           </a:lstStyle>
-          <a:p/>
+          <a:p>
+            <a:endParaRPr/>
+          </a:p>
         </p:txBody>
       </p:sp>
       <p:sp>
         <p:nvSpPr>
           <p:cNvPr id="29" name="Google Shape;29;p5"/>
-          <p:cNvSpPr txBox="1"/>
+          <p:cNvSpPr txBox="1">
+            <a:spLocks noGrp="1"/>
+          </p:cNvSpPr>
           <p:nvPr>
-            <p:ph idx="2" type="body"/>
+            <p:ph type="body" idx="2"/>
           </p:nvPr>
         </p:nvSpPr>
         <p:spPr>
@@ -4921,11 +5280,11 @@
           </a:ln>
         </p:spPr>
         <p:txBody>
-          <a:bodyPr anchorCtr="0" anchor="t" bIns="91425" lIns="91425" spcFirstLastPara="1" rIns="91425" wrap="square" tIns="91425">
+          <a:bodyPr spcFirstLastPara="1" wrap="square" lIns="91425" tIns="91425" rIns="91425" bIns="91425" anchor="t" anchorCtr="0">
             <a:noAutofit/>
           </a:bodyPr>
           <a:lstStyle>
-            <a:lvl1pPr indent="-317500" lvl="0" marL="457200" algn="l">
+            <a:lvl1pPr marL="457200" lvl="0" indent="-317500" algn="l">
               <a:lnSpc>
                 <a:spcPct val="115000"/>
               </a:lnSpc>
@@ -4939,7 +5298,7 @@
               <a:buChar char="●"/>
               <a:defRPr sz="1400"/>
             </a:lvl1pPr>
-            <a:lvl2pPr indent="-304800" lvl="1" marL="914400" algn="l">
+            <a:lvl2pPr marL="914400" lvl="1" indent="-304800" algn="l">
               <a:lnSpc>
                 <a:spcPct val="115000"/>
               </a:lnSpc>
@@ -4953,7 +5312,7 @@
               <a:buChar char="○"/>
               <a:defRPr sz="1200"/>
             </a:lvl2pPr>
-            <a:lvl3pPr indent="-304800" lvl="2" marL="1371600" algn="l">
+            <a:lvl3pPr marL="1371600" lvl="2" indent="-304800" algn="l">
               <a:lnSpc>
                 <a:spcPct val="115000"/>
               </a:lnSpc>
@@ -4967,7 +5326,7 @@
               <a:buChar char="■"/>
               <a:defRPr sz="1200"/>
             </a:lvl3pPr>
-            <a:lvl4pPr indent="-304800" lvl="3" marL="1828800" algn="l">
+            <a:lvl4pPr marL="1828800" lvl="3" indent="-304800" algn="l">
               <a:lnSpc>
                 <a:spcPct val="115000"/>
               </a:lnSpc>
@@ -4981,7 +5340,7 @@
               <a:buChar char="●"/>
               <a:defRPr sz="1200"/>
             </a:lvl4pPr>
-            <a:lvl5pPr indent="-304800" lvl="4" marL="2286000" algn="l">
+            <a:lvl5pPr marL="2286000" lvl="4" indent="-304800" algn="l">
               <a:lnSpc>
                 <a:spcPct val="115000"/>
               </a:lnSpc>
@@ -4995,7 +5354,7 @@
               <a:buChar char="○"/>
               <a:defRPr sz="1200"/>
             </a:lvl5pPr>
-            <a:lvl6pPr indent="-304800" lvl="5" marL="2743200" algn="l">
+            <a:lvl6pPr marL="2743200" lvl="5" indent="-304800" algn="l">
               <a:lnSpc>
                 <a:spcPct val="115000"/>
               </a:lnSpc>
@@ -5009,7 +5368,7 @@
               <a:buChar char="■"/>
               <a:defRPr sz="1200"/>
             </a:lvl6pPr>
-            <a:lvl7pPr indent="-304800" lvl="6" marL="3200400" algn="l">
+            <a:lvl7pPr marL="3200400" lvl="6" indent="-304800" algn="l">
               <a:lnSpc>
                 <a:spcPct val="115000"/>
               </a:lnSpc>
@@ -5023,7 +5382,7 @@
               <a:buChar char="●"/>
               <a:defRPr sz="1200"/>
             </a:lvl7pPr>
-            <a:lvl8pPr indent="-304800" lvl="7" marL="3657600" algn="l">
+            <a:lvl8pPr marL="3657600" lvl="7" indent="-304800" algn="l">
               <a:lnSpc>
                 <a:spcPct val="115000"/>
               </a:lnSpc>
@@ -5037,7 +5396,7 @@
               <a:buChar char="○"/>
               <a:defRPr sz="1200"/>
             </a:lvl8pPr>
-            <a:lvl9pPr indent="-304800" lvl="8" marL="4114800" algn="l">
+            <a:lvl9pPr marL="4114800" lvl="8" indent="-304800" algn="l">
               <a:lnSpc>
                 <a:spcPct val="115000"/>
               </a:lnSpc>
@@ -5052,15 +5411,19 @@
               <a:defRPr sz="1200"/>
             </a:lvl9pPr>
           </a:lstStyle>
-          <a:p/>
+          <a:p>
+            <a:endParaRPr/>
+          </a:p>
         </p:txBody>
       </p:sp>
       <p:sp>
         <p:nvSpPr>
           <p:cNvPr id="30" name="Google Shape;30;p5"/>
-          <p:cNvSpPr txBox="1"/>
+          <p:cNvSpPr txBox="1">
+            <a:spLocks noGrp="1"/>
+          </p:cNvSpPr>
           <p:nvPr>
-            <p:ph idx="12" type="sldNum"/>
+            <p:ph type="sldNum" idx="12"/>
           </p:nvPr>
         </p:nvSpPr>
         <p:spPr>
@@ -5077,11 +5440,11 @@
           </a:ln>
         </p:spPr>
         <p:txBody>
-          <a:bodyPr anchorCtr="0" anchor="ctr" bIns="91425" lIns="91425" spcFirstLastPara="1" rIns="91425" wrap="square" tIns="91425">
+          <a:bodyPr spcFirstLastPara="1" wrap="square" lIns="91425" tIns="91425" rIns="91425" bIns="91425" anchor="ctr" anchorCtr="0">
             <a:noAutofit/>
           </a:bodyPr>
           <a:lstStyle>
-            <a:lvl1pPr indent="0" lvl="0" marL="0" marR="0" algn="r">
+            <a:lvl1pPr marL="0" marR="0" lvl="0" indent="0" algn="r">
               <a:lnSpc>
                 <a:spcPct val="100000"/>
               </a:lnSpc>
@@ -5097,7 +5460,7 @@
               <a:buSzPts val="1000"/>
               <a:buFont typeface="Arial"/>
               <a:buNone/>
-              <a:defRPr b="0" i="0" sz="1000" u="none" cap="none" strike="noStrike">
+              <a:defRPr sz="1000" b="0" i="0" u="none" strike="noStrike" cap="none">
                 <a:solidFill>
                   <a:schemeClr val="dk1"/>
                 </a:solidFill>
@@ -5107,7 +5470,7 @@
                 <a:sym typeface="Roboto"/>
               </a:defRPr>
             </a:lvl1pPr>
-            <a:lvl2pPr indent="0" lvl="1" marL="0" marR="0" algn="r">
+            <a:lvl2pPr marL="0" marR="0" lvl="1" indent="0" algn="r">
               <a:lnSpc>
                 <a:spcPct val="100000"/>
               </a:lnSpc>
@@ -5123,7 +5486,7 @@
               <a:buSzPts val="1000"/>
               <a:buFont typeface="Arial"/>
               <a:buNone/>
-              <a:defRPr b="0" i="0" sz="1000" u="none" cap="none" strike="noStrike">
+              <a:defRPr sz="1000" b="0" i="0" u="none" strike="noStrike" cap="none">
                 <a:solidFill>
                   <a:schemeClr val="dk1"/>
                 </a:solidFill>
@@ -5133,7 +5496,7 @@
                 <a:sym typeface="Roboto"/>
               </a:defRPr>
             </a:lvl2pPr>
-            <a:lvl3pPr indent="0" lvl="2" marL="0" marR="0" algn="r">
+            <a:lvl3pPr marL="0" marR="0" lvl="2" indent="0" algn="r">
               <a:lnSpc>
                 <a:spcPct val="100000"/>
               </a:lnSpc>
@@ -5149,7 +5512,7 @@
               <a:buSzPts val="1000"/>
               <a:buFont typeface="Arial"/>
               <a:buNone/>
-              <a:defRPr b="0" i="0" sz="1000" u="none" cap="none" strike="noStrike">
+              <a:defRPr sz="1000" b="0" i="0" u="none" strike="noStrike" cap="none">
                 <a:solidFill>
                   <a:schemeClr val="dk1"/>
                 </a:solidFill>
@@ -5159,7 +5522,7 @@
                 <a:sym typeface="Roboto"/>
               </a:defRPr>
             </a:lvl3pPr>
-            <a:lvl4pPr indent="0" lvl="3" marL="0" marR="0" algn="r">
+            <a:lvl4pPr marL="0" marR="0" lvl="3" indent="0" algn="r">
               <a:lnSpc>
                 <a:spcPct val="100000"/>
               </a:lnSpc>
@@ -5175,7 +5538,7 @@
               <a:buSzPts val="1000"/>
               <a:buFont typeface="Arial"/>
               <a:buNone/>
-              <a:defRPr b="0" i="0" sz="1000" u="none" cap="none" strike="noStrike">
+              <a:defRPr sz="1000" b="0" i="0" u="none" strike="noStrike" cap="none">
                 <a:solidFill>
                   <a:schemeClr val="dk1"/>
                 </a:solidFill>
@@ -5185,7 +5548,7 @@
                 <a:sym typeface="Roboto"/>
               </a:defRPr>
             </a:lvl4pPr>
-            <a:lvl5pPr indent="0" lvl="4" marL="0" marR="0" algn="r">
+            <a:lvl5pPr marL="0" marR="0" lvl="4" indent="0" algn="r">
               <a:lnSpc>
                 <a:spcPct val="100000"/>
               </a:lnSpc>
@@ -5201,7 +5564,7 @@
               <a:buSzPts val="1000"/>
               <a:buFont typeface="Arial"/>
               <a:buNone/>
-              <a:defRPr b="0" i="0" sz="1000" u="none" cap="none" strike="noStrike">
+              <a:defRPr sz="1000" b="0" i="0" u="none" strike="noStrike" cap="none">
                 <a:solidFill>
                   <a:schemeClr val="dk1"/>
                 </a:solidFill>
@@ -5211,7 +5574,7 @@
                 <a:sym typeface="Roboto"/>
               </a:defRPr>
             </a:lvl5pPr>
-            <a:lvl6pPr indent="0" lvl="5" marL="0" marR="0" algn="r">
+            <a:lvl6pPr marL="0" marR="0" lvl="5" indent="0" algn="r">
               <a:lnSpc>
                 <a:spcPct val="100000"/>
               </a:lnSpc>
@@ -5227,7 +5590,7 @@
               <a:buSzPts val="1000"/>
               <a:buFont typeface="Arial"/>
               <a:buNone/>
-              <a:defRPr b="0" i="0" sz="1000" u="none" cap="none" strike="noStrike">
+              <a:defRPr sz="1000" b="0" i="0" u="none" strike="noStrike" cap="none">
                 <a:solidFill>
                   <a:schemeClr val="dk1"/>
                 </a:solidFill>
@@ -5237,7 +5600,7 @@
                 <a:sym typeface="Roboto"/>
               </a:defRPr>
             </a:lvl6pPr>
-            <a:lvl7pPr indent="0" lvl="6" marL="0" marR="0" algn="r">
+            <a:lvl7pPr marL="0" marR="0" lvl="6" indent="0" algn="r">
               <a:lnSpc>
                 <a:spcPct val="100000"/>
               </a:lnSpc>
@@ -5253,7 +5616,7 @@
               <a:buSzPts val="1000"/>
               <a:buFont typeface="Arial"/>
               <a:buNone/>
-              <a:defRPr b="0" i="0" sz="1000" u="none" cap="none" strike="noStrike">
+              <a:defRPr sz="1000" b="0" i="0" u="none" strike="noStrike" cap="none">
                 <a:solidFill>
                   <a:schemeClr val="dk1"/>
                 </a:solidFill>
@@ -5263,7 +5626,7 @@
                 <a:sym typeface="Roboto"/>
               </a:defRPr>
             </a:lvl7pPr>
-            <a:lvl8pPr indent="0" lvl="7" marL="0" marR="0" algn="r">
+            <a:lvl8pPr marL="0" marR="0" lvl="7" indent="0" algn="r">
               <a:lnSpc>
                 <a:spcPct val="100000"/>
               </a:lnSpc>
@@ -5279,7 +5642,7 @@
               <a:buSzPts val="1000"/>
               <a:buFont typeface="Arial"/>
               <a:buNone/>
-              <a:defRPr b="0" i="0" sz="1000" u="none" cap="none" strike="noStrike">
+              <a:defRPr sz="1000" b="0" i="0" u="none" strike="noStrike" cap="none">
                 <a:solidFill>
                   <a:schemeClr val="dk1"/>
                 </a:solidFill>
@@ -5289,7 +5652,7 @@
                 <a:sym typeface="Roboto"/>
               </a:defRPr>
             </a:lvl8pPr>
-            <a:lvl9pPr indent="0" lvl="8" marL="0" marR="0" algn="r">
+            <a:lvl9pPr marL="0" marR="0" lvl="8" indent="0" algn="r">
               <a:lnSpc>
                 <a:spcPct val="100000"/>
               </a:lnSpc>
@@ -5305,7 +5668,7 @@
               <a:buSzPts val="1000"/>
               <a:buFont typeface="Arial"/>
               <a:buNone/>
-              <a:defRPr b="0" i="0" sz="1000" u="none" cap="none" strike="noStrike">
+              <a:defRPr sz="1000" b="0" i="0" u="none" strike="noStrike" cap="none">
                 <a:solidFill>
                   <a:schemeClr val="dk1"/>
                 </a:solidFill>
@@ -5317,7 +5680,7 @@
             </a:lvl9pPr>
           </a:lstStyle>
           <a:p>
-            <a:pPr indent="0" lvl="0" marL="0" rtl="0" algn="r">
+            <a:pPr marL="0" lvl="0" indent="0" algn="r" rtl="0">
               <a:spcBef>
                 <a:spcPts val="0"/>
               </a:spcBef>
@@ -5343,11 +5706,11 @@
 </file>
 
 <file path=ppt/slideLayouts/slideLayout5.xml><?xml version="1.0" encoding="utf-8"?>
-<p:sldLayout xmlns:a="http://schemas.openxmlformats.org/drawingml/2006/main" xmlns:r="http://schemas.openxmlformats.org/officeDocument/2006/relationships" xmlns:mc="http://schemas.openxmlformats.org/markup-compatibility/2006" xmlns:mv="urn:schemas-microsoft-com:mac:vml" xmlns:p="http://schemas.openxmlformats.org/presentationml/2006/main" xmlns:c="http://schemas.openxmlformats.org/drawingml/2006/chart" xmlns:dgm="http://schemas.openxmlformats.org/drawingml/2006/diagram" xmlns:o="urn:schemas-microsoft-com:office:office" xmlns:v="urn:schemas-microsoft-com:vml" xmlns:pvml="urn:schemas-microsoft-com:office:powerpoint" xmlns:com="http://schemas.openxmlformats.org/drawingml/2006/compatibility" xmlns:p14="http://schemas.microsoft.com/office/powerpoint/2010/main" xmlns:p15="http://schemas.microsoft.com/office/powerpoint/2012/main" xmlns:ahyp="http://schemas.microsoft.com/office/drawing/2018/hyperlinkcolor" matchingName="Title only" type="titleOnly">
+<p:sldLayout xmlns:a="http://schemas.openxmlformats.org/drawingml/2006/main" xmlns:r="http://schemas.openxmlformats.org/officeDocument/2006/relationships" xmlns:p="http://schemas.openxmlformats.org/presentationml/2006/main" matchingName="Title only" type="titleOnly">
   <p:cSld name="TITLE_ONLY">
     <p:spTree>
       <p:nvGrpSpPr>
-        <p:cNvPr id="31" name="Shape 31"/>
+        <p:cNvPr id="1" name="Shape 31"/>
         <p:cNvGrpSpPr/>
         <p:nvPr/>
       </p:nvGrpSpPr>
@@ -5362,7 +5725,9 @@
       <p:sp>
         <p:nvSpPr>
           <p:cNvPr id="32" name="Google Shape;32;p6"/>
-          <p:cNvSpPr txBox="1"/>
+          <p:cNvSpPr txBox="1">
+            <a:spLocks noGrp="1"/>
+          </p:cNvSpPr>
           <p:nvPr>
             <p:ph type="title"/>
           </p:nvPr>
@@ -5381,7 +5746,7 @@
           </a:ln>
         </p:spPr>
         <p:txBody>
-          <a:bodyPr anchorCtr="0" anchor="b" bIns="91425" lIns="91425" spcFirstLastPara="1" rIns="91425" wrap="square" tIns="91425">
+          <a:bodyPr spcFirstLastPara="1" wrap="square" lIns="91425" tIns="91425" rIns="91425" bIns="91425" anchor="b" anchorCtr="0">
             <a:noAutofit/>
           </a:bodyPr>
           <a:lstStyle>
@@ -5512,15 +5877,19 @@
               <a:defRPr/>
             </a:lvl9pPr>
           </a:lstStyle>
-          <a:p/>
+          <a:p>
+            <a:endParaRPr/>
+          </a:p>
         </p:txBody>
       </p:sp>
       <p:sp>
         <p:nvSpPr>
           <p:cNvPr id="33" name="Google Shape;33;p6"/>
-          <p:cNvSpPr txBox="1"/>
+          <p:cNvSpPr txBox="1">
+            <a:spLocks noGrp="1"/>
+          </p:cNvSpPr>
           <p:nvPr>
-            <p:ph idx="12" type="sldNum"/>
+            <p:ph type="sldNum" idx="12"/>
           </p:nvPr>
         </p:nvSpPr>
         <p:spPr>
@@ -5537,11 +5906,11 @@
           </a:ln>
         </p:spPr>
         <p:txBody>
-          <a:bodyPr anchorCtr="0" anchor="ctr" bIns="91425" lIns="91425" spcFirstLastPara="1" rIns="91425" wrap="square" tIns="91425">
+          <a:bodyPr spcFirstLastPara="1" wrap="square" lIns="91425" tIns="91425" rIns="91425" bIns="91425" anchor="ctr" anchorCtr="0">
             <a:noAutofit/>
           </a:bodyPr>
           <a:lstStyle>
-            <a:lvl1pPr indent="0" lvl="0" marL="0" marR="0" algn="r">
+            <a:lvl1pPr marL="0" marR="0" lvl="0" indent="0" algn="r">
               <a:lnSpc>
                 <a:spcPct val="100000"/>
               </a:lnSpc>
@@ -5557,7 +5926,7 @@
               <a:buSzPts val="1000"/>
               <a:buFont typeface="Arial"/>
               <a:buNone/>
-              <a:defRPr b="0" i="0" sz="1000" u="none" cap="none" strike="noStrike">
+              <a:defRPr sz="1000" b="0" i="0" u="none" strike="noStrike" cap="none">
                 <a:solidFill>
                   <a:schemeClr val="dk1"/>
                 </a:solidFill>
@@ -5567,7 +5936,7 @@
                 <a:sym typeface="Roboto"/>
               </a:defRPr>
             </a:lvl1pPr>
-            <a:lvl2pPr indent="0" lvl="1" marL="0" marR="0" algn="r">
+            <a:lvl2pPr marL="0" marR="0" lvl="1" indent="0" algn="r">
               <a:lnSpc>
                 <a:spcPct val="100000"/>
               </a:lnSpc>
@@ -5583,7 +5952,7 @@
               <a:buSzPts val="1000"/>
               <a:buFont typeface="Arial"/>
               <a:buNone/>
-              <a:defRPr b="0" i="0" sz="1000" u="none" cap="none" strike="noStrike">
+              <a:defRPr sz="1000" b="0" i="0" u="none" strike="noStrike" cap="none">
                 <a:solidFill>
                   <a:schemeClr val="dk1"/>
                 </a:solidFill>
@@ -5593,7 +5962,7 @@
                 <a:sym typeface="Roboto"/>
               </a:defRPr>
             </a:lvl2pPr>
-            <a:lvl3pPr indent="0" lvl="2" marL="0" marR="0" algn="r">
+            <a:lvl3pPr marL="0" marR="0" lvl="2" indent="0" algn="r">
               <a:lnSpc>
                 <a:spcPct val="100000"/>
               </a:lnSpc>
@@ -5609,7 +5978,7 @@
               <a:buSzPts val="1000"/>
               <a:buFont typeface="Arial"/>
               <a:buNone/>
-              <a:defRPr b="0" i="0" sz="1000" u="none" cap="none" strike="noStrike">
+              <a:defRPr sz="1000" b="0" i="0" u="none" strike="noStrike" cap="none">
                 <a:solidFill>
                   <a:schemeClr val="dk1"/>
                 </a:solidFill>
@@ -5619,7 +5988,7 @@
                 <a:sym typeface="Roboto"/>
               </a:defRPr>
             </a:lvl3pPr>
-            <a:lvl4pPr indent="0" lvl="3" marL="0" marR="0" algn="r">
+            <a:lvl4pPr marL="0" marR="0" lvl="3" indent="0" algn="r">
               <a:lnSpc>
                 <a:spcPct val="100000"/>
               </a:lnSpc>
@@ -5635,7 +6004,7 @@
               <a:buSzPts val="1000"/>
               <a:buFont typeface="Arial"/>
               <a:buNone/>
-              <a:defRPr b="0" i="0" sz="1000" u="none" cap="none" strike="noStrike">
+              <a:defRPr sz="1000" b="0" i="0" u="none" strike="noStrike" cap="none">
                 <a:solidFill>
                   <a:schemeClr val="dk1"/>
                 </a:solidFill>
@@ -5645,7 +6014,7 @@
                 <a:sym typeface="Roboto"/>
               </a:defRPr>
             </a:lvl4pPr>
-            <a:lvl5pPr indent="0" lvl="4" marL="0" marR="0" algn="r">
+            <a:lvl5pPr marL="0" marR="0" lvl="4" indent="0" algn="r">
               <a:lnSpc>
                 <a:spcPct val="100000"/>
               </a:lnSpc>
@@ -5661,7 +6030,7 @@
               <a:buSzPts val="1000"/>
               <a:buFont typeface="Arial"/>
               <a:buNone/>
-              <a:defRPr b="0" i="0" sz="1000" u="none" cap="none" strike="noStrike">
+              <a:defRPr sz="1000" b="0" i="0" u="none" strike="noStrike" cap="none">
                 <a:solidFill>
                   <a:schemeClr val="dk1"/>
                 </a:solidFill>
@@ -5671,7 +6040,7 @@
                 <a:sym typeface="Roboto"/>
               </a:defRPr>
             </a:lvl5pPr>
-            <a:lvl6pPr indent="0" lvl="5" marL="0" marR="0" algn="r">
+            <a:lvl6pPr marL="0" marR="0" lvl="5" indent="0" algn="r">
               <a:lnSpc>
                 <a:spcPct val="100000"/>
               </a:lnSpc>
@@ -5687,7 +6056,7 @@
               <a:buSzPts val="1000"/>
               <a:buFont typeface="Arial"/>
               <a:buNone/>
-              <a:defRPr b="0" i="0" sz="1000" u="none" cap="none" strike="noStrike">
+              <a:defRPr sz="1000" b="0" i="0" u="none" strike="noStrike" cap="none">
                 <a:solidFill>
                   <a:schemeClr val="dk1"/>
                 </a:solidFill>
@@ -5697,7 +6066,7 @@
                 <a:sym typeface="Roboto"/>
               </a:defRPr>
             </a:lvl6pPr>
-            <a:lvl7pPr indent="0" lvl="6" marL="0" marR="0" algn="r">
+            <a:lvl7pPr marL="0" marR="0" lvl="6" indent="0" algn="r">
               <a:lnSpc>
                 <a:spcPct val="100000"/>
               </a:lnSpc>
@@ -5713,7 +6082,7 @@
               <a:buSzPts val="1000"/>
               <a:buFont typeface="Arial"/>
               <a:buNone/>
-              <a:defRPr b="0" i="0" sz="1000" u="none" cap="none" strike="noStrike">
+              <a:defRPr sz="1000" b="0" i="0" u="none" strike="noStrike" cap="none">
                 <a:solidFill>
                   <a:schemeClr val="dk1"/>
                 </a:solidFill>
@@ -5723,7 +6092,7 @@
                 <a:sym typeface="Roboto"/>
               </a:defRPr>
             </a:lvl7pPr>
-            <a:lvl8pPr indent="0" lvl="7" marL="0" marR="0" algn="r">
+            <a:lvl8pPr marL="0" marR="0" lvl="7" indent="0" algn="r">
               <a:lnSpc>
                 <a:spcPct val="100000"/>
               </a:lnSpc>
@@ -5739,7 +6108,7 @@
               <a:buSzPts val="1000"/>
               <a:buFont typeface="Arial"/>
               <a:buNone/>
-              <a:defRPr b="0" i="0" sz="1000" u="none" cap="none" strike="noStrike">
+              <a:defRPr sz="1000" b="0" i="0" u="none" strike="noStrike" cap="none">
                 <a:solidFill>
                   <a:schemeClr val="dk1"/>
                 </a:solidFill>
@@ -5749,7 +6118,7 @@
                 <a:sym typeface="Roboto"/>
               </a:defRPr>
             </a:lvl8pPr>
-            <a:lvl9pPr indent="0" lvl="8" marL="0" marR="0" algn="r">
+            <a:lvl9pPr marL="0" marR="0" lvl="8" indent="0" algn="r">
               <a:lnSpc>
                 <a:spcPct val="100000"/>
               </a:lnSpc>
@@ -5765,7 +6134,7 @@
               <a:buSzPts val="1000"/>
               <a:buFont typeface="Arial"/>
               <a:buNone/>
-              <a:defRPr b="0" i="0" sz="1000" u="none" cap="none" strike="noStrike">
+              <a:defRPr sz="1000" b="0" i="0" u="none" strike="noStrike" cap="none">
                 <a:solidFill>
                   <a:schemeClr val="dk1"/>
                 </a:solidFill>
@@ -5777,7 +6146,7 @@
             </a:lvl9pPr>
           </a:lstStyle>
           <a:p>
-            <a:pPr indent="0" lvl="0" marL="0" rtl="0" algn="r">
+            <a:pPr marL="0" lvl="0" indent="0" algn="r" rtl="0">
               <a:spcBef>
                 <a:spcPts val="0"/>
               </a:spcBef>
@@ -5803,11 +6172,11 @@
 </file>
 
 <file path=ppt/slideLayouts/slideLayout6.xml><?xml version="1.0" encoding="utf-8"?>
-<p:sldLayout xmlns:a="http://schemas.openxmlformats.org/drawingml/2006/main" xmlns:r="http://schemas.openxmlformats.org/officeDocument/2006/relationships" xmlns:mc="http://schemas.openxmlformats.org/markup-compatibility/2006" xmlns:mv="urn:schemas-microsoft-com:mac:vml" xmlns:p="http://schemas.openxmlformats.org/presentationml/2006/main" xmlns:c="http://schemas.openxmlformats.org/drawingml/2006/chart" xmlns:dgm="http://schemas.openxmlformats.org/drawingml/2006/diagram" xmlns:o="urn:schemas-microsoft-com:office:office" xmlns:v="urn:schemas-microsoft-com:vml" xmlns:pvml="urn:schemas-microsoft-com:office:powerpoint" xmlns:com="http://schemas.openxmlformats.org/drawingml/2006/compatibility" xmlns:p14="http://schemas.microsoft.com/office/powerpoint/2010/main" xmlns:p15="http://schemas.microsoft.com/office/powerpoint/2012/main" xmlns:ahyp="http://schemas.microsoft.com/office/drawing/2018/hyperlinkcolor" matchingName="One column text">
+<p:sldLayout xmlns:a="http://schemas.openxmlformats.org/drawingml/2006/main" xmlns:r="http://schemas.openxmlformats.org/officeDocument/2006/relationships" xmlns:p="http://schemas.openxmlformats.org/presentationml/2006/main" matchingName="One column text">
   <p:cSld name="ONE_COLUMN_TEXT">
     <p:spTree>
       <p:nvGrpSpPr>
-        <p:cNvPr id="34" name="Shape 34"/>
+        <p:cNvPr id="1" name="Shape 34"/>
         <p:cNvGrpSpPr/>
         <p:nvPr/>
       </p:nvGrpSpPr>
@@ -5834,21 +6203,23 @@
             <a:avLst/>
           </a:prstGeom>
           <a:noFill/>
-          <a:ln cap="flat" cmpd="sng" w="38100">
+          <a:ln w="38100" cap="flat" cmpd="sng">
             <a:solidFill>
               <a:schemeClr val="accent4"/>
             </a:solidFill>
             <a:prstDash val="solid"/>
             <a:round/>
-            <a:headEnd len="sm" w="sm" type="none"/>
-            <a:tailEnd len="sm" w="sm" type="none"/>
+            <a:headEnd type="none" w="sm" len="sm"/>
+            <a:tailEnd type="none" w="sm" len="sm"/>
           </a:ln>
         </p:spPr>
       </p:cxnSp>
       <p:sp>
         <p:nvSpPr>
           <p:cNvPr id="36" name="Google Shape;36;p7"/>
-          <p:cNvSpPr txBox="1"/>
+          <p:cNvSpPr txBox="1">
+            <a:spLocks noGrp="1"/>
+          </p:cNvSpPr>
           <p:nvPr>
             <p:ph type="title"/>
           </p:nvPr>
@@ -5867,7 +6238,7 @@
           </a:ln>
         </p:spPr>
         <p:txBody>
-          <a:bodyPr anchorCtr="0" anchor="b" bIns="91425" lIns="91425" spcFirstLastPara="1" rIns="91425" wrap="square" tIns="91425">
+          <a:bodyPr spcFirstLastPara="1" wrap="square" lIns="91425" tIns="91425" rIns="91425" bIns="91425" anchor="b" anchorCtr="0">
             <a:noAutofit/>
           </a:bodyPr>
           <a:lstStyle>
@@ -5998,15 +6369,19 @@
               <a:defRPr sz="2400"/>
             </a:lvl9pPr>
           </a:lstStyle>
-          <a:p/>
+          <a:p>
+            <a:endParaRPr/>
+          </a:p>
         </p:txBody>
       </p:sp>
       <p:sp>
         <p:nvSpPr>
           <p:cNvPr id="37" name="Google Shape;37;p7"/>
-          <p:cNvSpPr txBox="1"/>
+          <p:cNvSpPr txBox="1">
+            <a:spLocks noGrp="1"/>
+          </p:cNvSpPr>
           <p:nvPr>
-            <p:ph idx="1" type="body"/>
+            <p:ph type="body" idx="1"/>
           </p:nvPr>
         </p:nvSpPr>
         <p:spPr>
@@ -6023,11 +6398,11 @@
           </a:ln>
         </p:spPr>
         <p:txBody>
-          <a:bodyPr anchorCtr="0" anchor="t" bIns="91425" lIns="91425" spcFirstLastPara="1" rIns="91425" wrap="square" tIns="91425">
+          <a:bodyPr spcFirstLastPara="1" wrap="square" lIns="91425" tIns="91425" rIns="91425" bIns="91425" anchor="t" anchorCtr="0">
             <a:noAutofit/>
           </a:bodyPr>
           <a:lstStyle>
-            <a:lvl1pPr indent="-304800" lvl="0" marL="457200" algn="l">
+            <a:lvl1pPr marL="457200" lvl="0" indent="-304800" algn="l">
               <a:lnSpc>
                 <a:spcPct val="115000"/>
               </a:lnSpc>
@@ -6041,7 +6416,7 @@
               <a:buChar char="●"/>
               <a:defRPr sz="1200"/>
             </a:lvl1pPr>
-            <a:lvl2pPr indent="-304800" lvl="1" marL="914400" algn="l">
+            <a:lvl2pPr marL="914400" lvl="1" indent="-304800" algn="l">
               <a:lnSpc>
                 <a:spcPct val="115000"/>
               </a:lnSpc>
@@ -6055,7 +6430,7 @@
               <a:buChar char="○"/>
               <a:defRPr sz="1200"/>
             </a:lvl2pPr>
-            <a:lvl3pPr indent="-304800" lvl="2" marL="1371600" algn="l">
+            <a:lvl3pPr marL="1371600" lvl="2" indent="-304800" algn="l">
               <a:lnSpc>
                 <a:spcPct val="115000"/>
               </a:lnSpc>
@@ -6069,7 +6444,7 @@
               <a:buChar char="■"/>
               <a:defRPr sz="1200"/>
             </a:lvl3pPr>
-            <a:lvl4pPr indent="-304800" lvl="3" marL="1828800" algn="l">
+            <a:lvl4pPr marL="1828800" lvl="3" indent="-304800" algn="l">
               <a:lnSpc>
                 <a:spcPct val="115000"/>
               </a:lnSpc>
@@ -6083,7 +6458,7 @@
               <a:buChar char="●"/>
               <a:defRPr sz="1200"/>
             </a:lvl4pPr>
-            <a:lvl5pPr indent="-304800" lvl="4" marL="2286000" algn="l">
+            <a:lvl5pPr marL="2286000" lvl="4" indent="-304800" algn="l">
               <a:lnSpc>
                 <a:spcPct val="115000"/>
               </a:lnSpc>
@@ -6097,7 +6472,7 @@
               <a:buChar char="○"/>
               <a:defRPr sz="1200"/>
             </a:lvl5pPr>
-            <a:lvl6pPr indent="-304800" lvl="5" marL="2743200" algn="l">
+            <a:lvl6pPr marL="2743200" lvl="5" indent="-304800" algn="l">
               <a:lnSpc>
                 <a:spcPct val="115000"/>
               </a:lnSpc>
@@ -6111,7 +6486,7 @@
               <a:buChar char="■"/>
               <a:defRPr sz="1200"/>
             </a:lvl6pPr>
-            <a:lvl7pPr indent="-304800" lvl="6" marL="3200400" algn="l">
+            <a:lvl7pPr marL="3200400" lvl="6" indent="-304800" algn="l">
               <a:lnSpc>
                 <a:spcPct val="115000"/>
               </a:lnSpc>
@@ -6125,7 +6500,7 @@
               <a:buChar char="●"/>
               <a:defRPr sz="1200"/>
             </a:lvl7pPr>
-            <a:lvl8pPr indent="-304800" lvl="7" marL="3657600" algn="l">
+            <a:lvl8pPr marL="3657600" lvl="7" indent="-304800" algn="l">
               <a:lnSpc>
                 <a:spcPct val="115000"/>
               </a:lnSpc>
@@ -6139,7 +6514,7 @@
               <a:buChar char="○"/>
               <a:defRPr sz="1200"/>
             </a:lvl8pPr>
-            <a:lvl9pPr indent="-304800" lvl="8" marL="4114800" algn="l">
+            <a:lvl9pPr marL="4114800" lvl="8" indent="-304800" algn="l">
               <a:lnSpc>
                 <a:spcPct val="115000"/>
               </a:lnSpc>
@@ -6154,15 +6529,19 @@
               <a:defRPr sz="1200"/>
             </a:lvl9pPr>
           </a:lstStyle>
-          <a:p/>
+          <a:p>
+            <a:endParaRPr/>
+          </a:p>
         </p:txBody>
       </p:sp>
       <p:sp>
         <p:nvSpPr>
           <p:cNvPr id="38" name="Google Shape;38;p7"/>
-          <p:cNvSpPr txBox="1"/>
+          <p:cNvSpPr txBox="1">
+            <a:spLocks noGrp="1"/>
+          </p:cNvSpPr>
           <p:nvPr>
-            <p:ph idx="12" type="sldNum"/>
+            <p:ph type="sldNum" idx="12"/>
           </p:nvPr>
         </p:nvSpPr>
         <p:spPr>
@@ -6179,11 +6558,11 @@
           </a:ln>
         </p:spPr>
         <p:txBody>
-          <a:bodyPr anchorCtr="0" anchor="ctr" bIns="91425" lIns="91425" spcFirstLastPara="1" rIns="91425" wrap="square" tIns="91425">
+          <a:bodyPr spcFirstLastPara="1" wrap="square" lIns="91425" tIns="91425" rIns="91425" bIns="91425" anchor="ctr" anchorCtr="0">
             <a:noAutofit/>
           </a:bodyPr>
           <a:lstStyle>
-            <a:lvl1pPr indent="0" lvl="0" marL="0" marR="0" algn="r">
+            <a:lvl1pPr marL="0" marR="0" lvl="0" indent="0" algn="r">
               <a:lnSpc>
                 <a:spcPct val="100000"/>
               </a:lnSpc>
@@ -6199,7 +6578,7 @@
               <a:buSzPts val="1000"/>
               <a:buFont typeface="Arial"/>
               <a:buNone/>
-              <a:defRPr b="0" i="0" sz="1000" u="none" cap="none" strike="noStrike">
+              <a:defRPr sz="1000" b="0" i="0" u="none" strike="noStrike" cap="none">
                 <a:solidFill>
                   <a:schemeClr val="dk1"/>
                 </a:solidFill>
@@ -6209,7 +6588,7 @@
                 <a:sym typeface="Roboto"/>
               </a:defRPr>
             </a:lvl1pPr>
-            <a:lvl2pPr indent="0" lvl="1" marL="0" marR="0" algn="r">
+            <a:lvl2pPr marL="0" marR="0" lvl="1" indent="0" algn="r">
               <a:lnSpc>
                 <a:spcPct val="100000"/>
               </a:lnSpc>
@@ -6225,7 +6604,7 @@
               <a:buSzPts val="1000"/>
               <a:buFont typeface="Arial"/>
               <a:buNone/>
-              <a:defRPr b="0" i="0" sz="1000" u="none" cap="none" strike="noStrike">
+              <a:defRPr sz="1000" b="0" i="0" u="none" strike="noStrike" cap="none">
                 <a:solidFill>
                   <a:schemeClr val="dk1"/>
                 </a:solidFill>
@@ -6235,7 +6614,7 @@
                 <a:sym typeface="Roboto"/>
               </a:defRPr>
             </a:lvl2pPr>
-            <a:lvl3pPr indent="0" lvl="2" marL="0" marR="0" algn="r">
+            <a:lvl3pPr marL="0" marR="0" lvl="2" indent="0" algn="r">
               <a:lnSpc>
                 <a:spcPct val="100000"/>
               </a:lnSpc>
@@ -6251,7 +6630,7 @@
               <a:buSzPts val="1000"/>
               <a:buFont typeface="Arial"/>
               <a:buNone/>
-              <a:defRPr b="0" i="0" sz="1000" u="none" cap="none" strike="noStrike">
+              <a:defRPr sz="1000" b="0" i="0" u="none" strike="noStrike" cap="none">
                 <a:solidFill>
                   <a:schemeClr val="dk1"/>
                 </a:solidFill>
@@ -6261,7 +6640,7 @@
                 <a:sym typeface="Roboto"/>
               </a:defRPr>
             </a:lvl3pPr>
-            <a:lvl4pPr indent="0" lvl="3" marL="0" marR="0" algn="r">
+            <a:lvl4pPr marL="0" marR="0" lvl="3" indent="0" algn="r">
               <a:lnSpc>
                 <a:spcPct val="100000"/>
               </a:lnSpc>
@@ -6277,7 +6656,7 @@
               <a:buSzPts val="1000"/>
               <a:buFont typeface="Arial"/>
               <a:buNone/>
-              <a:defRPr b="0" i="0" sz="1000" u="none" cap="none" strike="noStrike">
+              <a:defRPr sz="1000" b="0" i="0" u="none" strike="noStrike" cap="none">
                 <a:solidFill>
                   <a:schemeClr val="dk1"/>
                 </a:solidFill>
@@ -6287,7 +6666,7 @@
                 <a:sym typeface="Roboto"/>
               </a:defRPr>
             </a:lvl4pPr>
-            <a:lvl5pPr indent="0" lvl="4" marL="0" marR="0" algn="r">
+            <a:lvl5pPr marL="0" marR="0" lvl="4" indent="0" algn="r">
               <a:lnSpc>
                 <a:spcPct val="100000"/>
               </a:lnSpc>
@@ -6303,7 +6682,7 @@
               <a:buSzPts val="1000"/>
               <a:buFont typeface="Arial"/>
               <a:buNone/>
-              <a:defRPr b="0" i="0" sz="1000" u="none" cap="none" strike="noStrike">
+              <a:defRPr sz="1000" b="0" i="0" u="none" strike="noStrike" cap="none">
                 <a:solidFill>
                   <a:schemeClr val="dk1"/>
                 </a:solidFill>
@@ -6313,7 +6692,7 @@
                 <a:sym typeface="Roboto"/>
               </a:defRPr>
             </a:lvl5pPr>
-            <a:lvl6pPr indent="0" lvl="5" marL="0" marR="0" algn="r">
+            <a:lvl6pPr marL="0" marR="0" lvl="5" indent="0" algn="r">
               <a:lnSpc>
                 <a:spcPct val="100000"/>
               </a:lnSpc>
@@ -6329,7 +6708,7 @@
               <a:buSzPts val="1000"/>
               <a:buFont typeface="Arial"/>
               <a:buNone/>
-              <a:defRPr b="0" i="0" sz="1000" u="none" cap="none" strike="noStrike">
+              <a:defRPr sz="1000" b="0" i="0" u="none" strike="noStrike" cap="none">
                 <a:solidFill>
                   <a:schemeClr val="dk1"/>
                 </a:solidFill>
@@ -6339,7 +6718,7 @@
                 <a:sym typeface="Roboto"/>
               </a:defRPr>
             </a:lvl6pPr>
-            <a:lvl7pPr indent="0" lvl="6" marL="0" marR="0" algn="r">
+            <a:lvl7pPr marL="0" marR="0" lvl="6" indent="0" algn="r">
               <a:lnSpc>
                 <a:spcPct val="100000"/>
               </a:lnSpc>
@@ -6355,7 +6734,7 @@
               <a:buSzPts val="1000"/>
               <a:buFont typeface="Arial"/>
               <a:buNone/>
-              <a:defRPr b="0" i="0" sz="1000" u="none" cap="none" strike="noStrike">
+              <a:defRPr sz="1000" b="0" i="0" u="none" strike="noStrike" cap="none">
                 <a:solidFill>
                   <a:schemeClr val="dk1"/>
                 </a:solidFill>
@@ -6365,7 +6744,7 @@
                 <a:sym typeface="Roboto"/>
               </a:defRPr>
             </a:lvl7pPr>
-            <a:lvl8pPr indent="0" lvl="7" marL="0" marR="0" algn="r">
+            <a:lvl8pPr marL="0" marR="0" lvl="7" indent="0" algn="r">
               <a:lnSpc>
                 <a:spcPct val="100000"/>
               </a:lnSpc>
@@ -6381,7 +6760,7 @@
               <a:buSzPts val="1000"/>
               <a:buFont typeface="Arial"/>
               <a:buNone/>
-              <a:defRPr b="0" i="0" sz="1000" u="none" cap="none" strike="noStrike">
+              <a:defRPr sz="1000" b="0" i="0" u="none" strike="noStrike" cap="none">
                 <a:solidFill>
                   <a:schemeClr val="dk1"/>
                 </a:solidFill>
@@ -6391,7 +6770,7 @@
                 <a:sym typeface="Roboto"/>
               </a:defRPr>
             </a:lvl8pPr>
-            <a:lvl9pPr indent="0" lvl="8" marL="0" marR="0" algn="r">
+            <a:lvl9pPr marL="0" marR="0" lvl="8" indent="0" algn="r">
               <a:lnSpc>
                 <a:spcPct val="100000"/>
               </a:lnSpc>
@@ -6407,7 +6786,7 @@
               <a:buSzPts val="1000"/>
               <a:buFont typeface="Arial"/>
               <a:buNone/>
-              <a:defRPr b="0" i="0" sz="1000" u="none" cap="none" strike="noStrike">
+              <a:defRPr sz="1000" b="0" i="0" u="none" strike="noStrike" cap="none">
                 <a:solidFill>
                   <a:schemeClr val="dk1"/>
                 </a:solidFill>
@@ -6419,7 +6798,7 @@
             </a:lvl9pPr>
           </a:lstStyle>
           <a:p>
-            <a:pPr indent="0" lvl="0" marL="0" rtl="0" algn="r">
+            <a:pPr marL="0" lvl="0" indent="0" algn="r" rtl="0">
               <a:spcBef>
                 <a:spcPts val="0"/>
               </a:spcBef>
@@ -6445,11 +6824,11 @@
 </file>
 
 <file path=ppt/slideLayouts/slideLayout7.xml><?xml version="1.0" encoding="utf-8"?>
-<p:sldLayout xmlns:a="http://schemas.openxmlformats.org/drawingml/2006/main" xmlns:r="http://schemas.openxmlformats.org/officeDocument/2006/relationships" xmlns:mc="http://schemas.openxmlformats.org/markup-compatibility/2006" xmlns:mv="urn:schemas-microsoft-com:mac:vml" xmlns:p="http://schemas.openxmlformats.org/presentationml/2006/main" xmlns:c="http://schemas.openxmlformats.org/drawingml/2006/chart" xmlns:dgm="http://schemas.openxmlformats.org/drawingml/2006/diagram" xmlns:o="urn:schemas-microsoft-com:office:office" xmlns:v="urn:schemas-microsoft-com:vml" xmlns:pvml="urn:schemas-microsoft-com:office:powerpoint" xmlns:com="http://schemas.openxmlformats.org/drawingml/2006/compatibility" xmlns:p14="http://schemas.microsoft.com/office/powerpoint/2010/main" xmlns:p15="http://schemas.microsoft.com/office/powerpoint/2012/main" xmlns:ahyp="http://schemas.microsoft.com/office/drawing/2018/hyperlinkcolor" matchingName="Main point">
+<p:sldLayout xmlns:a="http://schemas.openxmlformats.org/drawingml/2006/main" xmlns:r="http://schemas.openxmlformats.org/officeDocument/2006/relationships" xmlns:p="http://schemas.openxmlformats.org/presentationml/2006/main" matchingName="Main point">
   <p:cSld name="MAIN_POINT">
     <p:spTree>
       <p:nvGrpSpPr>
-        <p:cNvPr id="39" name="Shape 39"/>
+        <p:cNvPr id="1" name="Shape 39"/>
         <p:cNvGrpSpPr/>
         <p:nvPr/>
       </p:nvGrpSpPr>
@@ -6464,7 +6843,9 @@
       <p:sp>
         <p:nvSpPr>
           <p:cNvPr id="40" name="Google Shape;40;p8"/>
-          <p:cNvSpPr txBox="1"/>
+          <p:cNvSpPr txBox="1">
+            <a:spLocks noGrp="1"/>
+          </p:cNvSpPr>
           <p:nvPr>
             <p:ph type="title"/>
           </p:nvPr>
@@ -6483,7 +6864,7 @@
           </a:ln>
         </p:spPr>
         <p:txBody>
-          <a:bodyPr anchorCtr="0" anchor="ctr" bIns="91425" lIns="91425" spcFirstLastPara="1" rIns="91425" wrap="square" tIns="91425">
+          <a:bodyPr spcFirstLastPara="1" wrap="square" lIns="91425" tIns="91425" rIns="91425" bIns="91425" anchor="ctr" anchorCtr="0">
             <a:noAutofit/>
           </a:bodyPr>
           <a:lstStyle>
@@ -6614,15 +6995,19 @@
               <a:defRPr sz="4800"/>
             </a:lvl9pPr>
           </a:lstStyle>
-          <a:p/>
+          <a:p>
+            <a:endParaRPr/>
+          </a:p>
         </p:txBody>
       </p:sp>
       <p:sp>
         <p:nvSpPr>
           <p:cNvPr id="41" name="Google Shape;41;p8"/>
-          <p:cNvSpPr txBox="1"/>
+          <p:cNvSpPr txBox="1">
+            <a:spLocks noGrp="1"/>
+          </p:cNvSpPr>
           <p:nvPr>
-            <p:ph idx="12" type="sldNum"/>
+            <p:ph type="sldNum" idx="12"/>
           </p:nvPr>
         </p:nvSpPr>
         <p:spPr>
@@ -6639,11 +7024,11 @@
           </a:ln>
         </p:spPr>
         <p:txBody>
-          <a:bodyPr anchorCtr="0" anchor="ctr" bIns="91425" lIns="91425" spcFirstLastPara="1" rIns="91425" wrap="square" tIns="91425">
+          <a:bodyPr spcFirstLastPara="1" wrap="square" lIns="91425" tIns="91425" rIns="91425" bIns="91425" anchor="ctr" anchorCtr="0">
             <a:noAutofit/>
           </a:bodyPr>
           <a:lstStyle>
-            <a:lvl1pPr indent="0" lvl="0" marL="0" marR="0" algn="r">
+            <a:lvl1pPr marL="0" marR="0" lvl="0" indent="0" algn="r">
               <a:lnSpc>
                 <a:spcPct val="100000"/>
               </a:lnSpc>
@@ -6659,7 +7044,7 @@
               <a:buSzPts val="1000"/>
               <a:buFont typeface="Arial"/>
               <a:buNone/>
-              <a:defRPr b="0" i="0" sz="1000" u="none" cap="none" strike="noStrike">
+              <a:defRPr sz="1000" b="0" i="0" u="none" strike="noStrike" cap="none">
                 <a:solidFill>
                   <a:schemeClr val="dk1"/>
                 </a:solidFill>
@@ -6669,7 +7054,7 @@
                 <a:sym typeface="Roboto"/>
               </a:defRPr>
             </a:lvl1pPr>
-            <a:lvl2pPr indent="0" lvl="1" marL="0" marR="0" algn="r">
+            <a:lvl2pPr marL="0" marR="0" lvl="1" indent="0" algn="r">
               <a:lnSpc>
                 <a:spcPct val="100000"/>
               </a:lnSpc>
@@ -6685,7 +7070,7 @@
               <a:buSzPts val="1000"/>
               <a:buFont typeface="Arial"/>
               <a:buNone/>
-              <a:defRPr b="0" i="0" sz="1000" u="none" cap="none" strike="noStrike">
+              <a:defRPr sz="1000" b="0" i="0" u="none" strike="noStrike" cap="none">
                 <a:solidFill>
                   <a:schemeClr val="dk1"/>
                 </a:solidFill>
@@ -6695,7 +7080,7 @@
                 <a:sym typeface="Roboto"/>
               </a:defRPr>
             </a:lvl2pPr>
-            <a:lvl3pPr indent="0" lvl="2" marL="0" marR="0" algn="r">
+            <a:lvl3pPr marL="0" marR="0" lvl="2" indent="0" algn="r">
               <a:lnSpc>
                 <a:spcPct val="100000"/>
               </a:lnSpc>
@@ -6711,7 +7096,7 @@
               <a:buSzPts val="1000"/>
               <a:buFont typeface="Arial"/>
               <a:buNone/>
-              <a:defRPr b="0" i="0" sz="1000" u="none" cap="none" strike="noStrike">
+              <a:defRPr sz="1000" b="0" i="0" u="none" strike="noStrike" cap="none">
                 <a:solidFill>
                   <a:schemeClr val="dk1"/>
                 </a:solidFill>
@@ -6721,7 +7106,7 @@
                 <a:sym typeface="Roboto"/>
               </a:defRPr>
             </a:lvl3pPr>
-            <a:lvl4pPr indent="0" lvl="3" marL="0" marR="0" algn="r">
+            <a:lvl4pPr marL="0" marR="0" lvl="3" indent="0" algn="r">
               <a:lnSpc>
                 <a:spcPct val="100000"/>
               </a:lnSpc>
@@ -6737,7 +7122,7 @@
               <a:buSzPts val="1000"/>
               <a:buFont typeface="Arial"/>
               <a:buNone/>
-              <a:defRPr b="0" i="0" sz="1000" u="none" cap="none" strike="noStrike">
+              <a:defRPr sz="1000" b="0" i="0" u="none" strike="noStrike" cap="none">
                 <a:solidFill>
                   <a:schemeClr val="dk1"/>
                 </a:solidFill>
@@ -6747,7 +7132,7 @@
                 <a:sym typeface="Roboto"/>
               </a:defRPr>
             </a:lvl4pPr>
-            <a:lvl5pPr indent="0" lvl="4" marL="0" marR="0" algn="r">
+            <a:lvl5pPr marL="0" marR="0" lvl="4" indent="0" algn="r">
               <a:lnSpc>
                 <a:spcPct val="100000"/>
               </a:lnSpc>
@@ -6763,7 +7148,7 @@
               <a:buSzPts val="1000"/>
               <a:buFont typeface="Arial"/>
               <a:buNone/>
-              <a:defRPr b="0" i="0" sz="1000" u="none" cap="none" strike="noStrike">
+              <a:defRPr sz="1000" b="0" i="0" u="none" strike="noStrike" cap="none">
                 <a:solidFill>
                   <a:schemeClr val="dk1"/>
                 </a:solidFill>
@@ -6773,7 +7158,7 @@
                 <a:sym typeface="Roboto"/>
               </a:defRPr>
             </a:lvl5pPr>
-            <a:lvl6pPr indent="0" lvl="5" marL="0" marR="0" algn="r">
+            <a:lvl6pPr marL="0" marR="0" lvl="5" indent="0" algn="r">
               <a:lnSpc>
                 <a:spcPct val="100000"/>
               </a:lnSpc>
@@ -6789,7 +7174,7 @@
               <a:buSzPts val="1000"/>
               <a:buFont typeface="Arial"/>
               <a:buNone/>
-              <a:defRPr b="0" i="0" sz="1000" u="none" cap="none" strike="noStrike">
+              <a:defRPr sz="1000" b="0" i="0" u="none" strike="noStrike" cap="none">
                 <a:solidFill>
                   <a:schemeClr val="dk1"/>
                 </a:solidFill>
@@ -6799,7 +7184,7 @@
                 <a:sym typeface="Roboto"/>
               </a:defRPr>
             </a:lvl6pPr>
-            <a:lvl7pPr indent="0" lvl="6" marL="0" marR="0" algn="r">
+            <a:lvl7pPr marL="0" marR="0" lvl="6" indent="0" algn="r">
               <a:lnSpc>
                 <a:spcPct val="100000"/>
               </a:lnSpc>
@@ -6815,7 +7200,7 @@
               <a:buSzPts val="1000"/>
               <a:buFont typeface="Arial"/>
               <a:buNone/>
-              <a:defRPr b="0" i="0" sz="1000" u="none" cap="none" strike="noStrike">
+              <a:defRPr sz="1000" b="0" i="0" u="none" strike="noStrike" cap="none">
                 <a:solidFill>
                   <a:schemeClr val="dk1"/>
                 </a:solidFill>
@@ -6825,7 +7210,7 @@
                 <a:sym typeface="Roboto"/>
               </a:defRPr>
             </a:lvl7pPr>
-            <a:lvl8pPr indent="0" lvl="7" marL="0" marR="0" algn="r">
+            <a:lvl8pPr marL="0" marR="0" lvl="7" indent="0" algn="r">
               <a:lnSpc>
                 <a:spcPct val="100000"/>
               </a:lnSpc>
@@ -6841,7 +7226,7 @@
               <a:buSzPts val="1000"/>
               <a:buFont typeface="Arial"/>
               <a:buNone/>
-              <a:defRPr b="0" i="0" sz="1000" u="none" cap="none" strike="noStrike">
+              <a:defRPr sz="1000" b="0" i="0" u="none" strike="noStrike" cap="none">
                 <a:solidFill>
                   <a:schemeClr val="dk1"/>
                 </a:solidFill>
@@ -6851,7 +7236,7 @@
                 <a:sym typeface="Roboto"/>
               </a:defRPr>
             </a:lvl8pPr>
-            <a:lvl9pPr indent="0" lvl="8" marL="0" marR="0" algn="r">
+            <a:lvl9pPr marL="0" marR="0" lvl="8" indent="0" algn="r">
               <a:lnSpc>
                 <a:spcPct val="100000"/>
               </a:lnSpc>
@@ -6867,7 +7252,7 @@
               <a:buSzPts val="1000"/>
               <a:buFont typeface="Arial"/>
               <a:buNone/>
-              <a:defRPr b="0" i="0" sz="1000" u="none" cap="none" strike="noStrike">
+              <a:defRPr sz="1000" b="0" i="0" u="none" strike="noStrike" cap="none">
                 <a:solidFill>
                   <a:schemeClr val="dk1"/>
                 </a:solidFill>
@@ -6879,7 +7264,7 @@
             </a:lvl9pPr>
           </a:lstStyle>
           <a:p>
-            <a:pPr indent="0" lvl="0" marL="0" rtl="0" algn="r">
+            <a:pPr marL="0" lvl="0" indent="0" algn="r" rtl="0">
               <a:spcBef>
                 <a:spcPts val="0"/>
               </a:spcBef>
@@ -6905,11 +7290,11 @@
 </file>
 
 <file path=ppt/slideLayouts/slideLayout8.xml><?xml version="1.0" encoding="utf-8"?>
-<p:sldLayout xmlns:a="http://schemas.openxmlformats.org/drawingml/2006/main" xmlns:r="http://schemas.openxmlformats.org/officeDocument/2006/relationships" xmlns:mc="http://schemas.openxmlformats.org/markup-compatibility/2006" xmlns:mv="urn:schemas-microsoft-com:mac:vml" xmlns:p="http://schemas.openxmlformats.org/presentationml/2006/main" xmlns:c="http://schemas.openxmlformats.org/drawingml/2006/chart" xmlns:dgm="http://schemas.openxmlformats.org/drawingml/2006/diagram" xmlns:o="urn:schemas-microsoft-com:office:office" xmlns:v="urn:schemas-microsoft-com:vml" xmlns:pvml="urn:schemas-microsoft-com:office:powerpoint" xmlns:com="http://schemas.openxmlformats.org/drawingml/2006/compatibility" xmlns:p14="http://schemas.microsoft.com/office/powerpoint/2010/main" xmlns:p15="http://schemas.microsoft.com/office/powerpoint/2012/main" xmlns:ahyp="http://schemas.microsoft.com/office/drawing/2018/hyperlinkcolor" matchingName="Section title and description">
+<p:sldLayout xmlns:a="http://schemas.openxmlformats.org/drawingml/2006/main" xmlns:r="http://schemas.openxmlformats.org/officeDocument/2006/relationships" xmlns:p="http://schemas.openxmlformats.org/presentationml/2006/main" matchingName="Section title and description">
   <p:cSld name="SECTION_TITLE_AND_DESCRIPTION">
     <p:spTree>
       <p:nvGrpSpPr>
-        <p:cNvPr id="42" name="Shape 42"/>
+        <p:cNvPr id="1" name="Shape 42"/>
         <p:cNvGrpSpPr/>
         <p:nvPr/>
       </p:nvGrpSpPr>
@@ -6943,12 +7328,12 @@
           </a:ln>
         </p:spPr>
         <p:txBody>
-          <a:bodyPr anchorCtr="0" anchor="ctr" bIns="91425" lIns="91425" spcFirstLastPara="1" rIns="91425" wrap="square" tIns="91425">
+          <a:bodyPr spcFirstLastPara="1" wrap="square" lIns="91425" tIns="91425" rIns="91425" bIns="91425" anchor="ctr" anchorCtr="0">
             <a:noAutofit/>
           </a:bodyPr>
           <a:lstStyle/>
           <a:p>
-            <a:pPr indent="0" lvl="0" marL="0" marR="0" rtl="0" algn="l">
+            <a:pPr marL="0" marR="0" lvl="0" indent="0" algn="l" rtl="0">
               <a:lnSpc>
                 <a:spcPct val="100000"/>
               </a:lnSpc>
@@ -6965,10 +7350,7 @@
               <a:buFont typeface="Arial"/>
               <a:buNone/>
             </a:pPr>
-            <a:r>
-              <a:t/>
-            </a:r>
-            <a:endParaRPr b="0" i="0" sz="1400" u="none" cap="none" strike="noStrike">
+            <a:endParaRPr sz="1400" b="0" i="0" u="none" strike="noStrike" cap="none">
               <a:solidFill>
                 <a:srgbClr val="000000"/>
               </a:solidFill>
@@ -6995,21 +7377,23 @@
             <a:avLst/>
           </a:prstGeom>
           <a:noFill/>
-          <a:ln cap="flat" cmpd="sng" w="38100">
+          <a:ln w="38100" cap="flat" cmpd="sng">
             <a:solidFill>
               <a:schemeClr val="accent5"/>
             </a:solidFill>
             <a:prstDash val="solid"/>
             <a:round/>
-            <a:headEnd len="sm" w="sm" type="none"/>
-            <a:tailEnd len="sm" w="sm" type="none"/>
+            <a:headEnd type="none" w="sm" len="sm"/>
+            <a:tailEnd type="none" w="sm" len="sm"/>
           </a:ln>
         </p:spPr>
       </p:cxnSp>
       <p:sp>
         <p:nvSpPr>
           <p:cNvPr id="45" name="Google Shape;45;p9"/>
-          <p:cNvSpPr txBox="1"/>
+          <p:cNvSpPr txBox="1">
+            <a:spLocks noGrp="1"/>
+          </p:cNvSpPr>
           <p:nvPr>
             <p:ph type="title"/>
           </p:nvPr>
@@ -7028,7 +7412,7 @@
           </a:ln>
         </p:spPr>
         <p:txBody>
-          <a:bodyPr anchorCtr="0" anchor="b" bIns="91425" lIns="91425" spcFirstLastPara="1" rIns="91425" wrap="square" tIns="91425">
+          <a:bodyPr spcFirstLastPara="1" wrap="square" lIns="91425" tIns="91425" rIns="91425" bIns="91425" anchor="b" anchorCtr="0">
             <a:noAutofit/>
           </a:bodyPr>
           <a:lstStyle>
@@ -7159,15 +7543,19 @@
               <a:defRPr sz="3800"/>
             </a:lvl9pPr>
           </a:lstStyle>
-          <a:p/>
+          <a:p>
+            <a:endParaRPr/>
+          </a:p>
         </p:txBody>
       </p:sp>
       <p:sp>
         <p:nvSpPr>
           <p:cNvPr id="46" name="Google Shape;46;p9"/>
-          <p:cNvSpPr txBox="1"/>
+          <p:cNvSpPr txBox="1">
+            <a:spLocks noGrp="1"/>
+          </p:cNvSpPr>
           <p:nvPr>
-            <p:ph idx="1" type="subTitle"/>
+            <p:ph type="subTitle" idx="1"/>
           </p:nvPr>
         </p:nvSpPr>
         <p:spPr>
@@ -7184,7 +7572,7 @@
           </a:ln>
         </p:spPr>
         <p:txBody>
-          <a:bodyPr anchorCtr="0" anchor="t" bIns="91425" lIns="91425" spcFirstLastPara="1" rIns="91425" wrap="square" tIns="91425">
+          <a:bodyPr spcFirstLastPara="1" wrap="square" lIns="91425" tIns="91425" rIns="91425" bIns="91425" anchor="t" anchorCtr="0">
             <a:noAutofit/>
           </a:bodyPr>
           <a:lstStyle>
@@ -7378,15 +7766,19 @@
               </a:defRPr>
             </a:lvl9pPr>
           </a:lstStyle>
-          <a:p/>
+          <a:p>
+            <a:endParaRPr/>
+          </a:p>
         </p:txBody>
       </p:sp>
       <p:sp>
         <p:nvSpPr>
           <p:cNvPr id="47" name="Google Shape;47;p9"/>
-          <p:cNvSpPr txBox="1"/>
+          <p:cNvSpPr txBox="1">
+            <a:spLocks noGrp="1"/>
+          </p:cNvSpPr>
           <p:nvPr>
-            <p:ph idx="2" type="body"/>
+            <p:ph type="body" idx="2"/>
           </p:nvPr>
         </p:nvSpPr>
         <p:spPr>
@@ -7403,11 +7795,11 @@
           </a:ln>
         </p:spPr>
         <p:txBody>
-          <a:bodyPr anchorCtr="0" anchor="ctr" bIns="91425" lIns="91425" spcFirstLastPara="1" rIns="91425" wrap="square" tIns="91425">
+          <a:bodyPr spcFirstLastPara="1" wrap="square" lIns="91425" tIns="91425" rIns="91425" bIns="91425" anchor="ctr" anchorCtr="0">
             <a:noAutofit/>
           </a:bodyPr>
           <a:lstStyle>
-            <a:lvl1pPr indent="-342900" lvl="0" marL="457200" algn="l">
+            <a:lvl1pPr marL="457200" lvl="0" indent="-342900" algn="l">
               <a:lnSpc>
                 <a:spcPct val="115000"/>
               </a:lnSpc>
@@ -7421,7 +7813,7 @@
               <a:buChar char="●"/>
               <a:defRPr/>
             </a:lvl1pPr>
-            <a:lvl2pPr indent="-317500" lvl="1" marL="914400" algn="l">
+            <a:lvl2pPr marL="914400" lvl="1" indent="-317500" algn="l">
               <a:lnSpc>
                 <a:spcPct val="115000"/>
               </a:lnSpc>
@@ -7435,7 +7827,7 @@
               <a:buChar char="○"/>
               <a:defRPr/>
             </a:lvl2pPr>
-            <a:lvl3pPr indent="-317500" lvl="2" marL="1371600" algn="l">
+            <a:lvl3pPr marL="1371600" lvl="2" indent="-317500" algn="l">
               <a:lnSpc>
                 <a:spcPct val="115000"/>
               </a:lnSpc>
@@ -7449,7 +7841,7 @@
               <a:buChar char="■"/>
               <a:defRPr/>
             </a:lvl3pPr>
-            <a:lvl4pPr indent="-317500" lvl="3" marL="1828800" algn="l">
+            <a:lvl4pPr marL="1828800" lvl="3" indent="-317500" algn="l">
               <a:lnSpc>
                 <a:spcPct val="115000"/>
               </a:lnSpc>
@@ -7463,7 +7855,7 @@
               <a:buChar char="●"/>
               <a:defRPr/>
             </a:lvl4pPr>
-            <a:lvl5pPr indent="-317500" lvl="4" marL="2286000" algn="l">
+            <a:lvl5pPr marL="2286000" lvl="4" indent="-317500" algn="l">
               <a:lnSpc>
                 <a:spcPct val="115000"/>
               </a:lnSpc>
@@ -7477,7 +7869,7 @@
               <a:buChar char="○"/>
               <a:defRPr/>
             </a:lvl5pPr>
-            <a:lvl6pPr indent="-317500" lvl="5" marL="2743200" algn="l">
+            <a:lvl6pPr marL="2743200" lvl="5" indent="-317500" algn="l">
               <a:lnSpc>
                 <a:spcPct val="115000"/>
               </a:lnSpc>
@@ -7491,7 +7883,7 @@
               <a:buChar char="■"/>
               <a:defRPr/>
             </a:lvl6pPr>
-            <a:lvl7pPr indent="-317500" lvl="6" marL="3200400" algn="l">
+            <a:lvl7pPr marL="3200400" lvl="6" indent="-317500" algn="l">
               <a:lnSpc>
                 <a:spcPct val="115000"/>
               </a:lnSpc>
@@ -7505,7 +7897,7 @@
               <a:buChar char="●"/>
               <a:defRPr/>
             </a:lvl7pPr>
-            <a:lvl8pPr indent="-317500" lvl="7" marL="3657600" algn="l">
+            <a:lvl8pPr marL="3657600" lvl="7" indent="-317500" algn="l">
               <a:lnSpc>
                 <a:spcPct val="115000"/>
               </a:lnSpc>
@@ -7519,7 +7911,7 @@
               <a:buChar char="○"/>
               <a:defRPr/>
             </a:lvl8pPr>
-            <a:lvl9pPr indent="-317500" lvl="8" marL="4114800" algn="l">
+            <a:lvl9pPr marL="4114800" lvl="8" indent="-317500" algn="l">
               <a:lnSpc>
                 <a:spcPct val="115000"/>
               </a:lnSpc>
@@ -7534,15 +7926,19 @@
               <a:defRPr/>
             </a:lvl9pPr>
           </a:lstStyle>
-          <a:p/>
+          <a:p>
+            <a:endParaRPr/>
+          </a:p>
         </p:txBody>
       </p:sp>
       <p:sp>
         <p:nvSpPr>
           <p:cNvPr id="48" name="Google Shape;48;p9"/>
-          <p:cNvSpPr txBox="1"/>
+          <p:cNvSpPr txBox="1">
+            <a:spLocks noGrp="1"/>
+          </p:cNvSpPr>
           <p:nvPr>
-            <p:ph idx="12" type="sldNum"/>
+            <p:ph type="sldNum" idx="12"/>
           </p:nvPr>
         </p:nvSpPr>
         <p:spPr>
@@ -7559,11 +7955,11 @@
           </a:ln>
         </p:spPr>
         <p:txBody>
-          <a:bodyPr anchorCtr="0" anchor="ctr" bIns="91425" lIns="91425" spcFirstLastPara="1" rIns="91425" wrap="square" tIns="91425">
+          <a:bodyPr spcFirstLastPara="1" wrap="square" lIns="91425" tIns="91425" rIns="91425" bIns="91425" anchor="ctr" anchorCtr="0">
             <a:noAutofit/>
           </a:bodyPr>
           <a:lstStyle>
-            <a:lvl1pPr indent="0" lvl="0" marL="0" marR="0" algn="r">
+            <a:lvl1pPr marL="0" marR="0" lvl="0" indent="0" algn="r">
               <a:lnSpc>
                 <a:spcPct val="100000"/>
               </a:lnSpc>
@@ -7579,7 +7975,7 @@
               <a:buSzPts val="1000"/>
               <a:buFont typeface="Arial"/>
               <a:buNone/>
-              <a:defRPr b="0" i="0" sz="1000" u="none" cap="none" strike="noStrike">
+              <a:defRPr sz="1000" b="0" i="0" u="none" strike="noStrike" cap="none">
                 <a:solidFill>
                   <a:schemeClr val="dk1"/>
                 </a:solidFill>
@@ -7589,7 +7985,7 @@
                 <a:sym typeface="Roboto"/>
               </a:defRPr>
             </a:lvl1pPr>
-            <a:lvl2pPr indent="0" lvl="1" marL="0" marR="0" algn="r">
+            <a:lvl2pPr marL="0" marR="0" lvl="1" indent="0" algn="r">
               <a:lnSpc>
                 <a:spcPct val="100000"/>
               </a:lnSpc>
@@ -7605,7 +8001,7 @@
               <a:buSzPts val="1000"/>
               <a:buFont typeface="Arial"/>
               <a:buNone/>
-              <a:defRPr b="0" i="0" sz="1000" u="none" cap="none" strike="noStrike">
+              <a:defRPr sz="1000" b="0" i="0" u="none" strike="noStrike" cap="none">
                 <a:solidFill>
                   <a:schemeClr val="dk1"/>
                 </a:solidFill>
@@ -7615,7 +8011,7 @@
                 <a:sym typeface="Roboto"/>
               </a:defRPr>
             </a:lvl2pPr>
-            <a:lvl3pPr indent="0" lvl="2" marL="0" marR="0" algn="r">
+            <a:lvl3pPr marL="0" marR="0" lvl="2" indent="0" algn="r">
               <a:lnSpc>
                 <a:spcPct val="100000"/>
               </a:lnSpc>
@@ -7631,7 +8027,7 @@
               <a:buSzPts val="1000"/>
               <a:buFont typeface="Arial"/>
               <a:buNone/>
-              <a:defRPr b="0" i="0" sz="1000" u="none" cap="none" strike="noStrike">
+              <a:defRPr sz="1000" b="0" i="0" u="none" strike="noStrike" cap="none">
                 <a:solidFill>
                   <a:schemeClr val="dk1"/>
                 </a:solidFill>
@@ -7641,7 +8037,7 @@
                 <a:sym typeface="Roboto"/>
               </a:defRPr>
             </a:lvl3pPr>
-            <a:lvl4pPr indent="0" lvl="3" marL="0" marR="0" algn="r">
+            <a:lvl4pPr marL="0" marR="0" lvl="3" indent="0" algn="r">
               <a:lnSpc>
                 <a:spcPct val="100000"/>
               </a:lnSpc>
@@ -7657,7 +8053,7 @@
               <a:buSzPts val="1000"/>
               <a:buFont typeface="Arial"/>
               <a:buNone/>
-              <a:defRPr b="0" i="0" sz="1000" u="none" cap="none" strike="noStrike">
+              <a:defRPr sz="1000" b="0" i="0" u="none" strike="noStrike" cap="none">
                 <a:solidFill>
                   <a:schemeClr val="dk1"/>
                 </a:solidFill>
@@ -7667,7 +8063,7 @@
                 <a:sym typeface="Roboto"/>
               </a:defRPr>
             </a:lvl4pPr>
-            <a:lvl5pPr indent="0" lvl="4" marL="0" marR="0" algn="r">
+            <a:lvl5pPr marL="0" marR="0" lvl="4" indent="0" algn="r">
               <a:lnSpc>
                 <a:spcPct val="100000"/>
               </a:lnSpc>
@@ -7683,7 +8079,7 @@
               <a:buSzPts val="1000"/>
               <a:buFont typeface="Arial"/>
               <a:buNone/>
-              <a:defRPr b="0" i="0" sz="1000" u="none" cap="none" strike="noStrike">
+              <a:defRPr sz="1000" b="0" i="0" u="none" strike="noStrike" cap="none">
                 <a:solidFill>
                   <a:schemeClr val="dk1"/>
                 </a:solidFill>
@@ -7693,7 +8089,7 @@
                 <a:sym typeface="Roboto"/>
               </a:defRPr>
             </a:lvl5pPr>
-            <a:lvl6pPr indent="0" lvl="5" marL="0" marR="0" algn="r">
+            <a:lvl6pPr marL="0" marR="0" lvl="5" indent="0" algn="r">
               <a:lnSpc>
                 <a:spcPct val="100000"/>
               </a:lnSpc>
@@ -7709,7 +8105,7 @@
               <a:buSzPts val="1000"/>
               <a:buFont typeface="Arial"/>
               <a:buNone/>
-              <a:defRPr b="0" i="0" sz="1000" u="none" cap="none" strike="noStrike">
+              <a:defRPr sz="1000" b="0" i="0" u="none" strike="noStrike" cap="none">
                 <a:solidFill>
                   <a:schemeClr val="dk1"/>
                 </a:solidFill>
@@ -7719,7 +8115,7 @@
                 <a:sym typeface="Roboto"/>
               </a:defRPr>
             </a:lvl6pPr>
-            <a:lvl7pPr indent="0" lvl="6" marL="0" marR="0" algn="r">
+            <a:lvl7pPr marL="0" marR="0" lvl="6" indent="0" algn="r">
               <a:lnSpc>
                 <a:spcPct val="100000"/>
               </a:lnSpc>
@@ -7735,7 +8131,7 @@
               <a:buSzPts val="1000"/>
               <a:buFont typeface="Arial"/>
               <a:buNone/>
-              <a:defRPr b="0" i="0" sz="1000" u="none" cap="none" strike="noStrike">
+              <a:defRPr sz="1000" b="0" i="0" u="none" strike="noStrike" cap="none">
                 <a:solidFill>
                   <a:schemeClr val="dk1"/>
                 </a:solidFill>
@@ -7745,7 +8141,7 @@
                 <a:sym typeface="Roboto"/>
               </a:defRPr>
             </a:lvl7pPr>
-            <a:lvl8pPr indent="0" lvl="7" marL="0" marR="0" algn="r">
+            <a:lvl8pPr marL="0" marR="0" lvl="7" indent="0" algn="r">
               <a:lnSpc>
                 <a:spcPct val="100000"/>
               </a:lnSpc>
@@ -7761,7 +8157,7 @@
               <a:buSzPts val="1000"/>
               <a:buFont typeface="Arial"/>
               <a:buNone/>
-              <a:defRPr b="0" i="0" sz="1000" u="none" cap="none" strike="noStrike">
+              <a:defRPr sz="1000" b="0" i="0" u="none" strike="noStrike" cap="none">
                 <a:solidFill>
                   <a:schemeClr val="dk1"/>
                 </a:solidFill>
@@ -7771,7 +8167,7 @@
                 <a:sym typeface="Roboto"/>
               </a:defRPr>
             </a:lvl8pPr>
-            <a:lvl9pPr indent="0" lvl="8" marL="0" marR="0" algn="r">
+            <a:lvl9pPr marL="0" marR="0" lvl="8" indent="0" algn="r">
               <a:lnSpc>
                 <a:spcPct val="100000"/>
               </a:lnSpc>
@@ -7787,7 +8183,7 @@
               <a:buSzPts val="1000"/>
               <a:buFont typeface="Arial"/>
               <a:buNone/>
-              <a:defRPr b="0" i="0" sz="1000" u="none" cap="none" strike="noStrike">
+              <a:defRPr sz="1000" b="0" i="0" u="none" strike="noStrike" cap="none">
                 <a:solidFill>
                   <a:schemeClr val="dk1"/>
                 </a:solidFill>
@@ -7799,7 +8195,7 @@
             </a:lvl9pPr>
           </a:lstStyle>
           <a:p>
-            <a:pPr indent="0" lvl="0" marL="0" rtl="0" algn="r">
+            <a:pPr marL="0" lvl="0" indent="0" algn="r" rtl="0">
               <a:spcBef>
                 <a:spcPts val="0"/>
               </a:spcBef>
@@ -7825,11 +8221,11 @@
 </file>
 
 <file path=ppt/slideLayouts/slideLayout9.xml><?xml version="1.0" encoding="utf-8"?>
-<p:sldLayout xmlns:a="http://schemas.openxmlformats.org/drawingml/2006/main" xmlns:r="http://schemas.openxmlformats.org/officeDocument/2006/relationships" xmlns:mc="http://schemas.openxmlformats.org/markup-compatibility/2006" xmlns:mv="urn:schemas-microsoft-com:mac:vml" xmlns:p="http://schemas.openxmlformats.org/presentationml/2006/main" xmlns:c="http://schemas.openxmlformats.org/drawingml/2006/chart" xmlns:dgm="http://schemas.openxmlformats.org/drawingml/2006/diagram" xmlns:o="urn:schemas-microsoft-com:office:office" xmlns:v="urn:schemas-microsoft-com:vml" xmlns:pvml="urn:schemas-microsoft-com:office:powerpoint" xmlns:com="http://schemas.openxmlformats.org/drawingml/2006/compatibility" xmlns:p14="http://schemas.microsoft.com/office/powerpoint/2010/main" xmlns:p15="http://schemas.microsoft.com/office/powerpoint/2012/main" xmlns:ahyp="http://schemas.microsoft.com/office/drawing/2018/hyperlinkcolor" matchingName="Caption">
+<p:sldLayout xmlns:a="http://schemas.openxmlformats.org/drawingml/2006/main" xmlns:r="http://schemas.openxmlformats.org/officeDocument/2006/relationships" xmlns:p="http://schemas.openxmlformats.org/presentationml/2006/main" matchingName="Caption">
   <p:cSld name="CAPTION_ONLY">
     <p:spTree>
       <p:nvGrpSpPr>
-        <p:cNvPr id="49" name="Shape 49"/>
+        <p:cNvPr id="1" name="Shape 49"/>
         <p:cNvGrpSpPr/>
         <p:nvPr/>
       </p:nvGrpSpPr>
@@ -7844,9 +8240,11 @@
       <p:sp>
         <p:nvSpPr>
           <p:cNvPr id="50" name="Google Shape;50;p10"/>
-          <p:cNvSpPr txBox="1"/>
+          <p:cNvSpPr txBox="1">
+            <a:spLocks noGrp="1"/>
+          </p:cNvSpPr>
           <p:nvPr>
-            <p:ph idx="1" type="body"/>
+            <p:ph type="body" idx="1"/>
           </p:nvPr>
         </p:nvSpPr>
         <p:spPr>
@@ -7863,11 +8261,11 @@
           </a:ln>
         </p:spPr>
         <p:txBody>
-          <a:bodyPr anchorCtr="0" anchor="ctr" bIns="91425" lIns="91425" spcFirstLastPara="1" rIns="91425" wrap="square" tIns="91425">
+          <a:bodyPr spcFirstLastPara="1" wrap="square" lIns="91425" tIns="91425" rIns="91425" bIns="91425" anchor="ctr" anchorCtr="0">
             <a:noAutofit/>
           </a:bodyPr>
           <a:lstStyle>
-            <a:lvl1pPr indent="-228600" lvl="0" marL="457200" algn="l">
+            <a:lvl1pPr marL="457200" lvl="0" indent="-228600" algn="l">
               <a:lnSpc>
                 <a:spcPct val="100000"/>
               </a:lnSpc>
@@ -7888,15 +8286,19 @@
               </a:defRPr>
             </a:lvl1pPr>
           </a:lstStyle>
-          <a:p/>
+          <a:p>
+            <a:endParaRPr/>
+          </a:p>
         </p:txBody>
       </p:sp>
       <p:sp>
         <p:nvSpPr>
           <p:cNvPr id="51" name="Google Shape;51;p10"/>
-          <p:cNvSpPr txBox="1"/>
+          <p:cNvSpPr txBox="1">
+            <a:spLocks noGrp="1"/>
+          </p:cNvSpPr>
           <p:nvPr>
-            <p:ph idx="12" type="sldNum"/>
+            <p:ph type="sldNum" idx="12"/>
           </p:nvPr>
         </p:nvSpPr>
         <p:spPr>
@@ -7913,11 +8315,11 @@
           </a:ln>
         </p:spPr>
         <p:txBody>
-          <a:bodyPr anchorCtr="0" anchor="ctr" bIns="91425" lIns="91425" spcFirstLastPara="1" rIns="91425" wrap="square" tIns="91425">
+          <a:bodyPr spcFirstLastPara="1" wrap="square" lIns="91425" tIns="91425" rIns="91425" bIns="91425" anchor="ctr" anchorCtr="0">
             <a:noAutofit/>
           </a:bodyPr>
           <a:lstStyle>
-            <a:lvl1pPr indent="0" lvl="0" marL="0" marR="0" algn="r">
+            <a:lvl1pPr marL="0" marR="0" lvl="0" indent="0" algn="r">
               <a:lnSpc>
                 <a:spcPct val="100000"/>
               </a:lnSpc>
@@ -7933,7 +8335,7 @@
               <a:buSzPts val="1000"/>
               <a:buFont typeface="Arial"/>
               <a:buNone/>
-              <a:defRPr b="0" i="0" sz="1000" u="none" cap="none" strike="noStrike">
+              <a:defRPr sz="1000" b="0" i="0" u="none" strike="noStrike" cap="none">
                 <a:solidFill>
                   <a:schemeClr val="dk1"/>
                 </a:solidFill>
@@ -7943,7 +8345,7 @@
                 <a:sym typeface="Roboto"/>
               </a:defRPr>
             </a:lvl1pPr>
-            <a:lvl2pPr indent="0" lvl="1" marL="0" marR="0" algn="r">
+            <a:lvl2pPr marL="0" marR="0" lvl="1" indent="0" algn="r">
               <a:lnSpc>
                 <a:spcPct val="100000"/>
               </a:lnSpc>
@@ -7959,7 +8361,7 @@
               <a:buSzPts val="1000"/>
               <a:buFont typeface="Arial"/>
               <a:buNone/>
-              <a:defRPr b="0" i="0" sz="1000" u="none" cap="none" strike="noStrike">
+              <a:defRPr sz="1000" b="0" i="0" u="none" strike="noStrike" cap="none">
                 <a:solidFill>
                   <a:schemeClr val="dk1"/>
                 </a:solidFill>
@@ -7969,7 +8371,7 @@
                 <a:sym typeface="Roboto"/>
               </a:defRPr>
             </a:lvl2pPr>
-            <a:lvl3pPr indent="0" lvl="2" marL="0" marR="0" algn="r">
+            <a:lvl3pPr marL="0" marR="0" lvl="2" indent="0" algn="r">
               <a:lnSpc>
                 <a:spcPct val="100000"/>
               </a:lnSpc>
@@ -7985,7 +8387,7 @@
               <a:buSzPts val="1000"/>
               <a:buFont typeface="Arial"/>
               <a:buNone/>
-              <a:defRPr b="0" i="0" sz="1000" u="none" cap="none" strike="noStrike">
+              <a:defRPr sz="1000" b="0" i="0" u="none" strike="noStrike" cap="none">
                 <a:solidFill>
                   <a:schemeClr val="dk1"/>
                 </a:solidFill>
@@ -7995,7 +8397,7 @@
                 <a:sym typeface="Roboto"/>
               </a:defRPr>
             </a:lvl3pPr>
-            <a:lvl4pPr indent="0" lvl="3" marL="0" marR="0" algn="r">
+            <a:lvl4pPr marL="0" marR="0" lvl="3" indent="0" algn="r">
               <a:lnSpc>
                 <a:spcPct val="100000"/>
               </a:lnSpc>
@@ -8011,7 +8413,7 @@
               <a:buSzPts val="1000"/>
               <a:buFont typeface="Arial"/>
               <a:buNone/>
-              <a:defRPr b="0" i="0" sz="1000" u="none" cap="none" strike="noStrike">
+              <a:defRPr sz="1000" b="0" i="0" u="none" strike="noStrike" cap="none">
                 <a:solidFill>
                   <a:schemeClr val="dk1"/>
                 </a:solidFill>
@@ -8021,7 +8423,7 @@
                 <a:sym typeface="Roboto"/>
               </a:defRPr>
             </a:lvl4pPr>
-            <a:lvl5pPr indent="0" lvl="4" marL="0" marR="0" algn="r">
+            <a:lvl5pPr marL="0" marR="0" lvl="4" indent="0" algn="r">
               <a:lnSpc>
                 <a:spcPct val="100000"/>
               </a:lnSpc>
@@ -8037,7 +8439,7 @@
               <a:buSzPts val="1000"/>
               <a:buFont typeface="Arial"/>
               <a:buNone/>
-              <a:defRPr b="0" i="0" sz="1000" u="none" cap="none" strike="noStrike">
+              <a:defRPr sz="1000" b="0" i="0" u="none" strike="noStrike" cap="none">
                 <a:solidFill>
                   <a:schemeClr val="dk1"/>
                 </a:solidFill>
@@ -8047,7 +8449,7 @@
                 <a:sym typeface="Roboto"/>
               </a:defRPr>
             </a:lvl5pPr>
-            <a:lvl6pPr indent="0" lvl="5" marL="0" marR="0" algn="r">
+            <a:lvl6pPr marL="0" marR="0" lvl="5" indent="0" algn="r">
               <a:lnSpc>
                 <a:spcPct val="100000"/>
               </a:lnSpc>
@@ -8063,7 +8465,7 @@
               <a:buSzPts val="1000"/>
               <a:buFont typeface="Arial"/>
               <a:buNone/>
-              <a:defRPr b="0" i="0" sz="1000" u="none" cap="none" strike="noStrike">
+              <a:defRPr sz="1000" b="0" i="0" u="none" strike="noStrike" cap="none">
                 <a:solidFill>
                   <a:schemeClr val="dk1"/>
                 </a:solidFill>
@@ -8073,7 +8475,7 @@
                 <a:sym typeface="Roboto"/>
               </a:defRPr>
             </a:lvl6pPr>
-            <a:lvl7pPr indent="0" lvl="6" marL="0" marR="0" algn="r">
+            <a:lvl7pPr marL="0" marR="0" lvl="6" indent="0" algn="r">
               <a:lnSpc>
                 <a:spcPct val="100000"/>
               </a:lnSpc>
@@ -8089,7 +8491,7 @@
               <a:buSzPts val="1000"/>
               <a:buFont typeface="Arial"/>
               <a:buNone/>
-              <a:defRPr b="0" i="0" sz="1000" u="none" cap="none" strike="noStrike">
+              <a:defRPr sz="1000" b="0" i="0" u="none" strike="noStrike" cap="none">
                 <a:solidFill>
                   <a:schemeClr val="dk1"/>
                 </a:solidFill>
@@ -8099,7 +8501,7 @@
                 <a:sym typeface="Roboto"/>
               </a:defRPr>
             </a:lvl7pPr>
-            <a:lvl8pPr indent="0" lvl="7" marL="0" marR="0" algn="r">
+            <a:lvl8pPr marL="0" marR="0" lvl="7" indent="0" algn="r">
               <a:lnSpc>
                 <a:spcPct val="100000"/>
               </a:lnSpc>
@@ -8115,7 +8517,7 @@
               <a:buSzPts val="1000"/>
               <a:buFont typeface="Arial"/>
               <a:buNone/>
-              <a:defRPr b="0" i="0" sz="1000" u="none" cap="none" strike="noStrike">
+              <a:defRPr sz="1000" b="0" i="0" u="none" strike="noStrike" cap="none">
                 <a:solidFill>
                   <a:schemeClr val="dk1"/>
                 </a:solidFill>
@@ -8125,7 +8527,7 @@
                 <a:sym typeface="Roboto"/>
               </a:defRPr>
             </a:lvl8pPr>
-            <a:lvl9pPr indent="0" lvl="8" marL="0" marR="0" algn="r">
+            <a:lvl9pPr marL="0" marR="0" lvl="8" indent="0" algn="r">
               <a:lnSpc>
                 <a:spcPct val="100000"/>
               </a:lnSpc>
@@ -8141,7 +8543,7 @@
               <a:buSzPts val="1000"/>
               <a:buFont typeface="Arial"/>
               <a:buNone/>
-              <a:defRPr b="0" i="0" sz="1000" u="none" cap="none" strike="noStrike">
+              <a:defRPr sz="1000" b="0" i="0" u="none" strike="noStrike" cap="none">
                 <a:solidFill>
                   <a:schemeClr val="dk1"/>
                 </a:solidFill>
@@ -8153,7 +8555,7 @@
             </a:lvl9pPr>
           </a:lstStyle>
           <a:p>
-            <a:pPr indent="0" lvl="0" marL="0" rtl="0" algn="r">
+            <a:pPr marL="0" lvl="0" indent="0" algn="r" rtl="0">
               <a:spcBef>
                 <a:spcPts val="0"/>
               </a:spcBef>
@@ -8179,23 +8581,24 @@
 </file>
 
 <file path=ppt/slideMasters/slideMaster1.xml><?xml version="1.0" encoding="utf-8"?>
-<p:sldMaster xmlns:a="http://schemas.openxmlformats.org/drawingml/2006/main" xmlns:r="http://schemas.openxmlformats.org/officeDocument/2006/relationships" xmlns:mc="http://schemas.openxmlformats.org/markup-compatibility/2006" xmlns:mv="urn:schemas-microsoft-com:mac:vml" xmlns:p="http://schemas.openxmlformats.org/presentationml/2006/main" xmlns:c="http://schemas.openxmlformats.org/drawingml/2006/chart" xmlns:dgm="http://schemas.openxmlformats.org/drawingml/2006/diagram" xmlns:o="urn:schemas-microsoft-com:office:office" xmlns:v="urn:schemas-microsoft-com:vml" xmlns:pvml="urn:schemas-microsoft-com:office:powerpoint" xmlns:com="http://schemas.openxmlformats.org/drawingml/2006/compatibility" xmlns:p14="http://schemas.microsoft.com/office/powerpoint/2010/main" xmlns:p15="http://schemas.microsoft.com/office/powerpoint/2012/main" xmlns:ahyp="http://schemas.microsoft.com/office/drawing/2018/hyperlinkcolor">
+<p:sldMaster xmlns:a="http://schemas.openxmlformats.org/drawingml/2006/main" xmlns:r="http://schemas.openxmlformats.org/officeDocument/2006/relationships" xmlns:p="http://schemas.openxmlformats.org/presentationml/2006/main">
   <p:cSld name="marina">
     <p:bg>
       <p:bgPr>
         <a:blipFill>
-          <a:blip r:embed="rId1">
+          <a:blip r:embed="rId13">
             <a:alphaModFix/>
           </a:blip>
           <a:stretch>
             <a:fillRect/>
           </a:stretch>
         </a:blipFill>
+        <a:effectLst/>
       </p:bgPr>
     </p:bg>
     <p:spTree>
       <p:nvGrpSpPr>
-        <p:cNvPr id="5" name="Shape 5"/>
+        <p:cNvPr id="1" name="Shape 5"/>
         <p:cNvGrpSpPr/>
         <p:nvPr/>
       </p:nvGrpSpPr>
@@ -8210,7 +8613,9 @@
       <p:sp>
         <p:nvSpPr>
           <p:cNvPr id="6" name="Google Shape;6;p1"/>
-          <p:cNvSpPr txBox="1"/>
+          <p:cNvSpPr txBox="1">
+            <a:spLocks noGrp="1"/>
+          </p:cNvSpPr>
           <p:nvPr>
             <p:ph type="title"/>
           </p:nvPr>
@@ -8229,11 +8634,11 @@
           </a:ln>
         </p:spPr>
         <p:txBody>
-          <a:bodyPr anchorCtr="0" anchor="b" bIns="91425" lIns="91425" spcFirstLastPara="1" rIns="91425" wrap="square" tIns="91425">
+          <a:bodyPr spcFirstLastPara="1" wrap="square" lIns="91425" tIns="91425" rIns="91425" bIns="91425" anchor="b" anchorCtr="0">
             <a:noAutofit/>
           </a:bodyPr>
           <a:lstStyle>
-            <a:lvl1pPr lvl="0" marR="0" rtl="0" algn="l">
+            <a:lvl1pPr marR="0" lvl="0" algn="l" rtl="0">
               <a:lnSpc>
                 <a:spcPct val="100000"/>
               </a:lnSpc>
@@ -8249,7 +8654,7 @@
               <a:buSzPts val="3000"/>
               <a:buFont typeface="Roboto Slab"/>
               <a:buNone/>
-              <a:defRPr b="0" i="0" sz="3000" u="none" cap="none" strike="noStrike">
+              <a:defRPr sz="3000" b="0" i="0" u="none" strike="noStrike" cap="none">
                 <a:solidFill>
                   <a:schemeClr val="dk1"/>
                 </a:solidFill>
@@ -8259,7 +8664,7 @@
                 <a:sym typeface="Roboto Slab"/>
               </a:defRPr>
             </a:lvl1pPr>
-            <a:lvl2pPr lvl="1" marR="0" rtl="0" algn="l">
+            <a:lvl2pPr marR="0" lvl="1" algn="l" rtl="0">
               <a:lnSpc>
                 <a:spcPct val="100000"/>
               </a:lnSpc>
@@ -8275,7 +8680,7 @@
               <a:buSzPts val="3000"/>
               <a:buFont typeface="Roboto Slab"/>
               <a:buNone/>
-              <a:defRPr b="0" i="0" sz="3000" u="none" cap="none" strike="noStrike">
+              <a:defRPr sz="3000" b="0" i="0" u="none" strike="noStrike" cap="none">
                 <a:solidFill>
                   <a:schemeClr val="dk1"/>
                 </a:solidFill>
@@ -8285,7 +8690,7 @@
                 <a:sym typeface="Roboto Slab"/>
               </a:defRPr>
             </a:lvl2pPr>
-            <a:lvl3pPr lvl="2" marR="0" rtl="0" algn="l">
+            <a:lvl3pPr marR="0" lvl="2" algn="l" rtl="0">
               <a:lnSpc>
                 <a:spcPct val="100000"/>
               </a:lnSpc>
@@ -8301,7 +8706,7 @@
               <a:buSzPts val="3000"/>
               <a:buFont typeface="Roboto Slab"/>
               <a:buNone/>
-              <a:defRPr b="0" i="0" sz="3000" u="none" cap="none" strike="noStrike">
+              <a:defRPr sz="3000" b="0" i="0" u="none" strike="noStrike" cap="none">
                 <a:solidFill>
                   <a:schemeClr val="dk1"/>
                 </a:solidFill>
@@ -8311,7 +8716,7 @@
                 <a:sym typeface="Roboto Slab"/>
               </a:defRPr>
             </a:lvl3pPr>
-            <a:lvl4pPr lvl="3" marR="0" rtl="0" algn="l">
+            <a:lvl4pPr marR="0" lvl="3" algn="l" rtl="0">
               <a:lnSpc>
                 <a:spcPct val="100000"/>
               </a:lnSpc>
@@ -8327,7 +8732,7 @@
               <a:buSzPts val="3000"/>
               <a:buFont typeface="Roboto Slab"/>
               <a:buNone/>
-              <a:defRPr b="0" i="0" sz="3000" u="none" cap="none" strike="noStrike">
+              <a:defRPr sz="3000" b="0" i="0" u="none" strike="noStrike" cap="none">
                 <a:solidFill>
                   <a:schemeClr val="dk1"/>
                 </a:solidFill>
@@ -8337,7 +8742,7 @@
                 <a:sym typeface="Roboto Slab"/>
               </a:defRPr>
             </a:lvl4pPr>
-            <a:lvl5pPr lvl="4" marR="0" rtl="0" algn="l">
+            <a:lvl5pPr marR="0" lvl="4" algn="l" rtl="0">
               <a:lnSpc>
                 <a:spcPct val="100000"/>
               </a:lnSpc>
@@ -8353,7 +8758,7 @@
               <a:buSzPts val="3000"/>
               <a:buFont typeface="Roboto Slab"/>
               <a:buNone/>
-              <a:defRPr b="0" i="0" sz="3000" u="none" cap="none" strike="noStrike">
+              <a:defRPr sz="3000" b="0" i="0" u="none" strike="noStrike" cap="none">
                 <a:solidFill>
                   <a:schemeClr val="dk1"/>
                 </a:solidFill>
@@ -8363,7 +8768,7 @@
                 <a:sym typeface="Roboto Slab"/>
               </a:defRPr>
             </a:lvl5pPr>
-            <a:lvl6pPr lvl="5" marR="0" rtl="0" algn="l">
+            <a:lvl6pPr marR="0" lvl="5" algn="l" rtl="0">
               <a:lnSpc>
                 <a:spcPct val="100000"/>
               </a:lnSpc>
@@ -8379,7 +8784,7 @@
               <a:buSzPts val="3000"/>
               <a:buFont typeface="Roboto Slab"/>
               <a:buNone/>
-              <a:defRPr b="0" i="0" sz="3000" u="none" cap="none" strike="noStrike">
+              <a:defRPr sz="3000" b="0" i="0" u="none" strike="noStrike" cap="none">
                 <a:solidFill>
                   <a:schemeClr val="dk1"/>
                 </a:solidFill>
@@ -8389,7 +8794,7 @@
                 <a:sym typeface="Roboto Slab"/>
               </a:defRPr>
             </a:lvl6pPr>
-            <a:lvl7pPr lvl="6" marR="0" rtl="0" algn="l">
+            <a:lvl7pPr marR="0" lvl="6" algn="l" rtl="0">
               <a:lnSpc>
                 <a:spcPct val="100000"/>
               </a:lnSpc>
@@ -8405,7 +8810,7 @@
               <a:buSzPts val="3000"/>
               <a:buFont typeface="Roboto Slab"/>
               <a:buNone/>
-              <a:defRPr b="0" i="0" sz="3000" u="none" cap="none" strike="noStrike">
+              <a:defRPr sz="3000" b="0" i="0" u="none" strike="noStrike" cap="none">
                 <a:solidFill>
                   <a:schemeClr val="dk1"/>
                 </a:solidFill>
@@ -8415,7 +8820,7 @@
                 <a:sym typeface="Roboto Slab"/>
               </a:defRPr>
             </a:lvl7pPr>
-            <a:lvl8pPr lvl="7" marR="0" rtl="0" algn="l">
+            <a:lvl8pPr marR="0" lvl="7" algn="l" rtl="0">
               <a:lnSpc>
                 <a:spcPct val="100000"/>
               </a:lnSpc>
@@ -8431,7 +8836,7 @@
               <a:buSzPts val="3000"/>
               <a:buFont typeface="Roboto Slab"/>
               <a:buNone/>
-              <a:defRPr b="0" i="0" sz="3000" u="none" cap="none" strike="noStrike">
+              <a:defRPr sz="3000" b="0" i="0" u="none" strike="noStrike" cap="none">
                 <a:solidFill>
                   <a:schemeClr val="dk1"/>
                 </a:solidFill>
@@ -8441,7 +8846,7 @@
                 <a:sym typeface="Roboto Slab"/>
               </a:defRPr>
             </a:lvl8pPr>
-            <a:lvl9pPr lvl="8" marR="0" rtl="0" algn="l">
+            <a:lvl9pPr marR="0" lvl="8" algn="l" rtl="0">
               <a:lnSpc>
                 <a:spcPct val="100000"/>
               </a:lnSpc>
@@ -8457,7 +8862,7 @@
               <a:buSzPts val="3000"/>
               <a:buFont typeface="Roboto Slab"/>
               <a:buNone/>
-              <a:defRPr b="0" i="0" sz="3000" u="none" cap="none" strike="noStrike">
+              <a:defRPr sz="3000" b="0" i="0" u="none" strike="noStrike" cap="none">
                 <a:solidFill>
                   <a:schemeClr val="dk1"/>
                 </a:solidFill>
@@ -8468,15 +8873,19 @@
               </a:defRPr>
             </a:lvl9pPr>
           </a:lstStyle>
-          <a:p/>
+          <a:p>
+            <a:endParaRPr/>
+          </a:p>
         </p:txBody>
       </p:sp>
       <p:sp>
         <p:nvSpPr>
           <p:cNvPr id="7" name="Google Shape;7;p1"/>
-          <p:cNvSpPr txBox="1"/>
+          <p:cNvSpPr txBox="1">
+            <a:spLocks noGrp="1"/>
+          </p:cNvSpPr>
           <p:nvPr>
-            <p:ph idx="1" type="body"/>
+            <p:ph type="body" idx="1"/>
           </p:nvPr>
         </p:nvSpPr>
         <p:spPr>
@@ -8493,11 +8902,11 @@
           </a:ln>
         </p:spPr>
         <p:txBody>
-          <a:bodyPr anchorCtr="0" anchor="t" bIns="91425" lIns="91425" spcFirstLastPara="1" rIns="91425" wrap="square" tIns="91425">
+          <a:bodyPr spcFirstLastPara="1" wrap="square" lIns="91425" tIns="91425" rIns="91425" bIns="91425" anchor="t" anchorCtr="0">
             <a:noAutofit/>
           </a:bodyPr>
           <a:lstStyle>
-            <a:lvl1pPr indent="-342900" lvl="0" marL="457200" marR="0" rtl="0" algn="l">
+            <a:lvl1pPr marL="457200" marR="0" lvl="0" indent="-342900" algn="l" rtl="0">
               <a:lnSpc>
                 <a:spcPct val="115000"/>
               </a:lnSpc>
@@ -8513,7 +8922,7 @@
               <a:buSzPts val="1800"/>
               <a:buFont typeface="Roboto"/>
               <a:buChar char="●"/>
-              <a:defRPr b="0" i="0" sz="1800" u="none" cap="none" strike="noStrike">
+              <a:defRPr sz="1800" b="0" i="0" u="none" strike="noStrike" cap="none">
                 <a:solidFill>
                   <a:schemeClr val="dk1"/>
                 </a:solidFill>
@@ -8523,7 +8932,7 @@
                 <a:sym typeface="Roboto"/>
               </a:defRPr>
             </a:lvl1pPr>
-            <a:lvl2pPr indent="-317500" lvl="1" marL="914400" marR="0" rtl="0" algn="l">
+            <a:lvl2pPr marL="914400" marR="0" lvl="1" indent="-317500" algn="l" rtl="0">
               <a:lnSpc>
                 <a:spcPct val="115000"/>
               </a:lnSpc>
@@ -8539,7 +8948,7 @@
               <a:buSzPts val="1400"/>
               <a:buFont typeface="Roboto"/>
               <a:buChar char="○"/>
-              <a:defRPr b="0" i="0" sz="1400" u="none" cap="none" strike="noStrike">
+              <a:defRPr sz="1400" b="0" i="0" u="none" strike="noStrike" cap="none">
                 <a:solidFill>
                   <a:schemeClr val="dk1"/>
                 </a:solidFill>
@@ -8549,7 +8958,7 @@
                 <a:sym typeface="Roboto"/>
               </a:defRPr>
             </a:lvl2pPr>
-            <a:lvl3pPr indent="-317500" lvl="2" marL="1371600" marR="0" rtl="0" algn="l">
+            <a:lvl3pPr marL="1371600" marR="0" lvl="2" indent="-317500" algn="l" rtl="0">
               <a:lnSpc>
                 <a:spcPct val="115000"/>
               </a:lnSpc>
@@ -8565,7 +8974,7 @@
               <a:buSzPts val="1400"/>
               <a:buFont typeface="Roboto"/>
               <a:buChar char="■"/>
-              <a:defRPr b="0" i="0" sz="1400" u="none" cap="none" strike="noStrike">
+              <a:defRPr sz="1400" b="0" i="0" u="none" strike="noStrike" cap="none">
                 <a:solidFill>
                   <a:schemeClr val="dk1"/>
                 </a:solidFill>
@@ -8575,7 +8984,7 @@
                 <a:sym typeface="Roboto"/>
               </a:defRPr>
             </a:lvl3pPr>
-            <a:lvl4pPr indent="-317500" lvl="3" marL="1828800" marR="0" rtl="0" algn="l">
+            <a:lvl4pPr marL="1828800" marR="0" lvl="3" indent="-317500" algn="l" rtl="0">
               <a:lnSpc>
                 <a:spcPct val="115000"/>
               </a:lnSpc>
@@ -8591,7 +9000,7 @@
               <a:buSzPts val="1400"/>
               <a:buFont typeface="Roboto"/>
               <a:buChar char="●"/>
-              <a:defRPr b="0" i="0" sz="1400" u="none" cap="none" strike="noStrike">
+              <a:defRPr sz="1400" b="0" i="0" u="none" strike="noStrike" cap="none">
                 <a:solidFill>
                   <a:schemeClr val="dk1"/>
                 </a:solidFill>
@@ -8601,7 +9010,7 @@
                 <a:sym typeface="Roboto"/>
               </a:defRPr>
             </a:lvl4pPr>
-            <a:lvl5pPr indent="-317500" lvl="4" marL="2286000" marR="0" rtl="0" algn="l">
+            <a:lvl5pPr marL="2286000" marR="0" lvl="4" indent="-317500" algn="l" rtl="0">
               <a:lnSpc>
                 <a:spcPct val="115000"/>
               </a:lnSpc>
@@ -8617,7 +9026,7 @@
               <a:buSzPts val="1400"/>
               <a:buFont typeface="Roboto"/>
               <a:buChar char="○"/>
-              <a:defRPr b="0" i="0" sz="1400" u="none" cap="none" strike="noStrike">
+              <a:defRPr sz="1400" b="0" i="0" u="none" strike="noStrike" cap="none">
                 <a:solidFill>
                   <a:schemeClr val="dk1"/>
                 </a:solidFill>
@@ -8627,7 +9036,7 @@
                 <a:sym typeface="Roboto"/>
               </a:defRPr>
             </a:lvl5pPr>
-            <a:lvl6pPr indent="-317500" lvl="5" marL="2743200" marR="0" rtl="0" algn="l">
+            <a:lvl6pPr marL="2743200" marR="0" lvl="5" indent="-317500" algn="l" rtl="0">
               <a:lnSpc>
                 <a:spcPct val="115000"/>
               </a:lnSpc>
@@ -8643,7 +9052,7 @@
               <a:buSzPts val="1400"/>
               <a:buFont typeface="Roboto"/>
               <a:buChar char="■"/>
-              <a:defRPr b="0" i="0" sz="1400" u="none" cap="none" strike="noStrike">
+              <a:defRPr sz="1400" b="0" i="0" u="none" strike="noStrike" cap="none">
                 <a:solidFill>
                   <a:schemeClr val="dk1"/>
                 </a:solidFill>
@@ -8653,7 +9062,7 @@
                 <a:sym typeface="Roboto"/>
               </a:defRPr>
             </a:lvl6pPr>
-            <a:lvl7pPr indent="-317500" lvl="6" marL="3200400" marR="0" rtl="0" algn="l">
+            <a:lvl7pPr marL="3200400" marR="0" lvl="6" indent="-317500" algn="l" rtl="0">
               <a:lnSpc>
                 <a:spcPct val="115000"/>
               </a:lnSpc>
@@ -8669,7 +9078,7 @@
               <a:buSzPts val="1400"/>
               <a:buFont typeface="Roboto"/>
               <a:buChar char="●"/>
-              <a:defRPr b="0" i="0" sz="1400" u="none" cap="none" strike="noStrike">
+              <a:defRPr sz="1400" b="0" i="0" u="none" strike="noStrike" cap="none">
                 <a:solidFill>
                   <a:schemeClr val="dk1"/>
                 </a:solidFill>
@@ -8679,7 +9088,7 @@
                 <a:sym typeface="Roboto"/>
               </a:defRPr>
             </a:lvl7pPr>
-            <a:lvl8pPr indent="-317500" lvl="7" marL="3657600" marR="0" rtl="0" algn="l">
+            <a:lvl8pPr marL="3657600" marR="0" lvl="7" indent="-317500" algn="l" rtl="0">
               <a:lnSpc>
                 <a:spcPct val="115000"/>
               </a:lnSpc>
@@ -8695,7 +9104,7 @@
               <a:buSzPts val="1400"/>
               <a:buFont typeface="Roboto"/>
               <a:buChar char="○"/>
-              <a:defRPr b="0" i="0" sz="1400" u="none" cap="none" strike="noStrike">
+              <a:defRPr sz="1400" b="0" i="0" u="none" strike="noStrike" cap="none">
                 <a:solidFill>
                   <a:schemeClr val="dk1"/>
                 </a:solidFill>
@@ -8705,7 +9114,7 @@
                 <a:sym typeface="Roboto"/>
               </a:defRPr>
             </a:lvl8pPr>
-            <a:lvl9pPr indent="-317500" lvl="8" marL="4114800" marR="0" rtl="0" algn="l">
+            <a:lvl9pPr marL="4114800" marR="0" lvl="8" indent="-317500" algn="l" rtl="0">
               <a:lnSpc>
                 <a:spcPct val="115000"/>
               </a:lnSpc>
@@ -8721,7 +9130,7 @@
               <a:buSzPts val="1400"/>
               <a:buFont typeface="Roboto"/>
               <a:buChar char="■"/>
-              <a:defRPr b="0" i="0" sz="1400" u="none" cap="none" strike="noStrike">
+              <a:defRPr sz="1400" b="0" i="0" u="none" strike="noStrike" cap="none">
                 <a:solidFill>
                   <a:schemeClr val="dk1"/>
                 </a:solidFill>
@@ -8732,15 +9141,19 @@
               </a:defRPr>
             </a:lvl9pPr>
           </a:lstStyle>
-          <a:p/>
+          <a:p>
+            <a:endParaRPr/>
+          </a:p>
         </p:txBody>
       </p:sp>
       <p:sp>
         <p:nvSpPr>
           <p:cNvPr id="8" name="Google Shape;8;p1"/>
-          <p:cNvSpPr txBox="1"/>
+          <p:cNvSpPr txBox="1">
+            <a:spLocks noGrp="1"/>
+          </p:cNvSpPr>
           <p:nvPr>
-            <p:ph idx="12" type="sldNum"/>
+            <p:ph type="sldNum" idx="12"/>
           </p:nvPr>
         </p:nvSpPr>
         <p:spPr>
@@ -8757,11 +9170,11 @@
           </a:ln>
         </p:spPr>
         <p:txBody>
-          <a:bodyPr anchorCtr="0" anchor="ctr" bIns="91425" lIns="91425" spcFirstLastPara="1" rIns="91425" wrap="square" tIns="91425">
+          <a:bodyPr spcFirstLastPara="1" wrap="square" lIns="91425" tIns="91425" rIns="91425" bIns="91425" anchor="ctr" anchorCtr="0">
             <a:noAutofit/>
           </a:bodyPr>
           <a:lstStyle>
-            <a:lvl1pPr indent="0" lvl="0" marL="0" marR="0" rtl="0" algn="r">
+            <a:lvl1pPr marL="0" marR="0" lvl="0" indent="0" algn="r" rtl="0">
               <a:lnSpc>
                 <a:spcPct val="100000"/>
               </a:lnSpc>
@@ -8777,7 +9190,7 @@
               <a:buSzPts val="1000"/>
               <a:buFont typeface="Arial"/>
               <a:buNone/>
-              <a:defRPr b="0" i="0" sz="1000" u="none" cap="none" strike="noStrike">
+              <a:defRPr sz="1000" b="0" i="0" u="none" strike="noStrike" cap="none">
                 <a:solidFill>
                   <a:schemeClr val="dk1"/>
                 </a:solidFill>
@@ -8787,7 +9200,7 @@
                 <a:sym typeface="Roboto"/>
               </a:defRPr>
             </a:lvl1pPr>
-            <a:lvl2pPr indent="0" lvl="1" marL="0" marR="0" rtl="0" algn="r">
+            <a:lvl2pPr marL="0" marR="0" lvl="1" indent="0" algn="r" rtl="0">
               <a:lnSpc>
                 <a:spcPct val="100000"/>
               </a:lnSpc>
@@ -8803,7 +9216,7 @@
               <a:buSzPts val="1000"/>
               <a:buFont typeface="Arial"/>
               <a:buNone/>
-              <a:defRPr b="0" i="0" sz="1000" u="none" cap="none" strike="noStrike">
+              <a:defRPr sz="1000" b="0" i="0" u="none" strike="noStrike" cap="none">
                 <a:solidFill>
                   <a:schemeClr val="dk1"/>
                 </a:solidFill>
@@ -8813,7 +9226,7 @@
                 <a:sym typeface="Roboto"/>
               </a:defRPr>
             </a:lvl2pPr>
-            <a:lvl3pPr indent="0" lvl="2" marL="0" marR="0" rtl="0" algn="r">
+            <a:lvl3pPr marL="0" marR="0" lvl="2" indent="0" algn="r" rtl="0">
               <a:lnSpc>
                 <a:spcPct val="100000"/>
               </a:lnSpc>
@@ -8829,7 +9242,7 @@
               <a:buSzPts val="1000"/>
               <a:buFont typeface="Arial"/>
               <a:buNone/>
-              <a:defRPr b="0" i="0" sz="1000" u="none" cap="none" strike="noStrike">
+              <a:defRPr sz="1000" b="0" i="0" u="none" strike="noStrike" cap="none">
                 <a:solidFill>
                   <a:schemeClr val="dk1"/>
                 </a:solidFill>
@@ -8839,7 +9252,7 @@
                 <a:sym typeface="Roboto"/>
               </a:defRPr>
             </a:lvl3pPr>
-            <a:lvl4pPr indent="0" lvl="3" marL="0" marR="0" rtl="0" algn="r">
+            <a:lvl4pPr marL="0" marR="0" lvl="3" indent="0" algn="r" rtl="0">
               <a:lnSpc>
                 <a:spcPct val="100000"/>
               </a:lnSpc>
@@ -8855,7 +9268,7 @@
               <a:buSzPts val="1000"/>
               <a:buFont typeface="Arial"/>
               <a:buNone/>
-              <a:defRPr b="0" i="0" sz="1000" u="none" cap="none" strike="noStrike">
+              <a:defRPr sz="1000" b="0" i="0" u="none" strike="noStrike" cap="none">
                 <a:solidFill>
                   <a:schemeClr val="dk1"/>
                 </a:solidFill>
@@ -8865,7 +9278,7 @@
                 <a:sym typeface="Roboto"/>
               </a:defRPr>
             </a:lvl4pPr>
-            <a:lvl5pPr indent="0" lvl="4" marL="0" marR="0" rtl="0" algn="r">
+            <a:lvl5pPr marL="0" marR="0" lvl="4" indent="0" algn="r" rtl="0">
               <a:lnSpc>
                 <a:spcPct val="100000"/>
               </a:lnSpc>
@@ -8881,7 +9294,7 @@
               <a:buSzPts val="1000"/>
               <a:buFont typeface="Arial"/>
               <a:buNone/>
-              <a:defRPr b="0" i="0" sz="1000" u="none" cap="none" strike="noStrike">
+              <a:defRPr sz="1000" b="0" i="0" u="none" strike="noStrike" cap="none">
                 <a:solidFill>
                   <a:schemeClr val="dk1"/>
                 </a:solidFill>
@@ -8891,7 +9304,7 @@
                 <a:sym typeface="Roboto"/>
               </a:defRPr>
             </a:lvl5pPr>
-            <a:lvl6pPr indent="0" lvl="5" marL="0" marR="0" rtl="0" algn="r">
+            <a:lvl6pPr marL="0" marR="0" lvl="5" indent="0" algn="r" rtl="0">
               <a:lnSpc>
                 <a:spcPct val="100000"/>
               </a:lnSpc>
@@ -8907,7 +9320,7 @@
               <a:buSzPts val="1000"/>
               <a:buFont typeface="Arial"/>
               <a:buNone/>
-              <a:defRPr b="0" i="0" sz="1000" u="none" cap="none" strike="noStrike">
+              <a:defRPr sz="1000" b="0" i="0" u="none" strike="noStrike" cap="none">
                 <a:solidFill>
                   <a:schemeClr val="dk1"/>
                 </a:solidFill>
@@ -8917,7 +9330,7 @@
                 <a:sym typeface="Roboto"/>
               </a:defRPr>
             </a:lvl6pPr>
-            <a:lvl7pPr indent="0" lvl="6" marL="0" marR="0" rtl="0" algn="r">
+            <a:lvl7pPr marL="0" marR="0" lvl="6" indent="0" algn="r" rtl="0">
               <a:lnSpc>
                 <a:spcPct val="100000"/>
               </a:lnSpc>
@@ -8933,7 +9346,7 @@
               <a:buSzPts val="1000"/>
               <a:buFont typeface="Arial"/>
               <a:buNone/>
-              <a:defRPr b="0" i="0" sz="1000" u="none" cap="none" strike="noStrike">
+              <a:defRPr sz="1000" b="0" i="0" u="none" strike="noStrike" cap="none">
                 <a:solidFill>
                   <a:schemeClr val="dk1"/>
                 </a:solidFill>
@@ -8943,7 +9356,7 @@
                 <a:sym typeface="Roboto"/>
               </a:defRPr>
             </a:lvl7pPr>
-            <a:lvl8pPr indent="0" lvl="7" marL="0" marR="0" rtl="0" algn="r">
+            <a:lvl8pPr marL="0" marR="0" lvl="7" indent="0" algn="r" rtl="0">
               <a:lnSpc>
                 <a:spcPct val="100000"/>
               </a:lnSpc>
@@ -8959,7 +9372,7 @@
               <a:buSzPts val="1000"/>
               <a:buFont typeface="Arial"/>
               <a:buNone/>
-              <a:defRPr b="0" i="0" sz="1000" u="none" cap="none" strike="noStrike">
+              <a:defRPr sz="1000" b="0" i="0" u="none" strike="noStrike" cap="none">
                 <a:solidFill>
                   <a:schemeClr val="dk1"/>
                 </a:solidFill>
@@ -8969,7 +9382,7 @@
                 <a:sym typeface="Roboto"/>
               </a:defRPr>
             </a:lvl8pPr>
-            <a:lvl9pPr indent="0" lvl="8" marL="0" marR="0" rtl="0" algn="r">
+            <a:lvl9pPr marL="0" marR="0" lvl="8" indent="0" algn="r" rtl="0">
               <a:lnSpc>
                 <a:spcPct val="100000"/>
               </a:lnSpc>
@@ -8985,7 +9398,7 @@
               <a:buSzPts val="1000"/>
               <a:buFont typeface="Arial"/>
               <a:buNone/>
-              <a:defRPr b="0" i="0" sz="1000" u="none" cap="none" strike="noStrike">
+              <a:defRPr sz="1000" b="0" i="0" u="none" strike="noStrike" cap="none">
                 <a:solidFill>
                   <a:schemeClr val="dk1"/>
                 </a:solidFill>
@@ -8997,7 +9410,7 @@
             </a:lvl9pPr>
           </a:lstStyle>
           <a:p>
-            <a:pPr indent="0" lvl="0" marL="0" rtl="0" algn="r">
+            <a:pPr marL="0" lvl="0" indent="0" algn="r" rtl="0">
               <a:spcBef>
                 <a:spcPts val="0"/>
               </a:spcBef>
@@ -9016,24 +9429,24 @@
       </p:sp>
     </p:spTree>
   </p:cSld>
-  <p:clrMap accent1="accent1" accent2="accent2" accent3="accent3" accent4="accent4" accent5="accent5" accent6="accent6" bg1="lt1" bg2="dk2" tx1="dk1" tx2="lt2" folHlink="folHlink" hlink="hlink"/>
+  <p:clrMap bg1="lt1" tx1="dk1" bg2="dk2" tx2="lt2" accent1="accent1" accent2="accent2" accent3="accent3" accent4="accent4" accent5="accent5" accent6="accent6" hlink="hlink" folHlink="folHlink"/>
   <p:sldLayoutIdLst>
-    <p:sldLayoutId id="2147483648" r:id="rId2"/>
-    <p:sldLayoutId id="2147483649" r:id="rId3"/>
-    <p:sldLayoutId id="2147483650" r:id="rId4"/>
-    <p:sldLayoutId id="2147483651" r:id="rId5"/>
-    <p:sldLayoutId id="2147483652" r:id="rId6"/>
-    <p:sldLayoutId id="2147483653" r:id="rId7"/>
-    <p:sldLayoutId id="2147483654" r:id="rId8"/>
-    <p:sldLayoutId id="2147483655" r:id="rId9"/>
-    <p:sldLayoutId id="2147483656" r:id="rId10"/>
-    <p:sldLayoutId id="2147483657" r:id="rId11"/>
-    <p:sldLayoutId id="2147483658" r:id="rId12"/>
+    <p:sldLayoutId id="2147483648" r:id="rId1"/>
+    <p:sldLayoutId id="2147483649" r:id="rId2"/>
+    <p:sldLayoutId id="2147483650" r:id="rId3"/>
+    <p:sldLayoutId id="2147483651" r:id="rId4"/>
+    <p:sldLayoutId id="2147483652" r:id="rId5"/>
+    <p:sldLayoutId id="2147483653" r:id="rId6"/>
+    <p:sldLayoutId id="2147483654" r:id="rId7"/>
+    <p:sldLayoutId id="2147483655" r:id="rId8"/>
+    <p:sldLayoutId id="2147483656" r:id="rId9"/>
+    <p:sldLayoutId id="2147483657" r:id="rId10"/>
+    <p:sldLayoutId id="2147483658" r:id="rId11"/>
   </p:sldLayoutIdLst>
-  <p:hf dt="0" ftr="0" hdr="0" sldNum="0"/>
+  <p:hf sldNum="0" hdr="0" ftr="0" dt="0"/>
   <p:txStyles>
     <p:titleStyle>
-      <a:defPPr lvl="0" marR="0" rtl="0" algn="l">
+      <a:defPPr marR="0" lvl="0" algn="l" rtl="0">
         <a:lnSpc>
           <a:spcPct val="100000"/>
         </a:lnSpc>
@@ -9044,7 +9457,7 @@
           <a:spcPts val="0"/>
         </a:spcAft>
       </a:defPPr>
-      <a:lvl1pPr lvl="0" marR="0" rtl="0" algn="l">
+      <a:lvl1pPr marR="0" lvl="0" algn="l" rtl="0">
         <a:lnSpc>
           <a:spcPct val="100000"/>
         </a:lnSpc>
@@ -9058,7 +9471,7 @@
           <a:srgbClr val="000000"/>
         </a:buClr>
         <a:buFont typeface="Arial"/>
-        <a:defRPr b="0" i="0" sz="1400" u="none" cap="none" strike="noStrike">
+        <a:defRPr sz="1400" b="0" i="0" u="none" strike="noStrike" cap="none">
           <a:solidFill>
             <a:srgbClr val="000000"/>
           </a:solidFill>
@@ -9068,7 +9481,7 @@
           <a:sym typeface="Arial"/>
         </a:defRPr>
       </a:lvl1pPr>
-      <a:lvl2pPr lvl="1" marR="0" rtl="0" algn="l">
+      <a:lvl2pPr marR="0" lvl="1" algn="l" rtl="0">
         <a:lnSpc>
           <a:spcPct val="100000"/>
         </a:lnSpc>
@@ -9082,7 +9495,7 @@
           <a:srgbClr val="000000"/>
         </a:buClr>
         <a:buFont typeface="Arial"/>
-        <a:defRPr b="0" i="0" sz="1400" u="none" cap="none" strike="noStrike">
+        <a:defRPr sz="1400" b="0" i="0" u="none" strike="noStrike" cap="none">
           <a:solidFill>
             <a:srgbClr val="000000"/>
           </a:solidFill>
@@ -9092,7 +9505,7 @@
           <a:sym typeface="Arial"/>
         </a:defRPr>
       </a:lvl2pPr>
-      <a:lvl3pPr lvl="2" marR="0" rtl="0" algn="l">
+      <a:lvl3pPr marR="0" lvl="2" algn="l" rtl="0">
         <a:lnSpc>
           <a:spcPct val="100000"/>
         </a:lnSpc>
@@ -9106,7 +9519,7 @@
           <a:srgbClr val="000000"/>
         </a:buClr>
         <a:buFont typeface="Arial"/>
-        <a:defRPr b="0" i="0" sz="1400" u="none" cap="none" strike="noStrike">
+        <a:defRPr sz="1400" b="0" i="0" u="none" strike="noStrike" cap="none">
           <a:solidFill>
             <a:srgbClr val="000000"/>
           </a:solidFill>
@@ -9116,7 +9529,7 @@
           <a:sym typeface="Arial"/>
         </a:defRPr>
       </a:lvl3pPr>
-      <a:lvl4pPr lvl="3" marR="0" rtl="0" algn="l">
+      <a:lvl4pPr marR="0" lvl="3" algn="l" rtl="0">
         <a:lnSpc>
           <a:spcPct val="100000"/>
         </a:lnSpc>
@@ -9130,7 +9543,7 @@
           <a:srgbClr val="000000"/>
         </a:buClr>
         <a:buFont typeface="Arial"/>
-        <a:defRPr b="0" i="0" sz="1400" u="none" cap="none" strike="noStrike">
+        <a:defRPr sz="1400" b="0" i="0" u="none" strike="noStrike" cap="none">
           <a:solidFill>
             <a:srgbClr val="000000"/>
           </a:solidFill>
@@ -9140,7 +9553,7 @@
           <a:sym typeface="Arial"/>
         </a:defRPr>
       </a:lvl4pPr>
-      <a:lvl5pPr lvl="4" marR="0" rtl="0" algn="l">
+      <a:lvl5pPr marR="0" lvl="4" algn="l" rtl="0">
         <a:lnSpc>
           <a:spcPct val="100000"/>
         </a:lnSpc>
@@ -9154,7 +9567,7 @@
           <a:srgbClr val="000000"/>
         </a:buClr>
         <a:buFont typeface="Arial"/>
-        <a:defRPr b="0" i="0" sz="1400" u="none" cap="none" strike="noStrike">
+        <a:defRPr sz="1400" b="0" i="0" u="none" strike="noStrike" cap="none">
           <a:solidFill>
             <a:srgbClr val="000000"/>
           </a:solidFill>
@@ -9164,7 +9577,7 @@
           <a:sym typeface="Arial"/>
         </a:defRPr>
       </a:lvl5pPr>
-      <a:lvl6pPr lvl="5" marR="0" rtl="0" algn="l">
+      <a:lvl6pPr marR="0" lvl="5" algn="l" rtl="0">
         <a:lnSpc>
           <a:spcPct val="100000"/>
         </a:lnSpc>
@@ -9178,7 +9591,7 @@
           <a:srgbClr val="000000"/>
         </a:buClr>
         <a:buFont typeface="Arial"/>
-        <a:defRPr b="0" i="0" sz="1400" u="none" cap="none" strike="noStrike">
+        <a:defRPr sz="1400" b="0" i="0" u="none" strike="noStrike" cap="none">
           <a:solidFill>
             <a:srgbClr val="000000"/>
           </a:solidFill>
@@ -9188,7 +9601,7 @@
           <a:sym typeface="Arial"/>
         </a:defRPr>
       </a:lvl6pPr>
-      <a:lvl7pPr lvl="6" marR="0" rtl="0" algn="l">
+      <a:lvl7pPr marR="0" lvl="6" algn="l" rtl="0">
         <a:lnSpc>
           <a:spcPct val="100000"/>
         </a:lnSpc>
@@ -9202,7 +9615,7 @@
           <a:srgbClr val="000000"/>
         </a:buClr>
         <a:buFont typeface="Arial"/>
-        <a:defRPr b="0" i="0" sz="1400" u="none" cap="none" strike="noStrike">
+        <a:defRPr sz="1400" b="0" i="0" u="none" strike="noStrike" cap="none">
           <a:solidFill>
             <a:srgbClr val="000000"/>
           </a:solidFill>
@@ -9212,7 +9625,7 @@
           <a:sym typeface="Arial"/>
         </a:defRPr>
       </a:lvl7pPr>
-      <a:lvl8pPr lvl="7" marR="0" rtl="0" algn="l">
+      <a:lvl8pPr marR="0" lvl="7" algn="l" rtl="0">
         <a:lnSpc>
           <a:spcPct val="100000"/>
         </a:lnSpc>
@@ -9226,7 +9639,7 @@
           <a:srgbClr val="000000"/>
         </a:buClr>
         <a:buFont typeface="Arial"/>
-        <a:defRPr b="0" i="0" sz="1400" u="none" cap="none" strike="noStrike">
+        <a:defRPr sz="1400" b="0" i="0" u="none" strike="noStrike" cap="none">
           <a:solidFill>
             <a:srgbClr val="000000"/>
           </a:solidFill>
@@ -9236,7 +9649,7 @@
           <a:sym typeface="Arial"/>
         </a:defRPr>
       </a:lvl8pPr>
-      <a:lvl9pPr lvl="8" marR="0" rtl="0" algn="l">
+      <a:lvl9pPr marR="0" lvl="8" algn="l" rtl="0">
         <a:lnSpc>
           <a:spcPct val="100000"/>
         </a:lnSpc>
@@ -9250,7 +9663,7 @@
           <a:srgbClr val="000000"/>
         </a:buClr>
         <a:buFont typeface="Arial"/>
-        <a:defRPr b="0" i="0" sz="1400" u="none" cap="none" strike="noStrike">
+        <a:defRPr sz="1400" b="0" i="0" u="none" strike="noStrike" cap="none">
           <a:solidFill>
             <a:srgbClr val="000000"/>
           </a:solidFill>
@@ -9262,7 +9675,7 @@
       </a:lvl9pPr>
     </p:titleStyle>
     <p:bodyStyle>
-      <a:defPPr lvl="0" marR="0" rtl="0" algn="l">
+      <a:defPPr marR="0" lvl="0" algn="l" rtl="0">
         <a:lnSpc>
           <a:spcPct val="100000"/>
         </a:lnSpc>
@@ -9273,7 +9686,7 @@
           <a:spcPts val="0"/>
         </a:spcAft>
       </a:defPPr>
-      <a:lvl1pPr lvl="0" marR="0" rtl="0" algn="l">
+      <a:lvl1pPr marR="0" lvl="0" algn="l" rtl="0">
         <a:lnSpc>
           <a:spcPct val="100000"/>
         </a:lnSpc>
@@ -9287,7 +9700,7 @@
           <a:srgbClr val="000000"/>
         </a:buClr>
         <a:buFont typeface="Arial"/>
-        <a:defRPr b="0" i="0" sz="1400" u="none" cap="none" strike="noStrike">
+        <a:defRPr sz="1400" b="0" i="0" u="none" strike="noStrike" cap="none">
           <a:solidFill>
             <a:srgbClr val="000000"/>
           </a:solidFill>
@@ -9297,7 +9710,7 @@
           <a:sym typeface="Arial"/>
         </a:defRPr>
       </a:lvl1pPr>
-      <a:lvl2pPr lvl="1" marR="0" rtl="0" algn="l">
+      <a:lvl2pPr marR="0" lvl="1" algn="l" rtl="0">
         <a:lnSpc>
           <a:spcPct val="100000"/>
         </a:lnSpc>
@@ -9311,7 +9724,7 @@
           <a:srgbClr val="000000"/>
         </a:buClr>
         <a:buFont typeface="Arial"/>
-        <a:defRPr b="0" i="0" sz="1400" u="none" cap="none" strike="noStrike">
+        <a:defRPr sz="1400" b="0" i="0" u="none" strike="noStrike" cap="none">
           <a:solidFill>
             <a:srgbClr val="000000"/>
           </a:solidFill>
@@ -9321,7 +9734,7 @@
           <a:sym typeface="Arial"/>
         </a:defRPr>
       </a:lvl2pPr>
-      <a:lvl3pPr lvl="2" marR="0" rtl="0" algn="l">
+      <a:lvl3pPr marR="0" lvl="2" algn="l" rtl="0">
         <a:lnSpc>
           <a:spcPct val="100000"/>
         </a:lnSpc>
@@ -9335,7 +9748,7 @@
           <a:srgbClr val="000000"/>
         </a:buClr>
         <a:buFont typeface="Arial"/>
-        <a:defRPr b="0" i="0" sz="1400" u="none" cap="none" strike="noStrike">
+        <a:defRPr sz="1400" b="0" i="0" u="none" strike="noStrike" cap="none">
           <a:solidFill>
             <a:srgbClr val="000000"/>
           </a:solidFill>
@@ -9345,7 +9758,7 @@
           <a:sym typeface="Arial"/>
         </a:defRPr>
       </a:lvl3pPr>
-      <a:lvl4pPr lvl="3" marR="0" rtl="0" algn="l">
+      <a:lvl4pPr marR="0" lvl="3" algn="l" rtl="0">
         <a:lnSpc>
           <a:spcPct val="100000"/>
         </a:lnSpc>
@@ -9359,7 +9772,7 @@
           <a:srgbClr val="000000"/>
         </a:buClr>
         <a:buFont typeface="Arial"/>
-        <a:defRPr b="0" i="0" sz="1400" u="none" cap="none" strike="noStrike">
+        <a:defRPr sz="1400" b="0" i="0" u="none" strike="noStrike" cap="none">
           <a:solidFill>
             <a:srgbClr val="000000"/>
           </a:solidFill>
@@ -9369,7 +9782,7 @@
           <a:sym typeface="Arial"/>
         </a:defRPr>
       </a:lvl4pPr>
-      <a:lvl5pPr lvl="4" marR="0" rtl="0" algn="l">
+      <a:lvl5pPr marR="0" lvl="4" algn="l" rtl="0">
         <a:lnSpc>
           <a:spcPct val="100000"/>
         </a:lnSpc>
@@ -9383,7 +9796,7 @@
           <a:srgbClr val="000000"/>
         </a:buClr>
         <a:buFont typeface="Arial"/>
-        <a:defRPr b="0" i="0" sz="1400" u="none" cap="none" strike="noStrike">
+        <a:defRPr sz="1400" b="0" i="0" u="none" strike="noStrike" cap="none">
           <a:solidFill>
             <a:srgbClr val="000000"/>
           </a:solidFill>
@@ -9393,7 +9806,7 @@
           <a:sym typeface="Arial"/>
         </a:defRPr>
       </a:lvl5pPr>
-      <a:lvl6pPr lvl="5" marR="0" rtl="0" algn="l">
+      <a:lvl6pPr marR="0" lvl="5" algn="l" rtl="0">
         <a:lnSpc>
           <a:spcPct val="100000"/>
         </a:lnSpc>
@@ -9407,7 +9820,7 @@
           <a:srgbClr val="000000"/>
         </a:buClr>
         <a:buFont typeface="Arial"/>
-        <a:defRPr b="0" i="0" sz="1400" u="none" cap="none" strike="noStrike">
+        <a:defRPr sz="1400" b="0" i="0" u="none" strike="noStrike" cap="none">
           <a:solidFill>
             <a:srgbClr val="000000"/>
           </a:solidFill>
@@ -9417,7 +9830,7 @@
           <a:sym typeface="Arial"/>
         </a:defRPr>
       </a:lvl6pPr>
-      <a:lvl7pPr lvl="6" marR="0" rtl="0" algn="l">
+      <a:lvl7pPr marR="0" lvl="6" algn="l" rtl="0">
         <a:lnSpc>
           <a:spcPct val="100000"/>
         </a:lnSpc>
@@ -9431,7 +9844,7 @@
           <a:srgbClr val="000000"/>
         </a:buClr>
         <a:buFont typeface="Arial"/>
-        <a:defRPr b="0" i="0" sz="1400" u="none" cap="none" strike="noStrike">
+        <a:defRPr sz="1400" b="0" i="0" u="none" strike="noStrike" cap="none">
           <a:solidFill>
             <a:srgbClr val="000000"/>
           </a:solidFill>
@@ -9441,7 +9854,7 @@
           <a:sym typeface="Arial"/>
         </a:defRPr>
       </a:lvl7pPr>
-      <a:lvl8pPr lvl="7" marR="0" rtl="0" algn="l">
+      <a:lvl8pPr marR="0" lvl="7" algn="l" rtl="0">
         <a:lnSpc>
           <a:spcPct val="100000"/>
         </a:lnSpc>
@@ -9455,7 +9868,7 @@
           <a:srgbClr val="000000"/>
         </a:buClr>
         <a:buFont typeface="Arial"/>
-        <a:defRPr b="0" i="0" sz="1400" u="none" cap="none" strike="noStrike">
+        <a:defRPr sz="1400" b="0" i="0" u="none" strike="noStrike" cap="none">
           <a:solidFill>
             <a:srgbClr val="000000"/>
           </a:solidFill>
@@ -9465,7 +9878,7 @@
           <a:sym typeface="Arial"/>
         </a:defRPr>
       </a:lvl8pPr>
-      <a:lvl9pPr lvl="8" marR="0" rtl="0" algn="l">
+      <a:lvl9pPr marR="0" lvl="8" algn="l" rtl="0">
         <a:lnSpc>
           <a:spcPct val="100000"/>
         </a:lnSpc>
@@ -9479,7 +9892,7 @@
           <a:srgbClr val="000000"/>
         </a:buClr>
         <a:buFont typeface="Arial"/>
-        <a:defRPr b="0" i="0" sz="1400" u="none" cap="none" strike="noStrike">
+        <a:defRPr sz="1400" b="0" i="0" u="none" strike="noStrike" cap="none">
           <a:solidFill>
             <a:srgbClr val="000000"/>
           </a:solidFill>
@@ -9491,7 +9904,7 @@
       </a:lvl9pPr>
     </p:bodyStyle>
     <p:otherStyle>
-      <a:defPPr lvl="0" marR="0" rtl="0" algn="l">
+      <a:defPPr marR="0" lvl="0" algn="l" rtl="0">
         <a:lnSpc>
           <a:spcPct val="100000"/>
         </a:lnSpc>
@@ -9502,7 +9915,7 @@
           <a:spcPts val="0"/>
         </a:spcAft>
       </a:defPPr>
-      <a:lvl1pPr lvl="0" marR="0" rtl="0" algn="l">
+      <a:lvl1pPr marR="0" lvl="0" algn="l" rtl="0">
         <a:lnSpc>
           <a:spcPct val="100000"/>
         </a:lnSpc>
@@ -9516,7 +9929,7 @@
           <a:srgbClr val="000000"/>
         </a:buClr>
         <a:buFont typeface="Arial"/>
-        <a:defRPr b="0" i="0" sz="1400" u="none" cap="none" strike="noStrike">
+        <a:defRPr sz="1400" b="0" i="0" u="none" strike="noStrike" cap="none">
           <a:solidFill>
             <a:srgbClr val="000000"/>
           </a:solidFill>
@@ -9526,7 +9939,7 @@
           <a:sym typeface="Arial"/>
         </a:defRPr>
       </a:lvl1pPr>
-      <a:lvl2pPr lvl="1" marR="0" rtl="0" algn="l">
+      <a:lvl2pPr marR="0" lvl="1" algn="l" rtl="0">
         <a:lnSpc>
           <a:spcPct val="100000"/>
         </a:lnSpc>
@@ -9540,7 +9953,7 @@
           <a:srgbClr val="000000"/>
         </a:buClr>
         <a:buFont typeface="Arial"/>
-        <a:defRPr b="0" i="0" sz="1400" u="none" cap="none" strike="noStrike">
+        <a:defRPr sz="1400" b="0" i="0" u="none" strike="noStrike" cap="none">
           <a:solidFill>
             <a:srgbClr val="000000"/>
           </a:solidFill>
@@ -9550,7 +9963,7 @@
           <a:sym typeface="Arial"/>
         </a:defRPr>
       </a:lvl2pPr>
-      <a:lvl3pPr lvl="2" marR="0" rtl="0" algn="l">
+      <a:lvl3pPr marR="0" lvl="2" algn="l" rtl="0">
         <a:lnSpc>
           <a:spcPct val="100000"/>
         </a:lnSpc>
@@ -9564,7 +9977,7 @@
           <a:srgbClr val="000000"/>
         </a:buClr>
         <a:buFont typeface="Arial"/>
-        <a:defRPr b="0" i="0" sz="1400" u="none" cap="none" strike="noStrike">
+        <a:defRPr sz="1400" b="0" i="0" u="none" strike="noStrike" cap="none">
           <a:solidFill>
             <a:srgbClr val="000000"/>
           </a:solidFill>
@@ -9574,7 +9987,7 @@
           <a:sym typeface="Arial"/>
         </a:defRPr>
       </a:lvl3pPr>
-      <a:lvl4pPr lvl="3" marR="0" rtl="0" algn="l">
+      <a:lvl4pPr marR="0" lvl="3" algn="l" rtl="0">
         <a:lnSpc>
           <a:spcPct val="100000"/>
         </a:lnSpc>
@@ -9588,7 +10001,7 @@
           <a:srgbClr val="000000"/>
         </a:buClr>
         <a:buFont typeface="Arial"/>
-        <a:defRPr b="0" i="0" sz="1400" u="none" cap="none" strike="noStrike">
+        <a:defRPr sz="1400" b="0" i="0" u="none" strike="noStrike" cap="none">
           <a:solidFill>
             <a:srgbClr val="000000"/>
           </a:solidFill>
@@ -9598,7 +10011,7 @@
           <a:sym typeface="Arial"/>
         </a:defRPr>
       </a:lvl4pPr>
-      <a:lvl5pPr lvl="4" marR="0" rtl="0" algn="l">
+      <a:lvl5pPr marR="0" lvl="4" algn="l" rtl="0">
         <a:lnSpc>
           <a:spcPct val="100000"/>
         </a:lnSpc>
@@ -9612,7 +10025,7 @@
           <a:srgbClr val="000000"/>
         </a:buClr>
         <a:buFont typeface="Arial"/>
-        <a:defRPr b="0" i="0" sz="1400" u="none" cap="none" strike="noStrike">
+        <a:defRPr sz="1400" b="0" i="0" u="none" strike="noStrike" cap="none">
           <a:solidFill>
             <a:srgbClr val="000000"/>
           </a:solidFill>
@@ -9622,7 +10035,7 @@
           <a:sym typeface="Arial"/>
         </a:defRPr>
       </a:lvl5pPr>
-      <a:lvl6pPr lvl="5" marR="0" rtl="0" algn="l">
+      <a:lvl6pPr marR="0" lvl="5" algn="l" rtl="0">
         <a:lnSpc>
           <a:spcPct val="100000"/>
         </a:lnSpc>
@@ -9636,7 +10049,7 @@
           <a:srgbClr val="000000"/>
         </a:buClr>
         <a:buFont typeface="Arial"/>
-        <a:defRPr b="0" i="0" sz="1400" u="none" cap="none" strike="noStrike">
+        <a:defRPr sz="1400" b="0" i="0" u="none" strike="noStrike" cap="none">
           <a:solidFill>
             <a:srgbClr val="000000"/>
           </a:solidFill>
@@ -9646,7 +10059,7 @@
           <a:sym typeface="Arial"/>
         </a:defRPr>
       </a:lvl6pPr>
-      <a:lvl7pPr lvl="6" marR="0" rtl="0" algn="l">
+      <a:lvl7pPr marR="0" lvl="6" algn="l" rtl="0">
         <a:lnSpc>
           <a:spcPct val="100000"/>
         </a:lnSpc>
@@ -9660,7 +10073,7 @@
           <a:srgbClr val="000000"/>
         </a:buClr>
         <a:buFont typeface="Arial"/>
-        <a:defRPr b="0" i="0" sz="1400" u="none" cap="none" strike="noStrike">
+        <a:defRPr sz="1400" b="0" i="0" u="none" strike="noStrike" cap="none">
           <a:solidFill>
             <a:srgbClr val="000000"/>
           </a:solidFill>
@@ -9670,7 +10083,7 @@
           <a:sym typeface="Arial"/>
         </a:defRPr>
       </a:lvl7pPr>
-      <a:lvl8pPr lvl="7" marR="0" rtl="0" algn="l">
+      <a:lvl8pPr marR="0" lvl="7" algn="l" rtl="0">
         <a:lnSpc>
           <a:spcPct val="100000"/>
         </a:lnSpc>
@@ -9684,7 +10097,7 @@
           <a:srgbClr val="000000"/>
         </a:buClr>
         <a:buFont typeface="Arial"/>
-        <a:defRPr b="0" i="0" sz="1400" u="none" cap="none" strike="noStrike">
+        <a:defRPr sz="1400" b="0" i="0" u="none" strike="noStrike" cap="none">
           <a:solidFill>
             <a:srgbClr val="000000"/>
           </a:solidFill>
@@ -9694,7 +10107,7 @@
           <a:sym typeface="Arial"/>
         </a:defRPr>
       </a:lvl8pPr>
-      <a:lvl9pPr lvl="8" marR="0" rtl="0" algn="l">
+      <a:lvl9pPr marR="0" lvl="8" algn="l" rtl="0">
         <a:lnSpc>
           <a:spcPct val="100000"/>
         </a:lnSpc>
@@ -9708,7 +10121,7 @@
           <a:srgbClr val="000000"/>
         </a:buClr>
         <a:buFont typeface="Arial"/>
-        <a:defRPr b="0" i="0" sz="1400" u="none" cap="none" strike="noStrike">
+        <a:defRPr sz="1400" b="0" i="0" u="none" strike="noStrike" cap="none">
           <a:solidFill>
             <a:srgbClr val="000000"/>
           </a:solidFill>
@@ -9724,11 +10137,11 @@
 </file>
 
 <file path=ppt/slides/slide1.xml><?xml version="1.0" encoding="utf-8"?>
-<p:sld xmlns:a="http://schemas.openxmlformats.org/drawingml/2006/main" xmlns:r="http://schemas.openxmlformats.org/officeDocument/2006/relationships" xmlns:mc="http://schemas.openxmlformats.org/markup-compatibility/2006" xmlns:mv="urn:schemas-microsoft-com:mac:vml" xmlns:p="http://schemas.openxmlformats.org/presentationml/2006/main" xmlns:c="http://schemas.openxmlformats.org/drawingml/2006/chart" xmlns:dgm="http://schemas.openxmlformats.org/drawingml/2006/diagram" xmlns:o="urn:schemas-microsoft-com:office:office" xmlns:v="urn:schemas-microsoft-com:vml" xmlns:pvml="urn:schemas-microsoft-com:office:powerpoint" xmlns:com="http://schemas.openxmlformats.org/drawingml/2006/compatibility" xmlns:p14="http://schemas.microsoft.com/office/powerpoint/2010/main" xmlns:p15="http://schemas.microsoft.com/office/powerpoint/2012/main" xmlns:ahyp="http://schemas.microsoft.com/office/drawing/2018/hyperlinkcolor">
+<p:sld xmlns:a="http://schemas.openxmlformats.org/drawingml/2006/main" xmlns:r="http://schemas.openxmlformats.org/officeDocument/2006/relationships" xmlns:p="http://schemas.openxmlformats.org/presentationml/2006/main">
   <p:cSld>
     <p:spTree>
       <p:nvGrpSpPr>
-        <p:cNvPr id="62" name="Shape 62"/>
+        <p:cNvPr id="1" name="Shape 62"/>
         <p:cNvGrpSpPr/>
         <p:nvPr/>
       </p:nvGrpSpPr>
@@ -9760,12 +10173,12 @@
           </a:ln>
         </p:spPr>
         <p:txBody>
-          <a:bodyPr anchorCtr="0" anchor="b" bIns="91425" lIns="91425" spcFirstLastPara="1" rIns="91425" wrap="square" tIns="91425">
+          <a:bodyPr spcFirstLastPara="1" wrap="square" lIns="91425" tIns="91425" rIns="91425" bIns="91425" anchor="b" anchorCtr="0">
             <a:noAutofit/>
           </a:bodyPr>
           <a:lstStyle/>
           <a:p>
-            <a:pPr indent="0" lvl="0" marL="0" marR="0" rtl="0" algn="ctr">
+            <a:pPr marL="0" marR="0" lvl="0" indent="0" algn="ctr" rtl="0">
               <a:lnSpc>
                 <a:spcPct val="100000"/>
               </a:lnSpc>
@@ -9794,7 +10207,7 @@
               </a:rPr>
               <a:t>Human Team Foundation</a:t>
             </a:r>
-            <a:endParaRPr b="0" i="0" sz="3200" u="none" cap="none" strike="noStrike">
+            <a:endParaRPr sz="3200" b="0" i="0" u="none" strike="noStrike" cap="none">
               <a:solidFill>
                 <a:srgbClr val="FFFFFF"/>
               </a:solidFill>
@@ -9826,12 +10239,12 @@
           </a:ln>
         </p:spPr>
         <p:txBody>
-          <a:bodyPr anchorCtr="0" anchor="t" bIns="91425" lIns="91425" spcFirstLastPara="1" rIns="91425" wrap="square" tIns="91425">
+          <a:bodyPr spcFirstLastPara="1" wrap="square" lIns="91425" tIns="91425" rIns="91425" bIns="91425" anchor="t" anchorCtr="0">
             <a:noAutofit/>
           </a:bodyPr>
           <a:lstStyle/>
           <a:p>
-            <a:pPr indent="0" lvl="0" marL="0" marR="0" rtl="0" algn="l">
+            <a:pPr marL="0" marR="0" lvl="0" indent="0" algn="l" rtl="0">
               <a:lnSpc>
                 <a:spcPct val="115000"/>
               </a:lnSpc>
@@ -9849,7 +10262,7 @@
               <a:buNone/>
             </a:pPr>
             <a:r>
-              <a:rPr b="0" i="0" lang="en" sz="1800" u="none" cap="none" strike="noStrike">
+              <a:rPr lang="en" sz="1800" b="0" i="0" u="none" strike="noStrike" cap="none">
                 <a:solidFill>
                   <a:srgbClr val="FFFFFF"/>
                 </a:solidFill>
@@ -9871,7 +10284,7 @@
             </a:endParaRPr>
           </a:p>
           <a:p>
-            <a:pPr indent="0" lvl="0" marL="0" marR="0" rtl="0" algn="l">
+            <a:pPr marL="0" marR="0" lvl="0" indent="0" algn="l" rtl="0">
               <a:lnSpc>
                 <a:spcPct val="115000"/>
               </a:lnSpc>
@@ -9911,7 +10324,7 @@
             </a:endParaRPr>
           </a:p>
           <a:p>
-            <a:pPr indent="0" lvl="0" marL="0" marR="0" rtl="0" algn="l">
+            <a:pPr marL="0" marR="0" lvl="0" indent="0" algn="l" rtl="0">
               <a:lnSpc>
                 <a:spcPct val="115000"/>
               </a:lnSpc>
@@ -9951,7 +10364,7 @@
             </a:endParaRPr>
           </a:p>
           <a:p>
-            <a:pPr indent="0" lvl="0" marL="0" marR="0" rtl="0" algn="l">
+            <a:pPr marL="0" marR="0" lvl="0" indent="0" algn="l" rtl="0">
               <a:lnSpc>
                 <a:spcPct val="115000"/>
               </a:lnSpc>
@@ -9968,9 +10381,6 @@
               <a:buFont typeface="Arial"/>
               <a:buNone/>
             </a:pPr>
-            <a:r>
-              <a:t/>
-            </a:r>
             <a:endParaRPr sz="1800">
               <a:solidFill>
                 <a:srgbClr val="FFFFFF"/>
@@ -10003,12 +10413,12 @@
           </a:ln>
         </p:spPr>
         <p:txBody>
-          <a:bodyPr anchorCtr="0" anchor="t" bIns="91425" lIns="91425" spcFirstLastPara="1" rIns="91425" wrap="square" tIns="91425">
+          <a:bodyPr spcFirstLastPara="1" wrap="square" lIns="91425" tIns="91425" rIns="91425" bIns="91425" anchor="t" anchorCtr="0">
             <a:noAutofit/>
           </a:bodyPr>
           <a:lstStyle/>
           <a:p>
-            <a:pPr indent="0" lvl="0" marL="0" marR="0" rtl="0" algn="ctr">
+            <a:pPr marL="0" marR="0" lvl="0" indent="0" algn="ctr" rtl="0">
               <a:lnSpc>
                 <a:spcPct val="115000"/>
               </a:lnSpc>
@@ -10026,7 +10436,7 @@
               <a:buNone/>
             </a:pPr>
             <a:r>
-              <a:rPr b="0" i="0" lang="en" sz="2400" u="none" cap="none" strike="noStrike">
+              <a:rPr lang="en" sz="2400" b="0" i="0" u="none" strike="noStrike" cap="none">
                 <a:solidFill>
                   <a:srgbClr val="FFFFFF"/>
                 </a:solidFill>
@@ -10037,7 +10447,7 @@
               </a:rPr>
               <a:t>Vivekanand Education Society’s Institute of Technology, Computer Department</a:t>
             </a:r>
-            <a:endParaRPr b="0" i="0" sz="2400" u="none" cap="none" strike="noStrike">
+            <a:endParaRPr sz="2400" b="0" i="0" u="none" strike="noStrike" cap="none">
               <a:solidFill>
                 <a:srgbClr val="FFFFFF"/>
               </a:solidFill>
@@ -10059,7 +10469,7 @@
           <a:blip r:embed="rId3">
             <a:alphaModFix/>
           </a:blip>
-          <a:srcRect b="0" l="0" r="0" t="0"/>
+          <a:srcRect/>
           <a:stretch/>
         </p:blipFill>
         <p:spPr>
@@ -10086,7 +10496,7 @@
           <a:blip r:embed="rId4">
             <a:alphaModFix/>
           </a:blip>
-          <a:srcRect b="0" l="0" r="0" t="0"/>
+          <a:srcRect/>
           <a:stretch/>
         </p:blipFill>
         <p:spPr>
@@ -10123,12 +10533,12 @@
           </a:ln>
         </p:spPr>
         <p:txBody>
-          <a:bodyPr anchorCtr="0" anchor="t" bIns="91425" lIns="91425" spcFirstLastPara="1" rIns="91425" wrap="square" tIns="91425">
+          <a:bodyPr spcFirstLastPara="1" wrap="square" lIns="91425" tIns="91425" rIns="91425" bIns="91425" anchor="t" anchorCtr="0">
             <a:noAutofit/>
           </a:bodyPr>
           <a:lstStyle/>
           <a:p>
-            <a:pPr indent="0" lvl="0" marL="0" marR="0" rtl="0" algn="l">
+            <a:pPr marL="0" marR="0" lvl="0" indent="0" algn="l" rtl="0">
               <a:lnSpc>
                 <a:spcPct val="100000"/>
               </a:lnSpc>
@@ -10145,10 +10555,7 @@
               <a:buFont typeface="Arial"/>
               <a:buNone/>
             </a:pPr>
-            <a:r>
-              <a:t/>
-            </a:r>
-            <a:endParaRPr b="0" i="0" sz="1400" u="none" cap="none" strike="noStrike">
+            <a:endParaRPr sz="1400" b="0" i="0" u="none" strike="noStrike" cap="none">
               <a:solidFill>
                 <a:srgbClr val="FFFFFF"/>
               </a:solidFill>
@@ -10169,11 +10576,11 @@
 </file>
 
 <file path=ppt/slides/slide2.xml><?xml version="1.0" encoding="utf-8"?>
-<p:sld xmlns:a="http://schemas.openxmlformats.org/drawingml/2006/main" xmlns:r="http://schemas.openxmlformats.org/officeDocument/2006/relationships" xmlns:mc="http://schemas.openxmlformats.org/markup-compatibility/2006" xmlns:mv="urn:schemas-microsoft-com:mac:vml" xmlns:p="http://schemas.openxmlformats.org/presentationml/2006/main" xmlns:c="http://schemas.openxmlformats.org/drawingml/2006/chart" xmlns:dgm="http://schemas.openxmlformats.org/drawingml/2006/diagram" xmlns:o="urn:schemas-microsoft-com:office:office" xmlns:v="urn:schemas-microsoft-com:vml" xmlns:pvml="urn:schemas-microsoft-com:office:powerpoint" xmlns:com="http://schemas.openxmlformats.org/drawingml/2006/compatibility" xmlns:p14="http://schemas.microsoft.com/office/powerpoint/2010/main" xmlns:p15="http://schemas.microsoft.com/office/powerpoint/2012/main" xmlns:ahyp="http://schemas.microsoft.com/office/drawing/2018/hyperlinkcolor">
+<p:sld xmlns:a="http://schemas.openxmlformats.org/drawingml/2006/main" xmlns:r="http://schemas.openxmlformats.org/officeDocument/2006/relationships" xmlns:p="http://schemas.openxmlformats.org/presentationml/2006/main">
   <p:cSld>
     <p:spTree>
       <p:nvGrpSpPr>
-        <p:cNvPr id="72" name="Shape 72"/>
+        <p:cNvPr id="1" name="Shape 72"/>
         <p:cNvGrpSpPr/>
         <p:nvPr/>
       </p:nvGrpSpPr>
@@ -10188,7 +10595,9 @@
       <p:sp>
         <p:nvSpPr>
           <p:cNvPr id="73" name="Google Shape;73;p14"/>
-          <p:cNvSpPr txBox="1"/>
+          <p:cNvSpPr txBox="1">
+            <a:spLocks noGrp="1"/>
+          </p:cNvSpPr>
           <p:nvPr>
             <p:ph type="title"/>
           </p:nvPr>
@@ -10207,12 +10616,12 @@
           </a:ln>
         </p:spPr>
         <p:txBody>
-          <a:bodyPr anchorCtr="0" anchor="b" bIns="91425" lIns="91425" spcFirstLastPara="1" rIns="91425" wrap="square" tIns="91425">
+          <a:bodyPr spcFirstLastPara="1" wrap="square" lIns="91425" tIns="91425" rIns="91425" bIns="91425" anchor="b" anchorCtr="0">
             <a:noAutofit/>
           </a:bodyPr>
           <a:lstStyle/>
           <a:p>
-            <a:pPr indent="0" lvl="0" marL="0" rtl="0" algn="l">
+            <a:pPr marL="0" lvl="0" indent="0" algn="l" rtl="0">
               <a:lnSpc>
                 <a:spcPct val="100000"/>
               </a:lnSpc>
@@ -10236,9 +10645,11 @@
       <p:sp>
         <p:nvSpPr>
           <p:cNvPr id="74" name="Google Shape;74;p14"/>
-          <p:cNvSpPr txBox="1"/>
+          <p:cNvSpPr txBox="1">
+            <a:spLocks noGrp="1"/>
+          </p:cNvSpPr>
           <p:nvPr>
-            <p:ph idx="1" type="body"/>
+            <p:ph type="body" idx="1"/>
           </p:nvPr>
         </p:nvSpPr>
         <p:spPr>
@@ -10255,12 +10666,12 @@
           </a:ln>
         </p:spPr>
         <p:txBody>
-          <a:bodyPr anchorCtr="0" anchor="t" bIns="91425" lIns="91425" spcFirstLastPara="1" rIns="91425" wrap="square" tIns="91425">
+          <a:bodyPr spcFirstLastPara="1" wrap="square" lIns="91425" tIns="91425" rIns="91425" bIns="91425" anchor="t" anchorCtr="0">
             <a:noAutofit/>
           </a:bodyPr>
           <a:lstStyle/>
           <a:p>
-            <a:pPr indent="0" lvl="0" marL="0" rtl="0" algn="l">
+            <a:pPr marL="0" lvl="0" indent="0" algn="l" rtl="0">
               <a:lnSpc>
                 <a:spcPct val="115000"/>
               </a:lnSpc>
@@ -10274,10 +10685,10 @@
               <a:buNone/>
             </a:pPr>
             <a:r>
-              <a:rPr lang="en"/>
-              <a:t>For this problem, I have decided to user the minimalist approach. As its an NGO website, it would be better to not clutter it with many technologies and use with the reliable ones. Further, to increase the reach, effective SEO would be used. The website would strictly revolve around the chief aim of the Human Team Foundation. And, an admin page for the ease of adding and editing the events articles quickly.</a:t>
+              <a:rPr lang="en" dirty="0"/>
+              <a:t>For this problem, I have decided to use the minimalist approach. As its an NGO website, it would be better to not clutter it with many technologies and use with the reliable ones. Further, to increase the reach, effective SEO would be used. The website would strictly revolve around the chief aim of the Human Team Foundation. And, an admin page for the ease of adding and editing the events articles quickly.</a:t>
             </a:r>
-            <a:endParaRPr/>
+            <a:endParaRPr dirty="0"/>
           </a:p>
         </p:txBody>
       </p:sp>
@@ -10290,11 +10701,11 @@
 </file>
 
 <file path=ppt/slides/slide3.xml><?xml version="1.0" encoding="utf-8"?>
-<p:sld xmlns:a="http://schemas.openxmlformats.org/drawingml/2006/main" xmlns:r="http://schemas.openxmlformats.org/officeDocument/2006/relationships" xmlns:mc="http://schemas.openxmlformats.org/markup-compatibility/2006" xmlns:mv="urn:schemas-microsoft-com:mac:vml" xmlns:p="http://schemas.openxmlformats.org/presentationml/2006/main" xmlns:c="http://schemas.openxmlformats.org/drawingml/2006/chart" xmlns:dgm="http://schemas.openxmlformats.org/drawingml/2006/diagram" xmlns:o="urn:schemas-microsoft-com:office:office" xmlns:v="urn:schemas-microsoft-com:vml" xmlns:pvml="urn:schemas-microsoft-com:office:powerpoint" xmlns:com="http://schemas.openxmlformats.org/drawingml/2006/compatibility" xmlns:p14="http://schemas.microsoft.com/office/powerpoint/2010/main" xmlns:p15="http://schemas.microsoft.com/office/powerpoint/2012/main" xmlns:ahyp="http://schemas.microsoft.com/office/drawing/2018/hyperlinkcolor">
+<p:sld xmlns:a="http://schemas.openxmlformats.org/drawingml/2006/main" xmlns:r="http://schemas.openxmlformats.org/officeDocument/2006/relationships" xmlns:p="http://schemas.openxmlformats.org/presentationml/2006/main">
   <p:cSld>
     <p:spTree>
       <p:nvGrpSpPr>
-        <p:cNvPr id="78" name="Shape 78"/>
+        <p:cNvPr id="1" name="Shape 72"/>
         <p:cNvGrpSpPr/>
         <p:nvPr/>
       </p:nvGrpSpPr>
@@ -10308,8 +10719,10 @@
       </p:grpSpPr>
       <p:sp>
         <p:nvSpPr>
-          <p:cNvPr id="79" name="Google Shape;79;p15"/>
-          <p:cNvSpPr txBox="1"/>
+          <p:cNvPr id="73" name="Google Shape;73;p14"/>
+          <p:cNvSpPr txBox="1">
+            <a:spLocks noGrp="1"/>
+          </p:cNvSpPr>
           <p:nvPr>
             <p:ph type="title"/>
           </p:nvPr>
@@ -10328,12 +10741,12 @@
           </a:ln>
         </p:spPr>
         <p:txBody>
-          <a:bodyPr anchorCtr="0" anchor="b" bIns="91425" lIns="91425" spcFirstLastPara="1" rIns="91425" wrap="square" tIns="91425">
+          <a:bodyPr spcFirstLastPara="1" wrap="square" lIns="91425" tIns="91425" rIns="91425" bIns="91425" anchor="b" anchorCtr="0">
             <a:noAutofit/>
           </a:bodyPr>
           <a:lstStyle/>
           <a:p>
-            <a:pPr indent="0" lvl="0" marL="0" rtl="0" algn="l">
+            <a:pPr marL="0" lvl="0" indent="0" algn="l" rtl="0">
               <a:lnSpc>
                 <a:spcPct val="100000"/>
               </a:lnSpc>
@@ -10347,45 +10760,31 @@
               <a:buNone/>
             </a:pPr>
             <a:r>
-              <a:rPr lang="en"/>
-              <a:t>Proposed Architecture</a:t>
+              <a:rPr lang="en" dirty="0"/>
+              <a:t>Abstract</a:t>
             </a:r>
-            <a:endParaRPr/>
-          </a:p>
-          <a:p>
-            <a:pPr indent="0" lvl="0" marL="0" rtl="0" algn="l">
-              <a:lnSpc>
-                <a:spcPct val="100000"/>
-              </a:lnSpc>
-              <a:spcBef>
-                <a:spcPts val="0"/>
-              </a:spcBef>
-              <a:spcAft>
-                <a:spcPts val="0"/>
-              </a:spcAft>
-              <a:buSzPts val="3000"/>
-              <a:buNone/>
-            </a:pPr>
             <a:r>
-              <a:rPr lang="en"/>
-              <a:t>(Diagram/Example/Flowchart/Etc)</a:t>
+              <a:rPr lang="en" sz="2000" dirty="0"/>
+              <a:t>(Continued)</a:t>
             </a:r>
-            <a:endParaRPr/>
+            <a:endParaRPr sz="2000" dirty="0"/>
           </a:p>
         </p:txBody>
       </p:sp>
       <p:sp>
         <p:nvSpPr>
-          <p:cNvPr id="80" name="Google Shape;80;p15"/>
-          <p:cNvSpPr txBox="1"/>
+          <p:cNvPr id="74" name="Google Shape;74;p14"/>
+          <p:cNvSpPr txBox="1">
+            <a:spLocks noGrp="1"/>
+          </p:cNvSpPr>
           <p:nvPr>
-            <p:ph idx="1" type="body"/>
+            <p:ph type="body" idx="1"/>
           </p:nvPr>
         </p:nvSpPr>
         <p:spPr>
           <a:xfrm>
-            <a:off x="880425" y="1489825"/>
-            <a:ext cx="2214900" cy="3359700"/>
+            <a:off x="880425" y="1489824"/>
+            <a:ext cx="8050924" cy="3316091"/>
           </a:xfrm>
           <a:prstGeom prst="rect">
             <a:avLst/>
@@ -10396,81 +10795,81 @@
           </a:ln>
         </p:spPr>
         <p:txBody>
-          <a:bodyPr anchorCtr="0" anchor="t" bIns="91425" lIns="91425" spcFirstLastPara="1" rIns="91425" wrap="square" tIns="91425">
+          <a:bodyPr spcFirstLastPara="1" wrap="square" lIns="91425" tIns="91425" rIns="91425" bIns="91425" anchor="t" anchorCtr="0">
             <a:noAutofit/>
           </a:bodyPr>
           <a:lstStyle/>
           <a:p>
-            <a:pPr indent="0" lvl="0" marL="0" rtl="0" algn="l">
-              <a:lnSpc>
-                <a:spcPct val="115000"/>
-              </a:lnSpc>
-              <a:spcBef>
-                <a:spcPts val="0"/>
-              </a:spcBef>
-              <a:spcAft>
-                <a:spcPts val="0"/>
-              </a:spcAft>
-              <a:buSzPts val="1800"/>
-              <a:buNone/>
+            <a:pPr marL="285750" indent="-285750">
+              <a:spcAft>
+                <a:spcPts val="1600"/>
+              </a:spcAft>
             </a:pPr>
             <a:r>
-              <a:rPr lang="en"/>
-              <a:t>User account is optional so as to make the donation process quicker.</a:t>
+              <a:rPr lang="en-IN" dirty="0"/>
+              <a:t>Home: Organised sections, proper navbar and footer.</a:t>
             </a:r>
-            <a:endParaRPr/>
           </a:p>
           <a:p>
-            <a:pPr indent="0" lvl="0" marL="0" rtl="0" algn="l">
-              <a:lnSpc>
-                <a:spcPct val="115000"/>
-              </a:lnSpc>
-              <a:spcBef>
+            <a:pPr marL="285750" indent="-285750">
+              <a:spcAft>
                 <a:spcPts val="1600"/>
-              </a:spcBef>
-              <a:spcAft>
-                <a:spcPts val="1600"/>
-              </a:spcAft>
-              <a:buSzPts val="1800"/>
-              <a:buNone/>
+              </a:spcAft>
             </a:pPr>
             <a:r>
-              <a:rPr lang="en"/>
-              <a:t>The perks of having  user account would be to keep the transaction history seamless.</a:t>
+              <a:rPr lang="en-IN" dirty="0"/>
+              <a:t>Events: Collapsible future and past events.</a:t>
             </a:r>
-            <a:endParaRPr/>
+          </a:p>
+          <a:p>
+            <a:pPr marL="285750" indent="-285750">
+              <a:spcAft>
+                <a:spcPts val="1600"/>
+              </a:spcAft>
+            </a:pPr>
+            <a:r>
+              <a:rPr lang="en-IN" dirty="0"/>
+              <a:t>About Us: Founder details, member information and location.</a:t>
+            </a:r>
+          </a:p>
+          <a:p>
+            <a:pPr marL="285750" indent="-285750">
+              <a:spcAft>
+                <a:spcPts val="1600"/>
+              </a:spcAft>
+            </a:pPr>
+            <a:r>
+              <a:rPr lang="en-IN" dirty="0"/>
+              <a:t>Donate: Multiple ways of donation with transaction saved in database. </a:t>
+            </a:r>
+          </a:p>
+          <a:p>
+            <a:pPr marL="285750" indent="-285750">
+              <a:spcAft>
+                <a:spcPts val="1600"/>
+              </a:spcAft>
+            </a:pPr>
+            <a:r>
+              <a:rPr lang="en-IN" dirty="0"/>
+              <a:t>Sponsors: Dedicated page for sponsors so as to encourage more audience to be featured.</a:t>
+            </a:r>
+          </a:p>
+          <a:p>
+            <a:pPr marL="285750" indent="-285750">
+              <a:spcAft>
+                <a:spcPts val="1600"/>
+              </a:spcAft>
+            </a:pPr>
+            <a:endParaRPr lang="en-IN" dirty="0"/>
           </a:p>
         </p:txBody>
       </p:sp>
-      <p:pic>
-        <p:nvPicPr>
-          <p:cNvPr id="81" name="Google Shape;81;p15"/>
-          <p:cNvPicPr preferRelativeResize="0"/>
-          <p:nvPr/>
-        </p:nvPicPr>
-        <p:blipFill>
-          <a:blip r:embed="rId3">
-            <a:alphaModFix/>
-          </a:blip>
-          <a:stretch>
-            <a:fillRect/>
-          </a:stretch>
-        </p:blipFill>
-        <p:spPr>
-          <a:xfrm>
-            <a:off x="3163775" y="1044950"/>
-            <a:ext cx="5791426" cy="3969226"/>
-          </a:xfrm>
-          <a:prstGeom prst="rect">
-            <a:avLst/>
-          </a:prstGeom>
-          <a:noFill/>
-          <a:ln>
-            <a:noFill/>
-          </a:ln>
-        </p:spPr>
-      </p:pic>
     </p:spTree>
+    <p:extLst>
+      <p:ext uri="{BB962C8B-B14F-4D97-AF65-F5344CB8AC3E}">
+        <p14:creationId xmlns:p14="http://schemas.microsoft.com/office/powerpoint/2010/main" val="3128618115"/>
+      </p:ext>
+    </p:extLst>
   </p:cSld>
   <p:clrMapOvr>
     <a:masterClrMapping/>
@@ -10479,11 +10878,11 @@
 </file>
 
 <file path=ppt/slides/slide4.xml><?xml version="1.0" encoding="utf-8"?>
-<p:sld xmlns:a="http://schemas.openxmlformats.org/drawingml/2006/main" xmlns:r="http://schemas.openxmlformats.org/officeDocument/2006/relationships" xmlns:mc="http://schemas.openxmlformats.org/markup-compatibility/2006" xmlns:mv="urn:schemas-microsoft-com:mac:vml" xmlns:p="http://schemas.openxmlformats.org/presentationml/2006/main" xmlns:c="http://schemas.openxmlformats.org/drawingml/2006/chart" xmlns:dgm="http://schemas.openxmlformats.org/drawingml/2006/diagram" xmlns:o="urn:schemas-microsoft-com:office:office" xmlns:v="urn:schemas-microsoft-com:vml" xmlns:pvml="urn:schemas-microsoft-com:office:powerpoint" xmlns:com="http://schemas.openxmlformats.org/drawingml/2006/compatibility" xmlns:p14="http://schemas.microsoft.com/office/powerpoint/2010/main" xmlns:p15="http://schemas.microsoft.com/office/powerpoint/2012/main" xmlns:ahyp="http://schemas.microsoft.com/office/drawing/2018/hyperlinkcolor">
+<p:sld xmlns:a="http://schemas.openxmlformats.org/drawingml/2006/main" xmlns:r="http://schemas.openxmlformats.org/officeDocument/2006/relationships" xmlns:p="http://schemas.openxmlformats.org/presentationml/2006/main">
   <p:cSld>
     <p:spTree>
       <p:nvGrpSpPr>
-        <p:cNvPr id="85" name="Shape 85"/>
+        <p:cNvPr id="1" name="Shape 78"/>
         <p:cNvGrpSpPr/>
         <p:nvPr/>
       </p:nvGrpSpPr>
@@ -10497,8 +10896,10 @@
       </p:grpSpPr>
       <p:sp>
         <p:nvSpPr>
-          <p:cNvPr id="86" name="Google Shape;86;p16"/>
-          <p:cNvSpPr txBox="1"/>
+          <p:cNvPr id="79" name="Google Shape;79;p15"/>
+          <p:cNvSpPr txBox="1">
+            <a:spLocks noGrp="1"/>
+          </p:cNvSpPr>
           <p:nvPr>
             <p:ph type="title"/>
           </p:nvPr>
@@ -10517,12 +10918,12 @@
           </a:ln>
         </p:spPr>
         <p:txBody>
-          <a:bodyPr anchorCtr="0" anchor="b" bIns="91425" lIns="91425" spcFirstLastPara="1" rIns="91425" wrap="square" tIns="91425">
+          <a:bodyPr spcFirstLastPara="1" wrap="square" lIns="91425" tIns="91425" rIns="91425" bIns="91425" anchor="b" anchorCtr="0">
             <a:noAutofit/>
           </a:bodyPr>
           <a:lstStyle/>
           <a:p>
-            <a:pPr indent="0" lvl="0" marL="0" rtl="0" algn="l">
+            <a:pPr marL="0" lvl="0" indent="0" algn="l" rtl="0">
               <a:lnSpc>
                 <a:spcPct val="100000"/>
               </a:lnSpc>
@@ -10537,7 +10938,27 @@
             </a:pPr>
             <a:r>
               <a:rPr lang="en"/>
-              <a:t>Technology Stack</a:t>
+              <a:t>Proposed Architecture</a:t>
+            </a:r>
+            <a:endParaRPr/>
+          </a:p>
+          <a:p>
+            <a:pPr marL="0" lvl="0" indent="0" algn="l" rtl="0">
+              <a:lnSpc>
+                <a:spcPct val="100000"/>
+              </a:lnSpc>
+              <a:spcBef>
+                <a:spcPts val="0"/>
+              </a:spcBef>
+              <a:spcAft>
+                <a:spcPts val="0"/>
+              </a:spcAft>
+              <a:buSzPts val="3000"/>
+              <a:buNone/>
+            </a:pPr>
+            <a:r>
+              <a:rPr lang="en"/>
+              <a:t>(Diagram/Example/Flowchart/Etc)</a:t>
             </a:r>
             <a:endParaRPr/>
           </a:p>
@@ -10545,16 +10966,18 @@
       </p:sp>
       <p:sp>
         <p:nvSpPr>
-          <p:cNvPr id="87" name="Google Shape;87;p16"/>
-          <p:cNvSpPr txBox="1"/>
+          <p:cNvPr id="80" name="Google Shape;80;p15"/>
+          <p:cNvSpPr txBox="1">
+            <a:spLocks noGrp="1"/>
+          </p:cNvSpPr>
           <p:nvPr>
-            <p:ph idx="1" type="body"/>
+            <p:ph type="body" idx="1"/>
           </p:nvPr>
         </p:nvSpPr>
         <p:spPr>
           <a:xfrm>
-            <a:off x="880425" y="1489825"/>
-            <a:ext cx="2334300" cy="503400"/>
+            <a:off x="2659606" y="1496913"/>
+            <a:ext cx="2214900" cy="3359700"/>
           </a:xfrm>
           <a:prstGeom prst="rect">
             <a:avLst/>
@@ -10565,12 +10988,12 @@
           </a:ln>
         </p:spPr>
         <p:txBody>
-          <a:bodyPr anchorCtr="0" anchor="t" bIns="91425" lIns="91425" spcFirstLastPara="1" rIns="91425" wrap="square" tIns="91425">
+          <a:bodyPr spcFirstLastPara="1" wrap="square" lIns="91425" tIns="91425" rIns="91425" bIns="91425" anchor="t" anchorCtr="0">
             <a:noAutofit/>
           </a:bodyPr>
           <a:lstStyle/>
           <a:p>
-            <a:pPr indent="0" lvl="0" marL="0" rtl="0" algn="l">
+            <a:pPr marL="0" lvl="0" indent="0" algn="l" rtl="0">
               <a:lnSpc>
                 <a:spcPct val="115000"/>
               </a:lnSpc>
@@ -10578,45 +11001,43 @@
                 <a:spcPts val="0"/>
               </a:spcBef>
               <a:spcAft>
-                <a:spcPts val="1600"/>
+                <a:spcPts val="0"/>
               </a:spcAft>
               <a:buSzPts val="1800"/>
               <a:buNone/>
             </a:pPr>
-            <a:r>
-              <a:rPr lang="en"/>
-              <a:t>LAMP STACK</a:t>
-            </a:r>
-            <a:endParaRPr sz="1300"/>
+            <a:endParaRPr dirty="0"/>
           </a:p>
         </p:txBody>
       </p:sp>
       <p:pic>
         <p:nvPicPr>
-          <p:cNvPr id="88" name="Google Shape;88;p16"/>
-          <p:cNvPicPr preferRelativeResize="0"/>
+          <p:cNvPr id="5" name="Picture 4">
+            <a:extLst>
+              <a:ext uri="{FF2B5EF4-FFF2-40B4-BE49-F238E27FC236}">
+                <a16:creationId xmlns:a16="http://schemas.microsoft.com/office/drawing/2014/main" id="{BB6D53BB-688F-46EC-98CB-82F3A8C27DE9}"/>
+              </a:ext>
+            </a:extLst>
+          </p:cNvPr>
+          <p:cNvPicPr>
+            <a:picLocks noChangeAspect="1"/>
+          </p:cNvPicPr>
           <p:nvPr/>
         </p:nvPicPr>
         <p:blipFill>
-          <a:blip r:embed="rId3">
-            <a:alphaModFix/>
-          </a:blip>
+          <a:blip r:embed="rId3"/>
           <a:stretch>
             <a:fillRect/>
           </a:stretch>
         </p:blipFill>
         <p:spPr>
           <a:xfrm>
-            <a:off x="4079313" y="1216488"/>
-            <a:ext cx="4676775" cy="3629025"/>
+            <a:off x="1613497" y="1144125"/>
+            <a:ext cx="5512571" cy="3778102"/>
           </a:xfrm>
           <a:prstGeom prst="rect">
             <a:avLst/>
           </a:prstGeom>
-          <a:noFill/>
-          <a:ln>
-            <a:noFill/>
-          </a:ln>
         </p:spPr>
       </p:pic>
     </p:spTree>
@@ -10628,11 +11049,11 @@
 </file>
 
 <file path=ppt/slides/slide5.xml><?xml version="1.0" encoding="utf-8"?>
-<p:sld xmlns:a="http://schemas.openxmlformats.org/drawingml/2006/main" xmlns:r="http://schemas.openxmlformats.org/officeDocument/2006/relationships" xmlns:mc="http://schemas.openxmlformats.org/markup-compatibility/2006" xmlns:mv="urn:schemas-microsoft-com:mac:vml" xmlns:p="http://schemas.openxmlformats.org/presentationml/2006/main" xmlns:c="http://schemas.openxmlformats.org/drawingml/2006/chart" xmlns:dgm="http://schemas.openxmlformats.org/drawingml/2006/diagram" xmlns:o="urn:schemas-microsoft-com:office:office" xmlns:v="urn:schemas-microsoft-com:vml" xmlns:pvml="urn:schemas-microsoft-com:office:powerpoint" xmlns:com="http://schemas.openxmlformats.org/drawingml/2006/compatibility" xmlns:p14="http://schemas.microsoft.com/office/powerpoint/2010/main" xmlns:p15="http://schemas.microsoft.com/office/powerpoint/2012/main" xmlns:ahyp="http://schemas.microsoft.com/office/drawing/2018/hyperlinkcolor">
+<p:sld xmlns:a="http://schemas.openxmlformats.org/drawingml/2006/main" xmlns:r="http://schemas.openxmlformats.org/officeDocument/2006/relationships" xmlns:p="http://schemas.openxmlformats.org/presentationml/2006/main">
   <p:cSld>
     <p:spTree>
       <p:nvGrpSpPr>
-        <p:cNvPr id="92" name="Shape 92"/>
+        <p:cNvPr id="1" name="Shape 85"/>
         <p:cNvGrpSpPr/>
         <p:nvPr/>
       </p:nvGrpSpPr>
@@ -10646,8 +11067,10 @@
       </p:grpSpPr>
       <p:sp>
         <p:nvSpPr>
-          <p:cNvPr id="93" name="Google Shape;93;p17"/>
-          <p:cNvSpPr txBox="1"/>
+          <p:cNvPr id="86" name="Google Shape;86;p16"/>
+          <p:cNvSpPr txBox="1">
+            <a:spLocks noGrp="1"/>
+          </p:cNvSpPr>
           <p:nvPr>
             <p:ph type="title"/>
           </p:nvPr>
@@ -10666,12 +11089,12 @@
           </a:ln>
         </p:spPr>
         <p:txBody>
-          <a:bodyPr anchorCtr="0" anchor="b" bIns="91425" lIns="91425" spcFirstLastPara="1" rIns="91425" wrap="square" tIns="91425">
+          <a:bodyPr spcFirstLastPara="1" wrap="square" lIns="91425" tIns="91425" rIns="91425" bIns="91425" anchor="b" anchorCtr="0">
             <a:noAutofit/>
           </a:bodyPr>
           <a:lstStyle/>
           <a:p>
-            <a:pPr indent="0" lvl="0" marL="0" rtl="0" algn="l">
+            <a:pPr marL="0" lvl="0" indent="0" algn="l" rtl="0">
               <a:lnSpc>
                 <a:spcPct val="100000"/>
               </a:lnSpc>
@@ -10686,7 +11109,7 @@
             </a:pPr>
             <a:r>
               <a:rPr lang="en"/>
-              <a:t>Conclusion</a:t>
+              <a:t>Technology Stack</a:t>
             </a:r>
             <a:endParaRPr/>
           </a:p>
@@ -10694,16 +11117,18 @@
       </p:sp>
       <p:sp>
         <p:nvSpPr>
-          <p:cNvPr id="94" name="Google Shape;94;p17"/>
-          <p:cNvSpPr txBox="1"/>
+          <p:cNvPr id="87" name="Google Shape;87;p16"/>
+          <p:cNvSpPr txBox="1">
+            <a:spLocks noGrp="1"/>
+          </p:cNvSpPr>
           <p:nvPr>
-            <p:ph idx="1" type="body"/>
+            <p:ph type="body" idx="1"/>
           </p:nvPr>
         </p:nvSpPr>
         <p:spPr>
           <a:xfrm>
-            <a:off x="825325" y="1737825"/>
-            <a:ext cx="6827100" cy="2711400"/>
+            <a:off x="880425" y="1489825"/>
+            <a:ext cx="2334300" cy="503400"/>
           </a:xfrm>
           <a:prstGeom prst="rect">
             <a:avLst/>
@@ -10714,12 +11139,12 @@
           </a:ln>
         </p:spPr>
         <p:txBody>
-          <a:bodyPr anchorCtr="0" anchor="t" bIns="91425" lIns="91425" spcFirstLastPara="1" rIns="91425" wrap="square" tIns="91425">
+          <a:bodyPr spcFirstLastPara="1" wrap="square" lIns="91425" tIns="91425" rIns="91425" bIns="91425" anchor="t" anchorCtr="0">
             <a:noAutofit/>
           </a:bodyPr>
           <a:lstStyle/>
           <a:p>
-            <a:pPr indent="0" lvl="0" marL="0" rtl="0" algn="l">
+            <a:pPr marL="0" lvl="0" indent="0" algn="l" rtl="0">
               <a:lnSpc>
                 <a:spcPct val="115000"/>
               </a:lnSpc>
@@ -10734,12 +11159,42 @@
             </a:pPr>
             <a:r>
               <a:rPr lang="en"/>
-              <a:t>The end result will be a website which lets everything transparent between the foundation and its user. The events, sponsors page, user details, transaction will be readily available to both the user and the foundation. The website would be much faster using LAMP stack.</a:t>
+              <a:t>LAMP STACK</a:t>
             </a:r>
-            <a:endParaRPr/>
+            <a:endParaRPr sz="1300"/>
           </a:p>
         </p:txBody>
       </p:sp>
+      <p:pic>
+        <p:nvPicPr>
+          <p:cNvPr id="3" name="Picture 2">
+            <a:extLst>
+              <a:ext uri="{FF2B5EF4-FFF2-40B4-BE49-F238E27FC236}">
+                <a16:creationId xmlns:a16="http://schemas.microsoft.com/office/drawing/2014/main" id="{76D4F57A-6862-4161-80CF-0FB478B844B0}"/>
+              </a:ext>
+            </a:extLst>
+          </p:cNvPr>
+          <p:cNvPicPr>
+            <a:picLocks noChangeAspect="1"/>
+          </p:cNvPicPr>
+          <p:nvPr/>
+        </p:nvPicPr>
+        <p:blipFill>
+          <a:blip r:embed="rId3"/>
+          <a:stretch>
+            <a:fillRect/>
+          </a:stretch>
+        </p:blipFill>
+        <p:spPr>
+          <a:xfrm>
+            <a:off x="3764701" y="1144125"/>
+            <a:ext cx="4676775" cy="3629025"/>
+          </a:xfrm>
+          <a:prstGeom prst="rect">
+            <a:avLst/>
+          </a:prstGeom>
+        </p:spPr>
+      </p:pic>
     </p:spTree>
   </p:cSld>
   <p:clrMapOvr>
@@ -10749,11 +11204,11 @@
 </file>
 
 <file path=ppt/slides/slide6.xml><?xml version="1.0" encoding="utf-8"?>
-<p:sld xmlns:a="http://schemas.openxmlformats.org/drawingml/2006/main" xmlns:r="http://schemas.openxmlformats.org/officeDocument/2006/relationships" xmlns:mc="http://schemas.openxmlformats.org/markup-compatibility/2006" xmlns:mv="urn:schemas-microsoft-com:mac:vml" xmlns:p="http://schemas.openxmlformats.org/presentationml/2006/main" xmlns:c="http://schemas.openxmlformats.org/drawingml/2006/chart" xmlns:dgm="http://schemas.openxmlformats.org/drawingml/2006/diagram" xmlns:o="urn:schemas-microsoft-com:office:office" xmlns:v="urn:schemas-microsoft-com:vml" xmlns:pvml="urn:schemas-microsoft-com:office:powerpoint" xmlns:com="http://schemas.openxmlformats.org/drawingml/2006/compatibility" xmlns:p14="http://schemas.microsoft.com/office/powerpoint/2010/main" xmlns:p15="http://schemas.microsoft.com/office/powerpoint/2012/main" xmlns:ahyp="http://schemas.microsoft.com/office/drawing/2018/hyperlinkcolor">
+<p:sld xmlns:a="http://schemas.openxmlformats.org/drawingml/2006/main" xmlns:r="http://schemas.openxmlformats.org/officeDocument/2006/relationships" xmlns:p="http://schemas.openxmlformats.org/presentationml/2006/main">
   <p:cSld>
     <p:spTree>
       <p:nvGrpSpPr>
-        <p:cNvPr id="98" name="Shape 98"/>
+        <p:cNvPr id="1" name="Shape 98"/>
         <p:cNvGrpSpPr/>
         <p:nvPr/>
       </p:nvGrpSpPr>
@@ -10768,7 +11223,9 @@
       <p:sp>
         <p:nvSpPr>
           <p:cNvPr id="99" name="Google Shape;99;p18"/>
-          <p:cNvSpPr txBox="1"/>
+          <p:cNvSpPr txBox="1">
+            <a:spLocks noGrp="1"/>
+          </p:cNvSpPr>
           <p:nvPr>
             <p:ph type="title"/>
           </p:nvPr>
@@ -10787,12 +11244,321 @@
           </a:ln>
         </p:spPr>
         <p:txBody>
-          <a:bodyPr anchorCtr="0" anchor="b" bIns="91425" lIns="91425" spcFirstLastPara="1" rIns="91425" wrap="square" tIns="91425">
+          <a:bodyPr spcFirstLastPara="1" wrap="square" lIns="91425" tIns="91425" rIns="91425" bIns="91425" anchor="b" anchorCtr="0">
             <a:noAutofit/>
           </a:bodyPr>
           <a:lstStyle/>
           <a:p>
-            <a:pPr indent="0" lvl="0" marL="0" rtl="0" algn="l">
+            <a:pPr marL="0" lvl="0" indent="0" algn="l" rtl="0">
+              <a:lnSpc>
+                <a:spcPct val="100000"/>
+              </a:lnSpc>
+              <a:spcBef>
+                <a:spcPts val="0"/>
+              </a:spcBef>
+              <a:spcAft>
+                <a:spcPts val="0"/>
+              </a:spcAft>
+              <a:buSzPts val="3000"/>
+              <a:buNone/>
+            </a:pPr>
+            <a:r>
+              <a:rPr lang="en-IN" dirty="0"/>
+              <a:t>What more could be added?</a:t>
+            </a:r>
+            <a:endParaRPr dirty="0"/>
+          </a:p>
+        </p:txBody>
+      </p:sp>
+      <p:sp>
+        <p:nvSpPr>
+          <p:cNvPr id="100" name="Google Shape;100;p18"/>
+          <p:cNvSpPr txBox="1">
+            <a:spLocks noGrp="1"/>
+          </p:cNvSpPr>
+          <p:nvPr>
+            <p:ph type="body" idx="1"/>
+          </p:nvPr>
+        </p:nvSpPr>
+        <p:spPr>
+          <a:xfrm>
+            <a:off x="333154" y="1489824"/>
+            <a:ext cx="8422946" cy="3316091"/>
+          </a:xfrm>
+          <a:prstGeom prst="rect">
+            <a:avLst/>
+          </a:prstGeom>
+          <a:noFill/>
+          <a:ln>
+            <a:noFill/>
+          </a:ln>
+        </p:spPr>
+        <p:txBody>
+          <a:bodyPr spcFirstLastPara="1" wrap="square" lIns="91425" tIns="91425" rIns="91425" bIns="91425" anchor="t" anchorCtr="0">
+            <a:noAutofit/>
+          </a:bodyPr>
+          <a:lstStyle/>
+          <a:p>
+            <a:pPr marL="285750" indent="-285750">
+              <a:spcAft>
+                <a:spcPts val="1600"/>
+              </a:spcAft>
+            </a:pPr>
+            <a:r>
+              <a:rPr lang="en-IN" b="1" dirty="0"/>
+              <a:t>SMTP Mail - To send a acknowledgment mail to user after they donate.</a:t>
+            </a:r>
+          </a:p>
+          <a:p>
+            <a:pPr marL="285750" indent="-285750">
+              <a:spcAft>
+                <a:spcPts val="1600"/>
+              </a:spcAft>
+            </a:pPr>
+            <a:r>
+              <a:rPr lang="en-IN" b="1" dirty="0"/>
+              <a:t>AI Chatbot - To solve queries quickly.</a:t>
+            </a:r>
+          </a:p>
+          <a:p>
+            <a:pPr marL="285750" indent="-285750">
+              <a:spcAft>
+                <a:spcPts val="1600"/>
+              </a:spcAft>
+            </a:pPr>
+            <a:r>
+              <a:rPr lang="en-IN" b="1" dirty="0"/>
+              <a:t>User Login System - To make the donation process for the user hassle-free by preventing them from adding same details again</a:t>
+            </a:r>
+          </a:p>
+          <a:p>
+            <a:pPr marL="285750" indent="-285750">
+              <a:spcAft>
+                <a:spcPts val="1600"/>
+              </a:spcAft>
+            </a:pPr>
+            <a:r>
+              <a:rPr lang="en-IN" b="1" dirty="0"/>
+              <a:t>Admin Login – To supervise the entire working of the website</a:t>
+            </a:r>
+          </a:p>
+          <a:p>
+            <a:pPr marL="285750" indent="-285750">
+              <a:spcAft>
+                <a:spcPts val="1600"/>
+              </a:spcAft>
+            </a:pPr>
+            <a:r>
+              <a:rPr lang="en-IN" b="1" dirty="0"/>
+              <a:t>Build an  app using the website.</a:t>
+            </a:r>
+          </a:p>
+          <a:p>
+            <a:pPr marL="285750" indent="-285750">
+              <a:spcAft>
+                <a:spcPts val="1600"/>
+              </a:spcAft>
+            </a:pPr>
+            <a:r>
+              <a:rPr lang="en-IN" b="1" dirty="0"/>
+              <a:t>FAQ Page</a:t>
+            </a:r>
+          </a:p>
+          <a:p>
+            <a:pPr marL="285750" indent="-285750">
+              <a:spcAft>
+                <a:spcPts val="1600"/>
+              </a:spcAft>
+            </a:pPr>
+            <a:endParaRPr b="1" dirty="0"/>
+          </a:p>
+        </p:txBody>
+      </p:sp>
+    </p:spTree>
+    <p:extLst>
+      <p:ext uri="{BB962C8B-B14F-4D97-AF65-F5344CB8AC3E}">
+        <p14:creationId xmlns:p14="http://schemas.microsoft.com/office/powerpoint/2010/main" val="2039230651"/>
+      </p:ext>
+    </p:extLst>
+  </p:cSld>
+  <p:clrMapOvr>
+    <a:masterClrMapping/>
+  </p:clrMapOvr>
+</p:sld>
+</file>
+
+<file path=ppt/slides/slide7.xml><?xml version="1.0" encoding="utf-8"?>
+<p:sld xmlns:a="http://schemas.openxmlformats.org/drawingml/2006/main" xmlns:r="http://schemas.openxmlformats.org/officeDocument/2006/relationships" xmlns:p="http://schemas.openxmlformats.org/presentationml/2006/main">
+  <p:cSld>
+    <p:spTree>
+      <p:nvGrpSpPr>
+        <p:cNvPr id="1" name="Shape 92"/>
+        <p:cNvGrpSpPr/>
+        <p:nvPr/>
+      </p:nvGrpSpPr>
+      <p:grpSpPr>
+        <a:xfrm>
+          <a:off x="0" y="0"/>
+          <a:ext cx="0" cy="0"/>
+          <a:chOff x="0" y="0"/>
+          <a:chExt cx="0" cy="0"/>
+        </a:xfrm>
+      </p:grpSpPr>
+      <p:sp>
+        <p:nvSpPr>
+          <p:cNvPr id="93" name="Google Shape;93;p17"/>
+          <p:cNvSpPr txBox="1">
+            <a:spLocks noGrp="1"/>
+          </p:cNvSpPr>
+          <p:nvPr>
+            <p:ph type="title"/>
+          </p:nvPr>
+        </p:nvSpPr>
+        <p:spPr>
+          <a:xfrm>
+            <a:off x="387900" y="458025"/>
+            <a:ext cx="8368200" cy="686100"/>
+          </a:xfrm>
+          <a:prstGeom prst="rect">
+            <a:avLst/>
+          </a:prstGeom>
+          <a:noFill/>
+          <a:ln>
+            <a:noFill/>
+          </a:ln>
+        </p:spPr>
+        <p:txBody>
+          <a:bodyPr spcFirstLastPara="1" wrap="square" lIns="91425" tIns="91425" rIns="91425" bIns="91425" anchor="b" anchorCtr="0">
+            <a:noAutofit/>
+          </a:bodyPr>
+          <a:lstStyle/>
+          <a:p>
+            <a:pPr marL="0" lvl="0" indent="0" algn="l" rtl="0">
+              <a:lnSpc>
+                <a:spcPct val="100000"/>
+              </a:lnSpc>
+              <a:spcBef>
+                <a:spcPts val="0"/>
+              </a:spcBef>
+              <a:spcAft>
+                <a:spcPts val="0"/>
+              </a:spcAft>
+              <a:buSzPts val="3000"/>
+              <a:buNone/>
+            </a:pPr>
+            <a:r>
+              <a:rPr lang="en"/>
+              <a:t>Conclusion</a:t>
+            </a:r>
+            <a:endParaRPr/>
+          </a:p>
+        </p:txBody>
+      </p:sp>
+      <p:sp>
+        <p:nvSpPr>
+          <p:cNvPr id="94" name="Google Shape;94;p17"/>
+          <p:cNvSpPr txBox="1">
+            <a:spLocks noGrp="1"/>
+          </p:cNvSpPr>
+          <p:nvPr>
+            <p:ph type="body" idx="1"/>
+          </p:nvPr>
+        </p:nvSpPr>
+        <p:spPr>
+          <a:xfrm>
+            <a:off x="825325" y="1737825"/>
+            <a:ext cx="6827100" cy="2711400"/>
+          </a:xfrm>
+          <a:prstGeom prst="rect">
+            <a:avLst/>
+          </a:prstGeom>
+          <a:noFill/>
+          <a:ln>
+            <a:noFill/>
+          </a:ln>
+        </p:spPr>
+        <p:txBody>
+          <a:bodyPr spcFirstLastPara="1" wrap="square" lIns="91425" tIns="91425" rIns="91425" bIns="91425" anchor="t" anchorCtr="0">
+            <a:noAutofit/>
+          </a:bodyPr>
+          <a:lstStyle/>
+          <a:p>
+            <a:pPr marL="0" lvl="0" indent="0" algn="l" rtl="0">
+              <a:lnSpc>
+                <a:spcPct val="115000"/>
+              </a:lnSpc>
+              <a:spcBef>
+                <a:spcPts val="0"/>
+              </a:spcBef>
+              <a:spcAft>
+                <a:spcPts val="1600"/>
+              </a:spcAft>
+              <a:buSzPts val="1800"/>
+              <a:buNone/>
+            </a:pPr>
+            <a:r>
+              <a:rPr lang="en"/>
+              <a:t>The end result will be a website which lets everything transparent between the foundation and its user. The events, sponsors page, user details, transaction will be readily available to both the user and the foundation. The website would be much faster using LAMP stack.</a:t>
+            </a:r>
+            <a:endParaRPr/>
+          </a:p>
+        </p:txBody>
+      </p:sp>
+    </p:spTree>
+  </p:cSld>
+  <p:clrMapOvr>
+    <a:masterClrMapping/>
+  </p:clrMapOvr>
+</p:sld>
+</file>
+
+<file path=ppt/slides/slide8.xml><?xml version="1.0" encoding="utf-8"?>
+<p:sld xmlns:a="http://schemas.openxmlformats.org/drawingml/2006/main" xmlns:r="http://schemas.openxmlformats.org/officeDocument/2006/relationships" xmlns:p="http://schemas.openxmlformats.org/presentationml/2006/main">
+  <p:cSld>
+    <p:spTree>
+      <p:nvGrpSpPr>
+        <p:cNvPr id="1" name="Shape 98"/>
+        <p:cNvGrpSpPr/>
+        <p:nvPr/>
+      </p:nvGrpSpPr>
+      <p:grpSpPr>
+        <a:xfrm>
+          <a:off x="0" y="0"/>
+          <a:ext cx="0" cy="0"/>
+          <a:chOff x="0" y="0"/>
+          <a:chExt cx="0" cy="0"/>
+        </a:xfrm>
+      </p:grpSpPr>
+      <p:sp>
+        <p:nvSpPr>
+          <p:cNvPr id="99" name="Google Shape;99;p18"/>
+          <p:cNvSpPr txBox="1">
+            <a:spLocks noGrp="1"/>
+          </p:cNvSpPr>
+          <p:nvPr>
+            <p:ph type="title"/>
+          </p:nvPr>
+        </p:nvSpPr>
+        <p:spPr>
+          <a:xfrm>
+            <a:off x="387900" y="458025"/>
+            <a:ext cx="8368200" cy="686100"/>
+          </a:xfrm>
+          <a:prstGeom prst="rect">
+            <a:avLst/>
+          </a:prstGeom>
+          <a:noFill/>
+          <a:ln>
+            <a:noFill/>
+          </a:ln>
+        </p:spPr>
+        <p:txBody>
+          <a:bodyPr spcFirstLastPara="1" wrap="square" lIns="91425" tIns="91425" rIns="91425" bIns="91425" anchor="b" anchorCtr="0">
+            <a:noAutofit/>
+          </a:bodyPr>
+          <a:lstStyle/>
+          <a:p>
+            <a:pPr marL="0" lvl="0" indent="0" algn="l" rtl="0">
               <a:lnSpc>
                 <a:spcPct val="100000"/>
               </a:lnSpc>
@@ -10816,9 +11582,11 @@
       <p:sp>
         <p:nvSpPr>
           <p:cNvPr id="100" name="Google Shape;100;p18"/>
-          <p:cNvSpPr txBox="1"/>
+          <p:cNvSpPr txBox="1">
+            <a:spLocks noGrp="1"/>
+          </p:cNvSpPr>
           <p:nvPr>
-            <p:ph idx="1" type="body"/>
+            <p:ph type="body" idx="1"/>
           </p:nvPr>
         </p:nvSpPr>
         <p:spPr>
@@ -10835,12 +11603,12 @@
           </a:ln>
         </p:spPr>
         <p:txBody>
-          <a:bodyPr anchorCtr="0" anchor="t" bIns="91425" lIns="91425" spcFirstLastPara="1" rIns="91425" wrap="square" tIns="91425">
+          <a:bodyPr spcFirstLastPara="1" wrap="square" lIns="91425" tIns="91425" rIns="91425" bIns="91425" anchor="t" anchorCtr="0">
             <a:noAutofit/>
           </a:bodyPr>
           <a:lstStyle/>
           <a:p>
-            <a:pPr indent="0" lvl="0" marL="0" rtl="0" algn="l">
+            <a:pPr marL="0" lvl="0" indent="0" algn="l" rtl="0">
               <a:lnSpc>
                 <a:spcPct val="115000"/>
               </a:lnSpc>
@@ -10854,7 +11622,7 @@
               <a:buNone/>
             </a:pPr>
             <a:r>
-              <a:rPr b="1" lang="en" u="sng">
+              <a:rPr lang="en" b="1" u="sng">
                 <a:solidFill>
                   <a:schemeClr val="hlink"/>
                 </a:solidFill>
@@ -10875,7 +11643,7 @@
 </file>
 
 <file path=ppt/theme/theme1.xml><?xml version="1.0" encoding="utf-8"?>
-<a:theme xmlns:a="http://schemas.openxmlformats.org/drawingml/2006/main" xmlns:r="http://schemas.openxmlformats.org/officeDocument/2006/relationships" name="Marina">
+<a:theme xmlns:a="http://schemas.openxmlformats.org/drawingml/2006/main" name="Marina">
   <a:themeElements>
     <a:clrScheme name="Marina">
       <a:dk1>
@@ -11150,11 +11918,13 @@
       </a:bgFillStyleLst>
     </a:fmtScheme>
   </a:themeElements>
+  <a:objectDefaults/>
+  <a:extraClrSchemeLst/>
 </a:theme>
 </file>
 
 <file path=ppt/theme/theme2.xml><?xml version="1.0" encoding="utf-8"?>
-<a:theme xmlns:a="http://schemas.openxmlformats.org/drawingml/2006/main" xmlns:r="http://schemas.openxmlformats.org/officeDocument/2006/relationships">
+<a:theme xmlns:a="http://schemas.openxmlformats.org/drawingml/2006/main">
   <a:themeElements>
     <a:clrScheme name="Default">
       <a:dk1>
@@ -11429,5 +12199,7 @@
       </a:bgFillStyleLst>
     </a:fmtScheme>
   </a:themeElements>
+  <a:objectDefaults/>
+  <a:extraClrSchemeLst/>
 </a:theme>
 </file>
--- a/112_Bhavesh Lohana_abstract.pptx
+++ b/112_Bhavesh Lohana_abstract.pptx
@@ -5,7 +5,7 @@
     <p:sldMasterId id="2147483659" r:id="rId1"/>
   </p:sldMasterIdLst>
   <p:notesMasterIdLst>
-    <p:notesMasterId r:id="rId10"/>
+    <p:notesMasterId r:id="rId12"/>
   </p:notesMasterIdLst>
   <p:sldIdLst>
     <p:sldId id="256" r:id="rId2"/>
@@ -13,31 +13,33 @@
     <p:sldId id="262" r:id="rId4"/>
     <p:sldId id="258" r:id="rId5"/>
     <p:sldId id="259" r:id="rId6"/>
-    <p:sldId id="263" r:id="rId7"/>
-    <p:sldId id="260" r:id="rId8"/>
-    <p:sldId id="261" r:id="rId9"/>
+    <p:sldId id="264" r:id="rId7"/>
+    <p:sldId id="265" r:id="rId8"/>
+    <p:sldId id="263" r:id="rId9"/>
+    <p:sldId id="260" r:id="rId10"/>
+    <p:sldId id="261" r:id="rId11"/>
   </p:sldIdLst>
   <p:sldSz cx="9144000" cy="5143500" type="screen16x9"/>
   <p:notesSz cx="6858000" cy="9144000"/>
   <p:embeddedFontLst>
     <p:embeddedFont>
       <p:font typeface="Georgia" panose="02040502050405020303" pitchFamily="18" charset="0"/>
-      <p:regular r:id="rId11"/>
-      <p:bold r:id="rId12"/>
-      <p:italic r:id="rId13"/>
-      <p:boldItalic r:id="rId14"/>
+      <p:regular r:id="rId13"/>
+      <p:bold r:id="rId14"/>
+      <p:italic r:id="rId15"/>
+      <p:boldItalic r:id="rId16"/>
     </p:embeddedFont>
     <p:embeddedFont>
       <p:font typeface="Roboto" panose="020B0604020202020204" charset="0"/>
-      <p:regular r:id="rId15"/>
-      <p:bold r:id="rId16"/>
-      <p:italic r:id="rId17"/>
-      <p:boldItalic r:id="rId18"/>
+      <p:regular r:id="rId17"/>
+      <p:bold r:id="rId18"/>
+      <p:italic r:id="rId19"/>
+      <p:boldItalic r:id="rId20"/>
     </p:embeddedFont>
     <p:embeddedFont>
       <p:font typeface="Roboto Slab" panose="020B0604020202020204" charset="0"/>
-      <p:regular r:id="rId19"/>
-      <p:bold r:id="rId20"/>
+      <p:regular r:id="rId21"/>
+      <p:bold r:id="rId22"/>
     </p:embeddedFont>
   </p:embeddedFontLst>
   <p:defaultTextStyle>
@@ -10575,6 +10577,136 @@
 </p:sld>
 </file>
 
+<file path=ppt/slides/slide10.xml><?xml version="1.0" encoding="utf-8"?>
+<p:sld xmlns:a="http://schemas.openxmlformats.org/drawingml/2006/main" xmlns:r="http://schemas.openxmlformats.org/officeDocument/2006/relationships" xmlns:p="http://schemas.openxmlformats.org/presentationml/2006/main">
+  <p:cSld>
+    <p:spTree>
+      <p:nvGrpSpPr>
+        <p:cNvPr id="1" name="Shape 98"/>
+        <p:cNvGrpSpPr/>
+        <p:nvPr/>
+      </p:nvGrpSpPr>
+      <p:grpSpPr>
+        <a:xfrm>
+          <a:off x="0" y="0"/>
+          <a:ext cx="0" cy="0"/>
+          <a:chOff x="0" y="0"/>
+          <a:chExt cx="0" cy="0"/>
+        </a:xfrm>
+      </p:grpSpPr>
+      <p:sp>
+        <p:nvSpPr>
+          <p:cNvPr id="99" name="Google Shape;99;p18"/>
+          <p:cNvSpPr txBox="1">
+            <a:spLocks noGrp="1"/>
+          </p:cNvSpPr>
+          <p:nvPr>
+            <p:ph type="title"/>
+          </p:nvPr>
+        </p:nvSpPr>
+        <p:spPr>
+          <a:xfrm>
+            <a:off x="387900" y="458025"/>
+            <a:ext cx="8368200" cy="686100"/>
+          </a:xfrm>
+          <a:prstGeom prst="rect">
+            <a:avLst/>
+          </a:prstGeom>
+          <a:noFill/>
+          <a:ln>
+            <a:noFill/>
+          </a:ln>
+        </p:spPr>
+        <p:txBody>
+          <a:bodyPr spcFirstLastPara="1" wrap="square" lIns="91425" tIns="91425" rIns="91425" bIns="91425" anchor="b" anchorCtr="0">
+            <a:noAutofit/>
+          </a:bodyPr>
+          <a:lstStyle/>
+          <a:p>
+            <a:pPr marL="0" lvl="0" indent="0" algn="l" rtl="0">
+              <a:lnSpc>
+                <a:spcPct val="100000"/>
+              </a:lnSpc>
+              <a:spcBef>
+                <a:spcPts val="0"/>
+              </a:spcBef>
+              <a:spcAft>
+                <a:spcPts val="0"/>
+              </a:spcAft>
+              <a:buSzPts val="3000"/>
+              <a:buNone/>
+            </a:pPr>
+            <a:r>
+              <a:rPr lang="en"/>
+              <a:t>Github Repository Link</a:t>
+            </a:r>
+            <a:endParaRPr/>
+          </a:p>
+        </p:txBody>
+      </p:sp>
+      <p:sp>
+        <p:nvSpPr>
+          <p:cNvPr id="100" name="Google Shape;100;p18"/>
+          <p:cNvSpPr txBox="1">
+            <a:spLocks noGrp="1"/>
+          </p:cNvSpPr>
+          <p:nvPr>
+            <p:ph type="body" idx="1"/>
+          </p:nvPr>
+        </p:nvSpPr>
+        <p:spPr>
+          <a:xfrm>
+            <a:off x="880425" y="1489825"/>
+            <a:ext cx="6827100" cy="2711400"/>
+          </a:xfrm>
+          <a:prstGeom prst="rect">
+            <a:avLst/>
+          </a:prstGeom>
+          <a:noFill/>
+          <a:ln>
+            <a:noFill/>
+          </a:ln>
+        </p:spPr>
+        <p:txBody>
+          <a:bodyPr spcFirstLastPara="1" wrap="square" lIns="91425" tIns="91425" rIns="91425" bIns="91425" anchor="t" anchorCtr="0">
+            <a:noAutofit/>
+          </a:bodyPr>
+          <a:lstStyle/>
+          <a:p>
+            <a:pPr marL="0" lvl="0" indent="0" algn="l" rtl="0">
+              <a:lnSpc>
+                <a:spcPct val="115000"/>
+              </a:lnSpc>
+              <a:spcBef>
+                <a:spcPts val="0"/>
+              </a:spcBef>
+              <a:spcAft>
+                <a:spcPts val="1600"/>
+              </a:spcAft>
+              <a:buSzPts val="1800"/>
+              <a:buNone/>
+            </a:pPr>
+            <a:r>
+              <a:rPr lang="en" b="1" u="sng">
+                <a:solidFill>
+                  <a:schemeClr val="hlink"/>
+                </a:solidFill>
+                <a:hlinkClick r:id="rId3"/>
+              </a:rPr>
+              <a:t>https://github.com/bhaveshlohana/humanteamwebsite</a:t>
+            </a:r>
+            <a:endParaRPr b="1"/>
+          </a:p>
+        </p:txBody>
+      </p:sp>
+    </p:spTree>
+  </p:cSld>
+  <p:clrMapOvr>
+    <a:masterClrMapping/>
+  </p:clrMapOvr>
+</p:sld>
+</file>
+
 <file path=ppt/slides/slide2.xml><?xml version="1.0" encoding="utf-8"?>
 <p:sld xmlns:a="http://schemas.openxmlformats.org/drawingml/2006/main" xmlns:r="http://schemas.openxmlformats.org/officeDocument/2006/relationships" xmlns:p="http://schemas.openxmlformats.org/presentationml/2006/main">
   <p:cSld>
@@ -11158,10 +11290,10 @@
               <a:buNone/>
             </a:pPr>
             <a:r>
-              <a:rPr lang="en"/>
+              <a:rPr lang="en" dirty="0"/>
               <a:t>LAMP STACK</a:t>
             </a:r>
-            <a:endParaRPr sz="1300"/>
+            <a:endParaRPr sz="1300" dirty="0"/>
           </a:p>
         </p:txBody>
       </p:sp>
@@ -11208,7 +11340,7 @@
   <p:cSld>
     <p:spTree>
       <p:nvGrpSpPr>
-        <p:cNvPr id="1" name="Shape 98"/>
+        <p:cNvPr id="1" name=""/>
         <p:cNvGrpSpPr/>
         <p:nvPr/>
       </p:nvGrpSpPr>
@@ -11222,8 +11354,14 @@
       </p:grpSpPr>
       <p:sp>
         <p:nvSpPr>
-          <p:cNvPr id="99" name="Google Shape;99;p18"/>
-          <p:cNvSpPr txBox="1">
+          <p:cNvPr id="4" name="Title 3">
+            <a:extLst>
+              <a:ext uri="{FF2B5EF4-FFF2-40B4-BE49-F238E27FC236}">
+                <a16:creationId xmlns:a16="http://schemas.microsoft.com/office/drawing/2014/main" id="{BBD6599B-7FC8-4D77-A364-8A7FCF34FEFE}"/>
+              </a:ext>
+            </a:extLst>
+          </p:cNvPr>
+          <p:cNvSpPr>
             <a:spLocks noGrp="1"/>
           </p:cNvSpPr>
           <p:nvPr>
@@ -11232,152 +11370,117 @@
         </p:nvSpPr>
         <p:spPr>
           <a:xfrm>
-            <a:off x="387900" y="458025"/>
-            <a:ext cx="8368200" cy="686100"/>
+            <a:off x="161773" y="170067"/>
+            <a:ext cx="8222100" cy="907500"/>
+          </a:xfrm>
+        </p:spPr>
+        <p:txBody>
+          <a:bodyPr/>
+          <a:lstStyle/>
+          <a:p>
+            <a:pPr algn="l"/>
+            <a:r>
+              <a:rPr lang="en-US" dirty="0"/>
+              <a:t>Prototype</a:t>
+            </a:r>
+            <a:endParaRPr lang="en-IN" dirty="0"/>
+          </a:p>
+        </p:txBody>
+      </p:sp>
+      <p:pic>
+        <p:nvPicPr>
+          <p:cNvPr id="6" name="Picture 5">
+            <a:extLst>
+              <a:ext uri="{FF2B5EF4-FFF2-40B4-BE49-F238E27FC236}">
+                <a16:creationId xmlns:a16="http://schemas.microsoft.com/office/drawing/2014/main" id="{10B5055B-CB0C-4449-A0B3-02F4823AC274}"/>
+              </a:ext>
+            </a:extLst>
+          </p:cNvPr>
+          <p:cNvPicPr>
+            <a:picLocks noChangeAspect="1"/>
+          </p:cNvPicPr>
+          <p:nvPr/>
+        </p:nvPicPr>
+        <p:blipFill>
+          <a:blip r:embed="rId2"/>
+          <a:stretch>
+            <a:fillRect/>
+          </a:stretch>
+        </p:blipFill>
+        <p:spPr>
+          <a:xfrm>
+            <a:off x="597976" y="1240465"/>
+            <a:ext cx="2181324" cy="3636335"/>
           </a:xfrm>
           <a:prstGeom prst="rect">
             <a:avLst/>
           </a:prstGeom>
-          <a:noFill/>
-          <a:ln>
-            <a:noFill/>
-          </a:ln>
         </p:spPr>
-        <p:txBody>
-          <a:bodyPr spcFirstLastPara="1" wrap="square" lIns="91425" tIns="91425" rIns="91425" bIns="91425" anchor="b" anchorCtr="0">
-            <a:noAutofit/>
-          </a:bodyPr>
-          <a:lstStyle/>
-          <a:p>
-            <a:pPr marL="0" lvl="0" indent="0" algn="l" rtl="0">
-              <a:lnSpc>
-                <a:spcPct val="100000"/>
-              </a:lnSpc>
-              <a:spcBef>
-                <a:spcPts val="0"/>
-              </a:spcBef>
-              <a:spcAft>
-                <a:spcPts val="0"/>
-              </a:spcAft>
-              <a:buSzPts val="3000"/>
-              <a:buNone/>
-            </a:pPr>
-            <a:r>
-              <a:rPr lang="en-IN" dirty="0"/>
-              <a:t>What more could be added?</a:t>
-            </a:r>
-            <a:endParaRPr dirty="0"/>
-          </a:p>
-        </p:txBody>
-      </p:sp>
-      <p:sp>
-        <p:nvSpPr>
-          <p:cNvPr id="100" name="Google Shape;100;p18"/>
-          <p:cNvSpPr txBox="1">
-            <a:spLocks noGrp="1"/>
-          </p:cNvSpPr>
-          <p:nvPr>
-            <p:ph type="body" idx="1"/>
-          </p:nvPr>
-        </p:nvSpPr>
+      </p:pic>
+      <p:pic>
+        <p:nvPicPr>
+          <p:cNvPr id="8" name="Picture 7">
+            <a:extLst>
+              <a:ext uri="{FF2B5EF4-FFF2-40B4-BE49-F238E27FC236}">
+                <a16:creationId xmlns:a16="http://schemas.microsoft.com/office/drawing/2014/main" id="{2824CA64-26E0-4901-9105-A603004469CC}"/>
+              </a:ext>
+            </a:extLst>
+          </p:cNvPr>
+          <p:cNvPicPr>
+            <a:picLocks noChangeAspect="1"/>
+          </p:cNvPicPr>
+          <p:nvPr/>
+        </p:nvPicPr>
+        <p:blipFill>
+          <a:blip r:embed="rId3"/>
+          <a:stretch>
+            <a:fillRect/>
+          </a:stretch>
+        </p:blipFill>
         <p:spPr>
           <a:xfrm>
-            <a:off x="333154" y="1489824"/>
-            <a:ext cx="8422946" cy="3316091"/>
+            <a:off x="5427759" y="1236095"/>
+            <a:ext cx="2112393" cy="3640705"/>
           </a:xfrm>
           <a:prstGeom prst="rect">
             <a:avLst/>
           </a:prstGeom>
-          <a:noFill/>
-          <a:ln>
-            <a:noFill/>
-          </a:ln>
         </p:spPr>
-        <p:txBody>
-          <a:bodyPr spcFirstLastPara="1" wrap="square" lIns="91425" tIns="91425" rIns="91425" bIns="91425" anchor="t" anchorCtr="0">
-            <a:noAutofit/>
-          </a:bodyPr>
-          <a:lstStyle/>
-          <a:p>
-            <a:pPr marL="285750" indent="-285750">
-              <a:spcAft>
-                <a:spcPts val="1600"/>
-              </a:spcAft>
-            </a:pPr>
-            <a:r>
-              <a:rPr lang="en-IN" b="1" dirty="0"/>
-              <a:t>SMTP Mail - To send a acknowledgment mail to user after they donate.</a:t>
-            </a:r>
-          </a:p>
-          <a:p>
-            <a:pPr marL="285750" indent="-285750">
-              <a:spcAft>
-                <a:spcPts val="1600"/>
-              </a:spcAft>
-            </a:pPr>
-            <a:r>
-              <a:rPr lang="en-IN" b="1" dirty="0"/>
-              <a:t>AI Chatbot - To solve queries quickly.</a:t>
-            </a:r>
-          </a:p>
-          <a:p>
-            <a:pPr marL="285750" indent="-285750">
-              <a:spcAft>
-                <a:spcPts val="1600"/>
-              </a:spcAft>
-            </a:pPr>
-            <a:r>
-              <a:rPr lang="en-IN" b="1" dirty="0"/>
-              <a:t>User Login System - To make the donation process for the user hassle-free by preventing them from adding same details again</a:t>
-            </a:r>
-          </a:p>
-          <a:p>
-            <a:pPr marL="285750" indent="-285750">
-              <a:spcAft>
-                <a:spcPts val="1600"/>
-              </a:spcAft>
-            </a:pPr>
-            <a:r>
-              <a:rPr lang="en-IN" b="1" dirty="0"/>
-              <a:t>Admin Login – To supervise the entire working of the website</a:t>
-            </a:r>
-          </a:p>
-          <a:p>
-            <a:pPr marL="285750" indent="-285750">
-              <a:spcAft>
-                <a:spcPts val="1600"/>
-              </a:spcAft>
-            </a:pPr>
-            <a:r>
-              <a:rPr lang="en-IN" b="1" dirty="0"/>
-              <a:t>Build an  app using the website.</a:t>
-            </a:r>
-          </a:p>
-          <a:p>
-            <a:pPr marL="285750" indent="-285750">
-              <a:spcAft>
-                <a:spcPts val="1600"/>
-              </a:spcAft>
-            </a:pPr>
-            <a:r>
-              <a:rPr lang="en-IN" b="1" dirty="0"/>
-              <a:t>FAQ Page</a:t>
-            </a:r>
-          </a:p>
-          <a:p>
-            <a:pPr marL="285750" indent="-285750">
-              <a:spcAft>
-                <a:spcPts val="1600"/>
-              </a:spcAft>
-            </a:pPr>
-            <a:endParaRPr b="1" dirty="0"/>
-          </a:p>
-        </p:txBody>
-      </p:sp>
+      </p:pic>
+      <p:pic>
+        <p:nvPicPr>
+          <p:cNvPr id="10" name="Picture 9">
+            <a:extLst>
+              <a:ext uri="{FF2B5EF4-FFF2-40B4-BE49-F238E27FC236}">
+                <a16:creationId xmlns:a16="http://schemas.microsoft.com/office/drawing/2014/main" id="{F774C91E-78C0-44C7-B253-C9E3BEFD35C3}"/>
+              </a:ext>
+            </a:extLst>
+          </p:cNvPr>
+          <p:cNvPicPr>
+            <a:picLocks noChangeAspect="1"/>
+          </p:cNvPicPr>
+          <p:nvPr/>
+        </p:nvPicPr>
+        <p:blipFill>
+          <a:blip r:embed="rId4"/>
+          <a:stretch>
+            <a:fillRect/>
+          </a:stretch>
+        </p:blipFill>
+        <p:spPr>
+          <a:xfrm>
+            <a:off x="3165056" y="1236095"/>
+            <a:ext cx="1975763" cy="3640705"/>
+          </a:xfrm>
+          <a:prstGeom prst="rect">
+            <a:avLst/>
+          </a:prstGeom>
+        </p:spPr>
+      </p:pic>
     </p:spTree>
     <p:extLst>
       <p:ext uri="{BB962C8B-B14F-4D97-AF65-F5344CB8AC3E}">
-        <p14:creationId xmlns:p14="http://schemas.microsoft.com/office/powerpoint/2010/main" val="2039230651"/>
+        <p14:creationId xmlns:p14="http://schemas.microsoft.com/office/powerpoint/2010/main" val="3975042862"/>
       </p:ext>
     </p:extLst>
   </p:cSld>
@@ -11392,7 +11495,7 @@
   <p:cSld>
     <p:spTree>
       <p:nvGrpSpPr>
-        <p:cNvPr id="1" name="Shape 92"/>
+        <p:cNvPr id="1" name=""/>
         <p:cNvGrpSpPr/>
         <p:nvPr/>
       </p:nvGrpSpPr>
@@ -11406,8 +11509,14 @@
       </p:grpSpPr>
       <p:sp>
         <p:nvSpPr>
-          <p:cNvPr id="93" name="Google Shape;93;p17"/>
-          <p:cNvSpPr txBox="1">
+          <p:cNvPr id="2" name="Title 1">
+            <a:extLst>
+              <a:ext uri="{FF2B5EF4-FFF2-40B4-BE49-F238E27FC236}">
+                <a16:creationId xmlns:a16="http://schemas.microsoft.com/office/drawing/2014/main" id="{E74042C0-C9BB-45AF-A324-E726962C049B}"/>
+              </a:ext>
+            </a:extLst>
+          </p:cNvPr>
+          <p:cNvSpPr>
             <a:spLocks noGrp="1"/>
           </p:cNvSpPr>
           <p:nvPr>
@@ -11416,95 +11525,123 @@
         </p:nvSpPr>
         <p:spPr>
           <a:xfrm>
-            <a:off x="387900" y="458025"/>
-            <a:ext cx="8368200" cy="686100"/>
+            <a:off x="197215" y="219685"/>
+            <a:ext cx="8222100" cy="907500"/>
+          </a:xfrm>
+        </p:spPr>
+        <p:txBody>
+          <a:bodyPr/>
+          <a:lstStyle/>
+          <a:p>
+            <a:pPr algn="l"/>
+            <a:r>
+              <a:rPr lang="en-US" dirty="0"/>
+              <a:t>Prototype</a:t>
+            </a:r>
+            <a:r>
+              <a:rPr lang="en-US" sz="3200" dirty="0"/>
+              <a:t>(Continued)</a:t>
+            </a:r>
+            <a:endParaRPr lang="en-IN" sz="3200" dirty="0"/>
+          </a:p>
+        </p:txBody>
+      </p:sp>
+      <p:pic>
+        <p:nvPicPr>
+          <p:cNvPr id="4" name="Picture 3">
+            <a:extLst>
+              <a:ext uri="{FF2B5EF4-FFF2-40B4-BE49-F238E27FC236}">
+                <a16:creationId xmlns:a16="http://schemas.microsoft.com/office/drawing/2014/main" id="{E7A86CFE-AE88-4A56-A336-6F00D328C360}"/>
+              </a:ext>
+            </a:extLst>
+          </p:cNvPr>
+          <p:cNvPicPr>
+            <a:picLocks noChangeAspect="1"/>
+          </p:cNvPicPr>
+          <p:nvPr/>
+        </p:nvPicPr>
+        <p:blipFill>
+          <a:blip r:embed="rId2"/>
+          <a:stretch>
+            <a:fillRect/>
+          </a:stretch>
+        </p:blipFill>
+        <p:spPr>
+          <a:xfrm>
+            <a:off x="6129084" y="1113009"/>
+            <a:ext cx="2103461" cy="3905323"/>
           </a:xfrm>
           <a:prstGeom prst="rect">
             <a:avLst/>
           </a:prstGeom>
-          <a:noFill/>
-          <a:ln>
-            <a:noFill/>
-          </a:ln>
         </p:spPr>
-        <p:txBody>
-          <a:bodyPr spcFirstLastPara="1" wrap="square" lIns="91425" tIns="91425" rIns="91425" bIns="91425" anchor="b" anchorCtr="0">
-            <a:noAutofit/>
-          </a:bodyPr>
-          <a:lstStyle/>
-          <a:p>
-            <a:pPr marL="0" lvl="0" indent="0" algn="l" rtl="0">
-              <a:lnSpc>
-                <a:spcPct val="100000"/>
-              </a:lnSpc>
-              <a:spcBef>
-                <a:spcPts val="0"/>
-              </a:spcBef>
-              <a:spcAft>
-                <a:spcPts val="0"/>
-              </a:spcAft>
-              <a:buSzPts val="3000"/>
-              <a:buNone/>
-            </a:pPr>
-            <a:r>
-              <a:rPr lang="en"/>
-              <a:t>Conclusion</a:t>
-            </a:r>
-            <a:endParaRPr/>
-          </a:p>
-        </p:txBody>
-      </p:sp>
-      <p:sp>
-        <p:nvSpPr>
-          <p:cNvPr id="94" name="Google Shape;94;p17"/>
-          <p:cNvSpPr txBox="1">
-            <a:spLocks noGrp="1"/>
-          </p:cNvSpPr>
-          <p:nvPr>
-            <p:ph type="body" idx="1"/>
-          </p:nvPr>
-        </p:nvSpPr>
+      </p:pic>
+      <p:pic>
+        <p:nvPicPr>
+          <p:cNvPr id="6" name="Picture 5">
+            <a:extLst>
+              <a:ext uri="{FF2B5EF4-FFF2-40B4-BE49-F238E27FC236}">
+                <a16:creationId xmlns:a16="http://schemas.microsoft.com/office/drawing/2014/main" id="{62E1CE5F-1A09-45F8-AB3F-B04DE024BE86}"/>
+              </a:ext>
+            </a:extLst>
+          </p:cNvPr>
+          <p:cNvPicPr>
+            <a:picLocks noChangeAspect="1"/>
+          </p:cNvPicPr>
+          <p:nvPr/>
+        </p:nvPicPr>
+        <p:blipFill>
+          <a:blip r:embed="rId3"/>
+          <a:stretch>
+            <a:fillRect/>
+          </a:stretch>
+        </p:blipFill>
         <p:spPr>
           <a:xfrm>
-            <a:off x="825325" y="1737825"/>
-            <a:ext cx="6827100" cy="2711400"/>
+            <a:off x="3499852" y="1127185"/>
+            <a:ext cx="2144295" cy="3905323"/>
           </a:xfrm>
           <a:prstGeom prst="rect">
             <a:avLst/>
           </a:prstGeom>
-          <a:noFill/>
-          <a:ln>
-            <a:noFill/>
-          </a:ln>
         </p:spPr>
-        <p:txBody>
-          <a:bodyPr spcFirstLastPara="1" wrap="square" lIns="91425" tIns="91425" rIns="91425" bIns="91425" anchor="t" anchorCtr="0">
-            <a:noAutofit/>
-          </a:bodyPr>
-          <a:lstStyle/>
-          <a:p>
-            <a:pPr marL="0" lvl="0" indent="0" algn="l" rtl="0">
-              <a:lnSpc>
-                <a:spcPct val="115000"/>
-              </a:lnSpc>
-              <a:spcBef>
-                <a:spcPts val="0"/>
-              </a:spcBef>
-              <a:spcAft>
-                <a:spcPts val="1600"/>
-              </a:spcAft>
-              <a:buSzPts val="1800"/>
-              <a:buNone/>
-            </a:pPr>
-            <a:r>
-              <a:rPr lang="en"/>
-              <a:t>The end result will be a website which lets everything transparent between the foundation and its user. The events, sponsors page, user details, transaction will be readily available to both the user and the foundation. The website would be much faster using LAMP stack.</a:t>
-            </a:r>
-            <a:endParaRPr/>
-          </a:p>
-        </p:txBody>
-      </p:sp>
+      </p:pic>
+      <p:pic>
+        <p:nvPicPr>
+          <p:cNvPr id="8" name="Picture 7">
+            <a:extLst>
+              <a:ext uri="{FF2B5EF4-FFF2-40B4-BE49-F238E27FC236}">
+                <a16:creationId xmlns:a16="http://schemas.microsoft.com/office/drawing/2014/main" id="{2B0395BE-C1B4-46B4-AE1B-39A5F6B23C98}"/>
+              </a:ext>
+            </a:extLst>
+          </p:cNvPr>
+          <p:cNvPicPr>
+            <a:picLocks noChangeAspect="1"/>
+          </p:cNvPicPr>
+          <p:nvPr/>
+        </p:nvPicPr>
+        <p:blipFill>
+          <a:blip r:embed="rId4"/>
+          <a:stretch>
+            <a:fillRect/>
+          </a:stretch>
+        </p:blipFill>
+        <p:spPr>
+          <a:xfrm>
+            <a:off x="724685" y="1118195"/>
+            <a:ext cx="2111785" cy="3905323"/>
+          </a:xfrm>
+          <a:prstGeom prst="rect">
+            <a:avLst/>
+          </a:prstGeom>
+        </p:spPr>
+      </p:pic>
     </p:spTree>
+    <p:extLst>
+      <p:ext uri="{BB962C8B-B14F-4D97-AF65-F5344CB8AC3E}">
+        <p14:creationId xmlns:p14="http://schemas.microsoft.com/office/powerpoint/2010/main" val="1648180394"/>
+      </p:ext>
+    </p:extLst>
   </p:cSld>
   <p:clrMapOvr>
     <a:masterClrMapping/>
@@ -11572,10 +11709,10 @@
               <a:buNone/>
             </a:pPr>
             <a:r>
-              <a:rPr lang="en"/>
-              <a:t>Github Repository Link</a:t>
+              <a:rPr lang="en-IN" dirty="0"/>
+              <a:t>What more could be added?</a:t>
             </a:r>
-            <a:endParaRPr/>
+            <a:endParaRPr dirty="0"/>
           </a:p>
         </p:txBody>
       </p:sp>
@@ -11591,7 +11728,191 @@
         </p:nvSpPr>
         <p:spPr>
           <a:xfrm>
-            <a:off x="880425" y="1489825"/>
+            <a:off x="333154" y="1489824"/>
+            <a:ext cx="8422946" cy="3316091"/>
+          </a:xfrm>
+          <a:prstGeom prst="rect">
+            <a:avLst/>
+          </a:prstGeom>
+          <a:noFill/>
+          <a:ln>
+            <a:noFill/>
+          </a:ln>
+        </p:spPr>
+        <p:txBody>
+          <a:bodyPr spcFirstLastPara="1" wrap="square" lIns="91425" tIns="91425" rIns="91425" bIns="91425" anchor="t" anchorCtr="0">
+            <a:noAutofit/>
+          </a:bodyPr>
+          <a:lstStyle/>
+          <a:p>
+            <a:pPr marL="285750" indent="-285750">
+              <a:spcAft>
+                <a:spcPts val="1600"/>
+              </a:spcAft>
+            </a:pPr>
+            <a:r>
+              <a:rPr lang="en-IN" b="1" dirty="0"/>
+              <a:t>SMTP Mail - To send a acknowledgment mail to user after they donate.</a:t>
+            </a:r>
+          </a:p>
+          <a:p>
+            <a:pPr marL="285750" indent="-285750">
+              <a:spcAft>
+                <a:spcPts val="1600"/>
+              </a:spcAft>
+            </a:pPr>
+            <a:r>
+              <a:rPr lang="en-IN" b="1" dirty="0"/>
+              <a:t>AI Chatbot - To solve queries quickly.</a:t>
+            </a:r>
+          </a:p>
+          <a:p>
+            <a:pPr marL="285750" indent="-285750">
+              <a:spcAft>
+                <a:spcPts val="1600"/>
+              </a:spcAft>
+            </a:pPr>
+            <a:r>
+              <a:rPr lang="en-IN" b="1" dirty="0"/>
+              <a:t>User Login System - To make the donation process for the user hassle-free by preventing them from adding same details again</a:t>
+            </a:r>
+          </a:p>
+          <a:p>
+            <a:pPr marL="285750" indent="-285750">
+              <a:spcAft>
+                <a:spcPts val="1600"/>
+              </a:spcAft>
+            </a:pPr>
+            <a:r>
+              <a:rPr lang="en-IN" b="1" dirty="0"/>
+              <a:t>Admin Login – To supervise the entire working of the website</a:t>
+            </a:r>
+          </a:p>
+          <a:p>
+            <a:pPr marL="285750" indent="-285750">
+              <a:spcAft>
+                <a:spcPts val="1600"/>
+              </a:spcAft>
+            </a:pPr>
+            <a:r>
+              <a:rPr lang="en-IN" b="1" dirty="0"/>
+              <a:t>Build an  app using the website.</a:t>
+            </a:r>
+          </a:p>
+          <a:p>
+            <a:pPr marL="285750" indent="-285750">
+              <a:spcAft>
+                <a:spcPts val="1600"/>
+              </a:spcAft>
+            </a:pPr>
+            <a:r>
+              <a:rPr lang="en-IN" b="1" dirty="0"/>
+              <a:t>FAQ Page</a:t>
+            </a:r>
+          </a:p>
+          <a:p>
+            <a:pPr marL="285750" indent="-285750">
+              <a:spcAft>
+                <a:spcPts val="1600"/>
+              </a:spcAft>
+            </a:pPr>
+            <a:endParaRPr b="1" dirty="0"/>
+          </a:p>
+        </p:txBody>
+      </p:sp>
+    </p:spTree>
+    <p:extLst>
+      <p:ext uri="{BB962C8B-B14F-4D97-AF65-F5344CB8AC3E}">
+        <p14:creationId xmlns:p14="http://schemas.microsoft.com/office/powerpoint/2010/main" val="2039230651"/>
+      </p:ext>
+    </p:extLst>
+  </p:cSld>
+  <p:clrMapOvr>
+    <a:masterClrMapping/>
+  </p:clrMapOvr>
+</p:sld>
+</file>
+
+<file path=ppt/slides/slide9.xml><?xml version="1.0" encoding="utf-8"?>
+<p:sld xmlns:a="http://schemas.openxmlformats.org/drawingml/2006/main" xmlns:r="http://schemas.openxmlformats.org/officeDocument/2006/relationships" xmlns:p="http://schemas.openxmlformats.org/presentationml/2006/main">
+  <p:cSld>
+    <p:spTree>
+      <p:nvGrpSpPr>
+        <p:cNvPr id="1" name="Shape 92"/>
+        <p:cNvGrpSpPr/>
+        <p:nvPr/>
+      </p:nvGrpSpPr>
+      <p:grpSpPr>
+        <a:xfrm>
+          <a:off x="0" y="0"/>
+          <a:ext cx="0" cy="0"/>
+          <a:chOff x="0" y="0"/>
+          <a:chExt cx="0" cy="0"/>
+        </a:xfrm>
+      </p:grpSpPr>
+      <p:sp>
+        <p:nvSpPr>
+          <p:cNvPr id="93" name="Google Shape;93;p17"/>
+          <p:cNvSpPr txBox="1">
+            <a:spLocks noGrp="1"/>
+          </p:cNvSpPr>
+          <p:nvPr>
+            <p:ph type="title"/>
+          </p:nvPr>
+        </p:nvSpPr>
+        <p:spPr>
+          <a:xfrm>
+            <a:off x="387900" y="458025"/>
+            <a:ext cx="8368200" cy="686100"/>
+          </a:xfrm>
+          <a:prstGeom prst="rect">
+            <a:avLst/>
+          </a:prstGeom>
+          <a:noFill/>
+          <a:ln>
+            <a:noFill/>
+          </a:ln>
+        </p:spPr>
+        <p:txBody>
+          <a:bodyPr spcFirstLastPara="1" wrap="square" lIns="91425" tIns="91425" rIns="91425" bIns="91425" anchor="b" anchorCtr="0">
+            <a:noAutofit/>
+          </a:bodyPr>
+          <a:lstStyle/>
+          <a:p>
+            <a:pPr marL="0" lvl="0" indent="0" algn="l" rtl="0">
+              <a:lnSpc>
+                <a:spcPct val="100000"/>
+              </a:lnSpc>
+              <a:spcBef>
+                <a:spcPts val="0"/>
+              </a:spcBef>
+              <a:spcAft>
+                <a:spcPts val="0"/>
+              </a:spcAft>
+              <a:buSzPts val="3000"/>
+              <a:buNone/>
+            </a:pPr>
+            <a:r>
+              <a:rPr lang="en"/>
+              <a:t>Conclusion</a:t>
+            </a:r>
+            <a:endParaRPr/>
+          </a:p>
+        </p:txBody>
+      </p:sp>
+      <p:sp>
+        <p:nvSpPr>
+          <p:cNvPr id="94" name="Google Shape;94;p17"/>
+          <p:cNvSpPr txBox="1">
+            <a:spLocks noGrp="1"/>
+          </p:cNvSpPr>
+          <p:nvPr>
+            <p:ph type="body" idx="1"/>
+          </p:nvPr>
+        </p:nvSpPr>
+        <p:spPr>
+          <a:xfrm>
+            <a:off x="825325" y="1737825"/>
             <a:ext cx="6827100" cy="2711400"/>
           </a:xfrm>
           <a:prstGeom prst="rect">
@@ -11622,15 +11943,10 @@
               <a:buNone/>
             </a:pPr>
             <a:r>
-              <a:rPr lang="en" b="1" u="sng">
-                <a:solidFill>
-                  <a:schemeClr val="hlink"/>
-                </a:solidFill>
-                <a:hlinkClick r:id="rId3"/>
-              </a:rPr>
-              <a:t>https://github.com/bhaveshlohana/humanteamwebsite</a:t>
+              <a:rPr lang="en"/>
+              <a:t>The end result will be a website which lets everything transparent between the foundation and its user. The events, sponsors page, user details, transaction will be readily available to both the user and the foundation. The website would be much faster using LAMP stack.</a:t>
             </a:r>
-            <a:endParaRPr b="1"/>
+            <a:endParaRPr/>
           </a:p>
         </p:txBody>
       </p:sp>

--- a/112_Bhavesh Lohana_abstract.pptx
+++ b/112_Bhavesh Lohana_abstract.pptx
@@ -1637,7 +1637,7 @@
         </p:nvSpPr>
         <p:spPr>
           <a:xfrm>
-            <a:off x="381300" y="685800"/>
+            <a:off x="381000" y="685800"/>
             <a:ext cx="6096000" cy="3429000"/>
           </a:xfrm>
           <a:custGeom>
@@ -11370,7 +11370,7 @@
         </p:nvSpPr>
         <p:spPr>
           <a:xfrm>
-            <a:off x="161773" y="170067"/>
+            <a:off x="140507" y="-187050"/>
             <a:ext cx="8222100" cy="907500"/>
           </a:xfrm>
         </p:spPr>
@@ -11380,10 +11380,10 @@
           <a:p>
             <a:pPr algn="l"/>
             <a:r>
-              <a:rPr lang="en-US" dirty="0"/>
+              <a:rPr lang="en-US" sz="3000" dirty="0"/>
               <a:t>Prototype</a:t>
             </a:r>
-            <a:endParaRPr lang="en-IN" dirty="0"/>
+            <a:endParaRPr lang="en-IN" sz="3000" dirty="0"/>
           </a:p>
         </p:txBody>
       </p:sp>
@@ -11409,8 +11409,8 @@
         </p:blipFill>
         <p:spPr>
           <a:xfrm>
-            <a:off x="597976" y="1240465"/>
-            <a:ext cx="2181324" cy="3636335"/>
+            <a:off x="330094" y="793899"/>
+            <a:ext cx="2449206" cy="4082902"/>
           </a:xfrm>
           <a:prstGeom prst="rect">
             <a:avLst/>
@@ -11439,8 +11439,8 @@
         </p:blipFill>
         <p:spPr>
           <a:xfrm>
-            <a:off x="5427759" y="1236095"/>
-            <a:ext cx="2112393" cy="3640705"/>
+            <a:off x="6164949" y="780841"/>
+            <a:ext cx="2376539" cy="4095960"/>
           </a:xfrm>
           <a:prstGeom prst="rect">
             <a:avLst/>
@@ -11469,8 +11469,8 @@
         </p:blipFill>
         <p:spPr>
           <a:xfrm>
-            <a:off x="3165056" y="1236095"/>
-            <a:ext cx="1975763" cy="3640705"/>
+            <a:off x="3364255" y="793899"/>
+            <a:ext cx="2215738" cy="4082902"/>
           </a:xfrm>
           <a:prstGeom prst="rect">
             <a:avLst/>
@@ -11525,7 +11525,7 @@
         </p:nvSpPr>
         <p:spPr>
           <a:xfrm>
-            <a:off x="197215" y="219685"/>
+            <a:off x="69624" y="-177264"/>
             <a:ext cx="8222100" cy="907500"/>
           </a:xfrm>
         </p:spPr>
@@ -11535,14 +11535,10 @@
           <a:p>
             <a:pPr algn="l"/>
             <a:r>
-              <a:rPr lang="en-US" dirty="0"/>
-              <a:t>Prototype</a:t>
+              <a:rPr lang="en-US" sz="3000" dirty="0"/>
+              <a:t>Prototype(Continued)</a:t>
             </a:r>
-            <a:r>
-              <a:rPr lang="en-US" sz="3200" dirty="0"/>
-              <a:t>(Continued)</a:t>
-            </a:r>
-            <a:endParaRPr lang="en-IN" sz="3200" dirty="0"/>
+            <a:endParaRPr lang="en-IN" sz="3000" dirty="0"/>
           </a:p>
         </p:txBody>
       </p:sp>
@@ -11568,38 +11564,8 @@
         </p:blipFill>
         <p:spPr>
           <a:xfrm>
-            <a:off x="6129084" y="1113009"/>
-            <a:ext cx="2103461" cy="3905323"/>
-          </a:xfrm>
-          <a:prstGeom prst="rect">
-            <a:avLst/>
-          </a:prstGeom>
-        </p:spPr>
-      </p:pic>
-      <p:pic>
-        <p:nvPicPr>
-          <p:cNvPr id="6" name="Picture 5">
-            <a:extLst>
-              <a:ext uri="{FF2B5EF4-FFF2-40B4-BE49-F238E27FC236}">
-                <a16:creationId xmlns:a16="http://schemas.microsoft.com/office/drawing/2014/main" id="{62E1CE5F-1A09-45F8-AB3F-B04DE024BE86}"/>
-              </a:ext>
-            </a:extLst>
-          </p:cNvPr>
-          <p:cNvPicPr>
-            <a:picLocks noChangeAspect="1"/>
-          </p:cNvPicPr>
-          <p:nvPr/>
-        </p:nvPicPr>
-        <p:blipFill>
-          <a:blip r:embed="rId3"/>
-          <a:stretch>
-            <a:fillRect/>
-          </a:stretch>
-        </p:blipFill>
-        <p:spPr>
-          <a:xfrm>
-            <a:off x="3499852" y="1127185"/>
-            <a:ext cx="2144295" cy="3905323"/>
+            <a:off x="4980768" y="641948"/>
+            <a:ext cx="2359974" cy="4381570"/>
           </a:xfrm>
           <a:prstGeom prst="rect">
             <a:avLst/>
@@ -11621,15 +11587,15 @@
           <p:nvPr/>
         </p:nvPicPr>
         <p:blipFill>
-          <a:blip r:embed="rId4"/>
+          <a:blip r:embed="rId3"/>
           <a:stretch>
             <a:fillRect/>
           </a:stretch>
         </p:blipFill>
         <p:spPr>
           <a:xfrm>
-            <a:off x="724685" y="1118195"/>
-            <a:ext cx="2111785" cy="3905323"/>
+            <a:off x="476497" y="659219"/>
+            <a:ext cx="2359974" cy="4364299"/>
           </a:xfrm>
           <a:prstGeom prst="rect">
             <a:avLst/>
@@ -11729,7 +11695,7 @@
         <p:spPr>
           <a:xfrm>
             <a:off x="333154" y="1489824"/>
-            <a:ext cx="8422946" cy="3316091"/>
+            <a:ext cx="8422946" cy="3557097"/>
           </a:xfrm>
           <a:prstGeom prst="rect">
             <a:avLst/>
@@ -11752,7 +11718,18 @@
             </a:pPr>
             <a:r>
               <a:rPr lang="en-IN" b="1" dirty="0"/>
-              <a:t>SMTP Mail - To send a acknowledgment mail to user after they donate.</a:t>
+              <a:t>SMTP Mail - To send an acknowledgment mail to user after they donate.</a:t>
+            </a:r>
+          </a:p>
+          <a:p>
+            <a:pPr marL="285750" indent="-285750">
+              <a:spcAft>
+                <a:spcPts val="1600"/>
+              </a:spcAft>
+            </a:pPr>
+            <a:r>
+              <a:rPr lang="en-IN" b="1" dirty="0"/>
+              <a:t>Volunteer Program page</a:t>
             </a:r>
           </a:p>
           <a:p>
@@ -11774,7 +11751,7 @@
             </a:pPr>
             <a:r>
               <a:rPr lang="en-IN" b="1" dirty="0"/>
-              <a:t>User Login System - To make the donation process for the user hassle-free by preventing them from adding same details again</a:t>
+              <a:t>Admin Panel – To supervise the entire working of the website</a:t>
             </a:r>
           </a:p>
           <a:p>
@@ -11785,18 +11762,7 @@
             </a:pPr>
             <a:r>
               <a:rPr lang="en-IN" b="1" dirty="0"/>
-              <a:t>Admin Login – To supervise the entire working of the website</a:t>
-            </a:r>
-          </a:p>
-          <a:p>
-            <a:pPr marL="285750" indent="-285750">
-              <a:spcAft>
-                <a:spcPts val="1600"/>
-              </a:spcAft>
-            </a:pPr>
-            <a:r>
-              <a:rPr lang="en-IN" b="1" dirty="0"/>
-              <a:t>Build an  app using the website.</a:t>
+              <a:t>Build an app using the website.</a:t>
             </a:r>
           </a:p>
           <a:p>
@@ -11943,10 +11909,10 @@
               <a:buNone/>
             </a:pPr>
             <a:r>
-              <a:rPr lang="en"/>
-              <a:t>The end result will be a website which lets everything transparent between the foundation and its user. The events, sponsors page, user details, transaction will be readily available to both the user and the foundation. The website would be much faster using LAMP stack.</a:t>
+              <a:rPr lang="en" dirty="0"/>
+              <a:t>The end result will be a website which lets everything transparent between the foundation and its user. The events, sponsors page, and transaction details will be readily available to both the user and the foundation. The website would be much faster using LAMP stack. Separate Sponsor page would attract more donators.</a:t>
             </a:r>
-            <a:endParaRPr/>
+            <a:endParaRPr dirty="0"/>
           </a:p>
         </p:txBody>
       </p:sp>
